--- a/papers/review/GCN Review.pptx
+++ b/papers/review/GCN Review.pptx
@@ -605,135 +605,6 @@
           <a:bodyPr/>
           <a:lstStyle/>
           <a:p>
-            <a:r>
-              <a:rPr lang="ko-KR" altLang="en-US" dirty="0"/>
-              <a:t>배경 지식</a:t>
-            </a:r>
-            <a:endParaRPr lang="en-US" altLang="ko-KR" dirty="0"/>
-          </a:p>
-          <a:p>
-            <a:r>
-              <a:rPr lang="en-US" altLang="ko-KR" dirty="0" err="1"/>
-              <a:t>Cata</a:t>
-            </a:r>
-            <a:r>
-              <a:rPr lang="en-US" altLang="ko-KR" dirty="0"/>
-              <a:t> forgetting: </a:t>
-            </a:r>
-            <a:r>
-              <a:rPr lang="ko-KR" altLang="en-US" dirty="0"/>
-              <a:t>새로운 학습을 함으로써 기존 태스크에 대한 정확성이 떨어지는 현상</a:t>
-            </a:r>
-            <a:endParaRPr lang="en-US" altLang="ko-KR" dirty="0"/>
-          </a:p>
-          <a:p>
-            <a:r>
-              <a:rPr lang="en-US" altLang="ko-KR" dirty="0"/>
-              <a:t>Incremental learning: CF</a:t>
-            </a:r>
-            <a:r>
-              <a:rPr lang="ko-KR" altLang="en-US" dirty="0"/>
-              <a:t>에 대응하는 기술</a:t>
-            </a:r>
-            <a:r>
-              <a:rPr lang="en-US" altLang="ko-KR" dirty="0"/>
-              <a:t>, </a:t>
-            </a:r>
-            <a:r>
-              <a:rPr lang="ko-KR" altLang="en-US" dirty="0"/>
-              <a:t>여기서는 정규화 기반 기법을 사용</a:t>
-            </a:r>
-            <a:r>
-              <a:rPr lang="en-US" altLang="ko-KR" dirty="0"/>
-              <a:t>: </a:t>
-            </a:r>
-            <a:r>
-              <a:rPr lang="ko-KR" altLang="en-US" dirty="0"/>
-              <a:t>새로운 학습을 </a:t>
-            </a:r>
-            <a:r>
-              <a:rPr lang="ko-KR" altLang="en-US" dirty="0" err="1"/>
-              <a:t>할때</a:t>
-            </a:r>
-            <a:r>
-              <a:rPr lang="ko-KR" altLang="en-US" dirty="0"/>
-              <a:t> 이전 지식을 잊어버리지 않도록 모델 파라미터 변화에 규제를 해주는 방법론</a:t>
-            </a:r>
-            <a:r>
-              <a:rPr lang="en-US" altLang="ko-KR" dirty="0"/>
-              <a:t>,</a:t>
-            </a:r>
-            <a:r>
-              <a:rPr lang="ko-KR" altLang="en-US" dirty="0"/>
-              <a:t> 그래서 새로운 데이터가 들어와도 이전 지식을 잊지 않게 </a:t>
-            </a:r>
-            <a:r>
-              <a:rPr lang="ko-KR" altLang="en-US" dirty="0" err="1"/>
-              <a:t>만듬</a:t>
-            </a:r>
-            <a:r>
-              <a:rPr lang="en-US" altLang="ko-KR" dirty="0"/>
-              <a:t>. </a:t>
-            </a:r>
-            <a:r>
-              <a:rPr lang="ko-KR" altLang="en-US" dirty="0"/>
-              <a:t>자세한 것은 방법론에서 다룸</a:t>
-            </a:r>
-            <a:endParaRPr lang="en-US" altLang="ko-KR" dirty="0"/>
-          </a:p>
-          <a:p>
-            <a:r>
-              <a:rPr lang="en-US" altLang="ko-KR" dirty="0"/>
-              <a:t>GNN </a:t>
-            </a:r>
-            <a:r>
-              <a:rPr lang="ko-KR" altLang="en-US" dirty="0"/>
-              <a:t>추천 시스템</a:t>
-            </a:r>
-            <a:r>
-              <a:rPr lang="en-US" altLang="ko-KR" dirty="0"/>
-              <a:t>: </a:t>
-            </a:r>
-            <a:r>
-              <a:rPr lang="ko-KR" altLang="en-US" dirty="0"/>
-              <a:t>그래프 </a:t>
-            </a:r>
-            <a:r>
-              <a:rPr lang="ko-KR" altLang="en-US" dirty="0" err="1"/>
-              <a:t>뉴럴</a:t>
-            </a:r>
-            <a:r>
-              <a:rPr lang="ko-KR" altLang="en-US" dirty="0"/>
-              <a:t> 네트워크</a:t>
-            </a:r>
-            <a:r>
-              <a:rPr lang="en-US" altLang="ko-KR" dirty="0"/>
-              <a:t>, </a:t>
-            </a:r>
-            <a:r>
-              <a:rPr lang="ko-KR" altLang="en-US" dirty="0"/>
-              <a:t>수많은 관계 정보를 모델링하는 최고의 메커니즘</a:t>
-            </a:r>
-            <a:r>
-              <a:rPr lang="en-US" altLang="ko-KR" dirty="0"/>
-              <a:t>. </a:t>
-            </a:r>
-            <a:r>
-              <a:rPr lang="ko-KR" altLang="en-US" dirty="0"/>
-              <a:t>데이터 </a:t>
-            </a:r>
-            <a:r>
-              <a:rPr lang="en-US" altLang="ko-KR" dirty="0"/>
-              <a:t>sparsity</a:t>
-            </a:r>
-            <a:r>
-              <a:rPr lang="ko-KR" altLang="en-US" dirty="0"/>
-              <a:t>와 콜드 스타트 문제를 완화시켜주는 메커니즘</a:t>
-            </a:r>
-            <a:r>
-              <a:rPr lang="en-US" altLang="ko-KR" dirty="0"/>
-              <a:t>.</a:t>
-            </a:r>
             <a:endParaRPr lang="ko-KR" altLang="en-US" dirty="0"/>
           </a:p>
         </p:txBody>
@@ -5569,7 +5440,7 @@
             </a:r>
           </a:p>
           <a:p>
-            <a:pPr marL="889200" lvl="1" indent="-432000">
+            <a:pPr marL="432000" indent="-432000">
               <a:lnSpc>
                 <a:spcPct val="100000"/>
               </a:lnSpc>
@@ -5579,177 +5450,7 @@
               <a:buFont typeface="Wingdings" panose="05000000000000000000" pitchFamily="2" charset="2"/>
               <a:buChar char="§"/>
             </a:pPr>
-            <a:r>
-              <a:rPr lang="en-US" altLang="ko-KR" sz="2000" b="1" dirty="0">
-                <a:solidFill>
-                  <a:schemeClr val="tx1">
-                    <a:lumMod val="85000"/>
-                    <a:lumOff val="15000"/>
-                  </a:schemeClr>
-                </a:solidFill>
-                <a:latin typeface="나눔스퀘어 ExtraBold" panose="020B0600000101010101" pitchFamily="50" charset="-127"/>
-                <a:ea typeface="나눔스퀘어 ExtraBold" panose="020B0600000101010101" pitchFamily="50" charset="-127"/>
-                <a:cs typeface="Arial" panose="020B0604020202020204" pitchFamily="34" charset="0"/>
-              </a:rPr>
-              <a:t>Catastrophic forgetting</a:t>
-            </a:r>
-          </a:p>
-          <a:p>
-            <a:pPr marL="1346400" lvl="2" indent="-432000">
-              <a:lnSpc>
-                <a:spcPct val="100000"/>
-              </a:lnSpc>
-              <a:buClr>
-                <a:srgbClr val="004F9E"/>
-              </a:buClr>
-              <a:buFont typeface="Wingdings" panose="05000000000000000000" pitchFamily="2" charset="2"/>
-              <a:buChar char="§"/>
-            </a:pPr>
-            <a:r>
-              <a:rPr lang="en-US" altLang="ko-KR" sz="1800" dirty="0">
-                <a:solidFill>
-                  <a:schemeClr val="tx1">
-                    <a:lumMod val="85000"/>
-                    <a:lumOff val="15000"/>
-                  </a:schemeClr>
-                </a:solidFill>
-                <a:latin typeface="나눔스퀘어"/>
-                <a:ea typeface="나눔스퀘어 ExtraBold" panose="020B0600000101010101" pitchFamily="50" charset="-127"/>
-                <a:cs typeface="Arial" panose="020B0604020202020204" pitchFamily="34" charset="0"/>
-              </a:rPr>
-              <a:t>Less accurate learning of existing tasks as models learn new tasks</a:t>
-            </a:r>
-          </a:p>
-          <a:p>
-            <a:pPr marL="889200" lvl="1" indent="-432000">
-              <a:lnSpc>
-                <a:spcPct val="100000"/>
-              </a:lnSpc>
-              <a:buClr>
-                <a:srgbClr val="004F9E"/>
-              </a:buClr>
-              <a:buFont typeface="Wingdings" panose="05000000000000000000" pitchFamily="2" charset="2"/>
-              <a:buChar char="§"/>
-            </a:pPr>
-            <a:r>
-              <a:rPr lang="en-US" altLang="ko-KR" sz="2000" b="1" dirty="0">
-                <a:solidFill>
-                  <a:schemeClr val="tx1">
-                    <a:lumMod val="85000"/>
-                    <a:lumOff val="15000"/>
-                  </a:schemeClr>
-                </a:solidFill>
-                <a:latin typeface="나눔스퀘어 ExtraBold" panose="020B0600000101010101" pitchFamily="50" charset="-127"/>
-                <a:ea typeface="나눔스퀘어 ExtraBold" panose="020B0600000101010101" pitchFamily="50" charset="-127"/>
-                <a:cs typeface="Arial" panose="020B0604020202020204" pitchFamily="34" charset="0"/>
-              </a:rPr>
-              <a:t>Incremental learning</a:t>
-            </a:r>
-          </a:p>
-          <a:p>
-            <a:pPr marL="1346400" lvl="2" indent="-432000">
-              <a:lnSpc>
-                <a:spcPct val="100000"/>
-              </a:lnSpc>
-              <a:buClr>
-                <a:srgbClr val="004F9E"/>
-              </a:buClr>
-              <a:buFont typeface="Wingdings" panose="05000000000000000000" pitchFamily="2" charset="2"/>
-              <a:buChar char="§"/>
-            </a:pPr>
-            <a:r>
-              <a:rPr lang="en-US" altLang="ko-KR" sz="1800" dirty="0">
-                <a:solidFill>
-                  <a:schemeClr val="tx1">
-                    <a:lumMod val="85000"/>
-                    <a:lumOff val="15000"/>
-                  </a:schemeClr>
-                </a:solidFill>
-                <a:latin typeface="나눔스퀘어 ExtraBold" panose="020B0600000101010101" pitchFamily="50" charset="-127"/>
-                <a:ea typeface="나눔스퀘어 ExtraBold" panose="020B0600000101010101" pitchFamily="50" charset="-127"/>
-                <a:cs typeface="Arial" panose="020B0604020202020204" pitchFamily="34" charset="0"/>
-              </a:rPr>
-              <a:t>Techniques to combat catastrophic forgetting</a:t>
-            </a:r>
-          </a:p>
-          <a:p>
-            <a:pPr marL="1803600" lvl="3" indent="-432000">
-              <a:lnSpc>
-                <a:spcPct val="100000"/>
-              </a:lnSpc>
-              <a:buClr>
-                <a:srgbClr val="004F9E"/>
-              </a:buClr>
-              <a:buFont typeface="Wingdings" panose="05000000000000000000" pitchFamily="2" charset="2"/>
-              <a:buChar char="§"/>
-            </a:pPr>
-            <a:r>
-              <a:rPr lang="en-US" altLang="ko-KR" sz="1600" dirty="0">
-                <a:solidFill>
-                  <a:schemeClr val="tx1">
-                    <a:lumMod val="85000"/>
-                    <a:lumOff val="15000"/>
-                  </a:schemeClr>
-                </a:solidFill>
-                <a:latin typeface="나눔스퀘어 ExtraBold" panose="020B0600000101010101" pitchFamily="50" charset="-127"/>
-                <a:ea typeface="나눔스퀘어 ExtraBold" panose="020B0600000101010101" pitchFamily="50" charset="-127"/>
-                <a:cs typeface="Arial" panose="020B0604020202020204" pitchFamily="34" charset="0"/>
-              </a:rPr>
-              <a:t>Experience replay</a:t>
-            </a:r>
-          </a:p>
-          <a:p>
-            <a:pPr marL="1803600" lvl="3" indent="-432000">
-              <a:lnSpc>
-                <a:spcPct val="100000"/>
-              </a:lnSpc>
-              <a:buClr>
-                <a:srgbClr val="004F9E"/>
-              </a:buClr>
-              <a:buFont typeface="Wingdings" panose="05000000000000000000" pitchFamily="2" charset="2"/>
-              <a:buChar char="§"/>
-            </a:pPr>
-            <a:r>
-              <a:rPr lang="en-US" altLang="ko-KR" sz="1600" dirty="0">
-                <a:solidFill>
-                  <a:schemeClr val="tx1">
-                    <a:lumMod val="85000"/>
-                    <a:lumOff val="15000"/>
-                  </a:schemeClr>
-                </a:solidFill>
-                <a:latin typeface="나눔스퀘어 ExtraBold" panose="020B0600000101010101" pitchFamily="50" charset="-127"/>
-                <a:ea typeface="나눔스퀘어 ExtraBold" panose="020B0600000101010101" pitchFamily="50" charset="-127"/>
-                <a:cs typeface="Arial" panose="020B0604020202020204" pitchFamily="34" charset="0"/>
-              </a:rPr>
-              <a:t>Parameter isolation</a:t>
-            </a:r>
-          </a:p>
-          <a:p>
-            <a:pPr marL="1803600" lvl="3" indent="-432000">
-              <a:lnSpc>
-                <a:spcPct val="100000"/>
-              </a:lnSpc>
-              <a:buClr>
-                <a:srgbClr val="004F9E"/>
-              </a:buClr>
-              <a:buFont typeface="Wingdings" panose="05000000000000000000" pitchFamily="2" charset="2"/>
-              <a:buChar char="§"/>
-            </a:pPr>
-            <a:r>
-              <a:rPr lang="en-US" altLang="ko-KR" sz="1600" dirty="0">
-                <a:solidFill>
-                  <a:schemeClr val="tx1">
-                    <a:lumMod val="85000"/>
-                    <a:lumOff val="15000"/>
-                  </a:schemeClr>
-                </a:solidFill>
-                <a:latin typeface="나눔스퀘어 ExtraBold" panose="020B0600000101010101" pitchFamily="50" charset="-127"/>
-                <a:ea typeface="나눔스퀘어 ExtraBold" panose="020B0600000101010101" pitchFamily="50" charset="-127"/>
-                <a:cs typeface="Arial" panose="020B0604020202020204" pitchFamily="34" charset="0"/>
-              </a:rPr>
-              <a:t>Regularization (use this)</a:t>
-            </a:r>
-            <a:endParaRPr lang="en-US" altLang="ko-KR" sz="1800" dirty="0">
+            <a:endParaRPr lang="en-US" altLang="ko-KR" sz="2400" dirty="0">
               <a:solidFill>
                 <a:schemeClr val="tx1">
                   <a:lumMod val="85000"/>
@@ -5760,84 +5461,6 @@
               <a:ea typeface="나눔스퀘어 ExtraBold" panose="020B0600000101010101" pitchFamily="50" charset="-127"/>
               <a:cs typeface="Arial" panose="020B0604020202020204" pitchFamily="34" charset="0"/>
             </a:endParaRPr>
-          </a:p>
-          <a:p>
-            <a:pPr marL="889200" lvl="1" indent="-432000">
-              <a:lnSpc>
-                <a:spcPct val="100000"/>
-              </a:lnSpc>
-              <a:buClr>
-                <a:srgbClr val="004F9E"/>
-              </a:buClr>
-              <a:buFont typeface="Wingdings" panose="05000000000000000000" pitchFamily="2" charset="2"/>
-              <a:buChar char="§"/>
-            </a:pPr>
-            <a:r>
-              <a:rPr lang="en-US" altLang="ko-KR" sz="2000" b="1" dirty="0">
-                <a:solidFill>
-                  <a:schemeClr val="tx1">
-                    <a:lumMod val="85000"/>
-                    <a:lumOff val="15000"/>
-                  </a:schemeClr>
-                </a:solidFill>
-                <a:latin typeface="나눔스퀘어 ExtraBold" panose="020B0600000101010101" pitchFamily="50" charset="-127"/>
-                <a:ea typeface="나눔스퀘어 ExtraBold" panose="020B0600000101010101" pitchFamily="50" charset="-127"/>
-                <a:cs typeface="Arial" panose="020B0604020202020204" pitchFamily="34" charset="0"/>
-              </a:rPr>
-              <a:t>GNN based recommender system</a:t>
-            </a:r>
-          </a:p>
-          <a:p>
-            <a:pPr marL="1346400" lvl="2" indent="-432000">
-              <a:lnSpc>
-                <a:spcPct val="100000"/>
-              </a:lnSpc>
-              <a:buClr>
-                <a:srgbClr val="004F9E"/>
-              </a:buClr>
-              <a:buFont typeface="Wingdings" panose="05000000000000000000" pitchFamily="2" charset="2"/>
-              <a:buChar char="§"/>
-            </a:pPr>
-            <a:r>
-              <a:rPr lang="en-US" altLang="ko-KR" sz="1600" dirty="0">
-                <a:solidFill>
-                  <a:schemeClr val="tx1">
-                    <a:lumMod val="85000"/>
-                    <a:lumOff val="15000"/>
-                  </a:schemeClr>
-                </a:solidFill>
-                <a:latin typeface="나눔스퀘어 ExtraBold" panose="020B0600000101010101" pitchFamily="50" charset="-127"/>
-                <a:ea typeface="나눔스퀘어 ExtraBold" panose="020B0600000101010101" pitchFamily="50" charset="-127"/>
-                <a:cs typeface="Arial" panose="020B0604020202020204" pitchFamily="34" charset="0"/>
-              </a:rPr>
-              <a:t>The best mechanisms for modeling the abundant relationship information</a:t>
-            </a:r>
-          </a:p>
-          <a:p>
-            <a:pPr marL="1346400" lvl="2" indent="-432000">
-              <a:lnSpc>
-                <a:spcPct val="100000"/>
-              </a:lnSpc>
-              <a:buClr>
-                <a:srgbClr val="004F9E"/>
-              </a:buClr>
-              <a:buFont typeface="Wingdings" panose="05000000000000000000" pitchFamily="2" charset="2"/>
-              <a:buChar char="§"/>
-            </a:pPr>
-            <a:r>
-              <a:rPr lang="en-US" altLang="ko-KR" sz="1600" dirty="0">
-                <a:solidFill>
-                  <a:schemeClr val="tx1">
-                    <a:lumMod val="85000"/>
-                    <a:lumOff val="15000"/>
-                  </a:schemeClr>
-                </a:solidFill>
-                <a:latin typeface="나눔스퀘어 ExtraBold" panose="020B0600000101010101" pitchFamily="50" charset="-127"/>
-                <a:ea typeface="나눔스퀘어 ExtraBold" panose="020B0600000101010101" pitchFamily="50" charset="-127"/>
-                <a:cs typeface="Arial" panose="020B0604020202020204" pitchFamily="34" charset="0"/>
-              </a:rPr>
-              <a:t>Alleviate the data sparsity and cold start problems</a:t>
-            </a:r>
           </a:p>
         </p:txBody>
       </p:sp>

--- a/papers/review/GCN Review.pptx
+++ b/papers/review/GCN Review.pptx
@@ -218,7 +218,7 @@
           <a:p>
             <a:fld id="{B4BAEF34-DDA1-41A6-94BB-1D7567B3088F}" type="datetimeFigureOut">
               <a:rPr lang="ko-KR" altLang="en-US" smtClean="0"/>
-              <a:t>2023-01-18</a:t>
+              <a:t>2023-01-22</a:t>
             </a:fld>
             <a:endParaRPr lang="ko-KR" altLang="en-US"/>
           </a:p>
@@ -6741,8 +6741,8 @@
           </a:p>
         </p:txBody>
       </p:sp>
-      <mc:AlternateContent xmlns:mc="http://schemas.openxmlformats.org/markup-compatibility/2006">
-        <mc:Choice xmlns:a14="http://schemas.microsoft.com/office/drawing/2010/main" Requires="a14">
+      <mc:AlternateContent xmlns:mc="http://schemas.openxmlformats.org/markup-compatibility/2006" xmlns:a14="http://schemas.microsoft.com/office/drawing/2010/main">
+        <mc:Choice Requires="a14">
           <p:graphicFrame>
             <p:nvGraphicFramePr>
               <p:cNvPr id="13" name="표 6">
@@ -7215,7 +7215,7 @@
             </a:graphic>
           </p:graphicFrame>
         </mc:Choice>
-        <mc:Fallback>
+        <mc:Fallback xmlns="">
           <p:graphicFrame>
             <p:nvGraphicFramePr>
               <p:cNvPr id="13" name="표 6">
@@ -8076,8 +8076,8 @@
           </a:graphicData>
         </a:graphic>
       </p:graphicFrame>
-      <mc:AlternateContent xmlns:mc="http://schemas.openxmlformats.org/markup-compatibility/2006">
-        <mc:Choice xmlns:a14="http://schemas.microsoft.com/office/drawing/2010/main" Requires="a14">
+      <mc:AlternateContent xmlns:mc="http://schemas.openxmlformats.org/markup-compatibility/2006" xmlns:a14="http://schemas.microsoft.com/office/drawing/2010/main">
+        <mc:Choice Requires="a14">
           <p:sp>
             <p:nvSpPr>
               <p:cNvPr id="10" name="내용 개체 틀 2">
@@ -8378,7 +8378,7 @@
             </p:txBody>
           </p:sp>
         </mc:Choice>
-        <mc:Fallback>
+        <mc:Fallback xmlns="">
           <p:sp>
             <p:nvSpPr>
               <p:cNvPr id="10" name="내용 개체 틀 2">
@@ -10732,8 +10732,8 @@
           </a:p>
         </p:txBody>
       </p:sp>
-      <mc:AlternateContent xmlns:mc="http://schemas.openxmlformats.org/markup-compatibility/2006">
-        <mc:Choice xmlns:a14="http://schemas.microsoft.com/office/drawing/2010/main" Requires="a14">
+      <mc:AlternateContent xmlns:mc="http://schemas.openxmlformats.org/markup-compatibility/2006" xmlns:a14="http://schemas.microsoft.com/office/drawing/2010/main">
+        <mc:Choice Requires="a14">
           <p:sp>
             <p:nvSpPr>
               <p:cNvPr id="8" name="내용 개체 틀 2">
@@ -11196,7 +11196,7 @@
             </p:txBody>
           </p:sp>
         </mc:Choice>
-        <mc:Fallback>
+        <mc:Fallback xmlns="">
           <p:sp>
             <p:nvSpPr>
               <p:cNvPr id="8" name="내용 개체 틀 2">
@@ -12366,8 +12366,8 @@
           </a:graphicData>
         </a:graphic>
       </p:graphicFrame>
-      <mc:AlternateContent xmlns:mc="http://schemas.openxmlformats.org/markup-compatibility/2006">
-        <mc:Choice xmlns:a14="http://schemas.microsoft.com/office/drawing/2010/main" Requires="a14">
+      <mc:AlternateContent xmlns:mc="http://schemas.openxmlformats.org/markup-compatibility/2006" xmlns:a14="http://schemas.microsoft.com/office/drawing/2010/main">
+        <mc:Choice Requires="a14">
           <p:sp>
             <p:nvSpPr>
               <p:cNvPr id="9" name="내용 개체 틀 2">
@@ -12689,7 +12689,7 @@
             </p:txBody>
           </p:sp>
         </mc:Choice>
-        <mc:Fallback>
+        <mc:Fallback xmlns="">
           <p:sp>
             <p:nvSpPr>
               <p:cNvPr id="9" name="내용 개체 틀 2">
@@ -13309,8 +13309,8 @@
           </a:graphicData>
         </a:graphic>
       </p:graphicFrame>
-      <mc:AlternateContent xmlns:mc="http://schemas.openxmlformats.org/markup-compatibility/2006">
-        <mc:Choice xmlns:a14="http://schemas.microsoft.com/office/drawing/2010/main" Requires="a14">
+      <mc:AlternateContent xmlns:mc="http://schemas.openxmlformats.org/markup-compatibility/2006" xmlns:a14="http://schemas.microsoft.com/office/drawing/2010/main">
+        <mc:Choice Requires="a14">
           <p:sp>
             <p:nvSpPr>
               <p:cNvPr id="12" name="내용 개체 틀 2">
@@ -13570,7 +13570,7 @@
             </p:txBody>
           </p:sp>
         </mc:Choice>
-        <mc:Fallback>
+        <mc:Fallback xmlns="">
           <p:sp>
             <p:nvSpPr>
               <p:cNvPr id="12" name="내용 개체 틀 2">
@@ -13615,8 +13615,8 @@
           </p:sp>
         </mc:Fallback>
       </mc:AlternateContent>
-      <mc:AlternateContent xmlns:mc="http://schemas.openxmlformats.org/markup-compatibility/2006">
-        <mc:Choice xmlns:a14="http://schemas.microsoft.com/office/drawing/2010/main" Requires="a14">
+      <mc:AlternateContent xmlns:mc="http://schemas.openxmlformats.org/markup-compatibility/2006" xmlns:a14="http://schemas.microsoft.com/office/drawing/2010/main">
+        <mc:Choice Requires="a14">
           <p:graphicFrame>
             <p:nvGraphicFramePr>
               <p:cNvPr id="13" name="표 6">
@@ -14019,7 +14019,7 @@
             </a:graphic>
           </p:graphicFrame>
         </mc:Choice>
-        <mc:Fallback>
+        <mc:Fallback xmlns="">
           <p:graphicFrame>
             <p:nvGraphicFramePr>
               <p:cNvPr id="13" name="표 6">
@@ -14633,8 +14633,8 @@
           </a:prstGeom>
         </p:spPr>
       </p:pic>
-      <mc:AlternateContent xmlns:mc="http://schemas.openxmlformats.org/markup-compatibility/2006">
-        <mc:Choice xmlns:a14="http://schemas.microsoft.com/office/drawing/2010/main" Requires="a14">
+      <mc:AlternateContent xmlns:mc="http://schemas.openxmlformats.org/markup-compatibility/2006" xmlns:a14="http://schemas.microsoft.com/office/drawing/2010/main">
+        <mc:Choice Requires="a14">
           <p:graphicFrame>
             <p:nvGraphicFramePr>
               <p:cNvPr id="13" name="표 6">
@@ -15107,7 +15107,7 @@
             </a:graphic>
           </p:graphicFrame>
         </mc:Choice>
-        <mc:Fallback>
+        <mc:Fallback xmlns="">
           <p:graphicFrame>
             <p:nvGraphicFramePr>
               <p:cNvPr id="13" name="표 6">
@@ -15784,8 +15784,8 @@
           </a:graphicData>
         </a:graphic>
       </p:graphicFrame>
-      <mc:AlternateContent xmlns:mc="http://schemas.openxmlformats.org/markup-compatibility/2006">
-        <mc:Choice xmlns:a14="http://schemas.microsoft.com/office/drawing/2010/main" Requires="a14">
+      <mc:AlternateContent xmlns:mc="http://schemas.openxmlformats.org/markup-compatibility/2006" xmlns:a14="http://schemas.microsoft.com/office/drawing/2010/main">
+        <mc:Choice Requires="a14">
           <p:sp>
             <p:nvSpPr>
               <p:cNvPr id="6" name="내용 개체 틀 2">
@@ -16107,7 +16107,7 @@
             </p:txBody>
           </p:sp>
         </mc:Choice>
-        <mc:Fallback>
+        <mc:Fallback xmlns="">
           <p:sp>
             <p:nvSpPr>
               <p:cNvPr id="6" name="내용 개체 틀 2">
@@ -16425,8 +16425,8 @@
           </a:prstGeom>
         </p:spPr>
       </p:pic>
-      <mc:AlternateContent xmlns:mc="http://schemas.openxmlformats.org/markup-compatibility/2006">
-        <mc:Choice xmlns:a14="http://schemas.microsoft.com/office/drawing/2010/main" Requires="a14">
+      <mc:AlternateContent xmlns:mc="http://schemas.openxmlformats.org/markup-compatibility/2006" xmlns:a14="http://schemas.microsoft.com/office/drawing/2010/main">
+        <mc:Choice Requires="a14">
           <p:graphicFrame>
             <p:nvGraphicFramePr>
               <p:cNvPr id="13" name="표 6">
@@ -16899,7 +16899,7 @@
             </a:graphic>
           </p:graphicFrame>
         </mc:Choice>
-        <mc:Fallback>
+        <mc:Fallback xmlns="">
           <p:graphicFrame>
             <p:nvGraphicFramePr>
               <p:cNvPr id="13" name="표 6">

--- a/papers/review/GCN Review.pptx
+++ b/papers/review/GCN Review.pptx
@@ -5,7 +5,7 @@
     <p:sldMasterId id="2147483648" r:id="rId1"/>
   </p:sldMasterIdLst>
   <p:notesMasterIdLst>
-    <p:notesMasterId r:id="rId13"/>
+    <p:notesMasterId r:id="rId17"/>
   </p:notesMasterIdLst>
   <p:sldIdLst>
     <p:sldId id="256" r:id="rId2"/>
@@ -19,6 +19,10 @@
     <p:sldId id="281" r:id="rId10"/>
     <p:sldId id="282" r:id="rId11"/>
     <p:sldId id="277" r:id="rId12"/>
+    <p:sldId id="283" r:id="rId13"/>
+    <p:sldId id="284" r:id="rId14"/>
+    <p:sldId id="286" r:id="rId15"/>
+    <p:sldId id="287" r:id="rId16"/>
   </p:sldIdLst>
   <p:sldSz cx="12192000" cy="6858000"/>
   <p:notesSz cx="6858000" cy="9144000"/>
@@ -218,7 +222,7 @@
           <a:p>
             <a:fld id="{B4BAEF34-DDA1-41A6-94BB-1D7567B3088F}" type="datetimeFigureOut">
               <a:rPr lang="ko-KR" altLang="en-US" smtClean="0"/>
-              <a:t>2023-01-22</a:t>
+              <a:t>2023-01-23</a:t>
             </a:fld>
             <a:endParaRPr lang="ko-KR" altLang="en-US"/>
           </a:p>
@@ -615,7 +619,55 @@
           <a:p>
             <a:r>
               <a:rPr lang="ko-KR" altLang="en-US" dirty="0"/>
-              <a:t>하지만 이 식이 유도되기까지 복잡한 선형대수적 배경이 있다</a:t>
+              <a:t>결론적으로는 우리가 </a:t>
+            </a:r>
+            <a:r>
+              <a:rPr lang="ko-KR" altLang="en-US" dirty="0" err="1"/>
+              <a:t>아는대로</a:t>
+            </a:r>
+            <a:r>
+              <a:rPr lang="ko-KR" altLang="en-US" dirty="0"/>
+              <a:t> 주변 노드 정보를 </a:t>
+            </a:r>
+            <a:r>
+              <a:rPr lang="en-US" altLang="ko-KR" dirty="0"/>
+              <a:t>aggregate</a:t>
+            </a:r>
+            <a:r>
+              <a:rPr lang="ko-KR" altLang="en-US" dirty="0"/>
+              <a:t>하여 </a:t>
+            </a:r>
+            <a:r>
+              <a:rPr lang="en-US" altLang="ko-KR" dirty="0"/>
+              <a:t>conv</a:t>
+            </a:r>
+            <a:r>
+              <a:rPr lang="ko-KR" altLang="en-US" dirty="0"/>
+              <a:t>를 수행하는 </a:t>
+            </a:r>
+            <a:r>
+              <a:rPr lang="en-US" altLang="ko-KR" dirty="0"/>
+              <a:t>spatial</a:t>
+            </a:r>
+            <a:r>
+              <a:rPr lang="ko-KR" altLang="en-US" dirty="0"/>
+              <a:t>한 방식처럼 보이지만</a:t>
+            </a:r>
+            <a:r>
+              <a:rPr lang="en-US" altLang="ko-KR" dirty="0"/>
+              <a:t>, </a:t>
+            </a:r>
+            <a:r>
+              <a:rPr lang="ko-KR" altLang="en-US" dirty="0"/>
+              <a:t>하지만 이 식을 유도하기 위한 원리 속에 </a:t>
+            </a:r>
+            <a:r>
+              <a:rPr lang="en-US" altLang="ko-KR" dirty="0"/>
+              <a:t>spectral</a:t>
+            </a:r>
+            <a:r>
+              <a:rPr lang="ko-KR" altLang="en-US" dirty="0"/>
+              <a:t>한 접근 방법이 있다</a:t>
             </a:r>
             <a:r>
               <a:rPr lang="en-US" altLang="ko-KR" dirty="0"/>
@@ -664,6 +716,762 @@
     <p:extLst>
       <p:ext uri="{BB962C8B-B14F-4D97-AF65-F5344CB8AC3E}">
         <p14:creationId xmlns:p14="http://schemas.microsoft.com/office/powerpoint/2010/main" val="667105350"/>
+      </p:ext>
+    </p:extLst>
+  </p:cSld>
+  <p:clrMapOvr>
+    <a:masterClrMapping/>
+  </p:clrMapOvr>
+</p:notes>
+</file>
+
+<file path=ppt/notesSlides/notesSlide11.xml><?xml version="1.0" encoding="utf-8"?>
+<p:notes xmlns:a="http://schemas.openxmlformats.org/drawingml/2006/main" xmlns:r="http://schemas.openxmlformats.org/officeDocument/2006/relationships" xmlns:p="http://schemas.openxmlformats.org/presentationml/2006/main">
+  <p:cSld>
+    <p:spTree>
+      <p:nvGrpSpPr>
+        <p:cNvPr id="1" name=""/>
+        <p:cNvGrpSpPr/>
+        <p:nvPr/>
+      </p:nvGrpSpPr>
+      <p:grpSpPr>
+        <a:xfrm>
+          <a:off x="0" y="0"/>
+          <a:ext cx="0" cy="0"/>
+          <a:chOff x="0" y="0"/>
+          <a:chExt cx="0" cy="0"/>
+        </a:xfrm>
+      </p:grpSpPr>
+      <p:sp>
+        <p:nvSpPr>
+          <p:cNvPr id="2" name="슬라이드 이미지 개체 틀 1"/>
+          <p:cNvSpPr>
+            <a:spLocks noGrp="1" noRot="1" noChangeAspect="1"/>
+          </p:cNvSpPr>
+          <p:nvPr>
+            <p:ph type="sldImg"/>
+          </p:nvPr>
+        </p:nvSpPr>
+        <p:spPr/>
+      </p:sp>
+      <p:sp>
+        <p:nvSpPr>
+          <p:cNvPr id="3" name="슬라이드 노트 개체 틀 2"/>
+          <p:cNvSpPr>
+            <a:spLocks noGrp="1"/>
+          </p:cNvSpPr>
+          <p:nvPr>
+            <p:ph type="body" idx="1"/>
+          </p:nvPr>
+        </p:nvSpPr>
+        <p:spPr/>
+        <p:txBody>
+          <a:bodyPr/>
+          <a:lstStyle/>
+          <a:p>
+            <a:endParaRPr lang="ko-KR" altLang="en-US" dirty="0"/>
+          </a:p>
+        </p:txBody>
+      </p:sp>
+      <p:sp>
+        <p:nvSpPr>
+          <p:cNvPr id="4" name="슬라이드 번호 개체 틀 3"/>
+          <p:cNvSpPr>
+            <a:spLocks noGrp="1"/>
+          </p:cNvSpPr>
+          <p:nvPr>
+            <p:ph type="sldNum" sz="quarter" idx="5"/>
+          </p:nvPr>
+        </p:nvSpPr>
+        <p:spPr/>
+        <p:txBody>
+          <a:bodyPr/>
+          <a:lstStyle/>
+          <a:p>
+            <a:fld id="{E3508E54-26A4-461A-9177-07CC1B35B5F2}" type="slidenum">
+              <a:rPr lang="ko-KR" altLang="en-US" smtClean="0"/>
+              <a:t>12</a:t>
+            </a:fld>
+            <a:endParaRPr lang="ko-KR" altLang="en-US"/>
+          </a:p>
+        </p:txBody>
+      </p:sp>
+    </p:spTree>
+    <p:extLst>
+      <p:ext uri="{BB962C8B-B14F-4D97-AF65-F5344CB8AC3E}">
+        <p14:creationId xmlns:p14="http://schemas.microsoft.com/office/powerpoint/2010/main" val="763778595"/>
+      </p:ext>
+    </p:extLst>
+  </p:cSld>
+  <p:clrMapOvr>
+    <a:masterClrMapping/>
+  </p:clrMapOvr>
+</p:notes>
+</file>
+
+<file path=ppt/notesSlides/notesSlide12.xml><?xml version="1.0" encoding="utf-8"?>
+<p:notes xmlns:a="http://schemas.openxmlformats.org/drawingml/2006/main" xmlns:r="http://schemas.openxmlformats.org/officeDocument/2006/relationships" xmlns:p="http://schemas.openxmlformats.org/presentationml/2006/main">
+  <p:cSld>
+    <p:spTree>
+      <p:nvGrpSpPr>
+        <p:cNvPr id="1" name=""/>
+        <p:cNvGrpSpPr/>
+        <p:nvPr/>
+      </p:nvGrpSpPr>
+      <p:grpSpPr>
+        <a:xfrm>
+          <a:off x="0" y="0"/>
+          <a:ext cx="0" cy="0"/>
+          <a:chOff x="0" y="0"/>
+          <a:chExt cx="0" cy="0"/>
+        </a:xfrm>
+      </p:grpSpPr>
+      <p:sp>
+        <p:nvSpPr>
+          <p:cNvPr id="2" name="슬라이드 이미지 개체 틀 1"/>
+          <p:cNvSpPr>
+            <a:spLocks noGrp="1" noRot="1" noChangeAspect="1"/>
+          </p:cNvSpPr>
+          <p:nvPr>
+            <p:ph type="sldImg"/>
+          </p:nvPr>
+        </p:nvSpPr>
+        <p:spPr/>
+      </p:sp>
+      <p:sp>
+        <p:nvSpPr>
+          <p:cNvPr id="3" name="슬라이드 노트 개체 틀 2"/>
+          <p:cNvSpPr>
+            <a:spLocks noGrp="1"/>
+          </p:cNvSpPr>
+          <p:nvPr>
+            <p:ph type="body" idx="1"/>
+          </p:nvPr>
+        </p:nvSpPr>
+        <p:spPr/>
+        <p:txBody>
+          <a:bodyPr/>
+          <a:lstStyle/>
+          <a:p>
+            <a:r>
+              <a:rPr lang="ko-KR" altLang="en-US" dirty="0" err="1"/>
+              <a:t>라플라시안</a:t>
+            </a:r>
+            <a:r>
+              <a:rPr lang="ko-KR" altLang="en-US" dirty="0"/>
+              <a:t> 행렬은 </a:t>
+            </a:r>
+            <a:r>
+              <a:rPr lang="ko-KR" altLang="en-US" dirty="0" err="1"/>
+              <a:t>디그리</a:t>
+            </a:r>
+            <a:r>
+              <a:rPr lang="ko-KR" altLang="en-US" dirty="0"/>
+              <a:t> </a:t>
+            </a:r>
+            <a:r>
+              <a:rPr lang="en-US" altLang="ko-KR" dirty="0"/>
+              <a:t>- </a:t>
+            </a:r>
+            <a:r>
+              <a:rPr lang="ko-KR" altLang="en-US" dirty="0"/>
+              <a:t>인접</a:t>
+            </a:r>
+          </a:p>
+        </p:txBody>
+      </p:sp>
+      <p:sp>
+        <p:nvSpPr>
+          <p:cNvPr id="4" name="슬라이드 번호 개체 틀 3"/>
+          <p:cNvSpPr>
+            <a:spLocks noGrp="1"/>
+          </p:cNvSpPr>
+          <p:nvPr>
+            <p:ph type="sldNum" sz="quarter" idx="5"/>
+          </p:nvPr>
+        </p:nvSpPr>
+        <p:spPr/>
+        <p:txBody>
+          <a:bodyPr/>
+          <a:lstStyle/>
+          <a:p>
+            <a:fld id="{E3508E54-26A4-461A-9177-07CC1B35B5F2}" type="slidenum">
+              <a:rPr lang="ko-KR" altLang="en-US" smtClean="0"/>
+              <a:t>13</a:t>
+            </a:fld>
+            <a:endParaRPr lang="ko-KR" altLang="en-US"/>
+          </a:p>
+        </p:txBody>
+      </p:sp>
+    </p:spTree>
+    <p:extLst>
+      <p:ext uri="{BB962C8B-B14F-4D97-AF65-F5344CB8AC3E}">
+        <p14:creationId xmlns:p14="http://schemas.microsoft.com/office/powerpoint/2010/main" val="1911459556"/>
+      </p:ext>
+    </p:extLst>
+  </p:cSld>
+  <p:clrMapOvr>
+    <a:masterClrMapping/>
+  </p:clrMapOvr>
+</p:notes>
+</file>
+
+<file path=ppt/notesSlides/notesSlide13.xml><?xml version="1.0" encoding="utf-8"?>
+<p:notes xmlns:a="http://schemas.openxmlformats.org/drawingml/2006/main" xmlns:r="http://schemas.openxmlformats.org/officeDocument/2006/relationships" xmlns:p="http://schemas.openxmlformats.org/presentationml/2006/main">
+  <p:cSld>
+    <p:spTree>
+      <p:nvGrpSpPr>
+        <p:cNvPr id="1" name=""/>
+        <p:cNvGrpSpPr/>
+        <p:nvPr/>
+      </p:nvGrpSpPr>
+      <p:grpSpPr>
+        <a:xfrm>
+          <a:off x="0" y="0"/>
+          <a:ext cx="0" cy="0"/>
+          <a:chOff x="0" y="0"/>
+          <a:chExt cx="0" cy="0"/>
+        </a:xfrm>
+      </p:grpSpPr>
+      <p:sp>
+        <p:nvSpPr>
+          <p:cNvPr id="2" name="슬라이드 이미지 개체 틀 1"/>
+          <p:cNvSpPr>
+            <a:spLocks noGrp="1" noRot="1" noChangeAspect="1"/>
+          </p:cNvSpPr>
+          <p:nvPr>
+            <p:ph type="sldImg"/>
+          </p:nvPr>
+        </p:nvSpPr>
+        <p:spPr/>
+      </p:sp>
+      <p:sp>
+        <p:nvSpPr>
+          <p:cNvPr id="3" name="슬라이드 노트 개체 틀 2"/>
+          <p:cNvSpPr>
+            <a:spLocks noGrp="1"/>
+          </p:cNvSpPr>
+          <p:nvPr>
+            <p:ph type="body" idx="1"/>
+          </p:nvPr>
+        </p:nvSpPr>
+        <p:spPr/>
+        <p:txBody>
+          <a:bodyPr/>
+          <a:lstStyle/>
+          <a:p>
+            <a:r>
+              <a:rPr lang="ko-KR" altLang="en-US" dirty="0" err="1"/>
+              <a:t>라플라시안의</a:t>
+            </a:r>
+            <a:r>
+              <a:rPr lang="ko-KR" altLang="en-US" dirty="0"/>
+              <a:t> 의미는</a:t>
+            </a:r>
+            <a:r>
+              <a:rPr lang="en-US" altLang="ko-KR" dirty="0"/>
+              <a:t> </a:t>
+            </a:r>
+            <a:r>
+              <a:rPr lang="ko-KR" altLang="en-US" dirty="0"/>
+              <a:t>무엇일까</a:t>
+            </a:r>
+            <a:r>
+              <a:rPr lang="en-US" altLang="ko-KR" dirty="0"/>
+              <a:t>?</a:t>
+            </a:r>
+          </a:p>
+          <a:p>
+            <a:r>
+              <a:rPr lang="ko-KR" altLang="en-US" dirty="0" err="1"/>
+              <a:t>라플라시안에</a:t>
+            </a:r>
+            <a:r>
+              <a:rPr lang="ko-KR" altLang="en-US" dirty="0"/>
+              <a:t> 노드 </a:t>
+            </a:r>
+            <a:r>
+              <a:rPr lang="ko-KR" altLang="en-US" dirty="0" err="1"/>
+              <a:t>피쳐</a:t>
+            </a:r>
+            <a:r>
+              <a:rPr lang="ko-KR" altLang="en-US" dirty="0"/>
+              <a:t> </a:t>
+            </a:r>
+            <a:r>
+              <a:rPr lang="en-US" altLang="ko-KR" dirty="0"/>
+              <a:t>x</a:t>
+            </a:r>
+            <a:r>
+              <a:rPr lang="ko-KR" altLang="en-US" dirty="0"/>
+              <a:t>를 곱하면</a:t>
+            </a:r>
+            <a:r>
+              <a:rPr lang="en-US" altLang="ko-KR" dirty="0"/>
+              <a:t>, </a:t>
+            </a:r>
+            <a:r>
+              <a:rPr lang="ko-KR" altLang="en-US" dirty="0"/>
+              <a:t>각 노드와 이웃 노드의 차이가 된다</a:t>
+            </a:r>
+            <a:r>
+              <a:rPr lang="en-US" altLang="ko-KR" dirty="0"/>
+              <a:t>.</a:t>
+            </a:r>
+          </a:p>
+          <a:p>
+            <a:r>
+              <a:rPr lang="ko-KR" altLang="en-US" dirty="0"/>
+              <a:t>그러나 단순히 이웃 노드 차이 값을 </a:t>
+            </a:r>
+            <a:r>
+              <a:rPr lang="ko-KR" altLang="en-US" dirty="0" err="1"/>
+              <a:t>단순합하면</a:t>
+            </a:r>
+            <a:r>
+              <a:rPr lang="ko-KR" altLang="en-US" dirty="0"/>
+              <a:t> 표현에 한계가 있다</a:t>
+            </a:r>
+            <a:r>
+              <a:rPr lang="en-US" altLang="ko-KR" dirty="0"/>
+              <a:t>.</a:t>
+            </a:r>
+            <a:r>
+              <a:rPr lang="ko-KR" altLang="en-US" dirty="0"/>
+              <a:t> 부호 차이에 의해 </a:t>
+            </a:r>
+            <a:r>
+              <a:rPr lang="en-US" altLang="ko-KR" dirty="0"/>
+              <a:t>0</a:t>
+            </a:r>
+            <a:r>
+              <a:rPr lang="ko-KR" altLang="en-US" dirty="0"/>
+              <a:t>이 되었다고 </a:t>
+            </a:r>
+            <a:r>
+              <a:rPr lang="ko-KR" altLang="en-US" dirty="0" err="1"/>
+              <a:t>노드간에</a:t>
+            </a:r>
+            <a:r>
+              <a:rPr lang="ko-KR" altLang="en-US" dirty="0"/>
+              <a:t> 유사도가 크다고 해석할 수 없기 때문이다</a:t>
+            </a:r>
+            <a:r>
+              <a:rPr lang="en-US" altLang="ko-KR" dirty="0"/>
+              <a:t>.</a:t>
+            </a:r>
+          </a:p>
+          <a:p>
+            <a:r>
+              <a:rPr lang="ko-KR" altLang="en-US" dirty="0"/>
+              <a:t>그렇기 때문에 절대값 또는 제곱 형태로 </a:t>
+            </a:r>
+            <a:r>
+              <a:rPr lang="ko-KR" altLang="en-US" dirty="0" err="1"/>
+              <a:t>바꾸는게</a:t>
+            </a:r>
+            <a:r>
+              <a:rPr lang="ko-KR" altLang="en-US" dirty="0"/>
+              <a:t> 합리적이다</a:t>
+            </a:r>
+            <a:r>
+              <a:rPr lang="en-US" altLang="ko-KR" dirty="0"/>
+              <a:t>.</a:t>
+            </a:r>
+          </a:p>
+        </p:txBody>
+      </p:sp>
+      <p:sp>
+        <p:nvSpPr>
+          <p:cNvPr id="4" name="슬라이드 번호 개체 틀 3"/>
+          <p:cNvSpPr>
+            <a:spLocks noGrp="1"/>
+          </p:cNvSpPr>
+          <p:nvPr>
+            <p:ph type="sldNum" sz="quarter" idx="5"/>
+          </p:nvPr>
+        </p:nvSpPr>
+        <p:spPr/>
+        <p:txBody>
+          <a:bodyPr/>
+          <a:lstStyle/>
+          <a:p>
+            <a:fld id="{E3508E54-26A4-461A-9177-07CC1B35B5F2}" type="slidenum">
+              <a:rPr lang="ko-KR" altLang="en-US" smtClean="0"/>
+              <a:t>14</a:t>
+            </a:fld>
+            <a:endParaRPr lang="ko-KR" altLang="en-US"/>
+          </a:p>
+        </p:txBody>
+      </p:sp>
+    </p:spTree>
+    <p:extLst>
+      <p:ext uri="{BB962C8B-B14F-4D97-AF65-F5344CB8AC3E}">
+        <p14:creationId xmlns:p14="http://schemas.microsoft.com/office/powerpoint/2010/main" val="3273814078"/>
+      </p:ext>
+    </p:extLst>
+  </p:cSld>
+  <p:clrMapOvr>
+    <a:masterClrMapping/>
+  </p:clrMapOvr>
+</p:notes>
+</file>
+
+<file path=ppt/notesSlides/notesSlide14.xml><?xml version="1.0" encoding="utf-8"?>
+<p:notes xmlns:a="http://schemas.openxmlformats.org/drawingml/2006/main" xmlns:r="http://schemas.openxmlformats.org/officeDocument/2006/relationships" xmlns:p="http://schemas.openxmlformats.org/presentationml/2006/main">
+  <p:cSld>
+    <p:spTree>
+      <p:nvGrpSpPr>
+        <p:cNvPr id="1" name=""/>
+        <p:cNvGrpSpPr/>
+        <p:nvPr/>
+      </p:nvGrpSpPr>
+      <p:grpSpPr>
+        <a:xfrm>
+          <a:off x="0" y="0"/>
+          <a:ext cx="0" cy="0"/>
+          <a:chOff x="0" y="0"/>
+          <a:chExt cx="0" cy="0"/>
+        </a:xfrm>
+      </p:grpSpPr>
+      <p:sp>
+        <p:nvSpPr>
+          <p:cNvPr id="2" name="슬라이드 이미지 개체 틀 1"/>
+          <p:cNvSpPr>
+            <a:spLocks noGrp="1" noRot="1" noChangeAspect="1"/>
+          </p:cNvSpPr>
+          <p:nvPr>
+            <p:ph type="sldImg"/>
+          </p:nvPr>
+        </p:nvSpPr>
+        <p:spPr/>
+      </p:sp>
+      <p:sp>
+        <p:nvSpPr>
+          <p:cNvPr id="3" name="슬라이드 노트 개체 틀 2"/>
+          <p:cNvSpPr>
+            <a:spLocks noGrp="1"/>
+          </p:cNvSpPr>
+          <p:nvPr>
+            <p:ph type="body" idx="1"/>
+          </p:nvPr>
+        </p:nvSpPr>
+        <p:spPr/>
+        <p:txBody>
+          <a:bodyPr/>
+          <a:lstStyle/>
+          <a:p>
+            <a:r>
+              <a:rPr lang="en-US" altLang="ko-KR" dirty="0"/>
+              <a:t>X</a:t>
+            </a:r>
+            <a:r>
+              <a:rPr lang="ko-KR" altLang="en-US" dirty="0"/>
+              <a:t>를 </a:t>
+            </a:r>
+            <a:r>
+              <a:rPr lang="ko-KR" altLang="en-US" dirty="0" err="1"/>
+              <a:t>두번</a:t>
+            </a:r>
+            <a:r>
+              <a:rPr lang="ko-KR" altLang="en-US" dirty="0"/>
+              <a:t> 곱해서 제곱 형태로 만들면 이런 식이 유도 된다</a:t>
+            </a:r>
+            <a:r>
+              <a:rPr lang="en-US" altLang="ko-KR" dirty="0"/>
+              <a:t>.</a:t>
+            </a:r>
+          </a:p>
+          <a:p>
+            <a:pPr marL="0" marR="0" lvl="0" indent="0" algn="l" defTabSz="914400" rtl="0" eaLnBrk="1" fontAlgn="auto" latinLnBrk="1" hangingPunct="1">
+              <a:lnSpc>
+                <a:spcPct val="100000"/>
+              </a:lnSpc>
+              <a:spcBef>
+                <a:spcPts val="0"/>
+              </a:spcBef>
+              <a:spcAft>
+                <a:spcPts val="0"/>
+              </a:spcAft>
+              <a:buClrTx/>
+              <a:buSzTx/>
+              <a:buFontTx/>
+              <a:buNone/>
+              <a:tabLst/>
+              <a:defRPr/>
+            </a:pPr>
+            <a:r>
+              <a:rPr lang="ko-KR" altLang="en-US" dirty="0"/>
+              <a:t>즉</a:t>
+            </a:r>
+            <a:r>
+              <a:rPr lang="en-US" altLang="ko-KR" dirty="0"/>
+              <a:t>, </a:t>
+            </a:r>
+            <a:r>
+              <a:rPr lang="en-US" altLang="ko-KR" sz="1200" b="1" dirty="0">
+                <a:solidFill>
+                  <a:schemeClr val="tx1">
+                    <a:lumMod val="85000"/>
+                    <a:lumOff val="15000"/>
+                  </a:schemeClr>
+                </a:solidFill>
+                <a:latin typeface="나눔스퀘어 ExtraBold" panose="020B0600000101010101" pitchFamily="50" charset="-127"/>
+                <a:ea typeface="나눔스퀘어 ExtraBold" panose="020B0600000101010101" pitchFamily="50" charset="-127"/>
+                <a:cs typeface="Arial" panose="020B0604020202020204" pitchFamily="34" charset="0"/>
+              </a:rPr>
+              <a:t>Laplacian </a:t>
+            </a:r>
+            <a:r>
+              <a:rPr lang="en-US" altLang="ko-KR" sz="1200" b="1" dirty="0">
+                <a:solidFill>
+                  <a:srgbClr val="FF0000"/>
+                </a:solidFill>
+                <a:latin typeface="나눔스퀘어 ExtraBold" panose="020B0600000101010101" pitchFamily="50" charset="-127"/>
+                <a:ea typeface="나눔스퀘어 ExtraBold" panose="020B0600000101010101" pitchFamily="50" charset="-127"/>
+                <a:cs typeface="Arial" panose="020B0604020202020204" pitchFamily="34" charset="0"/>
+              </a:rPr>
+              <a:t>quadratic </a:t>
+            </a:r>
+            <a:r>
+              <a:rPr lang="ko-KR" altLang="en-US" sz="1200" b="0" dirty="0">
+                <a:solidFill>
+                  <a:srgbClr val="FF0000"/>
+                </a:solidFill>
+                <a:latin typeface="나눔스퀘어 ExtraBold" panose="020B0600000101010101" pitchFamily="50" charset="-127"/>
+                <a:ea typeface="나눔스퀘어 ExtraBold" panose="020B0600000101010101" pitchFamily="50" charset="-127"/>
+                <a:cs typeface="Arial" panose="020B0604020202020204" pitchFamily="34" charset="0"/>
+              </a:rPr>
+              <a:t>값이 작을 수록 타겟 노드와 이웃 노드의 </a:t>
+            </a:r>
+            <a:r>
+              <a:rPr lang="ko-KR" altLang="en-US" sz="1200" b="0" dirty="0" err="1">
+                <a:solidFill>
+                  <a:srgbClr val="FF0000"/>
+                </a:solidFill>
+                <a:latin typeface="나눔스퀘어 ExtraBold" panose="020B0600000101010101" pitchFamily="50" charset="-127"/>
+                <a:ea typeface="나눔스퀘어 ExtraBold" panose="020B0600000101010101" pitchFamily="50" charset="-127"/>
+                <a:cs typeface="Arial" panose="020B0604020202020204" pitchFamily="34" charset="0"/>
+              </a:rPr>
+              <a:t>피쳐</a:t>
+            </a:r>
+            <a:r>
+              <a:rPr lang="ko-KR" altLang="en-US" sz="1200" b="0" dirty="0">
+                <a:solidFill>
+                  <a:srgbClr val="FF0000"/>
+                </a:solidFill>
+                <a:latin typeface="나눔스퀘어 ExtraBold" panose="020B0600000101010101" pitchFamily="50" charset="-127"/>
+                <a:ea typeface="나눔스퀘어 ExtraBold" panose="020B0600000101010101" pitchFamily="50" charset="-127"/>
+                <a:cs typeface="Arial" panose="020B0604020202020204" pitchFamily="34" charset="0"/>
+              </a:rPr>
+              <a:t> 값이 유사하다고 할 수 있게 되는 것인데</a:t>
+            </a:r>
+            <a:r>
+              <a:rPr lang="en-US" altLang="ko-KR" sz="1200" b="0" dirty="0">
+                <a:solidFill>
+                  <a:srgbClr val="FF0000"/>
+                </a:solidFill>
+                <a:latin typeface="나눔스퀘어 ExtraBold" panose="020B0600000101010101" pitchFamily="50" charset="-127"/>
+                <a:ea typeface="나눔스퀘어 ExtraBold" panose="020B0600000101010101" pitchFamily="50" charset="-127"/>
+                <a:cs typeface="Arial" panose="020B0604020202020204" pitchFamily="34" charset="0"/>
+              </a:rPr>
+              <a:t>..</a:t>
+            </a:r>
+          </a:p>
+          <a:p>
+            <a:pPr marL="0" marR="0" lvl="0" indent="0" algn="l" defTabSz="914400" rtl="0" eaLnBrk="1" fontAlgn="auto" latinLnBrk="1" hangingPunct="1">
+              <a:lnSpc>
+                <a:spcPct val="100000"/>
+              </a:lnSpc>
+              <a:spcBef>
+                <a:spcPts val="0"/>
+              </a:spcBef>
+              <a:spcAft>
+                <a:spcPts val="0"/>
+              </a:spcAft>
+              <a:buClrTx/>
+              <a:buSzTx/>
+              <a:buFontTx/>
+              <a:buNone/>
+              <a:tabLst/>
+              <a:defRPr/>
+            </a:pPr>
+            <a:r>
+              <a:rPr lang="ko-KR" altLang="en-US" sz="1200" b="0" dirty="0">
+                <a:solidFill>
+                  <a:srgbClr val="FF0000"/>
+                </a:solidFill>
+                <a:latin typeface="나눔스퀘어 ExtraBold" panose="020B0600000101010101" pitchFamily="50" charset="-127"/>
+                <a:ea typeface="나눔스퀘어 ExtraBold" panose="020B0600000101010101" pitchFamily="50" charset="-127"/>
+                <a:cs typeface="Arial" panose="020B0604020202020204" pitchFamily="34" charset="0"/>
+              </a:rPr>
+              <a:t>여기서 </a:t>
+            </a:r>
+            <a:r>
+              <a:rPr lang="en-US" altLang="ko-KR" sz="1200" b="0" dirty="0">
+                <a:solidFill>
+                  <a:srgbClr val="FF0000"/>
+                </a:solidFill>
+                <a:latin typeface="나눔스퀘어 ExtraBold" panose="020B0600000101010101" pitchFamily="50" charset="-127"/>
+                <a:ea typeface="나눔스퀘어 ExtraBold" panose="020B0600000101010101" pitchFamily="50" charset="-127"/>
+                <a:cs typeface="Arial" panose="020B0604020202020204" pitchFamily="34" charset="0"/>
+              </a:rPr>
+              <a:t>quadratic form</a:t>
+            </a:r>
+            <a:r>
+              <a:rPr lang="ko-KR" altLang="en-US" sz="1200" b="0" dirty="0">
+                <a:solidFill>
+                  <a:srgbClr val="FF0000"/>
+                </a:solidFill>
+                <a:latin typeface="나눔스퀘어 ExtraBold" panose="020B0600000101010101" pitchFamily="50" charset="-127"/>
+                <a:ea typeface="나눔스퀘어 ExtraBold" panose="020B0600000101010101" pitchFamily="50" charset="-127"/>
+                <a:cs typeface="Arial" panose="020B0604020202020204" pitchFamily="34" charset="0"/>
+              </a:rPr>
+              <a:t>을 최소화하는 </a:t>
+            </a:r>
+            <a:r>
+              <a:rPr lang="en-US" altLang="ko-KR" sz="1200" b="0" dirty="0">
+                <a:solidFill>
+                  <a:srgbClr val="FF0000"/>
+                </a:solidFill>
+                <a:latin typeface="나눔스퀘어 ExtraBold" panose="020B0600000101010101" pitchFamily="50" charset="-127"/>
+                <a:ea typeface="나눔스퀘어 ExtraBold" panose="020B0600000101010101" pitchFamily="50" charset="-127"/>
+                <a:cs typeface="Arial" panose="020B0604020202020204" pitchFamily="34" charset="0"/>
+              </a:rPr>
+              <a:t>x </a:t>
+            </a:r>
+            <a:r>
+              <a:rPr lang="ko-KR" altLang="en-US" sz="1200" b="0" dirty="0">
+                <a:solidFill>
+                  <a:srgbClr val="FF0000"/>
+                </a:solidFill>
+                <a:latin typeface="나눔스퀘어 ExtraBold" panose="020B0600000101010101" pitchFamily="50" charset="-127"/>
+                <a:ea typeface="나눔스퀘어 ExtraBold" panose="020B0600000101010101" pitchFamily="50" charset="-127"/>
+                <a:cs typeface="Arial" panose="020B0604020202020204" pitchFamily="34" charset="0"/>
+              </a:rPr>
+              <a:t>값을 구하면 된다</a:t>
+            </a:r>
+            <a:r>
+              <a:rPr lang="en-US" altLang="ko-KR" sz="1200" b="0" dirty="0">
+                <a:solidFill>
+                  <a:srgbClr val="FF0000"/>
+                </a:solidFill>
+                <a:latin typeface="나눔스퀘어 ExtraBold" panose="020B0600000101010101" pitchFamily="50" charset="-127"/>
+                <a:ea typeface="나눔스퀘어 ExtraBold" panose="020B0600000101010101" pitchFamily="50" charset="-127"/>
+                <a:cs typeface="Arial" panose="020B0604020202020204" pitchFamily="34" charset="0"/>
+              </a:rPr>
+              <a:t>. </a:t>
+            </a:r>
+            <a:r>
+              <a:rPr lang="ko-KR" altLang="en-US" sz="1200" b="0" dirty="0">
+                <a:solidFill>
+                  <a:srgbClr val="FF0000"/>
+                </a:solidFill>
+                <a:latin typeface="나눔스퀘어 ExtraBold" panose="020B0600000101010101" pitchFamily="50" charset="-127"/>
+                <a:ea typeface="나눔스퀘어 ExtraBold" panose="020B0600000101010101" pitchFamily="50" charset="-127"/>
+                <a:cs typeface="Arial" panose="020B0604020202020204" pitchFamily="34" charset="0"/>
+              </a:rPr>
+              <a:t>그것이 바로 노드의 유사한 노드끼리 같이 </a:t>
+            </a:r>
+            <a:r>
+              <a:rPr lang="ko-KR" altLang="en-US" sz="1200" b="0" dirty="0" err="1">
+                <a:solidFill>
+                  <a:srgbClr val="FF0000"/>
+                </a:solidFill>
+                <a:latin typeface="나눔스퀘어 ExtraBold" panose="020B0600000101010101" pitchFamily="50" charset="-127"/>
+                <a:ea typeface="나눔스퀘어 ExtraBold" panose="020B0600000101010101" pitchFamily="50" charset="-127"/>
+                <a:cs typeface="Arial" panose="020B0604020202020204" pitchFamily="34" charset="0"/>
+              </a:rPr>
+              <a:t>임베딩</a:t>
+            </a:r>
+            <a:r>
+              <a:rPr lang="ko-KR" altLang="en-US" sz="1200" b="0" dirty="0">
+                <a:solidFill>
+                  <a:srgbClr val="FF0000"/>
+                </a:solidFill>
+                <a:latin typeface="나눔스퀘어 ExtraBold" panose="020B0600000101010101" pitchFamily="50" charset="-127"/>
+                <a:ea typeface="나눔스퀘어 ExtraBold" panose="020B0600000101010101" pitchFamily="50" charset="-127"/>
+                <a:cs typeface="Arial" panose="020B0604020202020204" pitchFamily="34" charset="0"/>
+              </a:rPr>
+              <a:t> 스페이스에 가깝게 만들 수 있는 </a:t>
+            </a:r>
+            <a:r>
+              <a:rPr lang="ko-KR" altLang="en-US" sz="1200" b="0" dirty="0" err="1">
+                <a:solidFill>
+                  <a:srgbClr val="FF0000"/>
+                </a:solidFill>
+                <a:latin typeface="나눔스퀘어 ExtraBold" panose="020B0600000101010101" pitchFamily="50" charset="-127"/>
+                <a:ea typeface="나눔스퀘어 ExtraBold" panose="020B0600000101010101" pitchFamily="50" charset="-127"/>
+                <a:cs typeface="Arial" panose="020B0604020202020204" pitchFamily="34" charset="0"/>
+              </a:rPr>
+              <a:t>임베딩을</a:t>
+            </a:r>
+            <a:r>
+              <a:rPr lang="ko-KR" altLang="en-US" sz="1200" b="0" dirty="0">
+                <a:solidFill>
+                  <a:srgbClr val="FF0000"/>
+                </a:solidFill>
+                <a:latin typeface="나눔스퀘어 ExtraBold" panose="020B0600000101010101" pitchFamily="50" charset="-127"/>
+                <a:ea typeface="나눔스퀘어 ExtraBold" panose="020B0600000101010101" pitchFamily="50" charset="-127"/>
+                <a:cs typeface="Arial" panose="020B0604020202020204" pitchFamily="34" charset="0"/>
+              </a:rPr>
+              <a:t> 형성하는 것</a:t>
+            </a:r>
+            <a:r>
+              <a:rPr lang="en-US" altLang="ko-KR" sz="1200" b="0">
+                <a:solidFill>
+                  <a:srgbClr val="FF0000"/>
+                </a:solidFill>
+                <a:latin typeface="나눔스퀘어 ExtraBold" panose="020B0600000101010101" pitchFamily="50" charset="-127"/>
+                <a:ea typeface="나눔스퀘어 ExtraBold" panose="020B0600000101010101" pitchFamily="50" charset="-127"/>
+                <a:cs typeface="Arial" panose="020B0604020202020204" pitchFamily="34" charset="0"/>
+              </a:rPr>
+              <a:t>.</a:t>
+            </a:r>
+            <a:endParaRPr lang="en-US" altLang="ko-KR" sz="1200" b="1">
+              <a:solidFill>
+                <a:schemeClr val="tx1">
+                  <a:lumMod val="85000"/>
+                  <a:lumOff val="15000"/>
+                </a:schemeClr>
+              </a:solidFill>
+              <a:latin typeface="나눔스퀘어 ExtraBold" panose="020B0600000101010101" pitchFamily="50" charset="-127"/>
+              <a:ea typeface="나눔스퀘어 ExtraBold" panose="020B0600000101010101" pitchFamily="50" charset="-127"/>
+              <a:cs typeface="Arial" panose="020B0604020202020204" pitchFamily="34" charset="0"/>
+            </a:endParaRPr>
+          </a:p>
+          <a:p>
+            <a:endParaRPr lang="en-US" altLang="ko-KR" dirty="0"/>
+          </a:p>
+        </p:txBody>
+      </p:sp>
+      <p:sp>
+        <p:nvSpPr>
+          <p:cNvPr id="4" name="슬라이드 번호 개체 틀 3"/>
+          <p:cNvSpPr>
+            <a:spLocks noGrp="1"/>
+          </p:cNvSpPr>
+          <p:nvPr>
+            <p:ph type="sldNum" sz="quarter" idx="5"/>
+          </p:nvPr>
+        </p:nvSpPr>
+        <p:spPr/>
+        <p:txBody>
+          <a:bodyPr/>
+          <a:lstStyle/>
+          <a:p>
+            <a:fld id="{E3508E54-26A4-461A-9177-07CC1B35B5F2}" type="slidenum">
+              <a:rPr lang="ko-KR" altLang="en-US" smtClean="0"/>
+              <a:t>15</a:t>
+            </a:fld>
+            <a:endParaRPr lang="ko-KR" altLang="en-US"/>
+          </a:p>
+        </p:txBody>
+      </p:sp>
+    </p:spTree>
+    <p:extLst>
+      <p:ext uri="{BB962C8B-B14F-4D97-AF65-F5344CB8AC3E}">
+        <p14:creationId xmlns:p14="http://schemas.microsoft.com/office/powerpoint/2010/main" val="3636893765"/>
       </p:ext>
     </p:extLst>
   </p:cSld>
@@ -8670,6 +9478,6562 @@
     <p:extLst>
       <p:ext uri="{BB962C8B-B14F-4D97-AF65-F5344CB8AC3E}">
         <p14:creationId xmlns:p14="http://schemas.microsoft.com/office/powerpoint/2010/main" val="3381861302"/>
+      </p:ext>
+    </p:extLst>
+  </p:cSld>
+  <p:clrMapOvr>
+    <a:masterClrMapping/>
+  </p:clrMapOvr>
+</p:sld>
+</file>
+
+<file path=ppt/slides/slide12.xml><?xml version="1.0" encoding="utf-8"?>
+<p:sld xmlns:a="http://schemas.openxmlformats.org/drawingml/2006/main" xmlns:r="http://schemas.openxmlformats.org/officeDocument/2006/relationships" xmlns:p="http://schemas.openxmlformats.org/presentationml/2006/main">
+  <p:cSld>
+    <p:spTree>
+      <p:nvGrpSpPr>
+        <p:cNvPr id="1" name=""/>
+        <p:cNvGrpSpPr/>
+        <p:nvPr/>
+      </p:nvGrpSpPr>
+      <p:grpSpPr>
+        <a:xfrm>
+          <a:off x="0" y="0"/>
+          <a:ext cx="0" cy="0"/>
+          <a:chOff x="0" y="0"/>
+          <a:chExt cx="0" cy="0"/>
+        </a:xfrm>
+      </p:grpSpPr>
+      <p:sp>
+        <p:nvSpPr>
+          <p:cNvPr id="2" name="제목 1">
+            <a:extLst>
+              <a:ext uri="{FF2B5EF4-FFF2-40B4-BE49-F238E27FC236}">
+                <a16:creationId xmlns:a16="http://schemas.microsoft.com/office/drawing/2014/main" id="{95CB7AEF-6056-404F-8222-D7A0008FE999}"/>
+              </a:ext>
+            </a:extLst>
+          </p:cNvPr>
+          <p:cNvSpPr>
+            <a:spLocks noGrp="1"/>
+          </p:cNvSpPr>
+          <p:nvPr>
+            <p:ph type="title"/>
+          </p:nvPr>
+        </p:nvSpPr>
+        <p:spPr/>
+        <p:txBody>
+          <a:bodyPr>
+            <a:normAutofit/>
+          </a:bodyPr>
+          <a:lstStyle/>
+          <a:p>
+            <a:r>
+              <a:rPr lang="en-US" altLang="ko-KR" sz="3600" b="1" dirty="0">
+                <a:solidFill>
+                  <a:schemeClr val="tx1">
+                    <a:lumMod val="85000"/>
+                    <a:lumOff val="15000"/>
+                  </a:schemeClr>
+                </a:solidFill>
+                <a:latin typeface="나눔스퀘어 ExtraBold"/>
+                <a:cs typeface="Arial" panose="020B0604020202020204" pitchFamily="34" charset="0"/>
+              </a:rPr>
+              <a:t>Fast </a:t>
+            </a:r>
+            <a:r>
+              <a:rPr lang="en-US" altLang="ko-KR" sz="3600" b="1" dirty="0">
+                <a:solidFill>
+                  <a:schemeClr val="tx1">
+                    <a:lumMod val="85000"/>
+                    <a:lumOff val="15000"/>
+                  </a:schemeClr>
+                </a:solidFill>
+                <a:latin typeface="나눔스퀘어 ExtraBold" panose="020B0600000101010101" pitchFamily="50" charset="-127"/>
+                <a:ea typeface="나눔스퀘어 ExtraBold" panose="020B0600000101010101" pitchFamily="50" charset="-127"/>
+                <a:cs typeface="Arial" panose="020B0604020202020204" pitchFamily="34" charset="0"/>
+              </a:rPr>
+              <a:t>approximate convolutions on graphs</a:t>
+            </a:r>
+            <a:br>
+              <a:rPr lang="en-US" altLang="ko-KR" sz="3600" b="1" dirty="0">
+                <a:solidFill>
+                  <a:schemeClr val="tx1">
+                    <a:lumMod val="85000"/>
+                    <a:lumOff val="15000"/>
+                  </a:schemeClr>
+                </a:solidFill>
+                <a:latin typeface="나눔스퀘어 ExtraBold" panose="020B0600000101010101" pitchFamily="50" charset="-127"/>
+                <a:ea typeface="나눔스퀘어 ExtraBold" panose="020B0600000101010101" pitchFamily="50" charset="-127"/>
+                <a:cs typeface="Arial" panose="020B0604020202020204" pitchFamily="34" charset="0"/>
+              </a:rPr>
+            </a:br>
+            <a:endParaRPr lang="ko-KR" altLang="en-US" sz="3600" b="1" dirty="0">
+              <a:solidFill>
+                <a:schemeClr val="tx1">
+                  <a:lumMod val="85000"/>
+                  <a:lumOff val="15000"/>
+                </a:schemeClr>
+              </a:solidFill>
+              <a:latin typeface="나눔스퀘어 ExtraBold"/>
+              <a:cs typeface="Arial" panose="020B0604020202020204" pitchFamily="34" charset="0"/>
+            </a:endParaRPr>
+          </a:p>
+        </p:txBody>
+      </p:sp>
+      <mc:AlternateContent xmlns:mc="http://schemas.openxmlformats.org/markup-compatibility/2006">
+        <mc:Choice xmlns:a14="http://schemas.microsoft.com/office/drawing/2010/main" Requires="a14">
+          <p:sp>
+            <p:nvSpPr>
+              <p:cNvPr id="3" name="내용 개체 틀 2">
+                <a:extLst>
+                  <a:ext uri="{FF2B5EF4-FFF2-40B4-BE49-F238E27FC236}">
+                    <a16:creationId xmlns:a16="http://schemas.microsoft.com/office/drawing/2014/main" id="{6F3C4966-F49A-47DB-93D9-018CD3BE693E}"/>
+                  </a:ext>
+                </a:extLst>
+              </p:cNvPr>
+              <p:cNvSpPr>
+                <a:spLocks noGrp="1"/>
+              </p:cNvSpPr>
+              <p:nvPr>
+                <p:ph idx="1"/>
+              </p:nvPr>
+            </p:nvSpPr>
+            <p:spPr>
+              <a:xfrm>
+                <a:off x="990600" y="1690688"/>
+                <a:ext cx="10210800" cy="4351338"/>
+              </a:xfrm>
+            </p:spPr>
+            <p:txBody>
+              <a:bodyPr>
+                <a:normAutofit/>
+              </a:bodyPr>
+              <a:lstStyle/>
+              <a:p>
+                <a:pPr>
+                  <a:lnSpc>
+                    <a:spcPct val="100000"/>
+                  </a:lnSpc>
+                  <a:buClr>
+                    <a:srgbClr val="004F9E"/>
+                  </a:buClr>
+                  <a:buFont typeface="Wingdings" panose="05000000000000000000" pitchFamily="2" charset="2"/>
+                  <a:buChar char="§"/>
+                </a:pPr>
+                <a:r>
+                  <a:rPr lang="en-US" altLang="ko-KR" sz="2400" dirty="0">
+                    <a:solidFill>
+                      <a:schemeClr val="tx1">
+                        <a:lumMod val="85000"/>
+                        <a:lumOff val="15000"/>
+                      </a:schemeClr>
+                    </a:solidFill>
+                    <a:latin typeface="나눔스퀘어 ExtraBold" panose="020B0600000101010101" pitchFamily="50" charset="-127"/>
+                    <a:ea typeface="나눔스퀘어 ExtraBold" panose="020B0600000101010101" pitchFamily="50" charset="-127"/>
+                    <a:cs typeface="Arial" panose="020B0604020202020204" pitchFamily="34" charset="0"/>
+                  </a:rPr>
+                  <a:t>2.1 Spectral Graph Convolutions</a:t>
+                </a:r>
+              </a:p>
+              <a:p>
+                <a:pPr>
+                  <a:lnSpc>
+                    <a:spcPct val="100000"/>
+                  </a:lnSpc>
+                  <a:buClr>
+                    <a:srgbClr val="004F9E"/>
+                  </a:buClr>
+                  <a:buFont typeface="Wingdings" panose="05000000000000000000" pitchFamily="2" charset="2"/>
+                  <a:buChar char="§"/>
+                </a:pPr>
+                <a:endParaRPr lang="en-US" altLang="ko-KR" sz="2400" dirty="0">
+                  <a:solidFill>
+                    <a:schemeClr val="tx1">
+                      <a:lumMod val="85000"/>
+                      <a:lumOff val="15000"/>
+                    </a:schemeClr>
+                  </a:solidFill>
+                  <a:latin typeface="나눔스퀘어 ExtraBold" panose="020B0600000101010101" pitchFamily="50" charset="-127"/>
+                  <a:ea typeface="나눔스퀘어 ExtraBold" panose="020B0600000101010101" pitchFamily="50" charset="-127"/>
+                  <a:cs typeface="Arial" panose="020B0604020202020204" pitchFamily="34" charset="0"/>
+                </a:endParaRPr>
+              </a:p>
+              <a:p>
+                <a:pPr marL="457200" lvl="1" indent="0">
+                  <a:lnSpc>
+                    <a:spcPct val="100000"/>
+                  </a:lnSpc>
+                  <a:buClr>
+                    <a:srgbClr val="004F9E"/>
+                  </a:buClr>
+                  <a:buNone/>
+                </a:pPr>
+                <a:endParaRPr lang="en-US" altLang="ko-KR" sz="2000" i="1" dirty="0">
+                  <a:solidFill>
+                    <a:schemeClr val="tx1">
+                      <a:lumMod val="85000"/>
+                      <a:lumOff val="15000"/>
+                    </a:schemeClr>
+                  </a:solidFill>
+                  <a:latin typeface="Cambria Math" panose="02040503050406030204" pitchFamily="18" charset="0"/>
+                  <a:ea typeface="나눔스퀘어 ExtraBold" panose="020B0600000101010101" pitchFamily="50" charset="-127"/>
+                  <a:cs typeface="Arial" panose="020B0604020202020204" pitchFamily="34" charset="0"/>
+                </a:endParaRPr>
+              </a:p>
+              <a:p>
+                <a:pPr marL="457200" lvl="1" indent="0">
+                  <a:lnSpc>
+                    <a:spcPct val="100000"/>
+                  </a:lnSpc>
+                  <a:buClr>
+                    <a:srgbClr val="004F9E"/>
+                  </a:buClr>
+                  <a:buNone/>
+                </a:pPr>
+                <a14:m>
+                  <m:oMath xmlns:m="http://schemas.openxmlformats.org/officeDocument/2006/math">
+                    <m:sSub>
+                      <m:sSubPr>
+                        <m:ctrlPr>
+                          <a:rPr lang="en-US" altLang="ko-KR" sz="2000" i="1" smtClean="0">
+                            <a:solidFill>
+                              <a:schemeClr val="tx1">
+                                <a:lumMod val="85000"/>
+                                <a:lumOff val="15000"/>
+                              </a:schemeClr>
+                            </a:solidFill>
+                            <a:latin typeface="Cambria Math" panose="02040503050406030204" pitchFamily="18" charset="0"/>
+                            <a:ea typeface="나눔스퀘어 ExtraBold" panose="020B0600000101010101" pitchFamily="50" charset="-127"/>
+                            <a:cs typeface="Arial" panose="020B0604020202020204" pitchFamily="34" charset="0"/>
+                          </a:rPr>
+                        </m:ctrlPr>
+                      </m:sSubPr>
+                      <m:e>
+                        <m:r>
+                          <a:rPr lang="en-US" altLang="ko-KR" sz="2000" b="0" i="1" smtClean="0">
+                            <a:solidFill>
+                              <a:schemeClr val="tx1">
+                                <a:lumMod val="85000"/>
+                                <a:lumOff val="15000"/>
+                              </a:schemeClr>
+                            </a:solidFill>
+                            <a:latin typeface="Cambria Math" panose="02040503050406030204" pitchFamily="18" charset="0"/>
+                            <a:ea typeface="나눔스퀘어 ExtraBold" panose="020B0600000101010101" pitchFamily="50" charset="-127"/>
+                            <a:cs typeface="Arial" panose="020B0604020202020204" pitchFamily="34" charset="0"/>
+                          </a:rPr>
+                          <m:t>𝑔</m:t>
+                        </m:r>
+                      </m:e>
+                      <m:sub>
+                        <m:r>
+                          <a:rPr lang="ko-KR" altLang="en-US" sz="2000" i="1" smtClean="0">
+                            <a:solidFill>
+                              <a:schemeClr val="tx1">
+                                <a:lumMod val="85000"/>
+                                <a:lumOff val="15000"/>
+                              </a:schemeClr>
+                            </a:solidFill>
+                            <a:latin typeface="Cambria Math" panose="02040503050406030204" pitchFamily="18" charset="0"/>
+                            <a:ea typeface="나눔스퀘어 ExtraBold" panose="020B0600000101010101" pitchFamily="50" charset="-127"/>
+                            <a:cs typeface="Arial" panose="020B0604020202020204" pitchFamily="34" charset="0"/>
+                          </a:rPr>
+                          <m:t>𝜃</m:t>
+                        </m:r>
+                      </m:sub>
+                    </m:sSub>
+                  </m:oMath>
+                </a14:m>
+                <a:r>
+                  <a:rPr lang="en-US" altLang="ko-KR" sz="2000" dirty="0">
+                    <a:solidFill>
+                      <a:schemeClr val="tx1">
+                        <a:lumMod val="85000"/>
+                        <a:lumOff val="15000"/>
+                      </a:schemeClr>
+                    </a:solidFill>
+                    <a:latin typeface="나눔스퀘어 ExtraBold" panose="020B0600000101010101" pitchFamily="50" charset="-127"/>
+                    <a:ea typeface="나눔스퀘어 ExtraBold" panose="020B0600000101010101" pitchFamily="50" charset="-127"/>
+                    <a:cs typeface="Arial" panose="020B0604020202020204" pitchFamily="34" charset="0"/>
+                  </a:rPr>
+                  <a:t>: filter in the Fourier domain, can understand as a function of the eigenvalues of L</a:t>
+                </a:r>
+              </a:p>
+              <a:p>
+                <a:pPr marL="457200" lvl="1" indent="0">
+                  <a:lnSpc>
+                    <a:spcPct val="100000"/>
+                  </a:lnSpc>
+                  <a:buClr>
+                    <a:srgbClr val="004F9E"/>
+                  </a:buClr>
+                  <a:buNone/>
+                </a:pPr>
+                <a:r>
+                  <a:rPr lang="en-US" altLang="ko-KR" sz="2000" dirty="0">
+                    <a:solidFill>
+                      <a:schemeClr val="tx1">
+                        <a:lumMod val="85000"/>
+                        <a:lumOff val="15000"/>
+                      </a:schemeClr>
+                    </a:solidFill>
+                    <a:latin typeface="나눔스퀘어 ExtraBold" panose="020B0600000101010101" pitchFamily="50" charset="-127"/>
+                    <a:ea typeface="나눔스퀘어 ExtraBold" panose="020B0600000101010101" pitchFamily="50" charset="-127"/>
+                    <a:cs typeface="Arial" panose="020B0604020202020204" pitchFamily="34" charset="0"/>
+                  </a:rPr>
+                  <a:t>x: signals </a:t>
+                </a:r>
+                <a:r>
+                  <a:rPr lang="en-US" altLang="ko-KR" sz="2000" dirty="0">
+                    <a:solidFill>
+                      <a:schemeClr val="tx1">
+                        <a:lumMod val="85000"/>
+                        <a:lumOff val="15000"/>
+                      </a:schemeClr>
+                    </a:solidFill>
+                    <a:latin typeface="나눔스퀘어 ExtraBold" panose="020B0600000101010101" pitchFamily="50" charset="-127"/>
+                    <a:ea typeface="나눔스퀘어 ExtraBold" panose="020B0600000101010101" pitchFamily="50" charset="-127"/>
+                    <a:cs typeface="Arial" panose="020B0604020202020204" pitchFamily="34" charset="0"/>
+                    <a:sym typeface="Wingdings" panose="05000000000000000000" pitchFamily="2" charset="2"/>
+                  </a:rPr>
+                  <a:t> node features</a:t>
+                </a:r>
+              </a:p>
+              <a:p>
+                <a:pPr marL="457200" lvl="1" indent="0">
+                  <a:lnSpc>
+                    <a:spcPct val="100000"/>
+                  </a:lnSpc>
+                  <a:buClr>
+                    <a:srgbClr val="004F9E"/>
+                  </a:buClr>
+                  <a:buNone/>
+                </a:pPr>
+                <a:r>
+                  <a:rPr lang="en-US" altLang="ko-KR" sz="2000" dirty="0">
+                    <a:solidFill>
+                      <a:schemeClr val="tx1">
+                        <a:lumMod val="85000"/>
+                        <a:lumOff val="15000"/>
+                      </a:schemeClr>
+                    </a:solidFill>
+                    <a:latin typeface="나눔스퀘어 ExtraBold" panose="020B0600000101010101" pitchFamily="50" charset="-127"/>
+                    <a:ea typeface="나눔스퀘어 ExtraBold" panose="020B0600000101010101" pitchFamily="50" charset="-127"/>
+                    <a:cs typeface="Arial" panose="020B0604020202020204" pitchFamily="34" charset="0"/>
+                    <a:sym typeface="Wingdings" panose="05000000000000000000" pitchFamily="2" charset="2"/>
+                  </a:rPr>
+                  <a:t>U: the matrix of eigenvectors of the normalized graph Laplacian</a:t>
+                </a:r>
+              </a:p>
+              <a:p>
+                <a:pPr marL="457200" lvl="1" indent="0">
+                  <a:lnSpc>
+                    <a:spcPct val="100000"/>
+                  </a:lnSpc>
+                  <a:buClr>
+                    <a:srgbClr val="004F9E"/>
+                  </a:buClr>
+                  <a:buNone/>
+                </a:pPr>
+                <a14:m>
+                  <m:oMath xmlns:m="http://schemas.openxmlformats.org/officeDocument/2006/math">
+                    <m:r>
+                      <m:rPr>
+                        <m:sty m:val="p"/>
+                      </m:rPr>
+                      <a:rPr lang="el-GR" altLang="ko-KR" sz="2000" i="1" smtClean="0">
+                        <a:solidFill>
+                          <a:schemeClr val="tx1">
+                            <a:lumMod val="85000"/>
+                            <a:lumOff val="15000"/>
+                          </a:schemeClr>
+                        </a:solidFill>
+                        <a:latin typeface="Cambria Math" panose="02040503050406030204" pitchFamily="18" charset="0"/>
+                        <a:ea typeface="Cambria Math" panose="02040503050406030204" pitchFamily="18" charset="0"/>
+                        <a:cs typeface="Arial" panose="020B0604020202020204" pitchFamily="34" charset="0"/>
+                      </a:rPr>
+                      <m:t>Λ</m:t>
+                    </m:r>
+                  </m:oMath>
+                </a14:m>
+                <a:r>
+                  <a:rPr lang="en-US" altLang="ko-KR" sz="2000" dirty="0">
+                    <a:solidFill>
+                      <a:schemeClr val="tx1">
+                        <a:lumMod val="85000"/>
+                        <a:lumOff val="15000"/>
+                      </a:schemeClr>
+                    </a:solidFill>
+                    <a:latin typeface="나눔스퀘어 ExtraBold" panose="020B0600000101010101" pitchFamily="50" charset="-127"/>
+                    <a:ea typeface="나눔스퀘어 ExtraBold" panose="020B0600000101010101" pitchFamily="50" charset="-127"/>
+                    <a:cs typeface="Arial" panose="020B0604020202020204" pitchFamily="34" charset="0"/>
+                  </a:rPr>
+                  <a:t>: diagonal matrix of its eigenvalues</a:t>
+                </a:r>
+              </a:p>
+              <a:p>
+                <a:pPr marL="457200" lvl="1" indent="0">
+                  <a:lnSpc>
+                    <a:spcPct val="100000"/>
+                  </a:lnSpc>
+                  <a:buClr>
+                    <a:srgbClr val="004F9E"/>
+                  </a:buClr>
+                  <a:buNone/>
+                </a:pPr>
+                <a14:m>
+                  <m:oMath xmlns:m="http://schemas.openxmlformats.org/officeDocument/2006/math">
+                    <m:sSup>
+                      <m:sSupPr>
+                        <m:ctrlPr>
+                          <a:rPr lang="en-US" altLang="ko-KR" sz="2000" i="1" smtClean="0">
+                            <a:solidFill>
+                              <a:schemeClr val="tx1">
+                                <a:lumMod val="85000"/>
+                                <a:lumOff val="15000"/>
+                              </a:schemeClr>
+                            </a:solidFill>
+                            <a:latin typeface="Cambria Math" panose="02040503050406030204" pitchFamily="18" charset="0"/>
+                            <a:ea typeface="나눔스퀘어 ExtraBold" panose="020B0600000101010101" pitchFamily="50" charset="-127"/>
+                            <a:cs typeface="Arial" panose="020B0604020202020204" pitchFamily="34" charset="0"/>
+                          </a:rPr>
+                        </m:ctrlPr>
+                      </m:sSupPr>
+                      <m:e>
+                        <m:r>
+                          <a:rPr lang="en-US" altLang="ko-KR" sz="2000" b="0" i="1" smtClean="0">
+                            <a:solidFill>
+                              <a:schemeClr val="tx1">
+                                <a:lumMod val="85000"/>
+                                <a:lumOff val="15000"/>
+                              </a:schemeClr>
+                            </a:solidFill>
+                            <a:latin typeface="Cambria Math" panose="02040503050406030204" pitchFamily="18" charset="0"/>
+                            <a:ea typeface="나눔스퀘어 ExtraBold" panose="020B0600000101010101" pitchFamily="50" charset="-127"/>
+                            <a:cs typeface="Arial" panose="020B0604020202020204" pitchFamily="34" charset="0"/>
+                          </a:rPr>
+                          <m:t>𝑈</m:t>
+                        </m:r>
+                      </m:e>
+                      <m:sup>
+                        <m:r>
+                          <a:rPr lang="en-US" altLang="ko-KR" sz="2000" b="0" i="1" smtClean="0">
+                            <a:solidFill>
+                              <a:schemeClr val="tx1">
+                                <a:lumMod val="85000"/>
+                                <a:lumOff val="15000"/>
+                              </a:schemeClr>
+                            </a:solidFill>
+                            <a:latin typeface="Cambria Math" panose="02040503050406030204" pitchFamily="18" charset="0"/>
+                            <a:ea typeface="나눔스퀘어 ExtraBold" panose="020B0600000101010101" pitchFamily="50" charset="-127"/>
+                            <a:cs typeface="Arial" panose="020B0604020202020204" pitchFamily="34" charset="0"/>
+                          </a:rPr>
+                          <m:t>𝑇</m:t>
+                        </m:r>
+                      </m:sup>
+                    </m:sSup>
+                  </m:oMath>
+                </a14:m>
+                <a:r>
+                  <a:rPr lang="en-US" altLang="ko-KR" sz="2000" dirty="0">
+                    <a:solidFill>
+                      <a:schemeClr val="tx1">
+                        <a:lumMod val="85000"/>
+                        <a:lumOff val="15000"/>
+                      </a:schemeClr>
+                    </a:solidFill>
+                    <a:latin typeface="나눔스퀘어 ExtraBold" panose="020B0600000101010101" pitchFamily="50" charset="-127"/>
+                    <a:ea typeface="나눔스퀘어 ExtraBold" panose="020B0600000101010101" pitchFamily="50" charset="-127"/>
+                    <a:cs typeface="Arial" panose="020B0604020202020204" pitchFamily="34" charset="0"/>
+                  </a:rPr>
+                  <a:t>x: graph Fourier transform of x </a:t>
+                </a:r>
+              </a:p>
+              <a:p>
+                <a:pPr marL="0" indent="0">
+                  <a:lnSpc>
+                    <a:spcPct val="100000"/>
+                  </a:lnSpc>
+                  <a:buClr>
+                    <a:srgbClr val="004F9E"/>
+                  </a:buClr>
+                  <a:buNone/>
+                </a:pPr>
+                <a:endParaRPr lang="en-US" altLang="ko-KR" sz="2400" dirty="0">
+                  <a:solidFill>
+                    <a:schemeClr val="tx1">
+                      <a:lumMod val="85000"/>
+                      <a:lumOff val="15000"/>
+                    </a:schemeClr>
+                  </a:solidFill>
+                  <a:latin typeface="나눔스퀘어 ExtraBold" panose="020B0600000101010101" pitchFamily="50" charset="-127"/>
+                  <a:ea typeface="나눔스퀘어 ExtraBold" panose="020B0600000101010101" pitchFamily="50" charset="-127"/>
+                  <a:cs typeface="Arial" panose="020B0604020202020204" pitchFamily="34" charset="0"/>
+                </a:endParaRPr>
+              </a:p>
+            </p:txBody>
+          </p:sp>
+        </mc:Choice>
+        <mc:Fallback>
+          <p:sp>
+            <p:nvSpPr>
+              <p:cNvPr id="3" name="내용 개체 틀 2">
+                <a:extLst>
+                  <a:ext uri="{FF2B5EF4-FFF2-40B4-BE49-F238E27FC236}">
+                    <a16:creationId xmlns:a16="http://schemas.microsoft.com/office/drawing/2014/main" id="{6F3C4966-F49A-47DB-93D9-018CD3BE693E}"/>
+                  </a:ext>
+                </a:extLst>
+              </p:cNvPr>
+              <p:cNvSpPr>
+                <a:spLocks noGrp="1" noRot="1" noChangeAspect="1" noMove="1" noResize="1" noEditPoints="1" noAdjustHandles="1" noChangeArrowheads="1" noChangeShapeType="1" noTextEdit="1"/>
+              </p:cNvSpPr>
+              <p:nvPr>
+                <p:ph idx="1"/>
+              </p:nvPr>
+            </p:nvSpPr>
+            <p:spPr>
+              <a:xfrm>
+                <a:off x="990600" y="1690688"/>
+                <a:ext cx="10210800" cy="4351338"/>
+              </a:xfrm>
+              <a:blipFill>
+                <a:blip r:embed="rId3"/>
+                <a:stretch>
+                  <a:fillRect l="-836" t="-1120"/>
+                </a:stretch>
+              </a:blipFill>
+            </p:spPr>
+            <p:txBody>
+              <a:bodyPr/>
+              <a:lstStyle/>
+              <a:p>
+                <a:r>
+                  <a:rPr lang="ko-KR" altLang="en-US">
+                    <a:noFill/>
+                  </a:rPr>
+                  <a:t> </a:t>
+                </a:r>
+              </a:p>
+            </p:txBody>
+          </p:sp>
+        </mc:Fallback>
+      </mc:AlternateContent>
+      <p:sp>
+        <p:nvSpPr>
+          <p:cNvPr id="4" name="슬라이드 번호 개체 틀 3">
+            <a:extLst>
+              <a:ext uri="{FF2B5EF4-FFF2-40B4-BE49-F238E27FC236}">
+                <a16:creationId xmlns:a16="http://schemas.microsoft.com/office/drawing/2014/main" id="{4705CCFD-CA4E-4794-89D0-C3DF4603C893}"/>
+              </a:ext>
+            </a:extLst>
+          </p:cNvPr>
+          <p:cNvSpPr>
+            <a:spLocks noGrp="1"/>
+          </p:cNvSpPr>
+          <p:nvPr>
+            <p:ph type="sldNum" sz="quarter" idx="12"/>
+          </p:nvPr>
+        </p:nvSpPr>
+        <p:spPr/>
+        <p:txBody>
+          <a:bodyPr/>
+          <a:lstStyle/>
+          <a:p>
+            <a:fld id="{16A93642-25BD-4471-A422-0159119E9512}" type="slidenum">
+              <a:rPr lang="ko-KR" altLang="en-US" smtClean="0"/>
+              <a:pPr/>
+              <a:t>12</a:t>
+            </a:fld>
+            <a:endParaRPr lang="ko-KR" altLang="en-US" dirty="0"/>
+          </a:p>
+        </p:txBody>
+      </p:sp>
+      <p:pic>
+        <p:nvPicPr>
+          <p:cNvPr id="6" name="그림 5">
+            <a:extLst>
+              <a:ext uri="{FF2B5EF4-FFF2-40B4-BE49-F238E27FC236}">
+                <a16:creationId xmlns:a16="http://schemas.microsoft.com/office/drawing/2014/main" id="{307D3518-6679-EF69-4B82-17A6DF3C8E13}"/>
+              </a:ext>
+            </a:extLst>
+          </p:cNvPr>
+          <p:cNvPicPr>
+            <a:picLocks noChangeAspect="1"/>
+          </p:cNvPicPr>
+          <p:nvPr/>
+        </p:nvPicPr>
+        <p:blipFill>
+          <a:blip r:embed="rId4"/>
+          <a:stretch>
+            <a:fillRect/>
+          </a:stretch>
+        </p:blipFill>
+        <p:spPr>
+          <a:xfrm>
+            <a:off x="4962367" y="2371661"/>
+            <a:ext cx="2267266" cy="466790"/>
+          </a:xfrm>
+          <a:prstGeom prst="rect">
+            <a:avLst/>
+          </a:prstGeom>
+        </p:spPr>
+      </p:pic>
+      <p:pic>
+        <p:nvPicPr>
+          <p:cNvPr id="8" name="그림 7">
+            <a:extLst>
+              <a:ext uri="{FF2B5EF4-FFF2-40B4-BE49-F238E27FC236}">
+                <a16:creationId xmlns:a16="http://schemas.microsoft.com/office/drawing/2014/main" id="{ABA94226-0302-D803-CCBA-51F137F4991C}"/>
+              </a:ext>
+            </a:extLst>
+          </p:cNvPr>
+          <p:cNvPicPr>
+            <a:picLocks noChangeAspect="1"/>
+          </p:cNvPicPr>
+          <p:nvPr/>
+        </p:nvPicPr>
+        <p:blipFill>
+          <a:blip r:embed="rId5"/>
+          <a:stretch>
+            <a:fillRect/>
+          </a:stretch>
+        </p:blipFill>
+        <p:spPr>
+          <a:xfrm>
+            <a:off x="9278745" y="3507171"/>
+            <a:ext cx="2075055" cy="2419701"/>
+          </a:xfrm>
+          <a:prstGeom prst="rect">
+            <a:avLst/>
+          </a:prstGeom>
+        </p:spPr>
+      </p:pic>
+    </p:spTree>
+    <p:extLst>
+      <p:ext uri="{BB962C8B-B14F-4D97-AF65-F5344CB8AC3E}">
+        <p14:creationId xmlns:p14="http://schemas.microsoft.com/office/powerpoint/2010/main" val="2033008962"/>
+      </p:ext>
+    </p:extLst>
+  </p:cSld>
+  <p:clrMapOvr>
+    <a:masterClrMapping/>
+  </p:clrMapOvr>
+</p:sld>
+</file>
+
+<file path=ppt/slides/slide13.xml><?xml version="1.0" encoding="utf-8"?>
+<p:sld xmlns:a="http://schemas.openxmlformats.org/drawingml/2006/main" xmlns:r="http://schemas.openxmlformats.org/officeDocument/2006/relationships" xmlns:p="http://schemas.openxmlformats.org/presentationml/2006/main">
+  <p:cSld>
+    <p:spTree>
+      <p:nvGrpSpPr>
+        <p:cNvPr id="1" name=""/>
+        <p:cNvGrpSpPr/>
+        <p:nvPr/>
+      </p:nvGrpSpPr>
+      <p:grpSpPr>
+        <a:xfrm>
+          <a:off x="0" y="0"/>
+          <a:ext cx="0" cy="0"/>
+          <a:chOff x="0" y="0"/>
+          <a:chExt cx="0" cy="0"/>
+        </a:xfrm>
+      </p:grpSpPr>
+      <p:sp>
+        <p:nvSpPr>
+          <p:cNvPr id="2" name="제목 1">
+            <a:extLst>
+              <a:ext uri="{FF2B5EF4-FFF2-40B4-BE49-F238E27FC236}">
+                <a16:creationId xmlns:a16="http://schemas.microsoft.com/office/drawing/2014/main" id="{95CB7AEF-6056-404F-8222-D7A0008FE999}"/>
+              </a:ext>
+            </a:extLst>
+          </p:cNvPr>
+          <p:cNvSpPr>
+            <a:spLocks noGrp="1"/>
+          </p:cNvSpPr>
+          <p:nvPr>
+            <p:ph type="title"/>
+          </p:nvPr>
+        </p:nvSpPr>
+        <p:spPr/>
+        <p:txBody>
+          <a:bodyPr>
+            <a:normAutofit/>
+          </a:bodyPr>
+          <a:lstStyle/>
+          <a:p>
+            <a:r>
+              <a:rPr lang="en-US" altLang="ko-KR" sz="3600" b="1" dirty="0">
+                <a:solidFill>
+                  <a:schemeClr val="tx1">
+                    <a:lumMod val="85000"/>
+                    <a:lumOff val="15000"/>
+                  </a:schemeClr>
+                </a:solidFill>
+                <a:latin typeface="나눔스퀘어 ExtraBold"/>
+                <a:cs typeface="Arial" panose="020B0604020202020204" pitchFamily="34" charset="0"/>
+              </a:rPr>
+              <a:t>Fast </a:t>
+            </a:r>
+            <a:r>
+              <a:rPr lang="en-US" altLang="ko-KR" sz="3600" b="1" dirty="0">
+                <a:solidFill>
+                  <a:schemeClr val="tx1">
+                    <a:lumMod val="85000"/>
+                    <a:lumOff val="15000"/>
+                  </a:schemeClr>
+                </a:solidFill>
+                <a:latin typeface="나눔스퀘어 ExtraBold" panose="020B0600000101010101" pitchFamily="50" charset="-127"/>
+                <a:ea typeface="나눔스퀘어 ExtraBold" panose="020B0600000101010101" pitchFamily="50" charset="-127"/>
+                <a:cs typeface="Arial" panose="020B0604020202020204" pitchFamily="34" charset="0"/>
+              </a:rPr>
+              <a:t>approximate convolutions on graphs</a:t>
+            </a:r>
+            <a:br>
+              <a:rPr lang="en-US" altLang="ko-KR" sz="3600" b="1" dirty="0">
+                <a:solidFill>
+                  <a:schemeClr val="tx1">
+                    <a:lumMod val="85000"/>
+                    <a:lumOff val="15000"/>
+                  </a:schemeClr>
+                </a:solidFill>
+                <a:latin typeface="나눔스퀘어 ExtraBold" panose="020B0600000101010101" pitchFamily="50" charset="-127"/>
+                <a:ea typeface="나눔스퀘어 ExtraBold" panose="020B0600000101010101" pitchFamily="50" charset="-127"/>
+                <a:cs typeface="Arial" panose="020B0604020202020204" pitchFamily="34" charset="0"/>
+              </a:rPr>
+            </a:br>
+            <a:endParaRPr lang="ko-KR" altLang="en-US" sz="3600" b="1" dirty="0">
+              <a:solidFill>
+                <a:schemeClr val="tx1">
+                  <a:lumMod val="85000"/>
+                  <a:lumOff val="15000"/>
+                </a:schemeClr>
+              </a:solidFill>
+              <a:latin typeface="나눔스퀘어 ExtraBold"/>
+              <a:cs typeface="Arial" panose="020B0604020202020204" pitchFamily="34" charset="0"/>
+            </a:endParaRPr>
+          </a:p>
+        </p:txBody>
+      </p:sp>
+      <p:sp>
+        <p:nvSpPr>
+          <p:cNvPr id="3" name="내용 개체 틀 2">
+            <a:extLst>
+              <a:ext uri="{FF2B5EF4-FFF2-40B4-BE49-F238E27FC236}">
+                <a16:creationId xmlns:a16="http://schemas.microsoft.com/office/drawing/2014/main" id="{6F3C4966-F49A-47DB-93D9-018CD3BE693E}"/>
+              </a:ext>
+            </a:extLst>
+          </p:cNvPr>
+          <p:cNvSpPr>
+            <a:spLocks noGrp="1"/>
+          </p:cNvSpPr>
+          <p:nvPr>
+            <p:ph idx="1"/>
+          </p:nvPr>
+        </p:nvSpPr>
+        <p:spPr>
+          <a:xfrm>
+            <a:off x="990600" y="1690688"/>
+            <a:ext cx="10210800" cy="4351338"/>
+          </a:xfrm>
+        </p:spPr>
+        <p:txBody>
+          <a:bodyPr>
+            <a:normAutofit/>
+          </a:bodyPr>
+          <a:lstStyle/>
+          <a:p>
+            <a:pPr>
+              <a:lnSpc>
+                <a:spcPct val="100000"/>
+              </a:lnSpc>
+              <a:buClr>
+                <a:srgbClr val="004F9E"/>
+              </a:buClr>
+              <a:buFont typeface="Wingdings" panose="05000000000000000000" pitchFamily="2" charset="2"/>
+              <a:buChar char="§"/>
+            </a:pPr>
+            <a:r>
+              <a:rPr lang="en-US" altLang="ko-KR" sz="2400" dirty="0">
+                <a:solidFill>
+                  <a:schemeClr val="tx1">
+                    <a:lumMod val="85000"/>
+                    <a:lumOff val="15000"/>
+                  </a:schemeClr>
+                </a:solidFill>
+                <a:latin typeface="나눔스퀘어 ExtraBold" panose="020B0600000101010101" pitchFamily="50" charset="-127"/>
+                <a:ea typeface="나눔스퀘어 ExtraBold" panose="020B0600000101010101" pitchFamily="50" charset="-127"/>
+                <a:cs typeface="Arial" panose="020B0604020202020204" pitchFamily="34" charset="0"/>
+              </a:rPr>
+              <a:t>2.1 Spectral Graph Convolutions</a:t>
+            </a:r>
+          </a:p>
+          <a:p>
+            <a:pPr lvl="1">
+              <a:lnSpc>
+                <a:spcPct val="100000"/>
+              </a:lnSpc>
+              <a:buClr>
+                <a:srgbClr val="004F9E"/>
+              </a:buClr>
+              <a:buFont typeface="Wingdings" panose="05000000000000000000" pitchFamily="2" charset="2"/>
+              <a:buChar char="§"/>
+            </a:pPr>
+            <a:r>
+              <a:rPr lang="en-US" altLang="ko-KR" sz="2000" b="1" dirty="0">
+                <a:solidFill>
+                  <a:schemeClr val="tx1">
+                    <a:lumMod val="85000"/>
+                    <a:lumOff val="15000"/>
+                  </a:schemeClr>
+                </a:solidFill>
+                <a:latin typeface="나눔스퀘어 ExtraBold" panose="020B0600000101010101" pitchFamily="50" charset="-127"/>
+                <a:ea typeface="나눔스퀘어 ExtraBold" panose="020B0600000101010101" pitchFamily="50" charset="-127"/>
+                <a:cs typeface="Arial" panose="020B0604020202020204" pitchFamily="34" charset="0"/>
+              </a:rPr>
+              <a:t>Laplacian matrix</a:t>
+            </a:r>
+          </a:p>
+          <a:p>
+            <a:pPr>
+              <a:lnSpc>
+                <a:spcPct val="100000"/>
+              </a:lnSpc>
+              <a:buClr>
+                <a:srgbClr val="004F9E"/>
+              </a:buClr>
+              <a:buFont typeface="Wingdings" panose="05000000000000000000" pitchFamily="2" charset="2"/>
+              <a:buChar char="§"/>
+            </a:pPr>
+            <a:endParaRPr lang="en-US" altLang="ko-KR" sz="2400" dirty="0">
+              <a:solidFill>
+                <a:schemeClr val="tx1">
+                  <a:lumMod val="85000"/>
+                  <a:lumOff val="15000"/>
+                </a:schemeClr>
+              </a:solidFill>
+              <a:latin typeface="나눔스퀘어 ExtraBold" panose="020B0600000101010101" pitchFamily="50" charset="-127"/>
+              <a:ea typeface="나눔스퀘어 ExtraBold" panose="020B0600000101010101" pitchFamily="50" charset="-127"/>
+              <a:cs typeface="Arial" panose="020B0604020202020204" pitchFamily="34" charset="0"/>
+            </a:endParaRPr>
+          </a:p>
+          <a:p>
+            <a:pPr marL="0" indent="0">
+              <a:lnSpc>
+                <a:spcPct val="100000"/>
+              </a:lnSpc>
+              <a:buClr>
+                <a:srgbClr val="004F9E"/>
+              </a:buClr>
+              <a:buNone/>
+            </a:pPr>
+            <a:endParaRPr lang="en-US" altLang="ko-KR" sz="2400" dirty="0">
+              <a:solidFill>
+                <a:schemeClr val="tx1">
+                  <a:lumMod val="85000"/>
+                  <a:lumOff val="15000"/>
+                </a:schemeClr>
+              </a:solidFill>
+              <a:latin typeface="나눔스퀘어 ExtraBold" panose="020B0600000101010101" pitchFamily="50" charset="-127"/>
+              <a:ea typeface="나눔스퀘어 ExtraBold" panose="020B0600000101010101" pitchFamily="50" charset="-127"/>
+              <a:cs typeface="Arial" panose="020B0604020202020204" pitchFamily="34" charset="0"/>
+            </a:endParaRPr>
+          </a:p>
+        </p:txBody>
+      </p:sp>
+      <p:sp>
+        <p:nvSpPr>
+          <p:cNvPr id="4" name="슬라이드 번호 개체 틀 3">
+            <a:extLst>
+              <a:ext uri="{FF2B5EF4-FFF2-40B4-BE49-F238E27FC236}">
+                <a16:creationId xmlns:a16="http://schemas.microsoft.com/office/drawing/2014/main" id="{4705CCFD-CA4E-4794-89D0-C3DF4603C893}"/>
+              </a:ext>
+            </a:extLst>
+          </p:cNvPr>
+          <p:cNvSpPr>
+            <a:spLocks noGrp="1"/>
+          </p:cNvSpPr>
+          <p:nvPr>
+            <p:ph type="sldNum" sz="quarter" idx="12"/>
+          </p:nvPr>
+        </p:nvSpPr>
+        <p:spPr/>
+        <p:txBody>
+          <a:bodyPr/>
+          <a:lstStyle/>
+          <a:p>
+            <a:fld id="{16A93642-25BD-4471-A422-0159119E9512}" type="slidenum">
+              <a:rPr lang="ko-KR" altLang="en-US" smtClean="0"/>
+              <a:pPr/>
+              <a:t>13</a:t>
+            </a:fld>
+            <a:endParaRPr lang="ko-KR" altLang="en-US" dirty="0"/>
+          </a:p>
+        </p:txBody>
+      </p:sp>
+      <p:graphicFrame>
+        <p:nvGraphicFramePr>
+          <p:cNvPr id="7" name="표 6">
+            <a:extLst>
+              <a:ext uri="{FF2B5EF4-FFF2-40B4-BE49-F238E27FC236}">
+                <a16:creationId xmlns:a16="http://schemas.microsoft.com/office/drawing/2014/main" id="{2C588F6A-1948-85E0-5F96-986A6F5F0694}"/>
+              </a:ext>
+            </a:extLst>
+          </p:cNvPr>
+          <p:cNvGraphicFramePr>
+            <a:graphicFrameLocks noGrp="1"/>
+          </p:cNvGraphicFramePr>
+          <p:nvPr>
+            <p:extLst>
+              <p:ext uri="{D42A27DB-BD31-4B8C-83A1-F6EECF244321}">
+                <p14:modId xmlns:p14="http://schemas.microsoft.com/office/powerpoint/2010/main" val="2857028630"/>
+              </p:ext>
+            </p:extLst>
+          </p:nvPr>
+        </p:nvGraphicFramePr>
+        <p:xfrm>
+          <a:off x="7643712" y="3194322"/>
+          <a:ext cx="1612900" cy="1463040"/>
+        </p:xfrm>
+        <a:graphic>
+          <a:graphicData uri="http://schemas.openxmlformats.org/drawingml/2006/table">
+            <a:tbl>
+              <a:tblPr firstRow="1" bandRow="1">
+                <a:tableStyleId>{5940675A-B579-460E-94D1-54222C63F5DA}</a:tableStyleId>
+              </a:tblPr>
+              <a:tblGrid>
+                <a:gridCol w="403225">
+                  <a:extLst>
+                    <a:ext uri="{9D8B030D-6E8A-4147-A177-3AD203B41FA5}">
+                      <a16:colId xmlns:a16="http://schemas.microsoft.com/office/drawing/2014/main" val="1759570613"/>
+                    </a:ext>
+                  </a:extLst>
+                </a:gridCol>
+                <a:gridCol w="403225">
+                  <a:extLst>
+                    <a:ext uri="{9D8B030D-6E8A-4147-A177-3AD203B41FA5}">
+                      <a16:colId xmlns:a16="http://schemas.microsoft.com/office/drawing/2014/main" val="1611411470"/>
+                    </a:ext>
+                  </a:extLst>
+                </a:gridCol>
+                <a:gridCol w="403225">
+                  <a:extLst>
+                    <a:ext uri="{9D8B030D-6E8A-4147-A177-3AD203B41FA5}">
+                      <a16:colId xmlns:a16="http://schemas.microsoft.com/office/drawing/2014/main" val="965246312"/>
+                    </a:ext>
+                  </a:extLst>
+                </a:gridCol>
+                <a:gridCol w="403225">
+                  <a:extLst>
+                    <a:ext uri="{9D8B030D-6E8A-4147-A177-3AD203B41FA5}">
+                      <a16:colId xmlns:a16="http://schemas.microsoft.com/office/drawing/2014/main" val="3364530550"/>
+                    </a:ext>
+                  </a:extLst>
+                </a:gridCol>
+              </a:tblGrid>
+              <a:tr h="361950">
+                <a:tc>
+                  <a:txBody>
+                    <a:bodyPr/>
+                    <a:lstStyle/>
+                    <a:p>
+                      <a:pPr algn="ctr" latinLnBrk="1"/>
+                      <a:r>
+                        <a:rPr lang="en-US" altLang="ko-KR" dirty="0"/>
+                        <a:t>0</a:t>
+                      </a:r>
+                      <a:endParaRPr lang="ko-KR" altLang="en-US" dirty="0"/>
+                    </a:p>
+                  </a:txBody>
+                  <a:tcPr anchor="ctr"/>
+                </a:tc>
+                <a:tc>
+                  <a:txBody>
+                    <a:bodyPr/>
+                    <a:lstStyle/>
+                    <a:p>
+                      <a:pPr algn="ctr" latinLnBrk="1"/>
+                      <a:r>
+                        <a:rPr lang="en-US" altLang="ko-KR" dirty="0"/>
+                        <a:t>1</a:t>
+                      </a:r>
+                      <a:endParaRPr lang="ko-KR" altLang="en-US" dirty="0"/>
+                    </a:p>
+                  </a:txBody>
+                  <a:tcPr anchor="ctr"/>
+                </a:tc>
+                <a:tc>
+                  <a:txBody>
+                    <a:bodyPr/>
+                    <a:lstStyle/>
+                    <a:p>
+                      <a:pPr algn="ctr" latinLnBrk="1"/>
+                      <a:r>
+                        <a:rPr lang="en-US" altLang="ko-KR" dirty="0"/>
+                        <a:t>0</a:t>
+                      </a:r>
+                      <a:endParaRPr lang="ko-KR" altLang="en-US" dirty="0"/>
+                    </a:p>
+                  </a:txBody>
+                  <a:tcPr anchor="ctr"/>
+                </a:tc>
+                <a:tc>
+                  <a:txBody>
+                    <a:bodyPr/>
+                    <a:lstStyle/>
+                    <a:p>
+                      <a:pPr algn="ctr" latinLnBrk="1"/>
+                      <a:r>
+                        <a:rPr lang="en-US" altLang="ko-KR" dirty="0"/>
+                        <a:t>0</a:t>
+                      </a:r>
+                      <a:endParaRPr lang="ko-KR" altLang="en-US" dirty="0"/>
+                    </a:p>
+                  </a:txBody>
+                  <a:tcPr anchor="ctr"/>
+                </a:tc>
+                <a:extLst>
+                  <a:ext uri="{0D108BD9-81ED-4DB2-BD59-A6C34878D82A}">
+                    <a16:rowId xmlns:a16="http://schemas.microsoft.com/office/drawing/2014/main" val="1862167810"/>
+                  </a:ext>
+                </a:extLst>
+              </a:tr>
+              <a:tr h="361950">
+                <a:tc>
+                  <a:txBody>
+                    <a:bodyPr/>
+                    <a:lstStyle/>
+                    <a:p>
+                      <a:pPr algn="ctr" latinLnBrk="1"/>
+                      <a:r>
+                        <a:rPr lang="en-US" altLang="ko-KR" dirty="0"/>
+                        <a:t>1</a:t>
+                      </a:r>
+                      <a:endParaRPr lang="ko-KR" altLang="en-US" dirty="0"/>
+                    </a:p>
+                  </a:txBody>
+                  <a:tcPr anchor="ctr"/>
+                </a:tc>
+                <a:tc>
+                  <a:txBody>
+                    <a:bodyPr/>
+                    <a:lstStyle/>
+                    <a:p>
+                      <a:pPr algn="ctr" latinLnBrk="1"/>
+                      <a:r>
+                        <a:rPr lang="en-US" altLang="ko-KR" dirty="0"/>
+                        <a:t>0</a:t>
+                      </a:r>
+                      <a:endParaRPr lang="ko-KR" altLang="en-US" dirty="0"/>
+                    </a:p>
+                  </a:txBody>
+                  <a:tcPr anchor="ctr"/>
+                </a:tc>
+                <a:tc>
+                  <a:txBody>
+                    <a:bodyPr/>
+                    <a:lstStyle/>
+                    <a:p>
+                      <a:pPr algn="ctr" latinLnBrk="1"/>
+                      <a:r>
+                        <a:rPr lang="en-US" altLang="ko-KR" dirty="0"/>
+                        <a:t>0</a:t>
+                      </a:r>
+                      <a:endParaRPr lang="ko-KR" altLang="en-US" dirty="0"/>
+                    </a:p>
+                  </a:txBody>
+                  <a:tcPr anchor="ctr"/>
+                </a:tc>
+                <a:tc>
+                  <a:txBody>
+                    <a:bodyPr/>
+                    <a:lstStyle/>
+                    <a:p>
+                      <a:pPr algn="ctr" latinLnBrk="1"/>
+                      <a:r>
+                        <a:rPr lang="en-US" altLang="ko-KR" dirty="0"/>
+                        <a:t>1</a:t>
+                      </a:r>
+                      <a:endParaRPr lang="ko-KR" altLang="en-US" dirty="0"/>
+                    </a:p>
+                  </a:txBody>
+                  <a:tcPr anchor="ctr"/>
+                </a:tc>
+                <a:extLst>
+                  <a:ext uri="{0D108BD9-81ED-4DB2-BD59-A6C34878D82A}">
+                    <a16:rowId xmlns:a16="http://schemas.microsoft.com/office/drawing/2014/main" val="189533091"/>
+                  </a:ext>
+                </a:extLst>
+              </a:tr>
+              <a:tr h="361950">
+                <a:tc>
+                  <a:txBody>
+                    <a:bodyPr/>
+                    <a:lstStyle/>
+                    <a:p>
+                      <a:pPr algn="ctr" latinLnBrk="1"/>
+                      <a:r>
+                        <a:rPr lang="en-US" altLang="ko-KR" dirty="0"/>
+                        <a:t>0</a:t>
+                      </a:r>
+                      <a:endParaRPr lang="ko-KR" altLang="en-US" dirty="0"/>
+                    </a:p>
+                  </a:txBody>
+                  <a:tcPr anchor="ctr"/>
+                </a:tc>
+                <a:tc>
+                  <a:txBody>
+                    <a:bodyPr/>
+                    <a:lstStyle/>
+                    <a:p>
+                      <a:pPr algn="ctr" latinLnBrk="1"/>
+                      <a:r>
+                        <a:rPr lang="en-US" altLang="ko-KR" dirty="0"/>
+                        <a:t>0</a:t>
+                      </a:r>
+                      <a:endParaRPr lang="ko-KR" altLang="en-US" dirty="0"/>
+                    </a:p>
+                  </a:txBody>
+                  <a:tcPr anchor="ctr"/>
+                </a:tc>
+                <a:tc>
+                  <a:txBody>
+                    <a:bodyPr/>
+                    <a:lstStyle/>
+                    <a:p>
+                      <a:pPr algn="ctr" latinLnBrk="1"/>
+                      <a:r>
+                        <a:rPr lang="en-US" altLang="ko-KR" dirty="0"/>
+                        <a:t>0</a:t>
+                      </a:r>
+                      <a:endParaRPr lang="ko-KR" altLang="en-US" dirty="0"/>
+                    </a:p>
+                  </a:txBody>
+                  <a:tcPr anchor="ctr"/>
+                </a:tc>
+                <a:tc>
+                  <a:txBody>
+                    <a:bodyPr/>
+                    <a:lstStyle/>
+                    <a:p>
+                      <a:pPr algn="ctr" latinLnBrk="1"/>
+                      <a:r>
+                        <a:rPr lang="en-US" altLang="ko-KR" dirty="0"/>
+                        <a:t>0</a:t>
+                      </a:r>
+                      <a:endParaRPr lang="ko-KR" altLang="en-US" dirty="0"/>
+                    </a:p>
+                  </a:txBody>
+                  <a:tcPr anchor="ctr"/>
+                </a:tc>
+                <a:extLst>
+                  <a:ext uri="{0D108BD9-81ED-4DB2-BD59-A6C34878D82A}">
+                    <a16:rowId xmlns:a16="http://schemas.microsoft.com/office/drawing/2014/main" val="1749357386"/>
+                  </a:ext>
+                </a:extLst>
+              </a:tr>
+              <a:tr h="361950">
+                <a:tc>
+                  <a:txBody>
+                    <a:bodyPr/>
+                    <a:lstStyle/>
+                    <a:p>
+                      <a:pPr algn="ctr" latinLnBrk="1"/>
+                      <a:r>
+                        <a:rPr lang="en-US" altLang="ko-KR" dirty="0"/>
+                        <a:t>0</a:t>
+                      </a:r>
+                      <a:endParaRPr lang="ko-KR" altLang="en-US" dirty="0"/>
+                    </a:p>
+                  </a:txBody>
+                  <a:tcPr anchor="ctr"/>
+                </a:tc>
+                <a:tc>
+                  <a:txBody>
+                    <a:bodyPr/>
+                    <a:lstStyle/>
+                    <a:p>
+                      <a:pPr algn="ctr" latinLnBrk="1"/>
+                      <a:r>
+                        <a:rPr lang="en-US" altLang="ko-KR" dirty="0"/>
+                        <a:t>1</a:t>
+                      </a:r>
+                      <a:endParaRPr lang="ko-KR" altLang="en-US" dirty="0"/>
+                    </a:p>
+                  </a:txBody>
+                  <a:tcPr anchor="ctr"/>
+                </a:tc>
+                <a:tc>
+                  <a:txBody>
+                    <a:bodyPr/>
+                    <a:lstStyle/>
+                    <a:p>
+                      <a:pPr algn="ctr" latinLnBrk="1"/>
+                      <a:r>
+                        <a:rPr lang="en-US" altLang="ko-KR" dirty="0"/>
+                        <a:t>0</a:t>
+                      </a:r>
+                      <a:endParaRPr lang="ko-KR" altLang="en-US" dirty="0"/>
+                    </a:p>
+                  </a:txBody>
+                  <a:tcPr anchor="ctr"/>
+                </a:tc>
+                <a:tc>
+                  <a:txBody>
+                    <a:bodyPr/>
+                    <a:lstStyle/>
+                    <a:p>
+                      <a:pPr algn="ctr" latinLnBrk="1"/>
+                      <a:r>
+                        <a:rPr lang="en-US" altLang="ko-KR" dirty="0"/>
+                        <a:t>0</a:t>
+                      </a:r>
+                      <a:endParaRPr lang="ko-KR" altLang="en-US" dirty="0"/>
+                    </a:p>
+                  </a:txBody>
+                  <a:tcPr anchor="ctr"/>
+                </a:tc>
+                <a:extLst>
+                  <a:ext uri="{0D108BD9-81ED-4DB2-BD59-A6C34878D82A}">
+                    <a16:rowId xmlns:a16="http://schemas.microsoft.com/office/drawing/2014/main" val="3157041110"/>
+                  </a:ext>
+                </a:extLst>
+              </a:tr>
+            </a:tbl>
+          </a:graphicData>
+        </a:graphic>
+      </p:graphicFrame>
+      <p:sp>
+        <p:nvSpPr>
+          <p:cNvPr id="8" name="내용 개체 틀 2">
+            <a:extLst>
+              <a:ext uri="{FF2B5EF4-FFF2-40B4-BE49-F238E27FC236}">
+                <a16:creationId xmlns:a16="http://schemas.microsoft.com/office/drawing/2014/main" id="{5DBD9F42-D14D-2B1D-CD97-03924F95546A}"/>
+              </a:ext>
+            </a:extLst>
+          </p:cNvPr>
+          <p:cNvSpPr txBox="1">
+            <a:spLocks/>
+          </p:cNvSpPr>
+          <p:nvPr/>
+        </p:nvSpPr>
+        <p:spPr>
+          <a:xfrm>
+            <a:off x="8226224" y="4657362"/>
+            <a:ext cx="447876" cy="593409"/>
+          </a:xfrm>
+          <a:prstGeom prst="rect">
+            <a:avLst/>
+          </a:prstGeom>
+        </p:spPr>
+        <p:txBody>
+          <a:bodyPr vert="horz" lIns="91440" tIns="45720" rIns="91440" bIns="45720" rtlCol="0">
+            <a:normAutofit/>
+          </a:bodyPr>
+          <a:lstStyle>
+            <a:lvl1pPr marL="228600" indent="-228600" algn="l" defTabSz="914400" rtl="0" eaLnBrk="1" latinLnBrk="1" hangingPunct="1">
+              <a:lnSpc>
+                <a:spcPct val="90000"/>
+              </a:lnSpc>
+              <a:spcBef>
+                <a:spcPts val="1000"/>
+              </a:spcBef>
+              <a:buFont typeface="Arial" panose="020B0604020202020204" pitchFamily="34" charset="0"/>
+              <a:buChar char="•"/>
+              <a:defRPr sz="2800" kern="1200">
+                <a:solidFill>
+                  <a:schemeClr val="tx1"/>
+                </a:solidFill>
+                <a:latin typeface="+mn-lt"/>
+                <a:ea typeface="+mn-ea"/>
+                <a:cs typeface="+mn-cs"/>
+              </a:defRPr>
+            </a:lvl1pPr>
+            <a:lvl2pPr marL="685800" indent="-228600" algn="l" defTabSz="914400" rtl="0" eaLnBrk="1" latinLnBrk="1" hangingPunct="1">
+              <a:lnSpc>
+                <a:spcPct val="90000"/>
+              </a:lnSpc>
+              <a:spcBef>
+                <a:spcPts val="500"/>
+              </a:spcBef>
+              <a:buFont typeface="Arial" panose="020B0604020202020204" pitchFamily="34" charset="0"/>
+              <a:buChar char="•"/>
+              <a:defRPr sz="2400" kern="1200">
+                <a:solidFill>
+                  <a:schemeClr val="tx1"/>
+                </a:solidFill>
+                <a:latin typeface="+mn-lt"/>
+                <a:ea typeface="+mn-ea"/>
+                <a:cs typeface="+mn-cs"/>
+              </a:defRPr>
+            </a:lvl2pPr>
+            <a:lvl3pPr marL="1143000" indent="-228600" algn="l" defTabSz="914400" rtl="0" eaLnBrk="1" latinLnBrk="1" hangingPunct="1">
+              <a:lnSpc>
+                <a:spcPct val="90000"/>
+              </a:lnSpc>
+              <a:spcBef>
+                <a:spcPts val="500"/>
+              </a:spcBef>
+              <a:buFont typeface="Arial" panose="020B0604020202020204" pitchFamily="34" charset="0"/>
+              <a:buChar char="•"/>
+              <a:defRPr sz="2000" kern="1200">
+                <a:solidFill>
+                  <a:schemeClr val="tx1"/>
+                </a:solidFill>
+                <a:latin typeface="+mn-lt"/>
+                <a:ea typeface="+mn-ea"/>
+                <a:cs typeface="+mn-cs"/>
+              </a:defRPr>
+            </a:lvl3pPr>
+            <a:lvl4pPr marL="1600200" indent="-228600" algn="l" defTabSz="914400" rtl="0" eaLnBrk="1" latinLnBrk="1" hangingPunct="1">
+              <a:lnSpc>
+                <a:spcPct val="90000"/>
+              </a:lnSpc>
+              <a:spcBef>
+                <a:spcPts val="500"/>
+              </a:spcBef>
+              <a:buFont typeface="Arial" panose="020B0604020202020204" pitchFamily="34" charset="0"/>
+              <a:buChar char="•"/>
+              <a:defRPr sz="1800" kern="1200">
+                <a:solidFill>
+                  <a:schemeClr val="tx1"/>
+                </a:solidFill>
+                <a:latin typeface="+mn-lt"/>
+                <a:ea typeface="+mn-ea"/>
+                <a:cs typeface="+mn-cs"/>
+              </a:defRPr>
+            </a:lvl4pPr>
+            <a:lvl5pPr marL="2057400" indent="-228600" algn="l" defTabSz="914400" rtl="0" eaLnBrk="1" latinLnBrk="1" hangingPunct="1">
+              <a:lnSpc>
+                <a:spcPct val="90000"/>
+              </a:lnSpc>
+              <a:spcBef>
+                <a:spcPts val="500"/>
+              </a:spcBef>
+              <a:buFont typeface="Arial" panose="020B0604020202020204" pitchFamily="34" charset="0"/>
+              <a:buChar char="•"/>
+              <a:defRPr sz="1800" kern="1200">
+                <a:solidFill>
+                  <a:schemeClr val="tx1"/>
+                </a:solidFill>
+                <a:latin typeface="+mn-lt"/>
+                <a:ea typeface="+mn-ea"/>
+                <a:cs typeface="+mn-cs"/>
+              </a:defRPr>
+            </a:lvl5pPr>
+            <a:lvl6pPr marL="2514600" indent="-228600" algn="l" defTabSz="914400" rtl="0" eaLnBrk="1" latinLnBrk="1" hangingPunct="1">
+              <a:lnSpc>
+                <a:spcPct val="90000"/>
+              </a:lnSpc>
+              <a:spcBef>
+                <a:spcPts val="500"/>
+              </a:spcBef>
+              <a:buFont typeface="Arial" panose="020B0604020202020204" pitchFamily="34" charset="0"/>
+              <a:buChar char="•"/>
+              <a:defRPr sz="1800" kern="1200">
+                <a:solidFill>
+                  <a:schemeClr val="tx1"/>
+                </a:solidFill>
+                <a:latin typeface="+mn-lt"/>
+                <a:ea typeface="+mn-ea"/>
+                <a:cs typeface="+mn-cs"/>
+              </a:defRPr>
+            </a:lvl6pPr>
+            <a:lvl7pPr marL="2971800" indent="-228600" algn="l" defTabSz="914400" rtl="0" eaLnBrk="1" latinLnBrk="1" hangingPunct="1">
+              <a:lnSpc>
+                <a:spcPct val="90000"/>
+              </a:lnSpc>
+              <a:spcBef>
+                <a:spcPts val="500"/>
+              </a:spcBef>
+              <a:buFont typeface="Arial" panose="020B0604020202020204" pitchFamily="34" charset="0"/>
+              <a:buChar char="•"/>
+              <a:defRPr sz="1800" kern="1200">
+                <a:solidFill>
+                  <a:schemeClr val="tx1"/>
+                </a:solidFill>
+                <a:latin typeface="+mn-lt"/>
+                <a:ea typeface="+mn-ea"/>
+                <a:cs typeface="+mn-cs"/>
+              </a:defRPr>
+            </a:lvl7pPr>
+            <a:lvl8pPr marL="3429000" indent="-228600" algn="l" defTabSz="914400" rtl="0" eaLnBrk="1" latinLnBrk="1" hangingPunct="1">
+              <a:lnSpc>
+                <a:spcPct val="90000"/>
+              </a:lnSpc>
+              <a:spcBef>
+                <a:spcPts val="500"/>
+              </a:spcBef>
+              <a:buFont typeface="Arial" panose="020B0604020202020204" pitchFamily="34" charset="0"/>
+              <a:buChar char="•"/>
+              <a:defRPr sz="1800" kern="1200">
+                <a:solidFill>
+                  <a:schemeClr val="tx1"/>
+                </a:solidFill>
+                <a:latin typeface="+mn-lt"/>
+                <a:ea typeface="+mn-ea"/>
+                <a:cs typeface="+mn-cs"/>
+              </a:defRPr>
+            </a:lvl8pPr>
+            <a:lvl9pPr marL="3886200" indent="-228600" algn="l" defTabSz="914400" rtl="0" eaLnBrk="1" latinLnBrk="1" hangingPunct="1">
+              <a:lnSpc>
+                <a:spcPct val="90000"/>
+              </a:lnSpc>
+              <a:spcBef>
+                <a:spcPts val="500"/>
+              </a:spcBef>
+              <a:buFont typeface="Arial" panose="020B0604020202020204" pitchFamily="34" charset="0"/>
+              <a:buChar char="•"/>
+              <a:defRPr sz="1800" kern="1200">
+                <a:solidFill>
+                  <a:schemeClr val="tx1"/>
+                </a:solidFill>
+                <a:latin typeface="+mn-lt"/>
+                <a:ea typeface="+mn-ea"/>
+                <a:cs typeface="+mn-cs"/>
+              </a:defRPr>
+            </a:lvl9pPr>
+          </a:lstStyle>
+          <a:p>
+            <a:pPr marL="0" indent="0">
+              <a:lnSpc>
+                <a:spcPct val="100000"/>
+              </a:lnSpc>
+              <a:buClr>
+                <a:srgbClr val="004F9E"/>
+              </a:buClr>
+              <a:buNone/>
+            </a:pPr>
+            <a:r>
+              <a:rPr lang="en-US" altLang="ko-KR" sz="2400" dirty="0">
+                <a:solidFill>
+                  <a:schemeClr val="tx1">
+                    <a:lumMod val="85000"/>
+                    <a:lumOff val="15000"/>
+                  </a:schemeClr>
+                </a:solidFill>
+                <a:latin typeface="나눔스퀘어 ExtraBold" panose="020B0600000101010101" pitchFamily="50" charset="-127"/>
+                <a:ea typeface="나눔스퀘어 ExtraBold" panose="020B0600000101010101" pitchFamily="50" charset="-127"/>
+                <a:cs typeface="Arial" panose="020B0604020202020204" pitchFamily="34" charset="0"/>
+              </a:rPr>
+              <a:t>A</a:t>
+            </a:r>
+          </a:p>
+        </p:txBody>
+      </p:sp>
+      <p:graphicFrame>
+        <p:nvGraphicFramePr>
+          <p:cNvPr id="9" name="표 6">
+            <a:extLst>
+              <a:ext uri="{FF2B5EF4-FFF2-40B4-BE49-F238E27FC236}">
+                <a16:creationId xmlns:a16="http://schemas.microsoft.com/office/drawing/2014/main" id="{BA195E4D-B582-F847-78B6-F79E9175D0A9}"/>
+              </a:ext>
+            </a:extLst>
+          </p:cNvPr>
+          <p:cNvGraphicFramePr>
+            <a:graphicFrameLocks noGrp="1"/>
+          </p:cNvGraphicFramePr>
+          <p:nvPr>
+            <p:extLst>
+              <p:ext uri="{D42A27DB-BD31-4B8C-83A1-F6EECF244321}">
+                <p14:modId xmlns:p14="http://schemas.microsoft.com/office/powerpoint/2010/main" val="3682882242"/>
+              </p:ext>
+            </p:extLst>
+          </p:nvPr>
+        </p:nvGraphicFramePr>
+        <p:xfrm>
+          <a:off x="5435600" y="3187700"/>
+          <a:ext cx="1612900" cy="1469662"/>
+        </p:xfrm>
+        <a:graphic>
+          <a:graphicData uri="http://schemas.openxmlformats.org/drawingml/2006/table">
+            <a:tbl>
+              <a:tblPr firstRow="1" bandRow="1">
+                <a:tableStyleId>{5940675A-B579-460E-94D1-54222C63F5DA}</a:tableStyleId>
+              </a:tblPr>
+              <a:tblGrid>
+                <a:gridCol w="403225">
+                  <a:extLst>
+                    <a:ext uri="{9D8B030D-6E8A-4147-A177-3AD203B41FA5}">
+                      <a16:colId xmlns:a16="http://schemas.microsoft.com/office/drawing/2014/main" val="1759570613"/>
+                    </a:ext>
+                  </a:extLst>
+                </a:gridCol>
+                <a:gridCol w="403225">
+                  <a:extLst>
+                    <a:ext uri="{9D8B030D-6E8A-4147-A177-3AD203B41FA5}">
+                      <a16:colId xmlns:a16="http://schemas.microsoft.com/office/drawing/2014/main" val="1611411470"/>
+                    </a:ext>
+                  </a:extLst>
+                </a:gridCol>
+                <a:gridCol w="403225">
+                  <a:extLst>
+                    <a:ext uri="{9D8B030D-6E8A-4147-A177-3AD203B41FA5}">
+                      <a16:colId xmlns:a16="http://schemas.microsoft.com/office/drawing/2014/main" val="965246312"/>
+                    </a:ext>
+                  </a:extLst>
+                </a:gridCol>
+                <a:gridCol w="403225">
+                  <a:extLst>
+                    <a:ext uri="{9D8B030D-6E8A-4147-A177-3AD203B41FA5}">
+                      <a16:colId xmlns:a16="http://schemas.microsoft.com/office/drawing/2014/main" val="3364530550"/>
+                    </a:ext>
+                  </a:extLst>
+                </a:gridCol>
+              </a:tblGrid>
+              <a:tr h="372382">
+                <a:tc>
+                  <a:txBody>
+                    <a:bodyPr/>
+                    <a:lstStyle/>
+                    <a:p>
+                      <a:pPr algn="ctr" latinLnBrk="1"/>
+                      <a:r>
+                        <a:rPr lang="en-US" altLang="ko-KR" dirty="0"/>
+                        <a:t>1</a:t>
+                      </a:r>
+                      <a:endParaRPr lang="ko-KR" altLang="en-US" dirty="0"/>
+                    </a:p>
+                  </a:txBody>
+                  <a:tcPr anchor="ctr"/>
+                </a:tc>
+                <a:tc>
+                  <a:txBody>
+                    <a:bodyPr/>
+                    <a:lstStyle/>
+                    <a:p>
+                      <a:pPr algn="ctr" latinLnBrk="1"/>
+                      <a:r>
+                        <a:rPr lang="en-US" altLang="ko-KR" dirty="0"/>
+                        <a:t>0</a:t>
+                      </a:r>
+                      <a:endParaRPr lang="ko-KR" altLang="en-US" dirty="0"/>
+                    </a:p>
+                  </a:txBody>
+                  <a:tcPr anchor="ctr"/>
+                </a:tc>
+                <a:tc>
+                  <a:txBody>
+                    <a:bodyPr/>
+                    <a:lstStyle/>
+                    <a:p>
+                      <a:pPr algn="ctr" latinLnBrk="1"/>
+                      <a:r>
+                        <a:rPr lang="en-US" altLang="ko-KR" dirty="0"/>
+                        <a:t>0</a:t>
+                      </a:r>
+                      <a:endParaRPr lang="ko-KR" altLang="en-US" dirty="0"/>
+                    </a:p>
+                  </a:txBody>
+                  <a:tcPr anchor="ctr"/>
+                </a:tc>
+                <a:tc>
+                  <a:txBody>
+                    <a:bodyPr/>
+                    <a:lstStyle/>
+                    <a:p>
+                      <a:pPr algn="ctr" latinLnBrk="1"/>
+                      <a:r>
+                        <a:rPr lang="en-US" altLang="ko-KR" dirty="0"/>
+                        <a:t>0</a:t>
+                      </a:r>
+                      <a:endParaRPr lang="ko-KR" altLang="en-US" dirty="0"/>
+                    </a:p>
+                  </a:txBody>
+                  <a:tcPr anchor="ctr"/>
+                </a:tc>
+                <a:extLst>
+                  <a:ext uri="{0D108BD9-81ED-4DB2-BD59-A6C34878D82A}">
+                    <a16:rowId xmlns:a16="http://schemas.microsoft.com/office/drawing/2014/main" val="1862167810"/>
+                  </a:ext>
+                </a:extLst>
+              </a:tr>
+              <a:tr h="363553">
+                <a:tc>
+                  <a:txBody>
+                    <a:bodyPr/>
+                    <a:lstStyle/>
+                    <a:p>
+                      <a:pPr algn="ctr" latinLnBrk="1"/>
+                      <a:r>
+                        <a:rPr lang="en-US" altLang="ko-KR" dirty="0"/>
+                        <a:t>0</a:t>
+                      </a:r>
+                      <a:endParaRPr lang="ko-KR" altLang="en-US" dirty="0"/>
+                    </a:p>
+                  </a:txBody>
+                  <a:tcPr anchor="ctr"/>
+                </a:tc>
+                <a:tc>
+                  <a:txBody>
+                    <a:bodyPr/>
+                    <a:lstStyle/>
+                    <a:p>
+                      <a:pPr algn="ctr" latinLnBrk="1"/>
+                      <a:r>
+                        <a:rPr lang="en-US" altLang="ko-KR" dirty="0"/>
+                        <a:t>2</a:t>
+                      </a:r>
+                      <a:endParaRPr lang="ko-KR" altLang="en-US" dirty="0"/>
+                    </a:p>
+                  </a:txBody>
+                  <a:tcPr anchor="ctr"/>
+                </a:tc>
+                <a:tc>
+                  <a:txBody>
+                    <a:bodyPr/>
+                    <a:lstStyle/>
+                    <a:p>
+                      <a:pPr algn="ctr" latinLnBrk="1"/>
+                      <a:r>
+                        <a:rPr lang="en-US" altLang="ko-KR" dirty="0"/>
+                        <a:t>0</a:t>
+                      </a:r>
+                      <a:endParaRPr lang="ko-KR" altLang="en-US" dirty="0"/>
+                    </a:p>
+                  </a:txBody>
+                  <a:tcPr anchor="ctr"/>
+                </a:tc>
+                <a:tc>
+                  <a:txBody>
+                    <a:bodyPr/>
+                    <a:lstStyle/>
+                    <a:p>
+                      <a:pPr algn="ctr" latinLnBrk="1"/>
+                      <a:r>
+                        <a:rPr lang="en-US" altLang="ko-KR" dirty="0"/>
+                        <a:t>0</a:t>
+                      </a:r>
+                      <a:endParaRPr lang="ko-KR" altLang="en-US" dirty="0"/>
+                    </a:p>
+                  </a:txBody>
+                  <a:tcPr anchor="ctr"/>
+                </a:tc>
+                <a:extLst>
+                  <a:ext uri="{0D108BD9-81ED-4DB2-BD59-A6C34878D82A}">
+                    <a16:rowId xmlns:a16="http://schemas.microsoft.com/office/drawing/2014/main" val="189533091"/>
+                  </a:ext>
+                </a:extLst>
+              </a:tr>
+              <a:tr h="363553">
+                <a:tc>
+                  <a:txBody>
+                    <a:bodyPr/>
+                    <a:lstStyle/>
+                    <a:p>
+                      <a:pPr algn="ctr" latinLnBrk="1"/>
+                      <a:r>
+                        <a:rPr lang="en-US" altLang="ko-KR" dirty="0"/>
+                        <a:t>0</a:t>
+                      </a:r>
+                      <a:endParaRPr lang="ko-KR" altLang="en-US" dirty="0"/>
+                    </a:p>
+                  </a:txBody>
+                  <a:tcPr anchor="ctr"/>
+                </a:tc>
+                <a:tc>
+                  <a:txBody>
+                    <a:bodyPr/>
+                    <a:lstStyle/>
+                    <a:p>
+                      <a:pPr algn="ctr" latinLnBrk="1"/>
+                      <a:r>
+                        <a:rPr lang="en-US" altLang="ko-KR" dirty="0"/>
+                        <a:t>0</a:t>
+                      </a:r>
+                      <a:endParaRPr lang="ko-KR" altLang="en-US" dirty="0"/>
+                    </a:p>
+                  </a:txBody>
+                  <a:tcPr anchor="ctr"/>
+                </a:tc>
+                <a:tc>
+                  <a:txBody>
+                    <a:bodyPr/>
+                    <a:lstStyle/>
+                    <a:p>
+                      <a:pPr algn="ctr" latinLnBrk="1"/>
+                      <a:r>
+                        <a:rPr lang="en-US" altLang="ko-KR" dirty="0"/>
+                        <a:t>0</a:t>
+                      </a:r>
+                      <a:endParaRPr lang="ko-KR" altLang="en-US" dirty="0"/>
+                    </a:p>
+                  </a:txBody>
+                  <a:tcPr anchor="ctr"/>
+                </a:tc>
+                <a:tc>
+                  <a:txBody>
+                    <a:bodyPr/>
+                    <a:lstStyle/>
+                    <a:p>
+                      <a:pPr algn="ctr" latinLnBrk="1"/>
+                      <a:r>
+                        <a:rPr lang="en-US" altLang="ko-KR" dirty="0"/>
+                        <a:t>0</a:t>
+                      </a:r>
+                      <a:endParaRPr lang="ko-KR" altLang="en-US" dirty="0"/>
+                    </a:p>
+                  </a:txBody>
+                  <a:tcPr anchor="ctr"/>
+                </a:tc>
+                <a:extLst>
+                  <a:ext uri="{0D108BD9-81ED-4DB2-BD59-A6C34878D82A}">
+                    <a16:rowId xmlns:a16="http://schemas.microsoft.com/office/drawing/2014/main" val="1749357386"/>
+                  </a:ext>
+                </a:extLst>
+              </a:tr>
+              <a:tr h="363553">
+                <a:tc>
+                  <a:txBody>
+                    <a:bodyPr/>
+                    <a:lstStyle/>
+                    <a:p>
+                      <a:pPr algn="ctr" latinLnBrk="1"/>
+                      <a:r>
+                        <a:rPr lang="en-US" altLang="ko-KR" dirty="0"/>
+                        <a:t>0</a:t>
+                      </a:r>
+                      <a:endParaRPr lang="ko-KR" altLang="en-US" dirty="0"/>
+                    </a:p>
+                  </a:txBody>
+                  <a:tcPr anchor="ctr"/>
+                </a:tc>
+                <a:tc>
+                  <a:txBody>
+                    <a:bodyPr/>
+                    <a:lstStyle/>
+                    <a:p>
+                      <a:pPr algn="ctr" latinLnBrk="1"/>
+                      <a:r>
+                        <a:rPr lang="en-US" altLang="ko-KR" dirty="0"/>
+                        <a:t>0</a:t>
+                      </a:r>
+                      <a:endParaRPr lang="ko-KR" altLang="en-US" dirty="0"/>
+                    </a:p>
+                  </a:txBody>
+                  <a:tcPr anchor="ctr"/>
+                </a:tc>
+                <a:tc>
+                  <a:txBody>
+                    <a:bodyPr/>
+                    <a:lstStyle/>
+                    <a:p>
+                      <a:pPr algn="ctr" latinLnBrk="1"/>
+                      <a:r>
+                        <a:rPr lang="en-US" altLang="ko-KR" dirty="0"/>
+                        <a:t>0</a:t>
+                      </a:r>
+                      <a:endParaRPr lang="ko-KR" altLang="en-US" dirty="0"/>
+                    </a:p>
+                  </a:txBody>
+                  <a:tcPr anchor="ctr"/>
+                </a:tc>
+                <a:tc>
+                  <a:txBody>
+                    <a:bodyPr/>
+                    <a:lstStyle/>
+                    <a:p>
+                      <a:pPr algn="ctr" latinLnBrk="1"/>
+                      <a:r>
+                        <a:rPr lang="en-US" altLang="ko-KR" dirty="0"/>
+                        <a:t>1</a:t>
+                      </a:r>
+                      <a:endParaRPr lang="ko-KR" altLang="en-US" dirty="0"/>
+                    </a:p>
+                  </a:txBody>
+                  <a:tcPr anchor="ctr"/>
+                </a:tc>
+                <a:extLst>
+                  <a:ext uri="{0D108BD9-81ED-4DB2-BD59-A6C34878D82A}">
+                    <a16:rowId xmlns:a16="http://schemas.microsoft.com/office/drawing/2014/main" val="3157041110"/>
+                  </a:ext>
+                </a:extLst>
+              </a:tr>
+            </a:tbl>
+          </a:graphicData>
+        </a:graphic>
+      </p:graphicFrame>
+      <p:sp>
+        <p:nvSpPr>
+          <p:cNvPr id="10" name="내용 개체 틀 2">
+            <a:extLst>
+              <a:ext uri="{FF2B5EF4-FFF2-40B4-BE49-F238E27FC236}">
+                <a16:creationId xmlns:a16="http://schemas.microsoft.com/office/drawing/2014/main" id="{14AA7A79-B4D9-146D-AC6D-39C3D9E5E3F0}"/>
+              </a:ext>
+            </a:extLst>
+          </p:cNvPr>
+          <p:cNvSpPr txBox="1">
+            <a:spLocks/>
+          </p:cNvSpPr>
+          <p:nvPr/>
+        </p:nvSpPr>
+        <p:spPr>
+          <a:xfrm>
+            <a:off x="6005310" y="4650739"/>
+            <a:ext cx="539952" cy="593409"/>
+          </a:xfrm>
+          <a:prstGeom prst="rect">
+            <a:avLst/>
+          </a:prstGeom>
+        </p:spPr>
+        <p:txBody>
+          <a:bodyPr vert="horz" lIns="91440" tIns="45720" rIns="91440" bIns="45720" rtlCol="0">
+            <a:normAutofit/>
+          </a:bodyPr>
+          <a:lstStyle>
+            <a:lvl1pPr marL="228600" indent="-228600" algn="l" defTabSz="914400" rtl="0" eaLnBrk="1" latinLnBrk="1" hangingPunct="1">
+              <a:lnSpc>
+                <a:spcPct val="90000"/>
+              </a:lnSpc>
+              <a:spcBef>
+                <a:spcPts val="1000"/>
+              </a:spcBef>
+              <a:buFont typeface="Arial" panose="020B0604020202020204" pitchFamily="34" charset="0"/>
+              <a:buChar char="•"/>
+              <a:defRPr sz="2800" kern="1200">
+                <a:solidFill>
+                  <a:schemeClr val="tx1"/>
+                </a:solidFill>
+                <a:latin typeface="+mn-lt"/>
+                <a:ea typeface="+mn-ea"/>
+                <a:cs typeface="+mn-cs"/>
+              </a:defRPr>
+            </a:lvl1pPr>
+            <a:lvl2pPr marL="685800" indent="-228600" algn="l" defTabSz="914400" rtl="0" eaLnBrk="1" latinLnBrk="1" hangingPunct="1">
+              <a:lnSpc>
+                <a:spcPct val="90000"/>
+              </a:lnSpc>
+              <a:spcBef>
+                <a:spcPts val="500"/>
+              </a:spcBef>
+              <a:buFont typeface="Arial" panose="020B0604020202020204" pitchFamily="34" charset="0"/>
+              <a:buChar char="•"/>
+              <a:defRPr sz="2400" kern="1200">
+                <a:solidFill>
+                  <a:schemeClr val="tx1"/>
+                </a:solidFill>
+                <a:latin typeface="+mn-lt"/>
+                <a:ea typeface="+mn-ea"/>
+                <a:cs typeface="+mn-cs"/>
+              </a:defRPr>
+            </a:lvl2pPr>
+            <a:lvl3pPr marL="1143000" indent="-228600" algn="l" defTabSz="914400" rtl="0" eaLnBrk="1" latinLnBrk="1" hangingPunct="1">
+              <a:lnSpc>
+                <a:spcPct val="90000"/>
+              </a:lnSpc>
+              <a:spcBef>
+                <a:spcPts val="500"/>
+              </a:spcBef>
+              <a:buFont typeface="Arial" panose="020B0604020202020204" pitchFamily="34" charset="0"/>
+              <a:buChar char="•"/>
+              <a:defRPr sz="2000" kern="1200">
+                <a:solidFill>
+                  <a:schemeClr val="tx1"/>
+                </a:solidFill>
+                <a:latin typeface="+mn-lt"/>
+                <a:ea typeface="+mn-ea"/>
+                <a:cs typeface="+mn-cs"/>
+              </a:defRPr>
+            </a:lvl3pPr>
+            <a:lvl4pPr marL="1600200" indent="-228600" algn="l" defTabSz="914400" rtl="0" eaLnBrk="1" latinLnBrk="1" hangingPunct="1">
+              <a:lnSpc>
+                <a:spcPct val="90000"/>
+              </a:lnSpc>
+              <a:spcBef>
+                <a:spcPts val="500"/>
+              </a:spcBef>
+              <a:buFont typeface="Arial" panose="020B0604020202020204" pitchFamily="34" charset="0"/>
+              <a:buChar char="•"/>
+              <a:defRPr sz="1800" kern="1200">
+                <a:solidFill>
+                  <a:schemeClr val="tx1"/>
+                </a:solidFill>
+                <a:latin typeface="+mn-lt"/>
+                <a:ea typeface="+mn-ea"/>
+                <a:cs typeface="+mn-cs"/>
+              </a:defRPr>
+            </a:lvl4pPr>
+            <a:lvl5pPr marL="2057400" indent="-228600" algn="l" defTabSz="914400" rtl="0" eaLnBrk="1" latinLnBrk="1" hangingPunct="1">
+              <a:lnSpc>
+                <a:spcPct val="90000"/>
+              </a:lnSpc>
+              <a:spcBef>
+                <a:spcPts val="500"/>
+              </a:spcBef>
+              <a:buFont typeface="Arial" panose="020B0604020202020204" pitchFamily="34" charset="0"/>
+              <a:buChar char="•"/>
+              <a:defRPr sz="1800" kern="1200">
+                <a:solidFill>
+                  <a:schemeClr val="tx1"/>
+                </a:solidFill>
+                <a:latin typeface="+mn-lt"/>
+                <a:ea typeface="+mn-ea"/>
+                <a:cs typeface="+mn-cs"/>
+              </a:defRPr>
+            </a:lvl5pPr>
+            <a:lvl6pPr marL="2514600" indent="-228600" algn="l" defTabSz="914400" rtl="0" eaLnBrk="1" latinLnBrk="1" hangingPunct="1">
+              <a:lnSpc>
+                <a:spcPct val="90000"/>
+              </a:lnSpc>
+              <a:spcBef>
+                <a:spcPts val="500"/>
+              </a:spcBef>
+              <a:buFont typeface="Arial" panose="020B0604020202020204" pitchFamily="34" charset="0"/>
+              <a:buChar char="•"/>
+              <a:defRPr sz="1800" kern="1200">
+                <a:solidFill>
+                  <a:schemeClr val="tx1"/>
+                </a:solidFill>
+                <a:latin typeface="+mn-lt"/>
+                <a:ea typeface="+mn-ea"/>
+                <a:cs typeface="+mn-cs"/>
+              </a:defRPr>
+            </a:lvl6pPr>
+            <a:lvl7pPr marL="2971800" indent="-228600" algn="l" defTabSz="914400" rtl="0" eaLnBrk="1" latinLnBrk="1" hangingPunct="1">
+              <a:lnSpc>
+                <a:spcPct val="90000"/>
+              </a:lnSpc>
+              <a:spcBef>
+                <a:spcPts val="500"/>
+              </a:spcBef>
+              <a:buFont typeface="Arial" panose="020B0604020202020204" pitchFamily="34" charset="0"/>
+              <a:buChar char="•"/>
+              <a:defRPr sz="1800" kern="1200">
+                <a:solidFill>
+                  <a:schemeClr val="tx1"/>
+                </a:solidFill>
+                <a:latin typeface="+mn-lt"/>
+                <a:ea typeface="+mn-ea"/>
+                <a:cs typeface="+mn-cs"/>
+              </a:defRPr>
+            </a:lvl7pPr>
+            <a:lvl8pPr marL="3429000" indent="-228600" algn="l" defTabSz="914400" rtl="0" eaLnBrk="1" latinLnBrk="1" hangingPunct="1">
+              <a:lnSpc>
+                <a:spcPct val="90000"/>
+              </a:lnSpc>
+              <a:spcBef>
+                <a:spcPts val="500"/>
+              </a:spcBef>
+              <a:buFont typeface="Arial" panose="020B0604020202020204" pitchFamily="34" charset="0"/>
+              <a:buChar char="•"/>
+              <a:defRPr sz="1800" kern="1200">
+                <a:solidFill>
+                  <a:schemeClr val="tx1"/>
+                </a:solidFill>
+                <a:latin typeface="+mn-lt"/>
+                <a:ea typeface="+mn-ea"/>
+                <a:cs typeface="+mn-cs"/>
+              </a:defRPr>
+            </a:lvl8pPr>
+            <a:lvl9pPr marL="3886200" indent="-228600" algn="l" defTabSz="914400" rtl="0" eaLnBrk="1" latinLnBrk="1" hangingPunct="1">
+              <a:lnSpc>
+                <a:spcPct val="90000"/>
+              </a:lnSpc>
+              <a:spcBef>
+                <a:spcPts val="500"/>
+              </a:spcBef>
+              <a:buFont typeface="Arial" panose="020B0604020202020204" pitchFamily="34" charset="0"/>
+              <a:buChar char="•"/>
+              <a:defRPr sz="1800" kern="1200">
+                <a:solidFill>
+                  <a:schemeClr val="tx1"/>
+                </a:solidFill>
+                <a:latin typeface="+mn-lt"/>
+                <a:ea typeface="+mn-ea"/>
+                <a:cs typeface="+mn-cs"/>
+              </a:defRPr>
+            </a:lvl9pPr>
+          </a:lstStyle>
+          <a:p>
+            <a:pPr marL="0" indent="0">
+              <a:lnSpc>
+                <a:spcPct val="100000"/>
+              </a:lnSpc>
+              <a:buClr>
+                <a:srgbClr val="004F9E"/>
+              </a:buClr>
+              <a:buNone/>
+            </a:pPr>
+            <a:r>
+              <a:rPr lang="en-US" altLang="ko-KR" sz="2400" dirty="0">
+                <a:solidFill>
+                  <a:schemeClr val="tx1">
+                    <a:lumMod val="85000"/>
+                    <a:lumOff val="15000"/>
+                  </a:schemeClr>
+                </a:solidFill>
+                <a:latin typeface="나눔스퀘어 ExtraBold" panose="020B0600000101010101" pitchFamily="50" charset="-127"/>
+                <a:ea typeface="나눔스퀘어 ExtraBold" panose="020B0600000101010101" pitchFamily="50" charset="-127"/>
+                <a:cs typeface="Arial" panose="020B0604020202020204" pitchFamily="34" charset="0"/>
+              </a:rPr>
+              <a:t>D</a:t>
+            </a:r>
+          </a:p>
+        </p:txBody>
+      </p:sp>
+      <p:graphicFrame>
+        <p:nvGraphicFramePr>
+          <p:cNvPr id="11" name="표 6">
+            <a:extLst>
+              <a:ext uri="{FF2B5EF4-FFF2-40B4-BE49-F238E27FC236}">
+                <a16:creationId xmlns:a16="http://schemas.microsoft.com/office/drawing/2014/main" id="{773CFEA9-6E72-D981-D3A6-03D1D1F5E1C9}"/>
+              </a:ext>
+            </a:extLst>
+          </p:cNvPr>
+          <p:cNvGraphicFramePr>
+            <a:graphicFrameLocks noGrp="1"/>
+          </p:cNvGraphicFramePr>
+          <p:nvPr>
+            <p:extLst>
+              <p:ext uri="{D42A27DB-BD31-4B8C-83A1-F6EECF244321}">
+                <p14:modId xmlns:p14="http://schemas.microsoft.com/office/powerpoint/2010/main" val="3389065634"/>
+              </p:ext>
+            </p:extLst>
+          </p:nvPr>
+        </p:nvGraphicFramePr>
+        <p:xfrm>
+          <a:off x="2679007" y="3194323"/>
+          <a:ext cx="1612900" cy="1469662"/>
+        </p:xfrm>
+        <a:graphic>
+          <a:graphicData uri="http://schemas.openxmlformats.org/drawingml/2006/table">
+            <a:tbl>
+              <a:tblPr firstRow="1" bandRow="1">
+                <a:tableStyleId>{5940675A-B579-460E-94D1-54222C63F5DA}</a:tableStyleId>
+              </a:tblPr>
+              <a:tblGrid>
+                <a:gridCol w="403225">
+                  <a:extLst>
+                    <a:ext uri="{9D8B030D-6E8A-4147-A177-3AD203B41FA5}">
+                      <a16:colId xmlns:a16="http://schemas.microsoft.com/office/drawing/2014/main" val="1759570613"/>
+                    </a:ext>
+                  </a:extLst>
+                </a:gridCol>
+                <a:gridCol w="403225">
+                  <a:extLst>
+                    <a:ext uri="{9D8B030D-6E8A-4147-A177-3AD203B41FA5}">
+                      <a16:colId xmlns:a16="http://schemas.microsoft.com/office/drawing/2014/main" val="1611411470"/>
+                    </a:ext>
+                  </a:extLst>
+                </a:gridCol>
+                <a:gridCol w="403225">
+                  <a:extLst>
+                    <a:ext uri="{9D8B030D-6E8A-4147-A177-3AD203B41FA5}">
+                      <a16:colId xmlns:a16="http://schemas.microsoft.com/office/drawing/2014/main" val="965246312"/>
+                    </a:ext>
+                  </a:extLst>
+                </a:gridCol>
+                <a:gridCol w="403225">
+                  <a:extLst>
+                    <a:ext uri="{9D8B030D-6E8A-4147-A177-3AD203B41FA5}">
+                      <a16:colId xmlns:a16="http://schemas.microsoft.com/office/drawing/2014/main" val="3364530550"/>
+                    </a:ext>
+                  </a:extLst>
+                </a:gridCol>
+              </a:tblGrid>
+              <a:tr h="372382">
+                <a:tc>
+                  <a:txBody>
+                    <a:bodyPr/>
+                    <a:lstStyle/>
+                    <a:p>
+                      <a:pPr algn="ctr" latinLnBrk="1"/>
+                      <a:r>
+                        <a:rPr lang="en-US" altLang="ko-KR" dirty="0"/>
+                        <a:t>1</a:t>
+                      </a:r>
+                      <a:endParaRPr lang="ko-KR" altLang="en-US" dirty="0"/>
+                    </a:p>
+                  </a:txBody>
+                  <a:tcPr anchor="ctr"/>
+                </a:tc>
+                <a:tc>
+                  <a:txBody>
+                    <a:bodyPr/>
+                    <a:lstStyle/>
+                    <a:p>
+                      <a:pPr algn="ctr" latinLnBrk="1"/>
+                      <a:r>
+                        <a:rPr lang="en-US" altLang="ko-KR" dirty="0"/>
+                        <a:t>-1</a:t>
+                      </a:r>
+                      <a:endParaRPr lang="ko-KR" altLang="en-US" dirty="0"/>
+                    </a:p>
+                  </a:txBody>
+                  <a:tcPr anchor="ctr"/>
+                </a:tc>
+                <a:tc>
+                  <a:txBody>
+                    <a:bodyPr/>
+                    <a:lstStyle/>
+                    <a:p>
+                      <a:pPr algn="ctr" latinLnBrk="1"/>
+                      <a:r>
+                        <a:rPr lang="en-US" altLang="ko-KR" dirty="0"/>
+                        <a:t>0</a:t>
+                      </a:r>
+                      <a:endParaRPr lang="ko-KR" altLang="en-US" dirty="0"/>
+                    </a:p>
+                  </a:txBody>
+                  <a:tcPr anchor="ctr"/>
+                </a:tc>
+                <a:tc>
+                  <a:txBody>
+                    <a:bodyPr/>
+                    <a:lstStyle/>
+                    <a:p>
+                      <a:pPr algn="ctr" latinLnBrk="1"/>
+                      <a:r>
+                        <a:rPr lang="en-US" altLang="ko-KR" dirty="0"/>
+                        <a:t>0</a:t>
+                      </a:r>
+                      <a:endParaRPr lang="ko-KR" altLang="en-US" dirty="0"/>
+                    </a:p>
+                  </a:txBody>
+                  <a:tcPr anchor="ctr"/>
+                </a:tc>
+                <a:extLst>
+                  <a:ext uri="{0D108BD9-81ED-4DB2-BD59-A6C34878D82A}">
+                    <a16:rowId xmlns:a16="http://schemas.microsoft.com/office/drawing/2014/main" val="1862167810"/>
+                  </a:ext>
+                </a:extLst>
+              </a:tr>
+              <a:tr h="363553">
+                <a:tc>
+                  <a:txBody>
+                    <a:bodyPr/>
+                    <a:lstStyle/>
+                    <a:p>
+                      <a:pPr algn="ctr" latinLnBrk="1"/>
+                      <a:r>
+                        <a:rPr lang="en-US" altLang="ko-KR" dirty="0"/>
+                        <a:t>-1</a:t>
+                      </a:r>
+                      <a:endParaRPr lang="ko-KR" altLang="en-US" dirty="0"/>
+                    </a:p>
+                  </a:txBody>
+                  <a:tcPr anchor="ctr"/>
+                </a:tc>
+                <a:tc>
+                  <a:txBody>
+                    <a:bodyPr/>
+                    <a:lstStyle/>
+                    <a:p>
+                      <a:pPr algn="ctr" latinLnBrk="1"/>
+                      <a:r>
+                        <a:rPr lang="en-US" altLang="ko-KR" dirty="0"/>
+                        <a:t>2</a:t>
+                      </a:r>
+                      <a:endParaRPr lang="ko-KR" altLang="en-US" dirty="0"/>
+                    </a:p>
+                  </a:txBody>
+                  <a:tcPr anchor="ctr"/>
+                </a:tc>
+                <a:tc>
+                  <a:txBody>
+                    <a:bodyPr/>
+                    <a:lstStyle/>
+                    <a:p>
+                      <a:pPr algn="ctr" latinLnBrk="1"/>
+                      <a:r>
+                        <a:rPr lang="en-US" altLang="ko-KR" dirty="0"/>
+                        <a:t>0</a:t>
+                      </a:r>
+                      <a:endParaRPr lang="ko-KR" altLang="en-US" dirty="0"/>
+                    </a:p>
+                  </a:txBody>
+                  <a:tcPr anchor="ctr"/>
+                </a:tc>
+                <a:tc>
+                  <a:txBody>
+                    <a:bodyPr/>
+                    <a:lstStyle/>
+                    <a:p>
+                      <a:pPr algn="ctr" latinLnBrk="1"/>
+                      <a:r>
+                        <a:rPr lang="en-US" altLang="ko-KR" dirty="0"/>
+                        <a:t>-1</a:t>
+                      </a:r>
+                      <a:endParaRPr lang="ko-KR" altLang="en-US" dirty="0"/>
+                    </a:p>
+                  </a:txBody>
+                  <a:tcPr anchor="ctr"/>
+                </a:tc>
+                <a:extLst>
+                  <a:ext uri="{0D108BD9-81ED-4DB2-BD59-A6C34878D82A}">
+                    <a16:rowId xmlns:a16="http://schemas.microsoft.com/office/drawing/2014/main" val="189533091"/>
+                  </a:ext>
+                </a:extLst>
+              </a:tr>
+              <a:tr h="363553">
+                <a:tc>
+                  <a:txBody>
+                    <a:bodyPr/>
+                    <a:lstStyle/>
+                    <a:p>
+                      <a:pPr algn="ctr" latinLnBrk="1"/>
+                      <a:r>
+                        <a:rPr lang="en-US" altLang="ko-KR" dirty="0"/>
+                        <a:t>0</a:t>
+                      </a:r>
+                      <a:endParaRPr lang="ko-KR" altLang="en-US" dirty="0"/>
+                    </a:p>
+                  </a:txBody>
+                  <a:tcPr anchor="ctr"/>
+                </a:tc>
+                <a:tc>
+                  <a:txBody>
+                    <a:bodyPr/>
+                    <a:lstStyle/>
+                    <a:p>
+                      <a:pPr algn="ctr" latinLnBrk="1"/>
+                      <a:r>
+                        <a:rPr lang="en-US" altLang="ko-KR" dirty="0"/>
+                        <a:t>0</a:t>
+                      </a:r>
+                      <a:endParaRPr lang="ko-KR" altLang="en-US" dirty="0"/>
+                    </a:p>
+                  </a:txBody>
+                  <a:tcPr anchor="ctr"/>
+                </a:tc>
+                <a:tc>
+                  <a:txBody>
+                    <a:bodyPr/>
+                    <a:lstStyle/>
+                    <a:p>
+                      <a:pPr algn="ctr" latinLnBrk="1"/>
+                      <a:r>
+                        <a:rPr lang="en-US" altLang="ko-KR" dirty="0"/>
+                        <a:t>0</a:t>
+                      </a:r>
+                      <a:endParaRPr lang="ko-KR" altLang="en-US" dirty="0"/>
+                    </a:p>
+                  </a:txBody>
+                  <a:tcPr anchor="ctr"/>
+                </a:tc>
+                <a:tc>
+                  <a:txBody>
+                    <a:bodyPr/>
+                    <a:lstStyle/>
+                    <a:p>
+                      <a:pPr algn="ctr" latinLnBrk="1"/>
+                      <a:r>
+                        <a:rPr lang="en-US" altLang="ko-KR" dirty="0"/>
+                        <a:t>0</a:t>
+                      </a:r>
+                      <a:endParaRPr lang="ko-KR" altLang="en-US" dirty="0"/>
+                    </a:p>
+                  </a:txBody>
+                  <a:tcPr anchor="ctr"/>
+                </a:tc>
+                <a:extLst>
+                  <a:ext uri="{0D108BD9-81ED-4DB2-BD59-A6C34878D82A}">
+                    <a16:rowId xmlns:a16="http://schemas.microsoft.com/office/drawing/2014/main" val="1749357386"/>
+                  </a:ext>
+                </a:extLst>
+              </a:tr>
+              <a:tr h="363553">
+                <a:tc>
+                  <a:txBody>
+                    <a:bodyPr/>
+                    <a:lstStyle/>
+                    <a:p>
+                      <a:pPr algn="ctr" latinLnBrk="1"/>
+                      <a:r>
+                        <a:rPr lang="en-US" altLang="ko-KR" dirty="0"/>
+                        <a:t>0</a:t>
+                      </a:r>
+                      <a:endParaRPr lang="ko-KR" altLang="en-US" dirty="0"/>
+                    </a:p>
+                  </a:txBody>
+                  <a:tcPr anchor="ctr"/>
+                </a:tc>
+                <a:tc>
+                  <a:txBody>
+                    <a:bodyPr/>
+                    <a:lstStyle/>
+                    <a:p>
+                      <a:pPr algn="ctr" latinLnBrk="1"/>
+                      <a:r>
+                        <a:rPr lang="en-US" altLang="ko-KR" dirty="0"/>
+                        <a:t>-1</a:t>
+                      </a:r>
+                      <a:endParaRPr lang="ko-KR" altLang="en-US" dirty="0"/>
+                    </a:p>
+                  </a:txBody>
+                  <a:tcPr anchor="ctr"/>
+                </a:tc>
+                <a:tc>
+                  <a:txBody>
+                    <a:bodyPr/>
+                    <a:lstStyle/>
+                    <a:p>
+                      <a:pPr algn="ctr" latinLnBrk="1"/>
+                      <a:r>
+                        <a:rPr lang="en-US" altLang="ko-KR" dirty="0"/>
+                        <a:t>0</a:t>
+                      </a:r>
+                      <a:endParaRPr lang="ko-KR" altLang="en-US" dirty="0"/>
+                    </a:p>
+                  </a:txBody>
+                  <a:tcPr anchor="ctr"/>
+                </a:tc>
+                <a:tc>
+                  <a:txBody>
+                    <a:bodyPr/>
+                    <a:lstStyle/>
+                    <a:p>
+                      <a:pPr algn="ctr" latinLnBrk="1"/>
+                      <a:r>
+                        <a:rPr lang="en-US" altLang="ko-KR" dirty="0"/>
+                        <a:t>1</a:t>
+                      </a:r>
+                      <a:endParaRPr lang="ko-KR" altLang="en-US" dirty="0"/>
+                    </a:p>
+                  </a:txBody>
+                  <a:tcPr anchor="ctr"/>
+                </a:tc>
+                <a:extLst>
+                  <a:ext uri="{0D108BD9-81ED-4DB2-BD59-A6C34878D82A}">
+                    <a16:rowId xmlns:a16="http://schemas.microsoft.com/office/drawing/2014/main" val="3157041110"/>
+                  </a:ext>
+                </a:extLst>
+              </a:tr>
+            </a:tbl>
+          </a:graphicData>
+        </a:graphic>
+      </p:graphicFrame>
+      <p:sp>
+        <p:nvSpPr>
+          <p:cNvPr id="12" name="내용 개체 틀 2">
+            <a:extLst>
+              <a:ext uri="{FF2B5EF4-FFF2-40B4-BE49-F238E27FC236}">
+                <a16:creationId xmlns:a16="http://schemas.microsoft.com/office/drawing/2014/main" id="{645D4F6C-B900-8D73-F944-B4E4D62C81A8}"/>
+              </a:ext>
+            </a:extLst>
+          </p:cNvPr>
+          <p:cNvSpPr txBox="1">
+            <a:spLocks/>
+          </p:cNvSpPr>
+          <p:nvPr/>
+        </p:nvSpPr>
+        <p:spPr>
+          <a:xfrm>
+            <a:off x="3248717" y="4657362"/>
+            <a:ext cx="539952" cy="593409"/>
+          </a:xfrm>
+          <a:prstGeom prst="rect">
+            <a:avLst/>
+          </a:prstGeom>
+        </p:spPr>
+        <p:txBody>
+          <a:bodyPr vert="horz" lIns="91440" tIns="45720" rIns="91440" bIns="45720" rtlCol="0">
+            <a:normAutofit/>
+          </a:bodyPr>
+          <a:lstStyle>
+            <a:lvl1pPr marL="228600" indent="-228600" algn="l" defTabSz="914400" rtl="0" eaLnBrk="1" latinLnBrk="1" hangingPunct="1">
+              <a:lnSpc>
+                <a:spcPct val="90000"/>
+              </a:lnSpc>
+              <a:spcBef>
+                <a:spcPts val="1000"/>
+              </a:spcBef>
+              <a:buFont typeface="Arial" panose="020B0604020202020204" pitchFamily="34" charset="0"/>
+              <a:buChar char="•"/>
+              <a:defRPr sz="2800" kern="1200">
+                <a:solidFill>
+                  <a:schemeClr val="tx1"/>
+                </a:solidFill>
+                <a:latin typeface="+mn-lt"/>
+                <a:ea typeface="+mn-ea"/>
+                <a:cs typeface="+mn-cs"/>
+              </a:defRPr>
+            </a:lvl1pPr>
+            <a:lvl2pPr marL="685800" indent="-228600" algn="l" defTabSz="914400" rtl="0" eaLnBrk="1" latinLnBrk="1" hangingPunct="1">
+              <a:lnSpc>
+                <a:spcPct val="90000"/>
+              </a:lnSpc>
+              <a:spcBef>
+                <a:spcPts val="500"/>
+              </a:spcBef>
+              <a:buFont typeface="Arial" panose="020B0604020202020204" pitchFamily="34" charset="0"/>
+              <a:buChar char="•"/>
+              <a:defRPr sz="2400" kern="1200">
+                <a:solidFill>
+                  <a:schemeClr val="tx1"/>
+                </a:solidFill>
+                <a:latin typeface="+mn-lt"/>
+                <a:ea typeface="+mn-ea"/>
+                <a:cs typeface="+mn-cs"/>
+              </a:defRPr>
+            </a:lvl2pPr>
+            <a:lvl3pPr marL="1143000" indent="-228600" algn="l" defTabSz="914400" rtl="0" eaLnBrk="1" latinLnBrk="1" hangingPunct="1">
+              <a:lnSpc>
+                <a:spcPct val="90000"/>
+              </a:lnSpc>
+              <a:spcBef>
+                <a:spcPts val="500"/>
+              </a:spcBef>
+              <a:buFont typeface="Arial" panose="020B0604020202020204" pitchFamily="34" charset="0"/>
+              <a:buChar char="•"/>
+              <a:defRPr sz="2000" kern="1200">
+                <a:solidFill>
+                  <a:schemeClr val="tx1"/>
+                </a:solidFill>
+                <a:latin typeface="+mn-lt"/>
+                <a:ea typeface="+mn-ea"/>
+                <a:cs typeface="+mn-cs"/>
+              </a:defRPr>
+            </a:lvl3pPr>
+            <a:lvl4pPr marL="1600200" indent="-228600" algn="l" defTabSz="914400" rtl="0" eaLnBrk="1" latinLnBrk="1" hangingPunct="1">
+              <a:lnSpc>
+                <a:spcPct val="90000"/>
+              </a:lnSpc>
+              <a:spcBef>
+                <a:spcPts val="500"/>
+              </a:spcBef>
+              <a:buFont typeface="Arial" panose="020B0604020202020204" pitchFamily="34" charset="0"/>
+              <a:buChar char="•"/>
+              <a:defRPr sz="1800" kern="1200">
+                <a:solidFill>
+                  <a:schemeClr val="tx1"/>
+                </a:solidFill>
+                <a:latin typeface="+mn-lt"/>
+                <a:ea typeface="+mn-ea"/>
+                <a:cs typeface="+mn-cs"/>
+              </a:defRPr>
+            </a:lvl4pPr>
+            <a:lvl5pPr marL="2057400" indent="-228600" algn="l" defTabSz="914400" rtl="0" eaLnBrk="1" latinLnBrk="1" hangingPunct="1">
+              <a:lnSpc>
+                <a:spcPct val="90000"/>
+              </a:lnSpc>
+              <a:spcBef>
+                <a:spcPts val="500"/>
+              </a:spcBef>
+              <a:buFont typeface="Arial" panose="020B0604020202020204" pitchFamily="34" charset="0"/>
+              <a:buChar char="•"/>
+              <a:defRPr sz="1800" kern="1200">
+                <a:solidFill>
+                  <a:schemeClr val="tx1"/>
+                </a:solidFill>
+                <a:latin typeface="+mn-lt"/>
+                <a:ea typeface="+mn-ea"/>
+                <a:cs typeface="+mn-cs"/>
+              </a:defRPr>
+            </a:lvl5pPr>
+            <a:lvl6pPr marL="2514600" indent="-228600" algn="l" defTabSz="914400" rtl="0" eaLnBrk="1" latinLnBrk="1" hangingPunct="1">
+              <a:lnSpc>
+                <a:spcPct val="90000"/>
+              </a:lnSpc>
+              <a:spcBef>
+                <a:spcPts val="500"/>
+              </a:spcBef>
+              <a:buFont typeface="Arial" panose="020B0604020202020204" pitchFamily="34" charset="0"/>
+              <a:buChar char="•"/>
+              <a:defRPr sz="1800" kern="1200">
+                <a:solidFill>
+                  <a:schemeClr val="tx1"/>
+                </a:solidFill>
+                <a:latin typeface="+mn-lt"/>
+                <a:ea typeface="+mn-ea"/>
+                <a:cs typeface="+mn-cs"/>
+              </a:defRPr>
+            </a:lvl6pPr>
+            <a:lvl7pPr marL="2971800" indent="-228600" algn="l" defTabSz="914400" rtl="0" eaLnBrk="1" latinLnBrk="1" hangingPunct="1">
+              <a:lnSpc>
+                <a:spcPct val="90000"/>
+              </a:lnSpc>
+              <a:spcBef>
+                <a:spcPts val="500"/>
+              </a:spcBef>
+              <a:buFont typeface="Arial" panose="020B0604020202020204" pitchFamily="34" charset="0"/>
+              <a:buChar char="•"/>
+              <a:defRPr sz="1800" kern="1200">
+                <a:solidFill>
+                  <a:schemeClr val="tx1"/>
+                </a:solidFill>
+                <a:latin typeface="+mn-lt"/>
+                <a:ea typeface="+mn-ea"/>
+                <a:cs typeface="+mn-cs"/>
+              </a:defRPr>
+            </a:lvl7pPr>
+            <a:lvl8pPr marL="3429000" indent="-228600" algn="l" defTabSz="914400" rtl="0" eaLnBrk="1" latinLnBrk="1" hangingPunct="1">
+              <a:lnSpc>
+                <a:spcPct val="90000"/>
+              </a:lnSpc>
+              <a:spcBef>
+                <a:spcPts val="500"/>
+              </a:spcBef>
+              <a:buFont typeface="Arial" panose="020B0604020202020204" pitchFamily="34" charset="0"/>
+              <a:buChar char="•"/>
+              <a:defRPr sz="1800" kern="1200">
+                <a:solidFill>
+                  <a:schemeClr val="tx1"/>
+                </a:solidFill>
+                <a:latin typeface="+mn-lt"/>
+                <a:ea typeface="+mn-ea"/>
+                <a:cs typeface="+mn-cs"/>
+              </a:defRPr>
+            </a:lvl8pPr>
+            <a:lvl9pPr marL="3886200" indent="-228600" algn="l" defTabSz="914400" rtl="0" eaLnBrk="1" latinLnBrk="1" hangingPunct="1">
+              <a:lnSpc>
+                <a:spcPct val="90000"/>
+              </a:lnSpc>
+              <a:spcBef>
+                <a:spcPts val="500"/>
+              </a:spcBef>
+              <a:buFont typeface="Arial" panose="020B0604020202020204" pitchFamily="34" charset="0"/>
+              <a:buChar char="•"/>
+              <a:defRPr sz="1800" kern="1200">
+                <a:solidFill>
+                  <a:schemeClr val="tx1"/>
+                </a:solidFill>
+                <a:latin typeface="+mn-lt"/>
+                <a:ea typeface="+mn-ea"/>
+                <a:cs typeface="+mn-cs"/>
+              </a:defRPr>
+            </a:lvl9pPr>
+          </a:lstStyle>
+          <a:p>
+            <a:pPr marL="0" indent="0">
+              <a:lnSpc>
+                <a:spcPct val="100000"/>
+              </a:lnSpc>
+              <a:buClr>
+                <a:srgbClr val="004F9E"/>
+              </a:buClr>
+              <a:buNone/>
+            </a:pPr>
+            <a:r>
+              <a:rPr lang="en-US" altLang="ko-KR" sz="2400" dirty="0">
+                <a:solidFill>
+                  <a:schemeClr val="tx1">
+                    <a:lumMod val="85000"/>
+                    <a:lumOff val="15000"/>
+                  </a:schemeClr>
+                </a:solidFill>
+                <a:latin typeface="나눔스퀘어 ExtraBold" panose="020B0600000101010101" pitchFamily="50" charset="-127"/>
+                <a:ea typeface="나눔스퀘어 ExtraBold" panose="020B0600000101010101" pitchFamily="50" charset="-127"/>
+                <a:cs typeface="Arial" panose="020B0604020202020204" pitchFamily="34" charset="0"/>
+              </a:rPr>
+              <a:t>L</a:t>
+            </a:r>
+          </a:p>
+        </p:txBody>
+      </p:sp>
+      <p:sp>
+        <p:nvSpPr>
+          <p:cNvPr id="13" name="내용 개체 틀 2">
+            <a:extLst>
+              <a:ext uri="{FF2B5EF4-FFF2-40B4-BE49-F238E27FC236}">
+                <a16:creationId xmlns:a16="http://schemas.microsoft.com/office/drawing/2014/main" id="{372A5FC1-41BB-C598-1231-583F445ACCBD}"/>
+              </a:ext>
+            </a:extLst>
+          </p:cNvPr>
+          <p:cNvSpPr txBox="1">
+            <a:spLocks/>
+          </p:cNvSpPr>
+          <p:nvPr/>
+        </p:nvSpPr>
+        <p:spPr>
+          <a:xfrm>
+            <a:off x="4617143" y="3632449"/>
+            <a:ext cx="539952" cy="593409"/>
+          </a:xfrm>
+          <a:prstGeom prst="rect">
+            <a:avLst/>
+          </a:prstGeom>
+        </p:spPr>
+        <p:txBody>
+          <a:bodyPr vert="horz" lIns="91440" tIns="45720" rIns="91440" bIns="45720" rtlCol="0">
+            <a:normAutofit/>
+          </a:bodyPr>
+          <a:lstStyle>
+            <a:lvl1pPr marL="228600" indent="-228600" algn="l" defTabSz="914400" rtl="0" eaLnBrk="1" latinLnBrk="1" hangingPunct="1">
+              <a:lnSpc>
+                <a:spcPct val="90000"/>
+              </a:lnSpc>
+              <a:spcBef>
+                <a:spcPts val="1000"/>
+              </a:spcBef>
+              <a:buFont typeface="Arial" panose="020B0604020202020204" pitchFamily="34" charset="0"/>
+              <a:buChar char="•"/>
+              <a:defRPr sz="2800" kern="1200">
+                <a:solidFill>
+                  <a:schemeClr val="tx1"/>
+                </a:solidFill>
+                <a:latin typeface="+mn-lt"/>
+                <a:ea typeface="+mn-ea"/>
+                <a:cs typeface="+mn-cs"/>
+              </a:defRPr>
+            </a:lvl1pPr>
+            <a:lvl2pPr marL="685800" indent="-228600" algn="l" defTabSz="914400" rtl="0" eaLnBrk="1" latinLnBrk="1" hangingPunct="1">
+              <a:lnSpc>
+                <a:spcPct val="90000"/>
+              </a:lnSpc>
+              <a:spcBef>
+                <a:spcPts val="500"/>
+              </a:spcBef>
+              <a:buFont typeface="Arial" panose="020B0604020202020204" pitchFamily="34" charset="0"/>
+              <a:buChar char="•"/>
+              <a:defRPr sz="2400" kern="1200">
+                <a:solidFill>
+                  <a:schemeClr val="tx1"/>
+                </a:solidFill>
+                <a:latin typeface="+mn-lt"/>
+                <a:ea typeface="+mn-ea"/>
+                <a:cs typeface="+mn-cs"/>
+              </a:defRPr>
+            </a:lvl2pPr>
+            <a:lvl3pPr marL="1143000" indent="-228600" algn="l" defTabSz="914400" rtl="0" eaLnBrk="1" latinLnBrk="1" hangingPunct="1">
+              <a:lnSpc>
+                <a:spcPct val="90000"/>
+              </a:lnSpc>
+              <a:spcBef>
+                <a:spcPts val="500"/>
+              </a:spcBef>
+              <a:buFont typeface="Arial" panose="020B0604020202020204" pitchFamily="34" charset="0"/>
+              <a:buChar char="•"/>
+              <a:defRPr sz="2000" kern="1200">
+                <a:solidFill>
+                  <a:schemeClr val="tx1"/>
+                </a:solidFill>
+                <a:latin typeface="+mn-lt"/>
+                <a:ea typeface="+mn-ea"/>
+                <a:cs typeface="+mn-cs"/>
+              </a:defRPr>
+            </a:lvl3pPr>
+            <a:lvl4pPr marL="1600200" indent="-228600" algn="l" defTabSz="914400" rtl="0" eaLnBrk="1" latinLnBrk="1" hangingPunct="1">
+              <a:lnSpc>
+                <a:spcPct val="90000"/>
+              </a:lnSpc>
+              <a:spcBef>
+                <a:spcPts val="500"/>
+              </a:spcBef>
+              <a:buFont typeface="Arial" panose="020B0604020202020204" pitchFamily="34" charset="0"/>
+              <a:buChar char="•"/>
+              <a:defRPr sz="1800" kern="1200">
+                <a:solidFill>
+                  <a:schemeClr val="tx1"/>
+                </a:solidFill>
+                <a:latin typeface="+mn-lt"/>
+                <a:ea typeface="+mn-ea"/>
+                <a:cs typeface="+mn-cs"/>
+              </a:defRPr>
+            </a:lvl4pPr>
+            <a:lvl5pPr marL="2057400" indent="-228600" algn="l" defTabSz="914400" rtl="0" eaLnBrk="1" latinLnBrk="1" hangingPunct="1">
+              <a:lnSpc>
+                <a:spcPct val="90000"/>
+              </a:lnSpc>
+              <a:spcBef>
+                <a:spcPts val="500"/>
+              </a:spcBef>
+              <a:buFont typeface="Arial" panose="020B0604020202020204" pitchFamily="34" charset="0"/>
+              <a:buChar char="•"/>
+              <a:defRPr sz="1800" kern="1200">
+                <a:solidFill>
+                  <a:schemeClr val="tx1"/>
+                </a:solidFill>
+                <a:latin typeface="+mn-lt"/>
+                <a:ea typeface="+mn-ea"/>
+                <a:cs typeface="+mn-cs"/>
+              </a:defRPr>
+            </a:lvl5pPr>
+            <a:lvl6pPr marL="2514600" indent="-228600" algn="l" defTabSz="914400" rtl="0" eaLnBrk="1" latinLnBrk="1" hangingPunct="1">
+              <a:lnSpc>
+                <a:spcPct val="90000"/>
+              </a:lnSpc>
+              <a:spcBef>
+                <a:spcPts val="500"/>
+              </a:spcBef>
+              <a:buFont typeface="Arial" panose="020B0604020202020204" pitchFamily="34" charset="0"/>
+              <a:buChar char="•"/>
+              <a:defRPr sz="1800" kern="1200">
+                <a:solidFill>
+                  <a:schemeClr val="tx1"/>
+                </a:solidFill>
+                <a:latin typeface="+mn-lt"/>
+                <a:ea typeface="+mn-ea"/>
+                <a:cs typeface="+mn-cs"/>
+              </a:defRPr>
+            </a:lvl6pPr>
+            <a:lvl7pPr marL="2971800" indent="-228600" algn="l" defTabSz="914400" rtl="0" eaLnBrk="1" latinLnBrk="1" hangingPunct="1">
+              <a:lnSpc>
+                <a:spcPct val="90000"/>
+              </a:lnSpc>
+              <a:spcBef>
+                <a:spcPts val="500"/>
+              </a:spcBef>
+              <a:buFont typeface="Arial" panose="020B0604020202020204" pitchFamily="34" charset="0"/>
+              <a:buChar char="•"/>
+              <a:defRPr sz="1800" kern="1200">
+                <a:solidFill>
+                  <a:schemeClr val="tx1"/>
+                </a:solidFill>
+                <a:latin typeface="+mn-lt"/>
+                <a:ea typeface="+mn-ea"/>
+                <a:cs typeface="+mn-cs"/>
+              </a:defRPr>
+            </a:lvl7pPr>
+            <a:lvl8pPr marL="3429000" indent="-228600" algn="l" defTabSz="914400" rtl="0" eaLnBrk="1" latinLnBrk="1" hangingPunct="1">
+              <a:lnSpc>
+                <a:spcPct val="90000"/>
+              </a:lnSpc>
+              <a:spcBef>
+                <a:spcPts val="500"/>
+              </a:spcBef>
+              <a:buFont typeface="Arial" panose="020B0604020202020204" pitchFamily="34" charset="0"/>
+              <a:buChar char="•"/>
+              <a:defRPr sz="1800" kern="1200">
+                <a:solidFill>
+                  <a:schemeClr val="tx1"/>
+                </a:solidFill>
+                <a:latin typeface="+mn-lt"/>
+                <a:ea typeface="+mn-ea"/>
+                <a:cs typeface="+mn-cs"/>
+              </a:defRPr>
+            </a:lvl8pPr>
+            <a:lvl9pPr marL="3886200" indent="-228600" algn="l" defTabSz="914400" rtl="0" eaLnBrk="1" latinLnBrk="1" hangingPunct="1">
+              <a:lnSpc>
+                <a:spcPct val="90000"/>
+              </a:lnSpc>
+              <a:spcBef>
+                <a:spcPts val="500"/>
+              </a:spcBef>
+              <a:buFont typeface="Arial" panose="020B0604020202020204" pitchFamily="34" charset="0"/>
+              <a:buChar char="•"/>
+              <a:defRPr sz="1800" kern="1200">
+                <a:solidFill>
+                  <a:schemeClr val="tx1"/>
+                </a:solidFill>
+                <a:latin typeface="+mn-lt"/>
+                <a:ea typeface="+mn-ea"/>
+                <a:cs typeface="+mn-cs"/>
+              </a:defRPr>
+            </a:lvl9pPr>
+          </a:lstStyle>
+          <a:p>
+            <a:pPr marL="0" indent="0">
+              <a:lnSpc>
+                <a:spcPct val="100000"/>
+              </a:lnSpc>
+              <a:buClr>
+                <a:srgbClr val="004F9E"/>
+              </a:buClr>
+              <a:buNone/>
+            </a:pPr>
+            <a:r>
+              <a:rPr lang="en-US" altLang="ko-KR" sz="2400" dirty="0">
+                <a:solidFill>
+                  <a:schemeClr val="tx1">
+                    <a:lumMod val="85000"/>
+                    <a:lumOff val="15000"/>
+                  </a:schemeClr>
+                </a:solidFill>
+                <a:latin typeface="나눔스퀘어 ExtraBold" panose="020B0600000101010101" pitchFamily="50" charset="-127"/>
+                <a:ea typeface="나눔스퀘어 ExtraBold" panose="020B0600000101010101" pitchFamily="50" charset="-127"/>
+                <a:cs typeface="Arial" panose="020B0604020202020204" pitchFamily="34" charset="0"/>
+              </a:rPr>
+              <a:t>=</a:t>
+            </a:r>
+          </a:p>
+        </p:txBody>
+      </p:sp>
+      <p:sp>
+        <p:nvSpPr>
+          <p:cNvPr id="14" name="내용 개체 틀 2">
+            <a:extLst>
+              <a:ext uri="{FF2B5EF4-FFF2-40B4-BE49-F238E27FC236}">
+                <a16:creationId xmlns:a16="http://schemas.microsoft.com/office/drawing/2014/main" id="{587362CF-FDC3-38EE-689F-32756A35351F}"/>
+              </a:ext>
+            </a:extLst>
+          </p:cNvPr>
+          <p:cNvSpPr txBox="1">
+            <a:spLocks/>
+          </p:cNvSpPr>
+          <p:nvPr/>
+        </p:nvSpPr>
+        <p:spPr>
+          <a:xfrm>
+            <a:off x="7202084" y="3632449"/>
+            <a:ext cx="539952" cy="593409"/>
+          </a:xfrm>
+          <a:prstGeom prst="rect">
+            <a:avLst/>
+          </a:prstGeom>
+        </p:spPr>
+        <p:txBody>
+          <a:bodyPr vert="horz" lIns="91440" tIns="45720" rIns="91440" bIns="45720" rtlCol="0">
+            <a:normAutofit/>
+          </a:bodyPr>
+          <a:lstStyle>
+            <a:lvl1pPr marL="228600" indent="-228600" algn="l" defTabSz="914400" rtl="0" eaLnBrk="1" latinLnBrk="1" hangingPunct="1">
+              <a:lnSpc>
+                <a:spcPct val="90000"/>
+              </a:lnSpc>
+              <a:spcBef>
+                <a:spcPts val="1000"/>
+              </a:spcBef>
+              <a:buFont typeface="Arial" panose="020B0604020202020204" pitchFamily="34" charset="0"/>
+              <a:buChar char="•"/>
+              <a:defRPr sz="2800" kern="1200">
+                <a:solidFill>
+                  <a:schemeClr val="tx1"/>
+                </a:solidFill>
+                <a:latin typeface="+mn-lt"/>
+                <a:ea typeface="+mn-ea"/>
+                <a:cs typeface="+mn-cs"/>
+              </a:defRPr>
+            </a:lvl1pPr>
+            <a:lvl2pPr marL="685800" indent="-228600" algn="l" defTabSz="914400" rtl="0" eaLnBrk="1" latinLnBrk="1" hangingPunct="1">
+              <a:lnSpc>
+                <a:spcPct val="90000"/>
+              </a:lnSpc>
+              <a:spcBef>
+                <a:spcPts val="500"/>
+              </a:spcBef>
+              <a:buFont typeface="Arial" panose="020B0604020202020204" pitchFamily="34" charset="0"/>
+              <a:buChar char="•"/>
+              <a:defRPr sz="2400" kern="1200">
+                <a:solidFill>
+                  <a:schemeClr val="tx1"/>
+                </a:solidFill>
+                <a:latin typeface="+mn-lt"/>
+                <a:ea typeface="+mn-ea"/>
+                <a:cs typeface="+mn-cs"/>
+              </a:defRPr>
+            </a:lvl2pPr>
+            <a:lvl3pPr marL="1143000" indent="-228600" algn="l" defTabSz="914400" rtl="0" eaLnBrk="1" latinLnBrk="1" hangingPunct="1">
+              <a:lnSpc>
+                <a:spcPct val="90000"/>
+              </a:lnSpc>
+              <a:spcBef>
+                <a:spcPts val="500"/>
+              </a:spcBef>
+              <a:buFont typeface="Arial" panose="020B0604020202020204" pitchFamily="34" charset="0"/>
+              <a:buChar char="•"/>
+              <a:defRPr sz="2000" kern="1200">
+                <a:solidFill>
+                  <a:schemeClr val="tx1"/>
+                </a:solidFill>
+                <a:latin typeface="+mn-lt"/>
+                <a:ea typeface="+mn-ea"/>
+                <a:cs typeface="+mn-cs"/>
+              </a:defRPr>
+            </a:lvl3pPr>
+            <a:lvl4pPr marL="1600200" indent="-228600" algn="l" defTabSz="914400" rtl="0" eaLnBrk="1" latinLnBrk="1" hangingPunct="1">
+              <a:lnSpc>
+                <a:spcPct val="90000"/>
+              </a:lnSpc>
+              <a:spcBef>
+                <a:spcPts val="500"/>
+              </a:spcBef>
+              <a:buFont typeface="Arial" panose="020B0604020202020204" pitchFamily="34" charset="0"/>
+              <a:buChar char="•"/>
+              <a:defRPr sz="1800" kern="1200">
+                <a:solidFill>
+                  <a:schemeClr val="tx1"/>
+                </a:solidFill>
+                <a:latin typeface="+mn-lt"/>
+                <a:ea typeface="+mn-ea"/>
+                <a:cs typeface="+mn-cs"/>
+              </a:defRPr>
+            </a:lvl4pPr>
+            <a:lvl5pPr marL="2057400" indent="-228600" algn="l" defTabSz="914400" rtl="0" eaLnBrk="1" latinLnBrk="1" hangingPunct="1">
+              <a:lnSpc>
+                <a:spcPct val="90000"/>
+              </a:lnSpc>
+              <a:spcBef>
+                <a:spcPts val="500"/>
+              </a:spcBef>
+              <a:buFont typeface="Arial" panose="020B0604020202020204" pitchFamily="34" charset="0"/>
+              <a:buChar char="•"/>
+              <a:defRPr sz="1800" kern="1200">
+                <a:solidFill>
+                  <a:schemeClr val="tx1"/>
+                </a:solidFill>
+                <a:latin typeface="+mn-lt"/>
+                <a:ea typeface="+mn-ea"/>
+                <a:cs typeface="+mn-cs"/>
+              </a:defRPr>
+            </a:lvl5pPr>
+            <a:lvl6pPr marL="2514600" indent="-228600" algn="l" defTabSz="914400" rtl="0" eaLnBrk="1" latinLnBrk="1" hangingPunct="1">
+              <a:lnSpc>
+                <a:spcPct val="90000"/>
+              </a:lnSpc>
+              <a:spcBef>
+                <a:spcPts val="500"/>
+              </a:spcBef>
+              <a:buFont typeface="Arial" panose="020B0604020202020204" pitchFamily="34" charset="0"/>
+              <a:buChar char="•"/>
+              <a:defRPr sz="1800" kern="1200">
+                <a:solidFill>
+                  <a:schemeClr val="tx1"/>
+                </a:solidFill>
+                <a:latin typeface="+mn-lt"/>
+                <a:ea typeface="+mn-ea"/>
+                <a:cs typeface="+mn-cs"/>
+              </a:defRPr>
+            </a:lvl6pPr>
+            <a:lvl7pPr marL="2971800" indent="-228600" algn="l" defTabSz="914400" rtl="0" eaLnBrk="1" latinLnBrk="1" hangingPunct="1">
+              <a:lnSpc>
+                <a:spcPct val="90000"/>
+              </a:lnSpc>
+              <a:spcBef>
+                <a:spcPts val="500"/>
+              </a:spcBef>
+              <a:buFont typeface="Arial" panose="020B0604020202020204" pitchFamily="34" charset="0"/>
+              <a:buChar char="•"/>
+              <a:defRPr sz="1800" kern="1200">
+                <a:solidFill>
+                  <a:schemeClr val="tx1"/>
+                </a:solidFill>
+                <a:latin typeface="+mn-lt"/>
+                <a:ea typeface="+mn-ea"/>
+                <a:cs typeface="+mn-cs"/>
+              </a:defRPr>
+            </a:lvl7pPr>
+            <a:lvl8pPr marL="3429000" indent="-228600" algn="l" defTabSz="914400" rtl="0" eaLnBrk="1" latinLnBrk="1" hangingPunct="1">
+              <a:lnSpc>
+                <a:spcPct val="90000"/>
+              </a:lnSpc>
+              <a:spcBef>
+                <a:spcPts val="500"/>
+              </a:spcBef>
+              <a:buFont typeface="Arial" panose="020B0604020202020204" pitchFamily="34" charset="0"/>
+              <a:buChar char="•"/>
+              <a:defRPr sz="1800" kern="1200">
+                <a:solidFill>
+                  <a:schemeClr val="tx1"/>
+                </a:solidFill>
+                <a:latin typeface="+mn-lt"/>
+                <a:ea typeface="+mn-ea"/>
+                <a:cs typeface="+mn-cs"/>
+              </a:defRPr>
+            </a:lvl8pPr>
+            <a:lvl9pPr marL="3886200" indent="-228600" algn="l" defTabSz="914400" rtl="0" eaLnBrk="1" latinLnBrk="1" hangingPunct="1">
+              <a:lnSpc>
+                <a:spcPct val="90000"/>
+              </a:lnSpc>
+              <a:spcBef>
+                <a:spcPts val="500"/>
+              </a:spcBef>
+              <a:buFont typeface="Arial" panose="020B0604020202020204" pitchFamily="34" charset="0"/>
+              <a:buChar char="•"/>
+              <a:defRPr sz="1800" kern="1200">
+                <a:solidFill>
+                  <a:schemeClr val="tx1"/>
+                </a:solidFill>
+                <a:latin typeface="+mn-lt"/>
+                <a:ea typeface="+mn-ea"/>
+                <a:cs typeface="+mn-cs"/>
+              </a:defRPr>
+            </a:lvl9pPr>
+          </a:lstStyle>
+          <a:p>
+            <a:pPr marL="0" indent="0">
+              <a:lnSpc>
+                <a:spcPct val="100000"/>
+              </a:lnSpc>
+              <a:buClr>
+                <a:srgbClr val="004F9E"/>
+              </a:buClr>
+              <a:buNone/>
+            </a:pPr>
+            <a:r>
+              <a:rPr lang="en-US" altLang="ko-KR" sz="2400" dirty="0">
+                <a:solidFill>
+                  <a:schemeClr val="tx1">
+                    <a:lumMod val="85000"/>
+                    <a:lumOff val="15000"/>
+                  </a:schemeClr>
+                </a:solidFill>
+                <a:latin typeface="나눔스퀘어 ExtraBold" panose="020B0600000101010101" pitchFamily="50" charset="-127"/>
+                <a:ea typeface="나눔스퀘어 ExtraBold" panose="020B0600000101010101" pitchFamily="50" charset="-127"/>
+                <a:cs typeface="Arial" panose="020B0604020202020204" pitchFamily="34" charset="0"/>
+              </a:rPr>
+              <a:t>-</a:t>
+            </a:r>
+          </a:p>
+        </p:txBody>
+      </p:sp>
+    </p:spTree>
+    <p:extLst>
+      <p:ext uri="{BB962C8B-B14F-4D97-AF65-F5344CB8AC3E}">
+        <p14:creationId xmlns:p14="http://schemas.microsoft.com/office/powerpoint/2010/main" val="3296318155"/>
+      </p:ext>
+    </p:extLst>
+  </p:cSld>
+  <p:clrMapOvr>
+    <a:masterClrMapping/>
+  </p:clrMapOvr>
+</p:sld>
+</file>
+
+<file path=ppt/slides/slide14.xml><?xml version="1.0" encoding="utf-8"?>
+<p:sld xmlns:a="http://schemas.openxmlformats.org/drawingml/2006/main" xmlns:r="http://schemas.openxmlformats.org/officeDocument/2006/relationships" xmlns:p="http://schemas.openxmlformats.org/presentationml/2006/main">
+  <p:cSld>
+    <p:spTree>
+      <p:nvGrpSpPr>
+        <p:cNvPr id="1" name=""/>
+        <p:cNvGrpSpPr/>
+        <p:nvPr/>
+      </p:nvGrpSpPr>
+      <p:grpSpPr>
+        <a:xfrm>
+          <a:off x="0" y="0"/>
+          <a:ext cx="0" cy="0"/>
+          <a:chOff x="0" y="0"/>
+          <a:chExt cx="0" cy="0"/>
+        </a:xfrm>
+      </p:grpSpPr>
+      <p:sp>
+        <p:nvSpPr>
+          <p:cNvPr id="2" name="제목 1">
+            <a:extLst>
+              <a:ext uri="{FF2B5EF4-FFF2-40B4-BE49-F238E27FC236}">
+                <a16:creationId xmlns:a16="http://schemas.microsoft.com/office/drawing/2014/main" id="{95CB7AEF-6056-404F-8222-D7A0008FE999}"/>
+              </a:ext>
+            </a:extLst>
+          </p:cNvPr>
+          <p:cNvSpPr>
+            <a:spLocks noGrp="1"/>
+          </p:cNvSpPr>
+          <p:nvPr>
+            <p:ph type="title"/>
+          </p:nvPr>
+        </p:nvSpPr>
+        <p:spPr/>
+        <p:txBody>
+          <a:bodyPr>
+            <a:normAutofit/>
+          </a:bodyPr>
+          <a:lstStyle/>
+          <a:p>
+            <a:r>
+              <a:rPr lang="en-US" altLang="ko-KR" sz="3600" b="1" dirty="0">
+                <a:solidFill>
+                  <a:schemeClr val="tx1">
+                    <a:lumMod val="85000"/>
+                    <a:lumOff val="15000"/>
+                  </a:schemeClr>
+                </a:solidFill>
+                <a:latin typeface="나눔스퀘어 ExtraBold"/>
+                <a:cs typeface="Arial" panose="020B0604020202020204" pitchFamily="34" charset="0"/>
+              </a:rPr>
+              <a:t>Fast </a:t>
+            </a:r>
+            <a:r>
+              <a:rPr lang="en-US" altLang="ko-KR" sz="3600" b="1" dirty="0">
+                <a:solidFill>
+                  <a:schemeClr val="tx1">
+                    <a:lumMod val="85000"/>
+                    <a:lumOff val="15000"/>
+                  </a:schemeClr>
+                </a:solidFill>
+                <a:latin typeface="나눔스퀘어 ExtraBold" panose="020B0600000101010101" pitchFamily="50" charset="-127"/>
+                <a:ea typeface="나눔스퀘어 ExtraBold" panose="020B0600000101010101" pitchFamily="50" charset="-127"/>
+                <a:cs typeface="Arial" panose="020B0604020202020204" pitchFamily="34" charset="0"/>
+              </a:rPr>
+              <a:t>approximate convolutions on graphs</a:t>
+            </a:r>
+            <a:br>
+              <a:rPr lang="en-US" altLang="ko-KR" sz="3600" b="1" dirty="0">
+                <a:solidFill>
+                  <a:schemeClr val="tx1">
+                    <a:lumMod val="85000"/>
+                    <a:lumOff val="15000"/>
+                  </a:schemeClr>
+                </a:solidFill>
+                <a:latin typeface="나눔스퀘어 ExtraBold" panose="020B0600000101010101" pitchFamily="50" charset="-127"/>
+                <a:ea typeface="나눔스퀘어 ExtraBold" panose="020B0600000101010101" pitchFamily="50" charset="-127"/>
+                <a:cs typeface="Arial" panose="020B0604020202020204" pitchFamily="34" charset="0"/>
+              </a:rPr>
+            </a:br>
+            <a:endParaRPr lang="ko-KR" altLang="en-US" sz="3600" b="1" dirty="0">
+              <a:solidFill>
+                <a:schemeClr val="tx1">
+                  <a:lumMod val="85000"/>
+                  <a:lumOff val="15000"/>
+                </a:schemeClr>
+              </a:solidFill>
+              <a:latin typeface="나눔스퀘어 ExtraBold"/>
+              <a:cs typeface="Arial" panose="020B0604020202020204" pitchFamily="34" charset="0"/>
+            </a:endParaRPr>
+          </a:p>
+        </p:txBody>
+      </p:sp>
+      <p:sp>
+        <p:nvSpPr>
+          <p:cNvPr id="3" name="내용 개체 틀 2">
+            <a:extLst>
+              <a:ext uri="{FF2B5EF4-FFF2-40B4-BE49-F238E27FC236}">
+                <a16:creationId xmlns:a16="http://schemas.microsoft.com/office/drawing/2014/main" id="{6F3C4966-F49A-47DB-93D9-018CD3BE693E}"/>
+              </a:ext>
+            </a:extLst>
+          </p:cNvPr>
+          <p:cNvSpPr>
+            <a:spLocks noGrp="1"/>
+          </p:cNvSpPr>
+          <p:nvPr>
+            <p:ph idx="1"/>
+          </p:nvPr>
+        </p:nvSpPr>
+        <p:spPr>
+          <a:xfrm>
+            <a:off x="990600" y="1690688"/>
+            <a:ext cx="10210800" cy="1072129"/>
+          </a:xfrm>
+        </p:spPr>
+        <p:txBody>
+          <a:bodyPr>
+            <a:normAutofit/>
+          </a:bodyPr>
+          <a:lstStyle/>
+          <a:p>
+            <a:pPr>
+              <a:lnSpc>
+                <a:spcPct val="100000"/>
+              </a:lnSpc>
+              <a:buClr>
+                <a:srgbClr val="004F9E"/>
+              </a:buClr>
+              <a:buFont typeface="Wingdings" panose="05000000000000000000" pitchFamily="2" charset="2"/>
+              <a:buChar char="§"/>
+            </a:pPr>
+            <a:r>
+              <a:rPr lang="en-US" altLang="ko-KR" sz="2400" dirty="0">
+                <a:solidFill>
+                  <a:schemeClr val="tx1">
+                    <a:lumMod val="85000"/>
+                    <a:lumOff val="15000"/>
+                  </a:schemeClr>
+                </a:solidFill>
+                <a:latin typeface="나눔스퀘어 ExtraBold" panose="020B0600000101010101" pitchFamily="50" charset="-127"/>
+                <a:ea typeface="나눔스퀘어 ExtraBold" panose="020B0600000101010101" pitchFamily="50" charset="-127"/>
+                <a:cs typeface="Arial" panose="020B0604020202020204" pitchFamily="34" charset="0"/>
+              </a:rPr>
+              <a:t>2.1 Spectral Graph Convolutions</a:t>
+            </a:r>
+          </a:p>
+          <a:p>
+            <a:pPr lvl="1">
+              <a:lnSpc>
+                <a:spcPct val="100000"/>
+              </a:lnSpc>
+              <a:buClr>
+                <a:srgbClr val="004F9E"/>
+              </a:buClr>
+              <a:buFont typeface="Wingdings" panose="05000000000000000000" pitchFamily="2" charset="2"/>
+              <a:buChar char="§"/>
+            </a:pPr>
+            <a:r>
+              <a:rPr lang="en-US" altLang="ko-KR" sz="2000" b="1" dirty="0">
+                <a:solidFill>
+                  <a:schemeClr val="tx1">
+                    <a:lumMod val="85000"/>
+                    <a:lumOff val="15000"/>
+                  </a:schemeClr>
+                </a:solidFill>
+                <a:latin typeface="나눔스퀘어 ExtraBold" panose="020B0600000101010101" pitchFamily="50" charset="-127"/>
+                <a:ea typeface="나눔스퀘어 ExtraBold" panose="020B0600000101010101" pitchFamily="50" charset="-127"/>
+                <a:cs typeface="Arial" panose="020B0604020202020204" pitchFamily="34" charset="0"/>
+              </a:rPr>
+              <a:t>Laplacian matrix</a:t>
+            </a:r>
+          </a:p>
+        </p:txBody>
+      </p:sp>
+      <p:sp>
+        <p:nvSpPr>
+          <p:cNvPr id="4" name="슬라이드 번호 개체 틀 3">
+            <a:extLst>
+              <a:ext uri="{FF2B5EF4-FFF2-40B4-BE49-F238E27FC236}">
+                <a16:creationId xmlns:a16="http://schemas.microsoft.com/office/drawing/2014/main" id="{4705CCFD-CA4E-4794-89D0-C3DF4603C893}"/>
+              </a:ext>
+            </a:extLst>
+          </p:cNvPr>
+          <p:cNvSpPr>
+            <a:spLocks noGrp="1"/>
+          </p:cNvSpPr>
+          <p:nvPr>
+            <p:ph type="sldNum" sz="quarter" idx="12"/>
+          </p:nvPr>
+        </p:nvSpPr>
+        <p:spPr/>
+        <p:txBody>
+          <a:bodyPr/>
+          <a:lstStyle/>
+          <a:p>
+            <a:fld id="{16A93642-25BD-4471-A422-0159119E9512}" type="slidenum">
+              <a:rPr lang="ko-KR" altLang="en-US" smtClean="0"/>
+              <a:pPr/>
+              <a:t>14</a:t>
+            </a:fld>
+            <a:endParaRPr lang="ko-KR" altLang="en-US" dirty="0"/>
+          </a:p>
+        </p:txBody>
+      </p:sp>
+      <mc:AlternateContent xmlns:mc="http://schemas.openxmlformats.org/markup-compatibility/2006">
+        <mc:Choice xmlns:a14="http://schemas.microsoft.com/office/drawing/2010/main" Requires="a14">
+          <p:sp>
+            <p:nvSpPr>
+              <p:cNvPr id="8" name="내용 개체 틀 2">
+                <a:extLst>
+                  <a:ext uri="{FF2B5EF4-FFF2-40B4-BE49-F238E27FC236}">
+                    <a16:creationId xmlns:a16="http://schemas.microsoft.com/office/drawing/2014/main" id="{5DBD9F42-D14D-2B1D-CD97-03924F95546A}"/>
+                  </a:ext>
+                </a:extLst>
+              </p:cNvPr>
+              <p:cNvSpPr txBox="1">
+                <a:spLocks/>
+              </p:cNvSpPr>
+              <p:nvPr/>
+            </p:nvSpPr>
+            <p:spPr>
+              <a:xfrm>
+                <a:off x="7470775" y="3314949"/>
+                <a:ext cx="4059036" cy="1325563"/>
+              </a:xfrm>
+              <a:prstGeom prst="rect">
+                <a:avLst/>
+              </a:prstGeom>
+            </p:spPr>
+            <p:txBody>
+              <a:bodyPr vert="horz" lIns="91440" tIns="45720" rIns="91440" bIns="45720" rtlCol="0">
+                <a:normAutofit/>
+              </a:bodyPr>
+              <a:lstStyle>
+                <a:lvl1pPr marL="228600" indent="-228600" algn="l" defTabSz="914400" rtl="0" eaLnBrk="1" latinLnBrk="1" hangingPunct="1">
+                  <a:lnSpc>
+                    <a:spcPct val="90000"/>
+                  </a:lnSpc>
+                  <a:spcBef>
+                    <a:spcPts val="1000"/>
+                  </a:spcBef>
+                  <a:buFont typeface="Arial" panose="020B0604020202020204" pitchFamily="34" charset="0"/>
+                  <a:buChar char="•"/>
+                  <a:defRPr sz="2800" kern="1200">
+                    <a:solidFill>
+                      <a:schemeClr val="tx1"/>
+                    </a:solidFill>
+                    <a:latin typeface="+mn-lt"/>
+                    <a:ea typeface="+mn-ea"/>
+                    <a:cs typeface="+mn-cs"/>
+                  </a:defRPr>
+                </a:lvl1pPr>
+                <a:lvl2pPr marL="685800" indent="-228600" algn="l" defTabSz="914400" rtl="0" eaLnBrk="1" latinLnBrk="1" hangingPunct="1">
+                  <a:lnSpc>
+                    <a:spcPct val="90000"/>
+                  </a:lnSpc>
+                  <a:spcBef>
+                    <a:spcPts val="500"/>
+                  </a:spcBef>
+                  <a:buFont typeface="Arial" panose="020B0604020202020204" pitchFamily="34" charset="0"/>
+                  <a:buChar char="•"/>
+                  <a:defRPr sz="2400" kern="1200">
+                    <a:solidFill>
+                      <a:schemeClr val="tx1"/>
+                    </a:solidFill>
+                    <a:latin typeface="+mn-lt"/>
+                    <a:ea typeface="+mn-ea"/>
+                    <a:cs typeface="+mn-cs"/>
+                  </a:defRPr>
+                </a:lvl2pPr>
+                <a:lvl3pPr marL="1143000" indent="-228600" algn="l" defTabSz="914400" rtl="0" eaLnBrk="1" latinLnBrk="1" hangingPunct="1">
+                  <a:lnSpc>
+                    <a:spcPct val="90000"/>
+                  </a:lnSpc>
+                  <a:spcBef>
+                    <a:spcPts val="500"/>
+                  </a:spcBef>
+                  <a:buFont typeface="Arial" panose="020B0604020202020204" pitchFamily="34" charset="0"/>
+                  <a:buChar char="•"/>
+                  <a:defRPr sz="2000" kern="1200">
+                    <a:solidFill>
+                      <a:schemeClr val="tx1"/>
+                    </a:solidFill>
+                    <a:latin typeface="+mn-lt"/>
+                    <a:ea typeface="+mn-ea"/>
+                    <a:cs typeface="+mn-cs"/>
+                  </a:defRPr>
+                </a:lvl3pPr>
+                <a:lvl4pPr marL="1600200" indent="-228600" algn="l" defTabSz="914400" rtl="0" eaLnBrk="1" latinLnBrk="1" hangingPunct="1">
+                  <a:lnSpc>
+                    <a:spcPct val="90000"/>
+                  </a:lnSpc>
+                  <a:spcBef>
+                    <a:spcPts val="500"/>
+                  </a:spcBef>
+                  <a:buFont typeface="Arial" panose="020B0604020202020204" pitchFamily="34" charset="0"/>
+                  <a:buChar char="•"/>
+                  <a:defRPr sz="1800" kern="1200">
+                    <a:solidFill>
+                      <a:schemeClr val="tx1"/>
+                    </a:solidFill>
+                    <a:latin typeface="+mn-lt"/>
+                    <a:ea typeface="+mn-ea"/>
+                    <a:cs typeface="+mn-cs"/>
+                  </a:defRPr>
+                </a:lvl4pPr>
+                <a:lvl5pPr marL="2057400" indent="-228600" algn="l" defTabSz="914400" rtl="0" eaLnBrk="1" latinLnBrk="1" hangingPunct="1">
+                  <a:lnSpc>
+                    <a:spcPct val="90000"/>
+                  </a:lnSpc>
+                  <a:spcBef>
+                    <a:spcPts val="500"/>
+                  </a:spcBef>
+                  <a:buFont typeface="Arial" panose="020B0604020202020204" pitchFamily="34" charset="0"/>
+                  <a:buChar char="•"/>
+                  <a:defRPr sz="1800" kern="1200">
+                    <a:solidFill>
+                      <a:schemeClr val="tx1"/>
+                    </a:solidFill>
+                    <a:latin typeface="+mn-lt"/>
+                    <a:ea typeface="+mn-ea"/>
+                    <a:cs typeface="+mn-cs"/>
+                  </a:defRPr>
+                </a:lvl5pPr>
+                <a:lvl6pPr marL="2514600" indent="-228600" algn="l" defTabSz="914400" rtl="0" eaLnBrk="1" latinLnBrk="1" hangingPunct="1">
+                  <a:lnSpc>
+                    <a:spcPct val="90000"/>
+                  </a:lnSpc>
+                  <a:spcBef>
+                    <a:spcPts val="500"/>
+                  </a:spcBef>
+                  <a:buFont typeface="Arial" panose="020B0604020202020204" pitchFamily="34" charset="0"/>
+                  <a:buChar char="•"/>
+                  <a:defRPr sz="1800" kern="1200">
+                    <a:solidFill>
+                      <a:schemeClr val="tx1"/>
+                    </a:solidFill>
+                    <a:latin typeface="+mn-lt"/>
+                    <a:ea typeface="+mn-ea"/>
+                    <a:cs typeface="+mn-cs"/>
+                  </a:defRPr>
+                </a:lvl6pPr>
+                <a:lvl7pPr marL="2971800" indent="-228600" algn="l" defTabSz="914400" rtl="0" eaLnBrk="1" latinLnBrk="1" hangingPunct="1">
+                  <a:lnSpc>
+                    <a:spcPct val="90000"/>
+                  </a:lnSpc>
+                  <a:spcBef>
+                    <a:spcPts val="500"/>
+                  </a:spcBef>
+                  <a:buFont typeface="Arial" panose="020B0604020202020204" pitchFamily="34" charset="0"/>
+                  <a:buChar char="•"/>
+                  <a:defRPr sz="1800" kern="1200">
+                    <a:solidFill>
+                      <a:schemeClr val="tx1"/>
+                    </a:solidFill>
+                    <a:latin typeface="+mn-lt"/>
+                    <a:ea typeface="+mn-ea"/>
+                    <a:cs typeface="+mn-cs"/>
+                  </a:defRPr>
+                </a:lvl7pPr>
+                <a:lvl8pPr marL="3429000" indent="-228600" algn="l" defTabSz="914400" rtl="0" eaLnBrk="1" latinLnBrk="1" hangingPunct="1">
+                  <a:lnSpc>
+                    <a:spcPct val="90000"/>
+                  </a:lnSpc>
+                  <a:spcBef>
+                    <a:spcPts val="500"/>
+                  </a:spcBef>
+                  <a:buFont typeface="Arial" panose="020B0604020202020204" pitchFamily="34" charset="0"/>
+                  <a:buChar char="•"/>
+                  <a:defRPr sz="1800" kern="1200">
+                    <a:solidFill>
+                      <a:schemeClr val="tx1"/>
+                    </a:solidFill>
+                    <a:latin typeface="+mn-lt"/>
+                    <a:ea typeface="+mn-ea"/>
+                    <a:cs typeface="+mn-cs"/>
+                  </a:defRPr>
+                </a:lvl8pPr>
+                <a:lvl9pPr marL="3886200" indent="-228600" algn="l" defTabSz="914400" rtl="0" eaLnBrk="1" latinLnBrk="1" hangingPunct="1">
+                  <a:lnSpc>
+                    <a:spcPct val="90000"/>
+                  </a:lnSpc>
+                  <a:spcBef>
+                    <a:spcPts val="500"/>
+                  </a:spcBef>
+                  <a:buFont typeface="Arial" panose="020B0604020202020204" pitchFamily="34" charset="0"/>
+                  <a:buChar char="•"/>
+                  <a:defRPr sz="1800" kern="1200">
+                    <a:solidFill>
+                      <a:schemeClr val="tx1"/>
+                    </a:solidFill>
+                    <a:latin typeface="+mn-lt"/>
+                    <a:ea typeface="+mn-ea"/>
+                    <a:cs typeface="+mn-cs"/>
+                  </a:defRPr>
+                </a:lvl9pPr>
+              </a:lstStyle>
+              <a:p>
+                <a:pPr marL="0" indent="0">
+                  <a:lnSpc>
+                    <a:spcPct val="100000"/>
+                  </a:lnSpc>
+                  <a:buClr>
+                    <a:srgbClr val="004F9E"/>
+                  </a:buClr>
+                  <a:buNone/>
+                </a:pPr>
+                <a:r>
+                  <a:rPr lang="en-US" altLang="ko-KR" sz="2400" dirty="0">
+                    <a:solidFill>
+                      <a:schemeClr val="tx1">
+                        <a:lumMod val="85000"/>
+                        <a:lumOff val="15000"/>
+                      </a:schemeClr>
+                    </a:solidFill>
+                    <a:latin typeface="나눔스퀘어 ExtraBold" panose="020B0600000101010101" pitchFamily="50" charset="-127"/>
+                    <a:ea typeface="나눔스퀘어 ExtraBold" panose="020B0600000101010101" pitchFamily="50" charset="-127"/>
+                    <a:cs typeface="Arial" panose="020B0604020202020204" pitchFamily="34" charset="0"/>
+                  </a:rPr>
+                  <a:t>2</a:t>
+                </a:r>
+                <a14:m>
+                  <m:oMath xmlns:m="http://schemas.openxmlformats.org/officeDocument/2006/math">
+                    <m:sSub>
+                      <m:sSubPr>
+                        <m:ctrlPr>
+                          <a:rPr lang="en-US" altLang="ko-KR" sz="2400" i="1" smtClean="0">
+                            <a:solidFill>
+                              <a:schemeClr val="tx1">
+                                <a:lumMod val="85000"/>
+                                <a:lumOff val="15000"/>
+                              </a:schemeClr>
+                            </a:solidFill>
+                            <a:latin typeface="Cambria Math" panose="02040503050406030204" pitchFamily="18" charset="0"/>
+                            <a:ea typeface="나눔스퀘어 ExtraBold" panose="020B0600000101010101" pitchFamily="50" charset="-127"/>
+                            <a:cs typeface="Arial" panose="020B0604020202020204" pitchFamily="34" charset="0"/>
+                          </a:rPr>
+                        </m:ctrlPr>
+                      </m:sSubPr>
+                      <m:e>
+                        <m:r>
+                          <a:rPr lang="en-US" altLang="ko-KR" sz="2400" b="0" i="1" smtClean="0">
+                            <a:solidFill>
+                              <a:schemeClr val="tx1">
+                                <a:lumMod val="85000"/>
+                                <a:lumOff val="15000"/>
+                              </a:schemeClr>
+                            </a:solidFill>
+                            <a:latin typeface="Cambria Math" panose="02040503050406030204" pitchFamily="18" charset="0"/>
+                            <a:ea typeface="나눔스퀘어 ExtraBold" panose="020B0600000101010101" pitchFamily="50" charset="-127"/>
+                            <a:cs typeface="Arial" panose="020B0604020202020204" pitchFamily="34" charset="0"/>
+                          </a:rPr>
+                          <m:t>𝐵</m:t>
+                        </m:r>
+                      </m:e>
+                      <m:sub>
+                        <m:r>
+                          <a:rPr lang="en-US" altLang="ko-KR" sz="2400" b="0" i="1" smtClean="0">
+                            <a:solidFill>
+                              <a:schemeClr val="tx1">
+                                <a:lumMod val="85000"/>
+                                <a:lumOff val="15000"/>
+                              </a:schemeClr>
+                            </a:solidFill>
+                            <a:latin typeface="Cambria Math" panose="02040503050406030204" pitchFamily="18" charset="0"/>
+                            <a:ea typeface="나눔스퀘어 ExtraBold" panose="020B0600000101010101" pitchFamily="50" charset="-127"/>
+                            <a:cs typeface="Arial" panose="020B0604020202020204" pitchFamily="34" charset="0"/>
+                          </a:rPr>
+                          <m:t>2</m:t>
+                        </m:r>
+                      </m:sub>
+                    </m:sSub>
+                  </m:oMath>
+                </a14:m>
+                <a:r>
+                  <a:rPr lang="en-US" altLang="ko-KR" sz="2400" dirty="0">
+                    <a:solidFill>
+                      <a:schemeClr val="tx1">
+                        <a:lumMod val="85000"/>
+                        <a:lumOff val="15000"/>
+                      </a:schemeClr>
+                    </a:solidFill>
+                    <a:latin typeface="나눔스퀘어 ExtraBold" panose="020B0600000101010101" pitchFamily="50" charset="-127"/>
+                    <a:ea typeface="나눔스퀘어 ExtraBold" panose="020B0600000101010101" pitchFamily="50" charset="-127"/>
+                    <a:cs typeface="Arial" panose="020B0604020202020204" pitchFamily="34" charset="0"/>
+                  </a:rPr>
+                  <a:t>-</a:t>
+                </a:r>
+                <a:r>
+                  <a:rPr lang="en-US" altLang="ko-KR" sz="2400" dirty="0">
+                    <a:solidFill>
+                      <a:schemeClr val="tx1">
+                        <a:lumMod val="85000"/>
+                        <a:lumOff val="15000"/>
+                      </a:schemeClr>
+                    </a:solidFill>
+                    <a:ea typeface="나눔스퀘어 ExtraBold" panose="020B0600000101010101" pitchFamily="50" charset="-127"/>
+                    <a:cs typeface="Arial" panose="020B0604020202020204" pitchFamily="34" charset="0"/>
+                  </a:rPr>
+                  <a:t> </a:t>
+                </a:r>
+                <a14:m>
+                  <m:oMath xmlns:m="http://schemas.openxmlformats.org/officeDocument/2006/math">
+                    <m:sSub>
+                      <m:sSubPr>
+                        <m:ctrlPr>
+                          <a:rPr lang="en-US" altLang="ko-KR" sz="2400" i="1">
+                            <a:solidFill>
+                              <a:schemeClr val="tx1">
+                                <a:lumMod val="85000"/>
+                                <a:lumOff val="15000"/>
+                              </a:schemeClr>
+                            </a:solidFill>
+                            <a:latin typeface="Cambria Math" panose="02040503050406030204" pitchFamily="18" charset="0"/>
+                            <a:ea typeface="나눔스퀘어 ExtraBold" panose="020B0600000101010101" pitchFamily="50" charset="-127"/>
+                            <a:cs typeface="Arial" panose="020B0604020202020204" pitchFamily="34" charset="0"/>
+                          </a:rPr>
+                        </m:ctrlPr>
+                      </m:sSubPr>
+                      <m:e>
+                        <m:r>
+                          <a:rPr lang="en-US" altLang="ko-KR" sz="2400" i="1">
+                            <a:solidFill>
+                              <a:schemeClr val="tx1">
+                                <a:lumMod val="85000"/>
+                                <a:lumOff val="15000"/>
+                              </a:schemeClr>
+                            </a:solidFill>
+                            <a:latin typeface="Cambria Math" panose="02040503050406030204" pitchFamily="18" charset="0"/>
+                            <a:ea typeface="나눔스퀘어 ExtraBold" panose="020B0600000101010101" pitchFamily="50" charset="-127"/>
+                            <a:cs typeface="Arial" panose="020B0604020202020204" pitchFamily="34" charset="0"/>
+                          </a:rPr>
+                          <m:t>𝐵</m:t>
+                        </m:r>
+                      </m:e>
+                      <m:sub>
+                        <m:r>
+                          <a:rPr lang="en-US" altLang="ko-KR" sz="2400" i="1">
+                            <a:solidFill>
+                              <a:schemeClr val="tx1">
+                                <a:lumMod val="85000"/>
+                                <a:lumOff val="15000"/>
+                              </a:schemeClr>
+                            </a:solidFill>
+                            <a:latin typeface="Cambria Math" panose="02040503050406030204" pitchFamily="18" charset="0"/>
+                            <a:ea typeface="나눔스퀘어 ExtraBold" panose="020B0600000101010101" pitchFamily="50" charset="-127"/>
+                            <a:cs typeface="Arial" panose="020B0604020202020204" pitchFamily="34" charset="0"/>
+                          </a:rPr>
+                          <m:t>1</m:t>
+                        </m:r>
+                      </m:sub>
+                    </m:sSub>
+                    <m:r>
+                      <a:rPr lang="en-US" altLang="ko-KR" sz="2400" i="1">
+                        <a:solidFill>
+                          <a:schemeClr val="tx1">
+                            <a:lumMod val="85000"/>
+                            <a:lumOff val="15000"/>
+                          </a:schemeClr>
+                        </a:solidFill>
+                        <a:latin typeface="Cambria Math" panose="02040503050406030204" pitchFamily="18" charset="0"/>
+                        <a:ea typeface="나눔스퀘어 ExtraBold" panose="020B0600000101010101" pitchFamily="50" charset="-127"/>
+                        <a:cs typeface="Arial" panose="020B0604020202020204" pitchFamily="34" charset="0"/>
+                      </a:rPr>
+                      <m:t> </m:t>
+                    </m:r>
+                  </m:oMath>
+                </a14:m>
+                <a:r>
+                  <a:rPr lang="en-US" altLang="ko-KR" sz="2400" dirty="0">
+                    <a:solidFill>
+                      <a:schemeClr val="tx1">
+                        <a:lumMod val="85000"/>
+                        <a:lumOff val="15000"/>
+                      </a:schemeClr>
+                    </a:solidFill>
+                    <a:latin typeface="나눔스퀘어 ExtraBold" panose="020B0600000101010101" pitchFamily="50" charset="-127"/>
+                    <a:ea typeface="나눔스퀘어 ExtraBold" panose="020B0600000101010101" pitchFamily="50" charset="-127"/>
+                    <a:cs typeface="Arial" panose="020B0604020202020204" pitchFamily="34" charset="0"/>
+                  </a:rPr>
+                  <a:t>- </a:t>
+                </a:r>
+                <a14:m>
+                  <m:oMath xmlns:m="http://schemas.openxmlformats.org/officeDocument/2006/math">
+                    <m:sSub>
+                      <m:sSubPr>
+                        <m:ctrlPr>
+                          <a:rPr lang="en-US" altLang="ko-KR" sz="2400" i="1">
+                            <a:solidFill>
+                              <a:schemeClr val="tx1">
+                                <a:lumMod val="85000"/>
+                                <a:lumOff val="15000"/>
+                              </a:schemeClr>
+                            </a:solidFill>
+                            <a:latin typeface="Cambria Math" panose="02040503050406030204" pitchFamily="18" charset="0"/>
+                            <a:ea typeface="나눔스퀘어 ExtraBold" panose="020B0600000101010101" pitchFamily="50" charset="-127"/>
+                            <a:cs typeface="Arial" panose="020B0604020202020204" pitchFamily="34" charset="0"/>
+                          </a:rPr>
+                        </m:ctrlPr>
+                      </m:sSubPr>
+                      <m:e>
+                        <m:r>
+                          <a:rPr lang="en-US" altLang="ko-KR" sz="2400" i="1">
+                            <a:solidFill>
+                              <a:schemeClr val="tx1">
+                                <a:lumMod val="85000"/>
+                                <a:lumOff val="15000"/>
+                              </a:schemeClr>
+                            </a:solidFill>
+                            <a:latin typeface="Cambria Math" panose="02040503050406030204" pitchFamily="18" charset="0"/>
+                            <a:ea typeface="나눔스퀘어 ExtraBold" panose="020B0600000101010101" pitchFamily="50" charset="-127"/>
+                            <a:cs typeface="Arial" panose="020B0604020202020204" pitchFamily="34" charset="0"/>
+                          </a:rPr>
+                          <m:t>𝐵</m:t>
+                        </m:r>
+                      </m:e>
+                      <m:sub>
+                        <m:r>
+                          <a:rPr lang="en-US" altLang="ko-KR" sz="2400" b="0" i="1" smtClean="0">
+                            <a:solidFill>
+                              <a:schemeClr val="tx1">
+                                <a:lumMod val="85000"/>
+                                <a:lumOff val="15000"/>
+                              </a:schemeClr>
+                            </a:solidFill>
+                            <a:latin typeface="Cambria Math" panose="02040503050406030204" pitchFamily="18" charset="0"/>
+                            <a:ea typeface="나눔스퀘어 ExtraBold" panose="020B0600000101010101" pitchFamily="50" charset="-127"/>
+                            <a:cs typeface="Arial" panose="020B0604020202020204" pitchFamily="34" charset="0"/>
+                          </a:rPr>
+                          <m:t>4</m:t>
+                        </m:r>
+                      </m:sub>
+                    </m:sSub>
+                    <m:r>
+                      <a:rPr lang="en-US" altLang="ko-KR" sz="2400" i="1">
+                        <a:solidFill>
+                          <a:schemeClr val="tx1">
+                            <a:lumMod val="85000"/>
+                            <a:lumOff val="15000"/>
+                          </a:schemeClr>
+                        </a:solidFill>
+                        <a:latin typeface="Cambria Math" panose="02040503050406030204" pitchFamily="18" charset="0"/>
+                        <a:ea typeface="나눔스퀘어 ExtraBold" panose="020B0600000101010101" pitchFamily="50" charset="-127"/>
+                        <a:cs typeface="Arial" panose="020B0604020202020204" pitchFamily="34" charset="0"/>
+                      </a:rPr>
+                      <m:t> </m:t>
+                    </m:r>
+                  </m:oMath>
+                </a14:m>
+                <a:endParaRPr lang="en-US" altLang="ko-KR" sz="2400" b="1" dirty="0">
+                  <a:solidFill>
+                    <a:schemeClr val="tx1">
+                      <a:lumMod val="85000"/>
+                      <a:lumOff val="15000"/>
+                    </a:schemeClr>
+                  </a:solidFill>
+                  <a:latin typeface="나눔스퀘어 ExtraBold" panose="020B0600000101010101" pitchFamily="50" charset="-127"/>
+                  <a:ea typeface="나눔스퀘어 ExtraBold" panose="020B0600000101010101" pitchFamily="50" charset="-127"/>
+                  <a:cs typeface="Arial" panose="020B0604020202020204" pitchFamily="34" charset="0"/>
+                </a:endParaRPr>
+              </a:p>
+              <a:p>
+                <a:pPr marL="0" indent="0">
+                  <a:lnSpc>
+                    <a:spcPct val="100000"/>
+                  </a:lnSpc>
+                  <a:buClr>
+                    <a:srgbClr val="004F9E"/>
+                  </a:buClr>
+                  <a:buNone/>
+                </a:pPr>
+                <a:r>
+                  <a:rPr lang="en-US" altLang="ko-KR" sz="2400" b="1" dirty="0">
+                    <a:solidFill>
+                      <a:schemeClr val="tx1">
+                        <a:lumMod val="85000"/>
+                        <a:lumOff val="15000"/>
+                      </a:schemeClr>
+                    </a:solidFill>
+                    <a:latin typeface="나눔스퀘어 ExtraBold" panose="020B0600000101010101" pitchFamily="50" charset="-127"/>
+                    <a:ea typeface="나눔스퀘어 ExtraBold" panose="020B0600000101010101" pitchFamily="50" charset="-127"/>
+                    <a:cs typeface="Arial" panose="020B0604020202020204" pitchFamily="34" charset="0"/>
+                  </a:rPr>
+                  <a:t>=(</a:t>
+                </a:r>
+                <a14:m>
+                  <m:oMath xmlns:m="http://schemas.openxmlformats.org/officeDocument/2006/math">
+                    <m:sSub>
+                      <m:sSubPr>
+                        <m:ctrlPr>
+                          <a:rPr lang="en-US" altLang="ko-KR" sz="2400" i="1" smtClean="0">
+                            <a:solidFill>
+                              <a:schemeClr val="tx1">
+                                <a:lumMod val="85000"/>
+                                <a:lumOff val="15000"/>
+                              </a:schemeClr>
+                            </a:solidFill>
+                            <a:latin typeface="Cambria Math" panose="02040503050406030204" pitchFamily="18" charset="0"/>
+                            <a:ea typeface="나눔스퀘어 ExtraBold" panose="020B0600000101010101" pitchFamily="50" charset="-127"/>
+                            <a:cs typeface="Arial" panose="020B0604020202020204" pitchFamily="34" charset="0"/>
+                          </a:rPr>
+                        </m:ctrlPr>
+                      </m:sSubPr>
+                      <m:e>
+                        <m:r>
+                          <a:rPr lang="en-US" altLang="ko-KR" sz="2400" b="0" i="1" smtClean="0">
+                            <a:solidFill>
+                              <a:schemeClr val="tx1">
+                                <a:lumMod val="85000"/>
+                                <a:lumOff val="15000"/>
+                              </a:schemeClr>
+                            </a:solidFill>
+                            <a:latin typeface="Cambria Math" panose="02040503050406030204" pitchFamily="18" charset="0"/>
+                            <a:ea typeface="나눔스퀘어 ExtraBold" panose="020B0600000101010101" pitchFamily="50" charset="-127"/>
+                            <a:cs typeface="Arial" panose="020B0604020202020204" pitchFamily="34" charset="0"/>
+                          </a:rPr>
+                          <m:t>𝐵</m:t>
+                        </m:r>
+                      </m:e>
+                      <m:sub>
+                        <m:r>
+                          <a:rPr lang="en-US" altLang="ko-KR" sz="2400" b="0" i="1" smtClean="0">
+                            <a:solidFill>
+                              <a:schemeClr val="tx1">
+                                <a:lumMod val="85000"/>
+                                <a:lumOff val="15000"/>
+                              </a:schemeClr>
+                            </a:solidFill>
+                            <a:latin typeface="Cambria Math" panose="02040503050406030204" pitchFamily="18" charset="0"/>
+                            <a:ea typeface="나눔스퀘어 ExtraBold" panose="020B0600000101010101" pitchFamily="50" charset="-127"/>
+                            <a:cs typeface="Arial" panose="020B0604020202020204" pitchFamily="34" charset="0"/>
+                          </a:rPr>
+                          <m:t>2</m:t>
+                        </m:r>
+                      </m:sub>
+                    </m:sSub>
+                  </m:oMath>
+                </a14:m>
+                <a:r>
+                  <a:rPr lang="en-US" altLang="ko-KR" sz="2400" dirty="0">
+                    <a:solidFill>
+                      <a:schemeClr val="tx1">
+                        <a:lumMod val="85000"/>
+                        <a:lumOff val="15000"/>
+                      </a:schemeClr>
+                    </a:solidFill>
+                    <a:latin typeface="나눔스퀘어 ExtraBold" panose="020B0600000101010101" pitchFamily="50" charset="-127"/>
+                    <a:ea typeface="나눔스퀘어 ExtraBold" panose="020B0600000101010101" pitchFamily="50" charset="-127"/>
+                    <a:cs typeface="Arial" panose="020B0604020202020204" pitchFamily="34" charset="0"/>
+                  </a:rPr>
+                  <a:t>-</a:t>
+                </a:r>
+                <a:r>
+                  <a:rPr lang="en-US" altLang="ko-KR" sz="2400" dirty="0">
+                    <a:solidFill>
+                      <a:schemeClr val="tx1">
+                        <a:lumMod val="85000"/>
+                        <a:lumOff val="15000"/>
+                      </a:schemeClr>
+                    </a:solidFill>
+                    <a:ea typeface="나눔스퀘어 ExtraBold" panose="020B0600000101010101" pitchFamily="50" charset="-127"/>
+                    <a:cs typeface="Arial" panose="020B0604020202020204" pitchFamily="34" charset="0"/>
+                  </a:rPr>
+                  <a:t> </a:t>
+                </a:r>
+                <a14:m>
+                  <m:oMath xmlns:m="http://schemas.openxmlformats.org/officeDocument/2006/math">
+                    <m:sSub>
+                      <m:sSubPr>
+                        <m:ctrlPr>
+                          <a:rPr lang="en-US" altLang="ko-KR" sz="2400" i="1">
+                            <a:solidFill>
+                              <a:schemeClr val="tx1">
+                                <a:lumMod val="85000"/>
+                                <a:lumOff val="15000"/>
+                              </a:schemeClr>
+                            </a:solidFill>
+                            <a:latin typeface="Cambria Math" panose="02040503050406030204" pitchFamily="18" charset="0"/>
+                            <a:ea typeface="나눔스퀘어 ExtraBold" panose="020B0600000101010101" pitchFamily="50" charset="-127"/>
+                            <a:cs typeface="Arial" panose="020B0604020202020204" pitchFamily="34" charset="0"/>
+                          </a:rPr>
+                        </m:ctrlPr>
+                      </m:sSubPr>
+                      <m:e>
+                        <m:r>
+                          <a:rPr lang="en-US" altLang="ko-KR" sz="2400" i="1">
+                            <a:solidFill>
+                              <a:schemeClr val="tx1">
+                                <a:lumMod val="85000"/>
+                                <a:lumOff val="15000"/>
+                              </a:schemeClr>
+                            </a:solidFill>
+                            <a:latin typeface="Cambria Math" panose="02040503050406030204" pitchFamily="18" charset="0"/>
+                            <a:ea typeface="나눔스퀘어 ExtraBold" panose="020B0600000101010101" pitchFamily="50" charset="-127"/>
+                            <a:cs typeface="Arial" panose="020B0604020202020204" pitchFamily="34" charset="0"/>
+                          </a:rPr>
+                          <m:t>𝐵</m:t>
+                        </m:r>
+                      </m:e>
+                      <m:sub>
+                        <m:r>
+                          <a:rPr lang="en-US" altLang="ko-KR" sz="2400" i="1">
+                            <a:solidFill>
+                              <a:schemeClr val="tx1">
+                                <a:lumMod val="85000"/>
+                                <a:lumOff val="15000"/>
+                              </a:schemeClr>
+                            </a:solidFill>
+                            <a:latin typeface="Cambria Math" panose="02040503050406030204" pitchFamily="18" charset="0"/>
+                            <a:ea typeface="나눔스퀘어 ExtraBold" panose="020B0600000101010101" pitchFamily="50" charset="-127"/>
+                            <a:cs typeface="Arial" panose="020B0604020202020204" pitchFamily="34" charset="0"/>
+                          </a:rPr>
+                          <m:t>1</m:t>
+                        </m:r>
+                      </m:sub>
+                    </m:sSub>
+                  </m:oMath>
+                </a14:m>
+                <a:r>
+                  <a:rPr lang="en-US" altLang="ko-KR" sz="2400" b="1" dirty="0">
+                    <a:solidFill>
+                      <a:schemeClr val="tx1">
+                        <a:lumMod val="85000"/>
+                        <a:lumOff val="15000"/>
+                      </a:schemeClr>
+                    </a:solidFill>
+                    <a:latin typeface="나눔스퀘어 ExtraBold" panose="020B0600000101010101" pitchFamily="50" charset="-127"/>
+                    <a:ea typeface="나눔스퀘어 ExtraBold" panose="020B0600000101010101" pitchFamily="50" charset="-127"/>
+                    <a:cs typeface="Arial" panose="020B0604020202020204" pitchFamily="34" charset="0"/>
+                  </a:rPr>
+                  <a:t>)+(</a:t>
+                </a:r>
+                <a14:m>
+                  <m:oMath xmlns:m="http://schemas.openxmlformats.org/officeDocument/2006/math">
+                    <m:sSub>
+                      <m:sSubPr>
+                        <m:ctrlPr>
+                          <a:rPr lang="en-US" altLang="ko-KR" sz="2400" i="1">
+                            <a:solidFill>
+                              <a:schemeClr val="tx1">
+                                <a:lumMod val="85000"/>
+                                <a:lumOff val="15000"/>
+                              </a:schemeClr>
+                            </a:solidFill>
+                            <a:latin typeface="Cambria Math" panose="02040503050406030204" pitchFamily="18" charset="0"/>
+                            <a:ea typeface="나눔스퀘어 ExtraBold" panose="020B0600000101010101" pitchFamily="50" charset="-127"/>
+                            <a:cs typeface="Arial" panose="020B0604020202020204" pitchFamily="34" charset="0"/>
+                          </a:rPr>
+                        </m:ctrlPr>
+                      </m:sSubPr>
+                      <m:e>
+                        <m:r>
+                          <a:rPr lang="en-US" altLang="ko-KR" sz="2400" i="1">
+                            <a:solidFill>
+                              <a:schemeClr val="tx1">
+                                <a:lumMod val="85000"/>
+                                <a:lumOff val="15000"/>
+                              </a:schemeClr>
+                            </a:solidFill>
+                            <a:latin typeface="Cambria Math" panose="02040503050406030204" pitchFamily="18" charset="0"/>
+                            <a:ea typeface="나눔스퀘어 ExtraBold" panose="020B0600000101010101" pitchFamily="50" charset="-127"/>
+                            <a:cs typeface="Arial" panose="020B0604020202020204" pitchFamily="34" charset="0"/>
+                          </a:rPr>
+                          <m:t>𝐵</m:t>
+                        </m:r>
+                      </m:e>
+                      <m:sub>
+                        <m:r>
+                          <a:rPr lang="en-US" altLang="ko-KR" sz="2400" i="1">
+                            <a:solidFill>
+                              <a:schemeClr val="tx1">
+                                <a:lumMod val="85000"/>
+                                <a:lumOff val="15000"/>
+                              </a:schemeClr>
+                            </a:solidFill>
+                            <a:latin typeface="Cambria Math" panose="02040503050406030204" pitchFamily="18" charset="0"/>
+                            <a:ea typeface="나눔스퀘어 ExtraBold" panose="020B0600000101010101" pitchFamily="50" charset="-127"/>
+                            <a:cs typeface="Arial" panose="020B0604020202020204" pitchFamily="34" charset="0"/>
+                          </a:rPr>
+                          <m:t>2</m:t>
+                        </m:r>
+                      </m:sub>
+                    </m:sSub>
+                  </m:oMath>
+                </a14:m>
+                <a:r>
+                  <a:rPr lang="en-US" altLang="ko-KR" sz="2400" dirty="0">
+                    <a:solidFill>
+                      <a:schemeClr val="tx1">
+                        <a:lumMod val="85000"/>
+                        <a:lumOff val="15000"/>
+                      </a:schemeClr>
+                    </a:solidFill>
+                    <a:latin typeface="나눔스퀘어 ExtraBold" panose="020B0600000101010101" pitchFamily="50" charset="-127"/>
+                    <a:ea typeface="나눔스퀘어 ExtraBold" panose="020B0600000101010101" pitchFamily="50" charset="-127"/>
+                    <a:cs typeface="Arial" panose="020B0604020202020204" pitchFamily="34" charset="0"/>
+                  </a:rPr>
+                  <a:t>-</a:t>
+                </a:r>
+                <a:r>
+                  <a:rPr lang="en-US" altLang="ko-KR" sz="2400" dirty="0">
+                    <a:solidFill>
+                      <a:schemeClr val="tx1">
+                        <a:lumMod val="85000"/>
+                        <a:lumOff val="15000"/>
+                      </a:schemeClr>
+                    </a:solidFill>
+                    <a:ea typeface="나눔스퀘어 ExtraBold" panose="020B0600000101010101" pitchFamily="50" charset="-127"/>
+                    <a:cs typeface="Arial" panose="020B0604020202020204" pitchFamily="34" charset="0"/>
+                  </a:rPr>
+                  <a:t> </a:t>
+                </a:r>
+                <a14:m>
+                  <m:oMath xmlns:m="http://schemas.openxmlformats.org/officeDocument/2006/math">
+                    <m:sSub>
+                      <m:sSubPr>
+                        <m:ctrlPr>
+                          <a:rPr lang="en-US" altLang="ko-KR" sz="2400" i="1">
+                            <a:solidFill>
+                              <a:schemeClr val="tx1">
+                                <a:lumMod val="85000"/>
+                                <a:lumOff val="15000"/>
+                              </a:schemeClr>
+                            </a:solidFill>
+                            <a:latin typeface="Cambria Math" panose="02040503050406030204" pitchFamily="18" charset="0"/>
+                            <a:ea typeface="나눔스퀘어 ExtraBold" panose="020B0600000101010101" pitchFamily="50" charset="-127"/>
+                            <a:cs typeface="Arial" panose="020B0604020202020204" pitchFamily="34" charset="0"/>
+                          </a:rPr>
+                        </m:ctrlPr>
+                      </m:sSubPr>
+                      <m:e>
+                        <m:r>
+                          <a:rPr lang="en-US" altLang="ko-KR" sz="2400" i="1">
+                            <a:solidFill>
+                              <a:schemeClr val="tx1">
+                                <a:lumMod val="85000"/>
+                                <a:lumOff val="15000"/>
+                              </a:schemeClr>
+                            </a:solidFill>
+                            <a:latin typeface="Cambria Math" panose="02040503050406030204" pitchFamily="18" charset="0"/>
+                            <a:ea typeface="나눔스퀘어 ExtraBold" panose="020B0600000101010101" pitchFamily="50" charset="-127"/>
+                            <a:cs typeface="Arial" panose="020B0604020202020204" pitchFamily="34" charset="0"/>
+                          </a:rPr>
+                          <m:t>𝐵</m:t>
+                        </m:r>
+                      </m:e>
+                      <m:sub>
+                        <m:r>
+                          <a:rPr lang="en-US" altLang="ko-KR" sz="2400" b="0" i="1" smtClean="0">
+                            <a:solidFill>
+                              <a:schemeClr val="tx1">
+                                <a:lumMod val="85000"/>
+                                <a:lumOff val="15000"/>
+                              </a:schemeClr>
+                            </a:solidFill>
+                            <a:latin typeface="Cambria Math" panose="02040503050406030204" pitchFamily="18" charset="0"/>
+                            <a:ea typeface="나눔스퀘어 ExtraBold" panose="020B0600000101010101" pitchFamily="50" charset="-127"/>
+                            <a:cs typeface="Arial" panose="020B0604020202020204" pitchFamily="34" charset="0"/>
+                          </a:rPr>
+                          <m:t>4</m:t>
+                        </m:r>
+                      </m:sub>
+                    </m:sSub>
+                  </m:oMath>
+                </a14:m>
+                <a:r>
+                  <a:rPr lang="en-US" altLang="ko-KR" sz="2400" b="1" dirty="0">
+                    <a:solidFill>
+                      <a:schemeClr val="tx1">
+                        <a:lumMod val="85000"/>
+                        <a:lumOff val="15000"/>
+                      </a:schemeClr>
+                    </a:solidFill>
+                    <a:latin typeface="나눔스퀘어 ExtraBold" panose="020B0600000101010101" pitchFamily="50" charset="-127"/>
+                    <a:ea typeface="나눔스퀘어 ExtraBold" panose="020B0600000101010101" pitchFamily="50" charset="-127"/>
+                    <a:cs typeface="Arial" panose="020B0604020202020204" pitchFamily="34" charset="0"/>
+                  </a:rPr>
+                  <a:t>)</a:t>
+                </a:r>
+              </a:p>
+            </p:txBody>
+          </p:sp>
+        </mc:Choice>
+        <mc:Fallback>
+          <p:sp>
+            <p:nvSpPr>
+              <p:cNvPr id="8" name="내용 개체 틀 2">
+                <a:extLst>
+                  <a:ext uri="{FF2B5EF4-FFF2-40B4-BE49-F238E27FC236}">
+                    <a16:creationId xmlns:a16="http://schemas.microsoft.com/office/drawing/2014/main" id="{5DBD9F42-D14D-2B1D-CD97-03924F95546A}"/>
+                  </a:ext>
+                </a:extLst>
+              </p:cNvPr>
+              <p:cNvSpPr txBox="1">
+                <a:spLocks noRot="1" noChangeAspect="1" noMove="1" noResize="1" noEditPoints="1" noAdjustHandles="1" noChangeArrowheads="1" noChangeShapeType="1" noTextEdit="1"/>
+              </p:cNvSpPr>
+              <p:nvPr/>
+            </p:nvSpPr>
+            <p:spPr>
+              <a:xfrm>
+                <a:off x="7470775" y="3314949"/>
+                <a:ext cx="4059036" cy="1325563"/>
+              </a:xfrm>
+              <a:prstGeom prst="rect">
+                <a:avLst/>
+              </a:prstGeom>
+              <a:blipFill>
+                <a:blip r:embed="rId3"/>
+                <a:stretch>
+                  <a:fillRect l="-2406" t="-3687"/>
+                </a:stretch>
+              </a:blipFill>
+            </p:spPr>
+            <p:txBody>
+              <a:bodyPr/>
+              <a:lstStyle/>
+              <a:p>
+                <a:r>
+                  <a:rPr lang="ko-KR" altLang="en-US">
+                    <a:noFill/>
+                  </a:rPr>
+                  <a:t> </a:t>
+                </a:r>
+              </a:p>
+            </p:txBody>
+          </p:sp>
+        </mc:Fallback>
+      </mc:AlternateContent>
+      <p:graphicFrame>
+        <p:nvGraphicFramePr>
+          <p:cNvPr id="9" name="표 6">
+            <a:extLst>
+              <a:ext uri="{FF2B5EF4-FFF2-40B4-BE49-F238E27FC236}">
+                <a16:creationId xmlns:a16="http://schemas.microsoft.com/office/drawing/2014/main" id="{BA195E4D-B582-F847-78B6-F79E9175D0A9}"/>
+              </a:ext>
+            </a:extLst>
+          </p:cNvPr>
+          <p:cNvGraphicFramePr>
+            <a:graphicFrameLocks noGrp="1"/>
+          </p:cNvGraphicFramePr>
+          <p:nvPr>
+            <p:extLst>
+              <p:ext uri="{D42A27DB-BD31-4B8C-83A1-F6EECF244321}">
+                <p14:modId xmlns:p14="http://schemas.microsoft.com/office/powerpoint/2010/main" val="4128489760"/>
+              </p:ext>
+            </p:extLst>
+          </p:nvPr>
+        </p:nvGraphicFramePr>
+        <p:xfrm>
+          <a:off x="5130800" y="2895600"/>
+          <a:ext cx="1612900" cy="1463041"/>
+        </p:xfrm>
+        <a:graphic>
+          <a:graphicData uri="http://schemas.openxmlformats.org/drawingml/2006/table">
+            <a:tbl>
+              <a:tblPr firstRow="1" bandRow="1">
+                <a:tableStyleId>{5940675A-B579-460E-94D1-54222C63F5DA}</a:tableStyleId>
+              </a:tblPr>
+              <a:tblGrid>
+                <a:gridCol w="403225">
+                  <a:extLst>
+                    <a:ext uri="{9D8B030D-6E8A-4147-A177-3AD203B41FA5}">
+                      <a16:colId xmlns:a16="http://schemas.microsoft.com/office/drawing/2014/main" val="1759570613"/>
+                    </a:ext>
+                  </a:extLst>
+                </a:gridCol>
+                <a:gridCol w="403225">
+                  <a:extLst>
+                    <a:ext uri="{9D8B030D-6E8A-4147-A177-3AD203B41FA5}">
+                      <a16:colId xmlns:a16="http://schemas.microsoft.com/office/drawing/2014/main" val="1611411470"/>
+                    </a:ext>
+                  </a:extLst>
+                </a:gridCol>
+                <a:gridCol w="403225">
+                  <a:extLst>
+                    <a:ext uri="{9D8B030D-6E8A-4147-A177-3AD203B41FA5}">
+                      <a16:colId xmlns:a16="http://schemas.microsoft.com/office/drawing/2014/main" val="965246312"/>
+                    </a:ext>
+                  </a:extLst>
+                </a:gridCol>
+                <a:gridCol w="403225">
+                  <a:extLst>
+                    <a:ext uri="{9D8B030D-6E8A-4147-A177-3AD203B41FA5}">
+                      <a16:colId xmlns:a16="http://schemas.microsoft.com/office/drawing/2014/main" val="3364530550"/>
+                    </a:ext>
+                  </a:extLst>
+                </a:gridCol>
+              </a:tblGrid>
+              <a:tr h="372382">
+                <a:tc>
+                  <a:txBody>
+                    <a:bodyPr/>
+                    <a:lstStyle/>
+                    <a:p>
+                      <a:pPr algn="ctr" latinLnBrk="1"/>
+                      <a:r>
+                        <a:rPr lang="en-US" altLang="ko-KR" sz="1400" dirty="0"/>
+                        <a:t>.</a:t>
+                      </a:r>
+                      <a:endParaRPr lang="ko-KR" altLang="en-US" sz="1400" dirty="0"/>
+                    </a:p>
+                  </a:txBody>
+                  <a:tcPr anchor="ctr"/>
+                </a:tc>
+                <a:tc>
+                  <a:txBody>
+                    <a:bodyPr/>
+                    <a:lstStyle/>
+                    <a:p>
+                      <a:pPr algn="ctr" latinLnBrk="1"/>
+                      <a:r>
+                        <a:rPr lang="en-US" altLang="ko-KR" sz="1400" dirty="0"/>
+                        <a:t>B1</a:t>
+                      </a:r>
+                      <a:endParaRPr lang="ko-KR" altLang="en-US" sz="1400" dirty="0"/>
+                    </a:p>
+                  </a:txBody>
+                  <a:tcPr anchor="ctr"/>
+                </a:tc>
+                <a:tc>
+                  <a:txBody>
+                    <a:bodyPr/>
+                    <a:lstStyle/>
+                    <a:p>
+                      <a:pPr algn="ctr" latinLnBrk="1"/>
+                      <a:r>
+                        <a:rPr lang="en-US" altLang="ko-KR" sz="1400" dirty="0"/>
+                        <a:t>.</a:t>
+                      </a:r>
+                      <a:endParaRPr lang="ko-KR" altLang="en-US" sz="1400" dirty="0"/>
+                    </a:p>
+                  </a:txBody>
+                  <a:tcPr anchor="ctr"/>
+                </a:tc>
+                <a:tc>
+                  <a:txBody>
+                    <a:bodyPr/>
+                    <a:lstStyle/>
+                    <a:p>
+                      <a:pPr algn="ctr" latinLnBrk="1"/>
+                      <a:r>
+                        <a:rPr lang="en-US" altLang="ko-KR" sz="1400" dirty="0"/>
+                        <a:t>.</a:t>
+                      </a:r>
+                      <a:endParaRPr lang="ko-KR" altLang="en-US" sz="1400" dirty="0"/>
+                    </a:p>
+                  </a:txBody>
+                  <a:tcPr anchor="ctr"/>
+                </a:tc>
+                <a:extLst>
+                  <a:ext uri="{0D108BD9-81ED-4DB2-BD59-A6C34878D82A}">
+                    <a16:rowId xmlns:a16="http://schemas.microsoft.com/office/drawing/2014/main" val="1862167810"/>
+                  </a:ext>
+                </a:extLst>
+              </a:tr>
+              <a:tr h="363553">
+                <a:tc>
+                  <a:txBody>
+                    <a:bodyPr/>
+                    <a:lstStyle/>
+                    <a:p>
+                      <a:pPr algn="ctr" latinLnBrk="1"/>
+                      <a:r>
+                        <a:rPr lang="en-US" altLang="ko-KR" sz="1400" dirty="0"/>
+                        <a:t>.</a:t>
+                      </a:r>
+                      <a:endParaRPr lang="ko-KR" altLang="en-US" sz="1400" dirty="0"/>
+                    </a:p>
+                  </a:txBody>
+                  <a:tcPr anchor="ctr"/>
+                </a:tc>
+                <a:tc>
+                  <a:txBody>
+                    <a:bodyPr/>
+                    <a:lstStyle/>
+                    <a:p>
+                      <a:pPr algn="ctr" latinLnBrk="1"/>
+                      <a:r>
+                        <a:rPr lang="en-US" altLang="ko-KR" sz="1400" dirty="0"/>
+                        <a:t>B2</a:t>
+                      </a:r>
+                      <a:endParaRPr lang="ko-KR" altLang="en-US" sz="1400" dirty="0"/>
+                    </a:p>
+                  </a:txBody>
+                  <a:tcPr anchor="ctr"/>
+                </a:tc>
+                <a:tc>
+                  <a:txBody>
+                    <a:bodyPr/>
+                    <a:lstStyle/>
+                    <a:p>
+                      <a:pPr algn="ctr" latinLnBrk="1"/>
+                      <a:r>
+                        <a:rPr lang="en-US" altLang="ko-KR" sz="1400" dirty="0"/>
+                        <a:t>.</a:t>
+                      </a:r>
+                      <a:endParaRPr lang="ko-KR" altLang="en-US" sz="1400" dirty="0"/>
+                    </a:p>
+                  </a:txBody>
+                  <a:tcPr anchor="ctr"/>
+                </a:tc>
+                <a:tc>
+                  <a:txBody>
+                    <a:bodyPr/>
+                    <a:lstStyle/>
+                    <a:p>
+                      <a:pPr algn="ctr" latinLnBrk="1"/>
+                      <a:r>
+                        <a:rPr lang="en-US" altLang="ko-KR" sz="1400" dirty="0"/>
+                        <a:t>.</a:t>
+                      </a:r>
+                      <a:endParaRPr lang="ko-KR" altLang="en-US" sz="1400" dirty="0"/>
+                    </a:p>
+                  </a:txBody>
+                  <a:tcPr anchor="ctr"/>
+                </a:tc>
+                <a:extLst>
+                  <a:ext uri="{0D108BD9-81ED-4DB2-BD59-A6C34878D82A}">
+                    <a16:rowId xmlns:a16="http://schemas.microsoft.com/office/drawing/2014/main" val="189533091"/>
+                  </a:ext>
+                </a:extLst>
+              </a:tr>
+              <a:tr h="363553">
+                <a:tc>
+                  <a:txBody>
+                    <a:bodyPr/>
+                    <a:lstStyle/>
+                    <a:p>
+                      <a:pPr algn="ctr" latinLnBrk="1"/>
+                      <a:r>
+                        <a:rPr lang="en-US" altLang="ko-KR" sz="1400" dirty="0"/>
+                        <a:t>.</a:t>
+                      </a:r>
+                      <a:endParaRPr lang="ko-KR" altLang="en-US" sz="1400" dirty="0"/>
+                    </a:p>
+                  </a:txBody>
+                  <a:tcPr anchor="ctr"/>
+                </a:tc>
+                <a:tc>
+                  <a:txBody>
+                    <a:bodyPr/>
+                    <a:lstStyle/>
+                    <a:p>
+                      <a:pPr algn="ctr" latinLnBrk="1"/>
+                      <a:r>
+                        <a:rPr lang="en-US" altLang="ko-KR" sz="1400" dirty="0"/>
+                        <a:t>B3</a:t>
+                      </a:r>
+                      <a:endParaRPr lang="ko-KR" altLang="en-US" sz="1400" dirty="0"/>
+                    </a:p>
+                  </a:txBody>
+                  <a:tcPr anchor="ctr"/>
+                </a:tc>
+                <a:tc>
+                  <a:txBody>
+                    <a:bodyPr/>
+                    <a:lstStyle/>
+                    <a:p>
+                      <a:pPr algn="ctr" latinLnBrk="1"/>
+                      <a:r>
+                        <a:rPr lang="en-US" altLang="ko-KR" sz="1400" dirty="0"/>
+                        <a:t>.</a:t>
+                      </a:r>
+                      <a:endParaRPr lang="ko-KR" altLang="en-US" sz="1400" dirty="0"/>
+                    </a:p>
+                  </a:txBody>
+                  <a:tcPr anchor="ctr"/>
+                </a:tc>
+                <a:tc>
+                  <a:txBody>
+                    <a:bodyPr/>
+                    <a:lstStyle/>
+                    <a:p>
+                      <a:pPr algn="ctr" latinLnBrk="1"/>
+                      <a:r>
+                        <a:rPr lang="en-US" altLang="ko-KR" sz="1400" dirty="0"/>
+                        <a:t>.</a:t>
+                      </a:r>
+                      <a:endParaRPr lang="ko-KR" altLang="en-US" sz="1400" dirty="0"/>
+                    </a:p>
+                  </a:txBody>
+                  <a:tcPr anchor="ctr"/>
+                </a:tc>
+                <a:extLst>
+                  <a:ext uri="{0D108BD9-81ED-4DB2-BD59-A6C34878D82A}">
+                    <a16:rowId xmlns:a16="http://schemas.microsoft.com/office/drawing/2014/main" val="1749357386"/>
+                  </a:ext>
+                </a:extLst>
+              </a:tr>
+              <a:tr h="363553">
+                <a:tc>
+                  <a:txBody>
+                    <a:bodyPr/>
+                    <a:lstStyle/>
+                    <a:p>
+                      <a:pPr algn="ctr" latinLnBrk="1"/>
+                      <a:r>
+                        <a:rPr lang="en-US" altLang="ko-KR" sz="1400" dirty="0"/>
+                        <a:t>.</a:t>
+                      </a:r>
+                      <a:endParaRPr lang="ko-KR" altLang="en-US" sz="1400" dirty="0"/>
+                    </a:p>
+                  </a:txBody>
+                  <a:tcPr anchor="ctr"/>
+                </a:tc>
+                <a:tc>
+                  <a:txBody>
+                    <a:bodyPr/>
+                    <a:lstStyle/>
+                    <a:p>
+                      <a:pPr algn="ctr" latinLnBrk="1"/>
+                      <a:r>
+                        <a:rPr lang="en-US" altLang="ko-KR" sz="1400" dirty="0"/>
+                        <a:t>B4</a:t>
+                      </a:r>
+                      <a:endParaRPr lang="ko-KR" altLang="en-US" sz="1400" dirty="0"/>
+                    </a:p>
+                  </a:txBody>
+                  <a:tcPr anchor="ctr"/>
+                </a:tc>
+                <a:tc>
+                  <a:txBody>
+                    <a:bodyPr/>
+                    <a:lstStyle/>
+                    <a:p>
+                      <a:pPr algn="ctr" latinLnBrk="1"/>
+                      <a:r>
+                        <a:rPr lang="en-US" altLang="ko-KR" sz="1400" dirty="0"/>
+                        <a:t>.</a:t>
+                      </a:r>
+                      <a:endParaRPr lang="ko-KR" altLang="en-US" sz="1400" dirty="0"/>
+                    </a:p>
+                  </a:txBody>
+                  <a:tcPr anchor="ctr"/>
+                </a:tc>
+                <a:tc>
+                  <a:txBody>
+                    <a:bodyPr/>
+                    <a:lstStyle/>
+                    <a:p>
+                      <a:pPr algn="ctr" latinLnBrk="1"/>
+                      <a:r>
+                        <a:rPr lang="en-US" altLang="ko-KR" sz="1400" dirty="0"/>
+                        <a:t>.</a:t>
+                      </a:r>
+                      <a:endParaRPr lang="ko-KR" altLang="en-US" sz="1400" dirty="0"/>
+                    </a:p>
+                  </a:txBody>
+                  <a:tcPr anchor="ctr"/>
+                </a:tc>
+                <a:extLst>
+                  <a:ext uri="{0D108BD9-81ED-4DB2-BD59-A6C34878D82A}">
+                    <a16:rowId xmlns:a16="http://schemas.microsoft.com/office/drawing/2014/main" val="3157041110"/>
+                  </a:ext>
+                </a:extLst>
+              </a:tr>
+            </a:tbl>
+          </a:graphicData>
+        </a:graphic>
+      </p:graphicFrame>
+      <p:sp>
+        <p:nvSpPr>
+          <p:cNvPr id="10" name="내용 개체 틀 2">
+            <a:extLst>
+              <a:ext uri="{FF2B5EF4-FFF2-40B4-BE49-F238E27FC236}">
+                <a16:creationId xmlns:a16="http://schemas.microsoft.com/office/drawing/2014/main" id="{14AA7A79-B4D9-146D-AC6D-39C3D9E5E3F0}"/>
+              </a:ext>
+            </a:extLst>
+          </p:cNvPr>
+          <p:cNvSpPr txBox="1">
+            <a:spLocks/>
+          </p:cNvSpPr>
+          <p:nvPr/>
+        </p:nvSpPr>
+        <p:spPr>
+          <a:xfrm>
+            <a:off x="5700510" y="4358639"/>
+            <a:ext cx="539952" cy="593409"/>
+          </a:xfrm>
+          <a:prstGeom prst="rect">
+            <a:avLst/>
+          </a:prstGeom>
+        </p:spPr>
+        <p:txBody>
+          <a:bodyPr vert="horz" lIns="91440" tIns="45720" rIns="91440" bIns="45720" rtlCol="0">
+            <a:normAutofit/>
+          </a:bodyPr>
+          <a:lstStyle>
+            <a:lvl1pPr marL="228600" indent="-228600" algn="l" defTabSz="914400" rtl="0" eaLnBrk="1" latinLnBrk="1" hangingPunct="1">
+              <a:lnSpc>
+                <a:spcPct val="90000"/>
+              </a:lnSpc>
+              <a:spcBef>
+                <a:spcPts val="1000"/>
+              </a:spcBef>
+              <a:buFont typeface="Arial" panose="020B0604020202020204" pitchFamily="34" charset="0"/>
+              <a:buChar char="•"/>
+              <a:defRPr sz="2800" kern="1200">
+                <a:solidFill>
+                  <a:schemeClr val="tx1"/>
+                </a:solidFill>
+                <a:latin typeface="+mn-lt"/>
+                <a:ea typeface="+mn-ea"/>
+                <a:cs typeface="+mn-cs"/>
+              </a:defRPr>
+            </a:lvl1pPr>
+            <a:lvl2pPr marL="685800" indent="-228600" algn="l" defTabSz="914400" rtl="0" eaLnBrk="1" latinLnBrk="1" hangingPunct="1">
+              <a:lnSpc>
+                <a:spcPct val="90000"/>
+              </a:lnSpc>
+              <a:spcBef>
+                <a:spcPts val="500"/>
+              </a:spcBef>
+              <a:buFont typeface="Arial" panose="020B0604020202020204" pitchFamily="34" charset="0"/>
+              <a:buChar char="•"/>
+              <a:defRPr sz="2400" kern="1200">
+                <a:solidFill>
+                  <a:schemeClr val="tx1"/>
+                </a:solidFill>
+                <a:latin typeface="+mn-lt"/>
+                <a:ea typeface="+mn-ea"/>
+                <a:cs typeface="+mn-cs"/>
+              </a:defRPr>
+            </a:lvl2pPr>
+            <a:lvl3pPr marL="1143000" indent="-228600" algn="l" defTabSz="914400" rtl="0" eaLnBrk="1" latinLnBrk="1" hangingPunct="1">
+              <a:lnSpc>
+                <a:spcPct val="90000"/>
+              </a:lnSpc>
+              <a:spcBef>
+                <a:spcPts val="500"/>
+              </a:spcBef>
+              <a:buFont typeface="Arial" panose="020B0604020202020204" pitchFamily="34" charset="0"/>
+              <a:buChar char="•"/>
+              <a:defRPr sz="2000" kern="1200">
+                <a:solidFill>
+                  <a:schemeClr val="tx1"/>
+                </a:solidFill>
+                <a:latin typeface="+mn-lt"/>
+                <a:ea typeface="+mn-ea"/>
+                <a:cs typeface="+mn-cs"/>
+              </a:defRPr>
+            </a:lvl3pPr>
+            <a:lvl4pPr marL="1600200" indent="-228600" algn="l" defTabSz="914400" rtl="0" eaLnBrk="1" latinLnBrk="1" hangingPunct="1">
+              <a:lnSpc>
+                <a:spcPct val="90000"/>
+              </a:lnSpc>
+              <a:spcBef>
+                <a:spcPts val="500"/>
+              </a:spcBef>
+              <a:buFont typeface="Arial" panose="020B0604020202020204" pitchFamily="34" charset="0"/>
+              <a:buChar char="•"/>
+              <a:defRPr sz="1800" kern="1200">
+                <a:solidFill>
+                  <a:schemeClr val="tx1"/>
+                </a:solidFill>
+                <a:latin typeface="+mn-lt"/>
+                <a:ea typeface="+mn-ea"/>
+                <a:cs typeface="+mn-cs"/>
+              </a:defRPr>
+            </a:lvl4pPr>
+            <a:lvl5pPr marL="2057400" indent="-228600" algn="l" defTabSz="914400" rtl="0" eaLnBrk="1" latinLnBrk="1" hangingPunct="1">
+              <a:lnSpc>
+                <a:spcPct val="90000"/>
+              </a:lnSpc>
+              <a:spcBef>
+                <a:spcPts val="500"/>
+              </a:spcBef>
+              <a:buFont typeface="Arial" panose="020B0604020202020204" pitchFamily="34" charset="0"/>
+              <a:buChar char="•"/>
+              <a:defRPr sz="1800" kern="1200">
+                <a:solidFill>
+                  <a:schemeClr val="tx1"/>
+                </a:solidFill>
+                <a:latin typeface="+mn-lt"/>
+                <a:ea typeface="+mn-ea"/>
+                <a:cs typeface="+mn-cs"/>
+              </a:defRPr>
+            </a:lvl5pPr>
+            <a:lvl6pPr marL="2514600" indent="-228600" algn="l" defTabSz="914400" rtl="0" eaLnBrk="1" latinLnBrk="1" hangingPunct="1">
+              <a:lnSpc>
+                <a:spcPct val="90000"/>
+              </a:lnSpc>
+              <a:spcBef>
+                <a:spcPts val="500"/>
+              </a:spcBef>
+              <a:buFont typeface="Arial" panose="020B0604020202020204" pitchFamily="34" charset="0"/>
+              <a:buChar char="•"/>
+              <a:defRPr sz="1800" kern="1200">
+                <a:solidFill>
+                  <a:schemeClr val="tx1"/>
+                </a:solidFill>
+                <a:latin typeface="+mn-lt"/>
+                <a:ea typeface="+mn-ea"/>
+                <a:cs typeface="+mn-cs"/>
+              </a:defRPr>
+            </a:lvl6pPr>
+            <a:lvl7pPr marL="2971800" indent="-228600" algn="l" defTabSz="914400" rtl="0" eaLnBrk="1" latinLnBrk="1" hangingPunct="1">
+              <a:lnSpc>
+                <a:spcPct val="90000"/>
+              </a:lnSpc>
+              <a:spcBef>
+                <a:spcPts val="500"/>
+              </a:spcBef>
+              <a:buFont typeface="Arial" panose="020B0604020202020204" pitchFamily="34" charset="0"/>
+              <a:buChar char="•"/>
+              <a:defRPr sz="1800" kern="1200">
+                <a:solidFill>
+                  <a:schemeClr val="tx1"/>
+                </a:solidFill>
+                <a:latin typeface="+mn-lt"/>
+                <a:ea typeface="+mn-ea"/>
+                <a:cs typeface="+mn-cs"/>
+              </a:defRPr>
+            </a:lvl7pPr>
+            <a:lvl8pPr marL="3429000" indent="-228600" algn="l" defTabSz="914400" rtl="0" eaLnBrk="1" latinLnBrk="1" hangingPunct="1">
+              <a:lnSpc>
+                <a:spcPct val="90000"/>
+              </a:lnSpc>
+              <a:spcBef>
+                <a:spcPts val="500"/>
+              </a:spcBef>
+              <a:buFont typeface="Arial" panose="020B0604020202020204" pitchFamily="34" charset="0"/>
+              <a:buChar char="•"/>
+              <a:defRPr sz="1800" kern="1200">
+                <a:solidFill>
+                  <a:schemeClr val="tx1"/>
+                </a:solidFill>
+                <a:latin typeface="+mn-lt"/>
+                <a:ea typeface="+mn-ea"/>
+                <a:cs typeface="+mn-cs"/>
+              </a:defRPr>
+            </a:lvl8pPr>
+            <a:lvl9pPr marL="3886200" indent="-228600" algn="l" defTabSz="914400" rtl="0" eaLnBrk="1" latinLnBrk="1" hangingPunct="1">
+              <a:lnSpc>
+                <a:spcPct val="90000"/>
+              </a:lnSpc>
+              <a:spcBef>
+                <a:spcPts val="500"/>
+              </a:spcBef>
+              <a:buFont typeface="Arial" panose="020B0604020202020204" pitchFamily="34" charset="0"/>
+              <a:buChar char="•"/>
+              <a:defRPr sz="1800" kern="1200">
+                <a:solidFill>
+                  <a:schemeClr val="tx1"/>
+                </a:solidFill>
+                <a:latin typeface="+mn-lt"/>
+                <a:ea typeface="+mn-ea"/>
+                <a:cs typeface="+mn-cs"/>
+              </a:defRPr>
+            </a:lvl9pPr>
+          </a:lstStyle>
+          <a:p>
+            <a:pPr marL="0" indent="0">
+              <a:lnSpc>
+                <a:spcPct val="100000"/>
+              </a:lnSpc>
+              <a:buClr>
+                <a:srgbClr val="004F9E"/>
+              </a:buClr>
+              <a:buNone/>
+            </a:pPr>
+            <a:r>
+              <a:rPr lang="en-US" altLang="ko-KR" sz="2400" dirty="0">
+                <a:solidFill>
+                  <a:schemeClr val="tx1">
+                    <a:lumMod val="85000"/>
+                    <a:lumOff val="15000"/>
+                  </a:schemeClr>
+                </a:solidFill>
+                <a:latin typeface="나눔스퀘어 ExtraBold" panose="020B0600000101010101" pitchFamily="50" charset="-127"/>
+                <a:ea typeface="나눔스퀘어 ExtraBold" panose="020B0600000101010101" pitchFamily="50" charset="-127"/>
+                <a:cs typeface="Arial" panose="020B0604020202020204" pitchFamily="34" charset="0"/>
+              </a:rPr>
+              <a:t>x</a:t>
+            </a:r>
+          </a:p>
+        </p:txBody>
+      </p:sp>
+      <p:graphicFrame>
+        <p:nvGraphicFramePr>
+          <p:cNvPr id="11" name="표 6">
+            <a:extLst>
+              <a:ext uri="{FF2B5EF4-FFF2-40B4-BE49-F238E27FC236}">
+                <a16:creationId xmlns:a16="http://schemas.microsoft.com/office/drawing/2014/main" id="{773CFEA9-6E72-D981-D3A6-03D1D1F5E1C9}"/>
+              </a:ext>
+            </a:extLst>
+          </p:cNvPr>
+          <p:cNvGraphicFramePr>
+            <a:graphicFrameLocks noGrp="1"/>
+          </p:cNvGraphicFramePr>
+          <p:nvPr>
+            <p:extLst>
+              <p:ext uri="{D42A27DB-BD31-4B8C-83A1-F6EECF244321}">
+                <p14:modId xmlns:p14="http://schemas.microsoft.com/office/powerpoint/2010/main" val="3364557033"/>
+              </p:ext>
+            </p:extLst>
+          </p:nvPr>
+        </p:nvGraphicFramePr>
+        <p:xfrm>
+          <a:off x="2666307" y="2902223"/>
+          <a:ext cx="1612900" cy="1469662"/>
+        </p:xfrm>
+        <a:graphic>
+          <a:graphicData uri="http://schemas.openxmlformats.org/drawingml/2006/table">
+            <a:tbl>
+              <a:tblPr firstRow="1" bandRow="1">
+                <a:tableStyleId>{5940675A-B579-460E-94D1-54222C63F5DA}</a:tableStyleId>
+              </a:tblPr>
+              <a:tblGrid>
+                <a:gridCol w="403225">
+                  <a:extLst>
+                    <a:ext uri="{9D8B030D-6E8A-4147-A177-3AD203B41FA5}">
+                      <a16:colId xmlns:a16="http://schemas.microsoft.com/office/drawing/2014/main" val="1759570613"/>
+                    </a:ext>
+                  </a:extLst>
+                </a:gridCol>
+                <a:gridCol w="403225">
+                  <a:extLst>
+                    <a:ext uri="{9D8B030D-6E8A-4147-A177-3AD203B41FA5}">
+                      <a16:colId xmlns:a16="http://schemas.microsoft.com/office/drawing/2014/main" val="1611411470"/>
+                    </a:ext>
+                  </a:extLst>
+                </a:gridCol>
+                <a:gridCol w="403225">
+                  <a:extLst>
+                    <a:ext uri="{9D8B030D-6E8A-4147-A177-3AD203B41FA5}">
+                      <a16:colId xmlns:a16="http://schemas.microsoft.com/office/drawing/2014/main" val="965246312"/>
+                    </a:ext>
+                  </a:extLst>
+                </a:gridCol>
+                <a:gridCol w="403225">
+                  <a:extLst>
+                    <a:ext uri="{9D8B030D-6E8A-4147-A177-3AD203B41FA5}">
+                      <a16:colId xmlns:a16="http://schemas.microsoft.com/office/drawing/2014/main" val="3364530550"/>
+                    </a:ext>
+                  </a:extLst>
+                </a:gridCol>
+              </a:tblGrid>
+              <a:tr h="372382">
+                <a:tc>
+                  <a:txBody>
+                    <a:bodyPr/>
+                    <a:lstStyle/>
+                    <a:p>
+                      <a:pPr algn="ctr" latinLnBrk="1"/>
+                      <a:r>
+                        <a:rPr lang="en-US" altLang="ko-KR" dirty="0"/>
+                        <a:t>1</a:t>
+                      </a:r>
+                      <a:endParaRPr lang="ko-KR" altLang="en-US" dirty="0"/>
+                    </a:p>
+                  </a:txBody>
+                  <a:tcPr anchor="ctr"/>
+                </a:tc>
+                <a:tc>
+                  <a:txBody>
+                    <a:bodyPr/>
+                    <a:lstStyle/>
+                    <a:p>
+                      <a:pPr algn="ctr" latinLnBrk="1"/>
+                      <a:r>
+                        <a:rPr lang="en-US" altLang="ko-KR" dirty="0"/>
+                        <a:t>-1</a:t>
+                      </a:r>
+                      <a:endParaRPr lang="ko-KR" altLang="en-US" dirty="0"/>
+                    </a:p>
+                  </a:txBody>
+                  <a:tcPr anchor="ctr"/>
+                </a:tc>
+                <a:tc>
+                  <a:txBody>
+                    <a:bodyPr/>
+                    <a:lstStyle/>
+                    <a:p>
+                      <a:pPr algn="ctr" latinLnBrk="1"/>
+                      <a:r>
+                        <a:rPr lang="en-US" altLang="ko-KR" dirty="0"/>
+                        <a:t>0</a:t>
+                      </a:r>
+                      <a:endParaRPr lang="ko-KR" altLang="en-US" dirty="0"/>
+                    </a:p>
+                  </a:txBody>
+                  <a:tcPr anchor="ctr"/>
+                </a:tc>
+                <a:tc>
+                  <a:txBody>
+                    <a:bodyPr/>
+                    <a:lstStyle/>
+                    <a:p>
+                      <a:pPr algn="ctr" latinLnBrk="1"/>
+                      <a:r>
+                        <a:rPr lang="en-US" altLang="ko-KR" dirty="0"/>
+                        <a:t>0</a:t>
+                      </a:r>
+                      <a:endParaRPr lang="ko-KR" altLang="en-US" dirty="0"/>
+                    </a:p>
+                  </a:txBody>
+                  <a:tcPr anchor="ctr"/>
+                </a:tc>
+                <a:extLst>
+                  <a:ext uri="{0D108BD9-81ED-4DB2-BD59-A6C34878D82A}">
+                    <a16:rowId xmlns:a16="http://schemas.microsoft.com/office/drawing/2014/main" val="1862167810"/>
+                  </a:ext>
+                </a:extLst>
+              </a:tr>
+              <a:tr h="363553">
+                <a:tc>
+                  <a:txBody>
+                    <a:bodyPr/>
+                    <a:lstStyle/>
+                    <a:p>
+                      <a:pPr algn="ctr" latinLnBrk="1"/>
+                      <a:r>
+                        <a:rPr lang="en-US" altLang="ko-KR" dirty="0"/>
+                        <a:t>-1</a:t>
+                      </a:r>
+                      <a:endParaRPr lang="ko-KR" altLang="en-US" dirty="0"/>
+                    </a:p>
+                  </a:txBody>
+                  <a:tcPr anchor="ctr"/>
+                </a:tc>
+                <a:tc>
+                  <a:txBody>
+                    <a:bodyPr/>
+                    <a:lstStyle/>
+                    <a:p>
+                      <a:pPr algn="ctr" latinLnBrk="1"/>
+                      <a:r>
+                        <a:rPr lang="en-US" altLang="ko-KR" dirty="0"/>
+                        <a:t>2</a:t>
+                      </a:r>
+                      <a:endParaRPr lang="ko-KR" altLang="en-US" dirty="0"/>
+                    </a:p>
+                  </a:txBody>
+                  <a:tcPr anchor="ctr"/>
+                </a:tc>
+                <a:tc>
+                  <a:txBody>
+                    <a:bodyPr/>
+                    <a:lstStyle/>
+                    <a:p>
+                      <a:pPr algn="ctr" latinLnBrk="1"/>
+                      <a:r>
+                        <a:rPr lang="en-US" altLang="ko-KR" dirty="0"/>
+                        <a:t>0</a:t>
+                      </a:r>
+                      <a:endParaRPr lang="ko-KR" altLang="en-US" dirty="0"/>
+                    </a:p>
+                  </a:txBody>
+                  <a:tcPr anchor="ctr"/>
+                </a:tc>
+                <a:tc>
+                  <a:txBody>
+                    <a:bodyPr/>
+                    <a:lstStyle/>
+                    <a:p>
+                      <a:pPr algn="ctr" latinLnBrk="1"/>
+                      <a:r>
+                        <a:rPr lang="en-US" altLang="ko-KR" dirty="0"/>
+                        <a:t>-1</a:t>
+                      </a:r>
+                      <a:endParaRPr lang="ko-KR" altLang="en-US" dirty="0"/>
+                    </a:p>
+                  </a:txBody>
+                  <a:tcPr anchor="ctr"/>
+                </a:tc>
+                <a:extLst>
+                  <a:ext uri="{0D108BD9-81ED-4DB2-BD59-A6C34878D82A}">
+                    <a16:rowId xmlns:a16="http://schemas.microsoft.com/office/drawing/2014/main" val="189533091"/>
+                  </a:ext>
+                </a:extLst>
+              </a:tr>
+              <a:tr h="363553">
+                <a:tc>
+                  <a:txBody>
+                    <a:bodyPr/>
+                    <a:lstStyle/>
+                    <a:p>
+                      <a:pPr algn="ctr" latinLnBrk="1"/>
+                      <a:r>
+                        <a:rPr lang="en-US" altLang="ko-KR" dirty="0"/>
+                        <a:t>0</a:t>
+                      </a:r>
+                      <a:endParaRPr lang="ko-KR" altLang="en-US" dirty="0"/>
+                    </a:p>
+                  </a:txBody>
+                  <a:tcPr anchor="ctr"/>
+                </a:tc>
+                <a:tc>
+                  <a:txBody>
+                    <a:bodyPr/>
+                    <a:lstStyle/>
+                    <a:p>
+                      <a:pPr algn="ctr" latinLnBrk="1"/>
+                      <a:r>
+                        <a:rPr lang="en-US" altLang="ko-KR" dirty="0"/>
+                        <a:t>0</a:t>
+                      </a:r>
+                      <a:endParaRPr lang="ko-KR" altLang="en-US" dirty="0"/>
+                    </a:p>
+                  </a:txBody>
+                  <a:tcPr anchor="ctr"/>
+                </a:tc>
+                <a:tc>
+                  <a:txBody>
+                    <a:bodyPr/>
+                    <a:lstStyle/>
+                    <a:p>
+                      <a:pPr algn="ctr" latinLnBrk="1"/>
+                      <a:r>
+                        <a:rPr lang="en-US" altLang="ko-KR" dirty="0"/>
+                        <a:t>0</a:t>
+                      </a:r>
+                      <a:endParaRPr lang="ko-KR" altLang="en-US" dirty="0"/>
+                    </a:p>
+                  </a:txBody>
+                  <a:tcPr anchor="ctr"/>
+                </a:tc>
+                <a:tc>
+                  <a:txBody>
+                    <a:bodyPr/>
+                    <a:lstStyle/>
+                    <a:p>
+                      <a:pPr algn="ctr" latinLnBrk="1"/>
+                      <a:r>
+                        <a:rPr lang="en-US" altLang="ko-KR" dirty="0"/>
+                        <a:t>0</a:t>
+                      </a:r>
+                      <a:endParaRPr lang="ko-KR" altLang="en-US" dirty="0"/>
+                    </a:p>
+                  </a:txBody>
+                  <a:tcPr anchor="ctr"/>
+                </a:tc>
+                <a:extLst>
+                  <a:ext uri="{0D108BD9-81ED-4DB2-BD59-A6C34878D82A}">
+                    <a16:rowId xmlns:a16="http://schemas.microsoft.com/office/drawing/2014/main" val="1749357386"/>
+                  </a:ext>
+                </a:extLst>
+              </a:tr>
+              <a:tr h="363553">
+                <a:tc>
+                  <a:txBody>
+                    <a:bodyPr/>
+                    <a:lstStyle/>
+                    <a:p>
+                      <a:pPr algn="ctr" latinLnBrk="1"/>
+                      <a:r>
+                        <a:rPr lang="en-US" altLang="ko-KR" dirty="0"/>
+                        <a:t>0</a:t>
+                      </a:r>
+                      <a:endParaRPr lang="ko-KR" altLang="en-US" dirty="0"/>
+                    </a:p>
+                  </a:txBody>
+                  <a:tcPr anchor="ctr"/>
+                </a:tc>
+                <a:tc>
+                  <a:txBody>
+                    <a:bodyPr/>
+                    <a:lstStyle/>
+                    <a:p>
+                      <a:pPr algn="ctr" latinLnBrk="1"/>
+                      <a:r>
+                        <a:rPr lang="en-US" altLang="ko-KR" dirty="0"/>
+                        <a:t>-1</a:t>
+                      </a:r>
+                      <a:endParaRPr lang="ko-KR" altLang="en-US" dirty="0"/>
+                    </a:p>
+                  </a:txBody>
+                  <a:tcPr anchor="ctr"/>
+                </a:tc>
+                <a:tc>
+                  <a:txBody>
+                    <a:bodyPr/>
+                    <a:lstStyle/>
+                    <a:p>
+                      <a:pPr algn="ctr" latinLnBrk="1"/>
+                      <a:r>
+                        <a:rPr lang="en-US" altLang="ko-KR" dirty="0"/>
+                        <a:t>0</a:t>
+                      </a:r>
+                      <a:endParaRPr lang="ko-KR" altLang="en-US" dirty="0"/>
+                    </a:p>
+                  </a:txBody>
+                  <a:tcPr anchor="ctr"/>
+                </a:tc>
+                <a:tc>
+                  <a:txBody>
+                    <a:bodyPr/>
+                    <a:lstStyle/>
+                    <a:p>
+                      <a:pPr algn="ctr" latinLnBrk="1"/>
+                      <a:r>
+                        <a:rPr lang="en-US" altLang="ko-KR" dirty="0"/>
+                        <a:t>1</a:t>
+                      </a:r>
+                      <a:endParaRPr lang="ko-KR" altLang="en-US" dirty="0"/>
+                    </a:p>
+                  </a:txBody>
+                  <a:tcPr anchor="ctr"/>
+                </a:tc>
+                <a:extLst>
+                  <a:ext uri="{0D108BD9-81ED-4DB2-BD59-A6C34878D82A}">
+                    <a16:rowId xmlns:a16="http://schemas.microsoft.com/office/drawing/2014/main" val="3157041110"/>
+                  </a:ext>
+                </a:extLst>
+              </a:tr>
+            </a:tbl>
+          </a:graphicData>
+        </a:graphic>
+      </p:graphicFrame>
+      <p:sp>
+        <p:nvSpPr>
+          <p:cNvPr id="12" name="내용 개체 틀 2">
+            <a:extLst>
+              <a:ext uri="{FF2B5EF4-FFF2-40B4-BE49-F238E27FC236}">
+                <a16:creationId xmlns:a16="http://schemas.microsoft.com/office/drawing/2014/main" id="{645D4F6C-B900-8D73-F944-B4E4D62C81A8}"/>
+              </a:ext>
+            </a:extLst>
+          </p:cNvPr>
+          <p:cNvSpPr txBox="1">
+            <a:spLocks/>
+          </p:cNvSpPr>
+          <p:nvPr/>
+        </p:nvSpPr>
+        <p:spPr>
+          <a:xfrm>
+            <a:off x="3236017" y="4365262"/>
+            <a:ext cx="539952" cy="593409"/>
+          </a:xfrm>
+          <a:prstGeom prst="rect">
+            <a:avLst/>
+          </a:prstGeom>
+        </p:spPr>
+        <p:txBody>
+          <a:bodyPr vert="horz" lIns="91440" tIns="45720" rIns="91440" bIns="45720" rtlCol="0">
+            <a:normAutofit/>
+          </a:bodyPr>
+          <a:lstStyle>
+            <a:lvl1pPr marL="228600" indent="-228600" algn="l" defTabSz="914400" rtl="0" eaLnBrk="1" latinLnBrk="1" hangingPunct="1">
+              <a:lnSpc>
+                <a:spcPct val="90000"/>
+              </a:lnSpc>
+              <a:spcBef>
+                <a:spcPts val="1000"/>
+              </a:spcBef>
+              <a:buFont typeface="Arial" panose="020B0604020202020204" pitchFamily="34" charset="0"/>
+              <a:buChar char="•"/>
+              <a:defRPr sz="2800" kern="1200">
+                <a:solidFill>
+                  <a:schemeClr val="tx1"/>
+                </a:solidFill>
+                <a:latin typeface="+mn-lt"/>
+                <a:ea typeface="+mn-ea"/>
+                <a:cs typeface="+mn-cs"/>
+              </a:defRPr>
+            </a:lvl1pPr>
+            <a:lvl2pPr marL="685800" indent="-228600" algn="l" defTabSz="914400" rtl="0" eaLnBrk="1" latinLnBrk="1" hangingPunct="1">
+              <a:lnSpc>
+                <a:spcPct val="90000"/>
+              </a:lnSpc>
+              <a:spcBef>
+                <a:spcPts val="500"/>
+              </a:spcBef>
+              <a:buFont typeface="Arial" panose="020B0604020202020204" pitchFamily="34" charset="0"/>
+              <a:buChar char="•"/>
+              <a:defRPr sz="2400" kern="1200">
+                <a:solidFill>
+                  <a:schemeClr val="tx1"/>
+                </a:solidFill>
+                <a:latin typeface="+mn-lt"/>
+                <a:ea typeface="+mn-ea"/>
+                <a:cs typeface="+mn-cs"/>
+              </a:defRPr>
+            </a:lvl2pPr>
+            <a:lvl3pPr marL="1143000" indent="-228600" algn="l" defTabSz="914400" rtl="0" eaLnBrk="1" latinLnBrk="1" hangingPunct="1">
+              <a:lnSpc>
+                <a:spcPct val="90000"/>
+              </a:lnSpc>
+              <a:spcBef>
+                <a:spcPts val="500"/>
+              </a:spcBef>
+              <a:buFont typeface="Arial" panose="020B0604020202020204" pitchFamily="34" charset="0"/>
+              <a:buChar char="•"/>
+              <a:defRPr sz="2000" kern="1200">
+                <a:solidFill>
+                  <a:schemeClr val="tx1"/>
+                </a:solidFill>
+                <a:latin typeface="+mn-lt"/>
+                <a:ea typeface="+mn-ea"/>
+                <a:cs typeface="+mn-cs"/>
+              </a:defRPr>
+            </a:lvl3pPr>
+            <a:lvl4pPr marL="1600200" indent="-228600" algn="l" defTabSz="914400" rtl="0" eaLnBrk="1" latinLnBrk="1" hangingPunct="1">
+              <a:lnSpc>
+                <a:spcPct val="90000"/>
+              </a:lnSpc>
+              <a:spcBef>
+                <a:spcPts val="500"/>
+              </a:spcBef>
+              <a:buFont typeface="Arial" panose="020B0604020202020204" pitchFamily="34" charset="0"/>
+              <a:buChar char="•"/>
+              <a:defRPr sz="1800" kern="1200">
+                <a:solidFill>
+                  <a:schemeClr val="tx1"/>
+                </a:solidFill>
+                <a:latin typeface="+mn-lt"/>
+                <a:ea typeface="+mn-ea"/>
+                <a:cs typeface="+mn-cs"/>
+              </a:defRPr>
+            </a:lvl4pPr>
+            <a:lvl5pPr marL="2057400" indent="-228600" algn="l" defTabSz="914400" rtl="0" eaLnBrk="1" latinLnBrk="1" hangingPunct="1">
+              <a:lnSpc>
+                <a:spcPct val="90000"/>
+              </a:lnSpc>
+              <a:spcBef>
+                <a:spcPts val="500"/>
+              </a:spcBef>
+              <a:buFont typeface="Arial" panose="020B0604020202020204" pitchFamily="34" charset="0"/>
+              <a:buChar char="•"/>
+              <a:defRPr sz="1800" kern="1200">
+                <a:solidFill>
+                  <a:schemeClr val="tx1"/>
+                </a:solidFill>
+                <a:latin typeface="+mn-lt"/>
+                <a:ea typeface="+mn-ea"/>
+                <a:cs typeface="+mn-cs"/>
+              </a:defRPr>
+            </a:lvl5pPr>
+            <a:lvl6pPr marL="2514600" indent="-228600" algn="l" defTabSz="914400" rtl="0" eaLnBrk="1" latinLnBrk="1" hangingPunct="1">
+              <a:lnSpc>
+                <a:spcPct val="90000"/>
+              </a:lnSpc>
+              <a:spcBef>
+                <a:spcPts val="500"/>
+              </a:spcBef>
+              <a:buFont typeface="Arial" panose="020B0604020202020204" pitchFamily="34" charset="0"/>
+              <a:buChar char="•"/>
+              <a:defRPr sz="1800" kern="1200">
+                <a:solidFill>
+                  <a:schemeClr val="tx1"/>
+                </a:solidFill>
+                <a:latin typeface="+mn-lt"/>
+                <a:ea typeface="+mn-ea"/>
+                <a:cs typeface="+mn-cs"/>
+              </a:defRPr>
+            </a:lvl6pPr>
+            <a:lvl7pPr marL="2971800" indent="-228600" algn="l" defTabSz="914400" rtl="0" eaLnBrk="1" latinLnBrk="1" hangingPunct="1">
+              <a:lnSpc>
+                <a:spcPct val="90000"/>
+              </a:lnSpc>
+              <a:spcBef>
+                <a:spcPts val="500"/>
+              </a:spcBef>
+              <a:buFont typeface="Arial" panose="020B0604020202020204" pitchFamily="34" charset="0"/>
+              <a:buChar char="•"/>
+              <a:defRPr sz="1800" kern="1200">
+                <a:solidFill>
+                  <a:schemeClr val="tx1"/>
+                </a:solidFill>
+                <a:latin typeface="+mn-lt"/>
+                <a:ea typeface="+mn-ea"/>
+                <a:cs typeface="+mn-cs"/>
+              </a:defRPr>
+            </a:lvl7pPr>
+            <a:lvl8pPr marL="3429000" indent="-228600" algn="l" defTabSz="914400" rtl="0" eaLnBrk="1" latinLnBrk="1" hangingPunct="1">
+              <a:lnSpc>
+                <a:spcPct val="90000"/>
+              </a:lnSpc>
+              <a:spcBef>
+                <a:spcPts val="500"/>
+              </a:spcBef>
+              <a:buFont typeface="Arial" panose="020B0604020202020204" pitchFamily="34" charset="0"/>
+              <a:buChar char="•"/>
+              <a:defRPr sz="1800" kern="1200">
+                <a:solidFill>
+                  <a:schemeClr val="tx1"/>
+                </a:solidFill>
+                <a:latin typeface="+mn-lt"/>
+                <a:ea typeface="+mn-ea"/>
+                <a:cs typeface="+mn-cs"/>
+              </a:defRPr>
+            </a:lvl8pPr>
+            <a:lvl9pPr marL="3886200" indent="-228600" algn="l" defTabSz="914400" rtl="0" eaLnBrk="1" latinLnBrk="1" hangingPunct="1">
+              <a:lnSpc>
+                <a:spcPct val="90000"/>
+              </a:lnSpc>
+              <a:spcBef>
+                <a:spcPts val="500"/>
+              </a:spcBef>
+              <a:buFont typeface="Arial" panose="020B0604020202020204" pitchFamily="34" charset="0"/>
+              <a:buChar char="•"/>
+              <a:defRPr sz="1800" kern="1200">
+                <a:solidFill>
+                  <a:schemeClr val="tx1"/>
+                </a:solidFill>
+                <a:latin typeface="+mn-lt"/>
+                <a:ea typeface="+mn-ea"/>
+                <a:cs typeface="+mn-cs"/>
+              </a:defRPr>
+            </a:lvl9pPr>
+          </a:lstStyle>
+          <a:p>
+            <a:pPr marL="0" indent="0">
+              <a:lnSpc>
+                <a:spcPct val="100000"/>
+              </a:lnSpc>
+              <a:buClr>
+                <a:srgbClr val="004F9E"/>
+              </a:buClr>
+              <a:buNone/>
+            </a:pPr>
+            <a:r>
+              <a:rPr lang="en-US" altLang="ko-KR" sz="2400" dirty="0">
+                <a:solidFill>
+                  <a:schemeClr val="tx1">
+                    <a:lumMod val="85000"/>
+                    <a:lumOff val="15000"/>
+                  </a:schemeClr>
+                </a:solidFill>
+                <a:latin typeface="나눔스퀘어 ExtraBold" panose="020B0600000101010101" pitchFamily="50" charset="-127"/>
+                <a:ea typeface="나눔스퀘어 ExtraBold" panose="020B0600000101010101" pitchFamily="50" charset="-127"/>
+                <a:cs typeface="Arial" panose="020B0604020202020204" pitchFamily="34" charset="0"/>
+              </a:rPr>
+              <a:t>L</a:t>
+            </a:r>
+          </a:p>
+        </p:txBody>
+      </p:sp>
+      <p:sp>
+        <p:nvSpPr>
+          <p:cNvPr id="13" name="내용 개체 틀 2">
+            <a:extLst>
+              <a:ext uri="{FF2B5EF4-FFF2-40B4-BE49-F238E27FC236}">
+                <a16:creationId xmlns:a16="http://schemas.microsoft.com/office/drawing/2014/main" id="{372A5FC1-41BB-C598-1231-583F445ACCBD}"/>
+              </a:ext>
+            </a:extLst>
+          </p:cNvPr>
+          <p:cNvSpPr txBox="1">
+            <a:spLocks/>
+          </p:cNvSpPr>
+          <p:nvPr/>
+        </p:nvSpPr>
+        <p:spPr>
+          <a:xfrm>
+            <a:off x="4604443" y="3340349"/>
+            <a:ext cx="539952" cy="593409"/>
+          </a:xfrm>
+          <a:prstGeom prst="rect">
+            <a:avLst/>
+          </a:prstGeom>
+        </p:spPr>
+        <p:txBody>
+          <a:bodyPr vert="horz" lIns="91440" tIns="45720" rIns="91440" bIns="45720" rtlCol="0">
+            <a:normAutofit/>
+          </a:bodyPr>
+          <a:lstStyle>
+            <a:lvl1pPr marL="228600" indent="-228600" algn="l" defTabSz="914400" rtl="0" eaLnBrk="1" latinLnBrk="1" hangingPunct="1">
+              <a:lnSpc>
+                <a:spcPct val="90000"/>
+              </a:lnSpc>
+              <a:spcBef>
+                <a:spcPts val="1000"/>
+              </a:spcBef>
+              <a:buFont typeface="Arial" panose="020B0604020202020204" pitchFamily="34" charset="0"/>
+              <a:buChar char="•"/>
+              <a:defRPr sz="2800" kern="1200">
+                <a:solidFill>
+                  <a:schemeClr val="tx1"/>
+                </a:solidFill>
+                <a:latin typeface="+mn-lt"/>
+                <a:ea typeface="+mn-ea"/>
+                <a:cs typeface="+mn-cs"/>
+              </a:defRPr>
+            </a:lvl1pPr>
+            <a:lvl2pPr marL="685800" indent="-228600" algn="l" defTabSz="914400" rtl="0" eaLnBrk="1" latinLnBrk="1" hangingPunct="1">
+              <a:lnSpc>
+                <a:spcPct val="90000"/>
+              </a:lnSpc>
+              <a:spcBef>
+                <a:spcPts val="500"/>
+              </a:spcBef>
+              <a:buFont typeface="Arial" panose="020B0604020202020204" pitchFamily="34" charset="0"/>
+              <a:buChar char="•"/>
+              <a:defRPr sz="2400" kern="1200">
+                <a:solidFill>
+                  <a:schemeClr val="tx1"/>
+                </a:solidFill>
+                <a:latin typeface="+mn-lt"/>
+                <a:ea typeface="+mn-ea"/>
+                <a:cs typeface="+mn-cs"/>
+              </a:defRPr>
+            </a:lvl2pPr>
+            <a:lvl3pPr marL="1143000" indent="-228600" algn="l" defTabSz="914400" rtl="0" eaLnBrk="1" latinLnBrk="1" hangingPunct="1">
+              <a:lnSpc>
+                <a:spcPct val="90000"/>
+              </a:lnSpc>
+              <a:spcBef>
+                <a:spcPts val="500"/>
+              </a:spcBef>
+              <a:buFont typeface="Arial" panose="020B0604020202020204" pitchFamily="34" charset="0"/>
+              <a:buChar char="•"/>
+              <a:defRPr sz="2000" kern="1200">
+                <a:solidFill>
+                  <a:schemeClr val="tx1"/>
+                </a:solidFill>
+                <a:latin typeface="+mn-lt"/>
+                <a:ea typeface="+mn-ea"/>
+                <a:cs typeface="+mn-cs"/>
+              </a:defRPr>
+            </a:lvl3pPr>
+            <a:lvl4pPr marL="1600200" indent="-228600" algn="l" defTabSz="914400" rtl="0" eaLnBrk="1" latinLnBrk="1" hangingPunct="1">
+              <a:lnSpc>
+                <a:spcPct val="90000"/>
+              </a:lnSpc>
+              <a:spcBef>
+                <a:spcPts val="500"/>
+              </a:spcBef>
+              <a:buFont typeface="Arial" panose="020B0604020202020204" pitchFamily="34" charset="0"/>
+              <a:buChar char="•"/>
+              <a:defRPr sz="1800" kern="1200">
+                <a:solidFill>
+                  <a:schemeClr val="tx1"/>
+                </a:solidFill>
+                <a:latin typeface="+mn-lt"/>
+                <a:ea typeface="+mn-ea"/>
+                <a:cs typeface="+mn-cs"/>
+              </a:defRPr>
+            </a:lvl4pPr>
+            <a:lvl5pPr marL="2057400" indent="-228600" algn="l" defTabSz="914400" rtl="0" eaLnBrk="1" latinLnBrk="1" hangingPunct="1">
+              <a:lnSpc>
+                <a:spcPct val="90000"/>
+              </a:lnSpc>
+              <a:spcBef>
+                <a:spcPts val="500"/>
+              </a:spcBef>
+              <a:buFont typeface="Arial" panose="020B0604020202020204" pitchFamily="34" charset="0"/>
+              <a:buChar char="•"/>
+              <a:defRPr sz="1800" kern="1200">
+                <a:solidFill>
+                  <a:schemeClr val="tx1"/>
+                </a:solidFill>
+                <a:latin typeface="+mn-lt"/>
+                <a:ea typeface="+mn-ea"/>
+                <a:cs typeface="+mn-cs"/>
+              </a:defRPr>
+            </a:lvl5pPr>
+            <a:lvl6pPr marL="2514600" indent="-228600" algn="l" defTabSz="914400" rtl="0" eaLnBrk="1" latinLnBrk="1" hangingPunct="1">
+              <a:lnSpc>
+                <a:spcPct val="90000"/>
+              </a:lnSpc>
+              <a:spcBef>
+                <a:spcPts val="500"/>
+              </a:spcBef>
+              <a:buFont typeface="Arial" panose="020B0604020202020204" pitchFamily="34" charset="0"/>
+              <a:buChar char="•"/>
+              <a:defRPr sz="1800" kern="1200">
+                <a:solidFill>
+                  <a:schemeClr val="tx1"/>
+                </a:solidFill>
+                <a:latin typeface="+mn-lt"/>
+                <a:ea typeface="+mn-ea"/>
+                <a:cs typeface="+mn-cs"/>
+              </a:defRPr>
+            </a:lvl6pPr>
+            <a:lvl7pPr marL="2971800" indent="-228600" algn="l" defTabSz="914400" rtl="0" eaLnBrk="1" latinLnBrk="1" hangingPunct="1">
+              <a:lnSpc>
+                <a:spcPct val="90000"/>
+              </a:lnSpc>
+              <a:spcBef>
+                <a:spcPts val="500"/>
+              </a:spcBef>
+              <a:buFont typeface="Arial" panose="020B0604020202020204" pitchFamily="34" charset="0"/>
+              <a:buChar char="•"/>
+              <a:defRPr sz="1800" kern="1200">
+                <a:solidFill>
+                  <a:schemeClr val="tx1"/>
+                </a:solidFill>
+                <a:latin typeface="+mn-lt"/>
+                <a:ea typeface="+mn-ea"/>
+                <a:cs typeface="+mn-cs"/>
+              </a:defRPr>
+            </a:lvl7pPr>
+            <a:lvl8pPr marL="3429000" indent="-228600" algn="l" defTabSz="914400" rtl="0" eaLnBrk="1" latinLnBrk="1" hangingPunct="1">
+              <a:lnSpc>
+                <a:spcPct val="90000"/>
+              </a:lnSpc>
+              <a:spcBef>
+                <a:spcPts val="500"/>
+              </a:spcBef>
+              <a:buFont typeface="Arial" panose="020B0604020202020204" pitchFamily="34" charset="0"/>
+              <a:buChar char="•"/>
+              <a:defRPr sz="1800" kern="1200">
+                <a:solidFill>
+                  <a:schemeClr val="tx1"/>
+                </a:solidFill>
+                <a:latin typeface="+mn-lt"/>
+                <a:ea typeface="+mn-ea"/>
+                <a:cs typeface="+mn-cs"/>
+              </a:defRPr>
+            </a:lvl8pPr>
+            <a:lvl9pPr marL="3886200" indent="-228600" algn="l" defTabSz="914400" rtl="0" eaLnBrk="1" latinLnBrk="1" hangingPunct="1">
+              <a:lnSpc>
+                <a:spcPct val="90000"/>
+              </a:lnSpc>
+              <a:spcBef>
+                <a:spcPts val="500"/>
+              </a:spcBef>
+              <a:buFont typeface="Arial" panose="020B0604020202020204" pitchFamily="34" charset="0"/>
+              <a:buChar char="•"/>
+              <a:defRPr sz="1800" kern="1200">
+                <a:solidFill>
+                  <a:schemeClr val="tx1"/>
+                </a:solidFill>
+                <a:latin typeface="+mn-lt"/>
+                <a:ea typeface="+mn-ea"/>
+                <a:cs typeface="+mn-cs"/>
+              </a:defRPr>
+            </a:lvl9pPr>
+          </a:lstStyle>
+          <a:p>
+            <a:pPr marL="0" indent="0">
+              <a:lnSpc>
+                <a:spcPct val="100000"/>
+              </a:lnSpc>
+              <a:buClr>
+                <a:srgbClr val="004F9E"/>
+              </a:buClr>
+              <a:buNone/>
+            </a:pPr>
+            <a:r>
+              <a:rPr lang="en-US" altLang="ko-KR" sz="2400" dirty="0">
+                <a:solidFill>
+                  <a:schemeClr val="tx1">
+                    <a:lumMod val="85000"/>
+                    <a:lumOff val="15000"/>
+                  </a:schemeClr>
+                </a:solidFill>
+                <a:latin typeface="나눔스퀘어 ExtraBold" panose="020B0600000101010101" pitchFamily="50" charset="-127"/>
+                <a:ea typeface="나눔스퀘어 ExtraBold" panose="020B0600000101010101" pitchFamily="50" charset="-127"/>
+                <a:cs typeface="Arial" panose="020B0604020202020204" pitchFamily="34" charset="0"/>
+              </a:rPr>
+              <a:t>X</a:t>
+            </a:r>
+          </a:p>
+        </p:txBody>
+      </p:sp>
+      <p:sp>
+        <p:nvSpPr>
+          <p:cNvPr id="14" name="내용 개체 틀 2">
+            <a:extLst>
+              <a:ext uri="{FF2B5EF4-FFF2-40B4-BE49-F238E27FC236}">
+                <a16:creationId xmlns:a16="http://schemas.microsoft.com/office/drawing/2014/main" id="{587362CF-FDC3-38EE-689F-32756A35351F}"/>
+              </a:ext>
+            </a:extLst>
+          </p:cNvPr>
+          <p:cNvSpPr txBox="1">
+            <a:spLocks/>
+          </p:cNvSpPr>
+          <p:nvPr/>
+        </p:nvSpPr>
+        <p:spPr>
+          <a:xfrm>
+            <a:off x="7073396" y="3340349"/>
+            <a:ext cx="539952" cy="593409"/>
+          </a:xfrm>
+          <a:prstGeom prst="rect">
+            <a:avLst/>
+          </a:prstGeom>
+        </p:spPr>
+        <p:txBody>
+          <a:bodyPr vert="horz" lIns="91440" tIns="45720" rIns="91440" bIns="45720" rtlCol="0">
+            <a:normAutofit/>
+          </a:bodyPr>
+          <a:lstStyle>
+            <a:lvl1pPr marL="228600" indent="-228600" algn="l" defTabSz="914400" rtl="0" eaLnBrk="1" latinLnBrk="1" hangingPunct="1">
+              <a:lnSpc>
+                <a:spcPct val="90000"/>
+              </a:lnSpc>
+              <a:spcBef>
+                <a:spcPts val="1000"/>
+              </a:spcBef>
+              <a:buFont typeface="Arial" panose="020B0604020202020204" pitchFamily="34" charset="0"/>
+              <a:buChar char="•"/>
+              <a:defRPr sz="2800" kern="1200">
+                <a:solidFill>
+                  <a:schemeClr val="tx1"/>
+                </a:solidFill>
+                <a:latin typeface="+mn-lt"/>
+                <a:ea typeface="+mn-ea"/>
+                <a:cs typeface="+mn-cs"/>
+              </a:defRPr>
+            </a:lvl1pPr>
+            <a:lvl2pPr marL="685800" indent="-228600" algn="l" defTabSz="914400" rtl="0" eaLnBrk="1" latinLnBrk="1" hangingPunct="1">
+              <a:lnSpc>
+                <a:spcPct val="90000"/>
+              </a:lnSpc>
+              <a:spcBef>
+                <a:spcPts val="500"/>
+              </a:spcBef>
+              <a:buFont typeface="Arial" panose="020B0604020202020204" pitchFamily="34" charset="0"/>
+              <a:buChar char="•"/>
+              <a:defRPr sz="2400" kern="1200">
+                <a:solidFill>
+                  <a:schemeClr val="tx1"/>
+                </a:solidFill>
+                <a:latin typeface="+mn-lt"/>
+                <a:ea typeface="+mn-ea"/>
+                <a:cs typeface="+mn-cs"/>
+              </a:defRPr>
+            </a:lvl2pPr>
+            <a:lvl3pPr marL="1143000" indent="-228600" algn="l" defTabSz="914400" rtl="0" eaLnBrk="1" latinLnBrk="1" hangingPunct="1">
+              <a:lnSpc>
+                <a:spcPct val="90000"/>
+              </a:lnSpc>
+              <a:spcBef>
+                <a:spcPts val="500"/>
+              </a:spcBef>
+              <a:buFont typeface="Arial" panose="020B0604020202020204" pitchFamily="34" charset="0"/>
+              <a:buChar char="•"/>
+              <a:defRPr sz="2000" kern="1200">
+                <a:solidFill>
+                  <a:schemeClr val="tx1"/>
+                </a:solidFill>
+                <a:latin typeface="+mn-lt"/>
+                <a:ea typeface="+mn-ea"/>
+                <a:cs typeface="+mn-cs"/>
+              </a:defRPr>
+            </a:lvl3pPr>
+            <a:lvl4pPr marL="1600200" indent="-228600" algn="l" defTabSz="914400" rtl="0" eaLnBrk="1" latinLnBrk="1" hangingPunct="1">
+              <a:lnSpc>
+                <a:spcPct val="90000"/>
+              </a:lnSpc>
+              <a:spcBef>
+                <a:spcPts val="500"/>
+              </a:spcBef>
+              <a:buFont typeface="Arial" panose="020B0604020202020204" pitchFamily="34" charset="0"/>
+              <a:buChar char="•"/>
+              <a:defRPr sz="1800" kern="1200">
+                <a:solidFill>
+                  <a:schemeClr val="tx1"/>
+                </a:solidFill>
+                <a:latin typeface="+mn-lt"/>
+                <a:ea typeface="+mn-ea"/>
+                <a:cs typeface="+mn-cs"/>
+              </a:defRPr>
+            </a:lvl4pPr>
+            <a:lvl5pPr marL="2057400" indent="-228600" algn="l" defTabSz="914400" rtl="0" eaLnBrk="1" latinLnBrk="1" hangingPunct="1">
+              <a:lnSpc>
+                <a:spcPct val="90000"/>
+              </a:lnSpc>
+              <a:spcBef>
+                <a:spcPts val="500"/>
+              </a:spcBef>
+              <a:buFont typeface="Arial" panose="020B0604020202020204" pitchFamily="34" charset="0"/>
+              <a:buChar char="•"/>
+              <a:defRPr sz="1800" kern="1200">
+                <a:solidFill>
+                  <a:schemeClr val="tx1"/>
+                </a:solidFill>
+                <a:latin typeface="+mn-lt"/>
+                <a:ea typeface="+mn-ea"/>
+                <a:cs typeface="+mn-cs"/>
+              </a:defRPr>
+            </a:lvl5pPr>
+            <a:lvl6pPr marL="2514600" indent="-228600" algn="l" defTabSz="914400" rtl="0" eaLnBrk="1" latinLnBrk="1" hangingPunct="1">
+              <a:lnSpc>
+                <a:spcPct val="90000"/>
+              </a:lnSpc>
+              <a:spcBef>
+                <a:spcPts val="500"/>
+              </a:spcBef>
+              <a:buFont typeface="Arial" panose="020B0604020202020204" pitchFamily="34" charset="0"/>
+              <a:buChar char="•"/>
+              <a:defRPr sz="1800" kern="1200">
+                <a:solidFill>
+                  <a:schemeClr val="tx1"/>
+                </a:solidFill>
+                <a:latin typeface="+mn-lt"/>
+                <a:ea typeface="+mn-ea"/>
+                <a:cs typeface="+mn-cs"/>
+              </a:defRPr>
+            </a:lvl6pPr>
+            <a:lvl7pPr marL="2971800" indent="-228600" algn="l" defTabSz="914400" rtl="0" eaLnBrk="1" latinLnBrk="1" hangingPunct="1">
+              <a:lnSpc>
+                <a:spcPct val="90000"/>
+              </a:lnSpc>
+              <a:spcBef>
+                <a:spcPts val="500"/>
+              </a:spcBef>
+              <a:buFont typeface="Arial" panose="020B0604020202020204" pitchFamily="34" charset="0"/>
+              <a:buChar char="•"/>
+              <a:defRPr sz="1800" kern="1200">
+                <a:solidFill>
+                  <a:schemeClr val="tx1"/>
+                </a:solidFill>
+                <a:latin typeface="+mn-lt"/>
+                <a:ea typeface="+mn-ea"/>
+                <a:cs typeface="+mn-cs"/>
+              </a:defRPr>
+            </a:lvl7pPr>
+            <a:lvl8pPr marL="3429000" indent="-228600" algn="l" defTabSz="914400" rtl="0" eaLnBrk="1" latinLnBrk="1" hangingPunct="1">
+              <a:lnSpc>
+                <a:spcPct val="90000"/>
+              </a:lnSpc>
+              <a:spcBef>
+                <a:spcPts val="500"/>
+              </a:spcBef>
+              <a:buFont typeface="Arial" panose="020B0604020202020204" pitchFamily="34" charset="0"/>
+              <a:buChar char="•"/>
+              <a:defRPr sz="1800" kern="1200">
+                <a:solidFill>
+                  <a:schemeClr val="tx1"/>
+                </a:solidFill>
+                <a:latin typeface="+mn-lt"/>
+                <a:ea typeface="+mn-ea"/>
+                <a:cs typeface="+mn-cs"/>
+              </a:defRPr>
+            </a:lvl8pPr>
+            <a:lvl9pPr marL="3886200" indent="-228600" algn="l" defTabSz="914400" rtl="0" eaLnBrk="1" latinLnBrk="1" hangingPunct="1">
+              <a:lnSpc>
+                <a:spcPct val="90000"/>
+              </a:lnSpc>
+              <a:spcBef>
+                <a:spcPts val="500"/>
+              </a:spcBef>
+              <a:buFont typeface="Arial" panose="020B0604020202020204" pitchFamily="34" charset="0"/>
+              <a:buChar char="•"/>
+              <a:defRPr sz="1800" kern="1200">
+                <a:solidFill>
+                  <a:schemeClr val="tx1"/>
+                </a:solidFill>
+                <a:latin typeface="+mn-lt"/>
+                <a:ea typeface="+mn-ea"/>
+                <a:cs typeface="+mn-cs"/>
+              </a:defRPr>
+            </a:lvl9pPr>
+          </a:lstStyle>
+          <a:p>
+            <a:pPr marL="0" indent="0">
+              <a:lnSpc>
+                <a:spcPct val="100000"/>
+              </a:lnSpc>
+              <a:buClr>
+                <a:srgbClr val="004F9E"/>
+              </a:buClr>
+              <a:buNone/>
+            </a:pPr>
+            <a:r>
+              <a:rPr lang="en-US" altLang="ko-KR" sz="2400" dirty="0">
+                <a:solidFill>
+                  <a:schemeClr val="tx1">
+                    <a:lumMod val="85000"/>
+                    <a:lumOff val="15000"/>
+                  </a:schemeClr>
+                </a:solidFill>
+                <a:latin typeface="나눔스퀘어 ExtraBold" panose="020B0600000101010101" pitchFamily="50" charset="-127"/>
+                <a:ea typeface="나눔스퀘어 ExtraBold" panose="020B0600000101010101" pitchFamily="50" charset="-127"/>
+                <a:cs typeface="Arial" panose="020B0604020202020204" pitchFamily="34" charset="0"/>
+              </a:rPr>
+              <a:t>=</a:t>
+            </a:r>
+          </a:p>
+        </p:txBody>
+      </p:sp>
+      <mc:AlternateContent xmlns:mc="http://schemas.openxmlformats.org/markup-compatibility/2006">
+        <mc:Choice xmlns:a14="http://schemas.microsoft.com/office/drawing/2010/main" Requires="a14">
+          <p:sp>
+            <p:nvSpPr>
+              <p:cNvPr id="5" name="TextBox 4">
+                <a:extLst>
+                  <a:ext uri="{FF2B5EF4-FFF2-40B4-BE49-F238E27FC236}">
+                    <a16:creationId xmlns:a16="http://schemas.microsoft.com/office/drawing/2014/main" id="{5303A2D6-6B92-86BD-8A5C-21F48EB27BDD}"/>
+                  </a:ext>
+                </a:extLst>
+              </p:cNvPr>
+              <p:cNvSpPr txBox="1"/>
+              <p:nvPr/>
+            </p:nvSpPr>
+            <p:spPr>
+              <a:xfrm>
+                <a:off x="2561264" y="5055485"/>
+                <a:ext cx="6818443" cy="682623"/>
+              </a:xfrm>
+              <a:prstGeom prst="rect">
+                <a:avLst/>
+              </a:prstGeom>
+              <a:noFill/>
+            </p:spPr>
+            <p:txBody>
+              <a:bodyPr wrap="square" lIns="0" tIns="0" rIns="0" bIns="0" rtlCol="0">
+                <a:spAutoFit/>
+              </a:bodyPr>
+              <a:lstStyle/>
+              <a:p>
+                <a14:m>
+                  <m:oMathPara xmlns:m="http://schemas.openxmlformats.org/officeDocument/2006/math">
+                    <m:oMathParaPr>
+                      <m:jc m:val="centerGroup"/>
+                    </m:oMathParaPr>
+                    <m:oMath xmlns:m="http://schemas.openxmlformats.org/officeDocument/2006/math">
+                      <m:r>
+                        <a:rPr lang="en-US" altLang="ko-KR" sz="2400" b="0" i="1" smtClean="0">
+                          <a:latin typeface="Cambria Math" panose="02040503050406030204" pitchFamily="18" charset="0"/>
+                        </a:rPr>
+                        <m:t>h</m:t>
+                      </m:r>
+                      <m:r>
+                        <a:rPr lang="en-US" altLang="ko-KR" sz="2400" b="0" i="1" smtClean="0">
+                          <a:latin typeface="Cambria Math" panose="02040503050406030204" pitchFamily="18" charset="0"/>
+                        </a:rPr>
+                        <m:t>=</m:t>
+                      </m:r>
+                      <m:r>
+                        <a:rPr lang="en-US" altLang="ko-KR" sz="2400" b="0" i="1" smtClean="0">
+                          <a:latin typeface="Cambria Math" panose="02040503050406030204" pitchFamily="18" charset="0"/>
+                        </a:rPr>
+                        <m:t>𝐿𝑥</m:t>
+                      </m:r>
+                      <m:r>
+                        <a:rPr lang="en-US" altLang="ko-KR" sz="2400" b="0" i="1" smtClean="0">
+                          <a:latin typeface="Cambria Math" panose="02040503050406030204" pitchFamily="18" charset="0"/>
+                        </a:rPr>
+                        <m:t>=</m:t>
+                      </m:r>
+                      <m:d>
+                        <m:dPr>
+                          <m:ctrlPr>
+                            <a:rPr lang="en-US" altLang="ko-KR" sz="2400" b="0" i="1" smtClean="0">
+                              <a:latin typeface="Cambria Math" panose="02040503050406030204" pitchFamily="18" charset="0"/>
+                            </a:rPr>
+                          </m:ctrlPr>
+                        </m:dPr>
+                        <m:e>
+                          <m:r>
+                            <a:rPr lang="en-US" altLang="ko-KR" sz="2400" b="0" i="1" smtClean="0">
+                              <a:latin typeface="Cambria Math" panose="02040503050406030204" pitchFamily="18" charset="0"/>
+                            </a:rPr>
+                            <m:t>𝐷</m:t>
+                          </m:r>
+                          <m:r>
+                            <a:rPr lang="en-US" altLang="ko-KR" sz="2400" b="0" i="1" smtClean="0">
+                              <a:latin typeface="Cambria Math" panose="02040503050406030204" pitchFamily="18" charset="0"/>
+                            </a:rPr>
+                            <m:t>−</m:t>
+                          </m:r>
+                          <m:r>
+                            <a:rPr lang="en-US" altLang="ko-KR" sz="2400" b="0" i="1" smtClean="0">
+                              <a:latin typeface="Cambria Math" panose="02040503050406030204" pitchFamily="18" charset="0"/>
+                            </a:rPr>
+                            <m:t>𝐴</m:t>
+                          </m:r>
+                        </m:e>
+                      </m:d>
+                      <m:r>
+                        <a:rPr lang="en-US" altLang="ko-KR" sz="2400" b="0" i="1" smtClean="0">
+                          <a:latin typeface="Cambria Math" panose="02040503050406030204" pitchFamily="18" charset="0"/>
+                        </a:rPr>
+                        <m:t>𝑥</m:t>
+                      </m:r>
+                      <m:r>
+                        <a:rPr lang="en-US" altLang="ko-KR" sz="2400" b="0" i="1" smtClean="0">
+                          <a:latin typeface="Cambria Math" panose="02040503050406030204" pitchFamily="18" charset="0"/>
+                        </a:rPr>
+                        <m:t>=</m:t>
+                      </m:r>
+                      <m:r>
+                        <a:rPr lang="en-US" altLang="ko-KR" sz="2400" b="0" i="1" smtClean="0">
+                          <a:latin typeface="Cambria Math" panose="02040503050406030204" pitchFamily="18" charset="0"/>
+                        </a:rPr>
+                        <m:t>𝐷𝑥</m:t>
+                      </m:r>
+                      <m:r>
+                        <a:rPr lang="en-US" altLang="ko-KR" sz="2400" b="0" i="1" smtClean="0">
+                          <a:latin typeface="Cambria Math" panose="02040503050406030204" pitchFamily="18" charset="0"/>
+                        </a:rPr>
+                        <m:t>−</m:t>
+                      </m:r>
+                      <m:r>
+                        <a:rPr lang="en-US" altLang="ko-KR" sz="2400" b="0" i="1" smtClean="0">
+                          <a:latin typeface="Cambria Math" panose="02040503050406030204" pitchFamily="18" charset="0"/>
+                        </a:rPr>
+                        <m:t>𝐴𝑥</m:t>
+                      </m:r>
+                      <m:r>
+                        <a:rPr lang="en-US" altLang="ko-KR" sz="2400" b="0" i="1" smtClean="0">
+                          <a:latin typeface="Cambria Math" panose="02040503050406030204" pitchFamily="18" charset="0"/>
+                        </a:rPr>
+                        <m:t>=</m:t>
+                      </m:r>
+                      <m:nary>
+                        <m:naryPr>
+                          <m:chr m:val="∑"/>
+                          <m:limLoc m:val="subSup"/>
+                          <m:supHide m:val="on"/>
+                          <m:ctrlPr>
+                            <a:rPr lang="en-US" altLang="ko-KR" sz="2400" b="0" i="1" smtClean="0">
+                              <a:latin typeface="Cambria Math" panose="02040503050406030204" pitchFamily="18" charset="0"/>
+                            </a:rPr>
+                          </m:ctrlPr>
+                        </m:naryPr>
+                        <m:sub>
+                          <m:r>
+                            <m:rPr>
+                              <m:brk m:alnAt="9"/>
+                            </m:rPr>
+                            <a:rPr lang="en-US" altLang="ko-KR" sz="2400" b="0" i="1" smtClean="0">
+                              <a:latin typeface="Cambria Math" panose="02040503050406030204" pitchFamily="18" charset="0"/>
+                            </a:rPr>
+                            <m:t>𝑣</m:t>
+                          </m:r>
+                        </m:sub>
+                        <m:sup/>
+                        <m:e>
+                          <m:r>
+                            <a:rPr lang="en-US" altLang="ko-KR" sz="2400" b="0" i="1" smtClean="0">
+                              <a:latin typeface="Cambria Math" panose="02040503050406030204" pitchFamily="18" charset="0"/>
+                            </a:rPr>
+                            <m:t>(</m:t>
+                          </m:r>
+                          <m:sSub>
+                            <m:sSubPr>
+                              <m:ctrlPr>
+                                <a:rPr lang="en-US" altLang="ko-KR" sz="2400" b="0" i="1" smtClean="0">
+                                  <a:latin typeface="Cambria Math" panose="02040503050406030204" pitchFamily="18" charset="0"/>
+                                </a:rPr>
+                              </m:ctrlPr>
+                            </m:sSubPr>
+                            <m:e>
+                              <m:r>
+                                <a:rPr lang="en-US" altLang="ko-KR" sz="2400" b="0" i="1" smtClean="0">
+                                  <a:latin typeface="Cambria Math" panose="02040503050406030204" pitchFamily="18" charset="0"/>
+                                </a:rPr>
+                                <m:t>𝑥</m:t>
+                              </m:r>
+                            </m:e>
+                            <m:sub>
+                              <m:r>
+                                <a:rPr lang="en-US" altLang="ko-KR" sz="2400" b="0" i="1" smtClean="0">
+                                  <a:latin typeface="Cambria Math" panose="02040503050406030204" pitchFamily="18" charset="0"/>
+                                </a:rPr>
+                                <m:t>𝑢</m:t>
+                              </m:r>
+                            </m:sub>
+                          </m:sSub>
+                          <m:r>
+                            <a:rPr lang="en-US" altLang="ko-KR" sz="2400" b="0" i="1" smtClean="0">
+                              <a:latin typeface="Cambria Math" panose="02040503050406030204" pitchFamily="18" charset="0"/>
+                            </a:rPr>
+                            <m:t>−</m:t>
+                          </m:r>
+                          <m:sSub>
+                            <m:sSubPr>
+                              <m:ctrlPr>
+                                <a:rPr lang="en-US" altLang="ko-KR" sz="2400" i="1">
+                                  <a:latin typeface="Cambria Math" panose="02040503050406030204" pitchFamily="18" charset="0"/>
+                                </a:rPr>
+                              </m:ctrlPr>
+                            </m:sSubPr>
+                            <m:e>
+                              <m:r>
+                                <a:rPr lang="en-US" altLang="ko-KR" sz="2400" i="1">
+                                  <a:latin typeface="Cambria Math" panose="02040503050406030204" pitchFamily="18" charset="0"/>
+                                </a:rPr>
+                                <m:t>𝑥</m:t>
+                              </m:r>
+                            </m:e>
+                            <m:sub>
+                              <m:r>
+                                <a:rPr lang="en-US" altLang="ko-KR" sz="2400" b="0" i="1" smtClean="0">
+                                  <a:latin typeface="Cambria Math" panose="02040503050406030204" pitchFamily="18" charset="0"/>
+                                </a:rPr>
+                                <m:t>𝑣</m:t>
+                              </m:r>
+                            </m:sub>
+                          </m:sSub>
+                          <m:r>
+                            <a:rPr lang="en-US" altLang="ko-KR" sz="2400" b="0" i="1" smtClean="0">
+                              <a:latin typeface="Cambria Math" panose="02040503050406030204" pitchFamily="18" charset="0"/>
+                            </a:rPr>
+                            <m:t>)</m:t>
+                          </m:r>
+                        </m:e>
+                      </m:nary>
+                    </m:oMath>
+                  </m:oMathPara>
+                </a14:m>
+                <a:endParaRPr lang="ko-KR" altLang="en-US" sz="2400" dirty="0"/>
+              </a:p>
+            </p:txBody>
+          </p:sp>
+        </mc:Choice>
+        <mc:Fallback>
+          <p:sp>
+            <p:nvSpPr>
+              <p:cNvPr id="5" name="TextBox 4">
+                <a:extLst>
+                  <a:ext uri="{FF2B5EF4-FFF2-40B4-BE49-F238E27FC236}">
+                    <a16:creationId xmlns:a16="http://schemas.microsoft.com/office/drawing/2014/main" id="{5303A2D6-6B92-86BD-8A5C-21F48EB27BDD}"/>
+                  </a:ext>
+                </a:extLst>
+              </p:cNvPr>
+              <p:cNvSpPr txBox="1">
+                <a:spLocks noRot="1" noChangeAspect="1" noMove="1" noResize="1" noEditPoints="1" noAdjustHandles="1" noChangeArrowheads="1" noChangeShapeType="1" noTextEdit="1"/>
+              </p:cNvSpPr>
+              <p:nvPr/>
+            </p:nvSpPr>
+            <p:spPr>
+              <a:xfrm>
+                <a:off x="2561264" y="5055485"/>
+                <a:ext cx="6818443" cy="682623"/>
+              </a:xfrm>
+              <a:prstGeom prst="rect">
+                <a:avLst/>
+              </a:prstGeom>
+              <a:blipFill>
+                <a:blip r:embed="rId4"/>
+                <a:stretch>
+                  <a:fillRect/>
+                </a:stretch>
+              </a:blipFill>
+            </p:spPr>
+            <p:txBody>
+              <a:bodyPr/>
+              <a:lstStyle/>
+              <a:p>
+                <a:r>
+                  <a:rPr lang="ko-KR" altLang="en-US">
+                    <a:noFill/>
+                  </a:rPr>
+                  <a:t> </a:t>
+                </a:r>
+              </a:p>
+            </p:txBody>
+          </p:sp>
+        </mc:Fallback>
+      </mc:AlternateContent>
+    </p:spTree>
+    <p:extLst>
+      <p:ext uri="{BB962C8B-B14F-4D97-AF65-F5344CB8AC3E}">
+        <p14:creationId xmlns:p14="http://schemas.microsoft.com/office/powerpoint/2010/main" val="4049721596"/>
+      </p:ext>
+    </p:extLst>
+  </p:cSld>
+  <p:clrMapOvr>
+    <a:masterClrMapping/>
+  </p:clrMapOvr>
+</p:sld>
+</file>
+
+<file path=ppt/slides/slide15.xml><?xml version="1.0" encoding="utf-8"?>
+<p:sld xmlns:a="http://schemas.openxmlformats.org/drawingml/2006/main" xmlns:r="http://schemas.openxmlformats.org/officeDocument/2006/relationships" xmlns:p="http://schemas.openxmlformats.org/presentationml/2006/main">
+  <p:cSld>
+    <p:spTree>
+      <p:nvGrpSpPr>
+        <p:cNvPr id="1" name=""/>
+        <p:cNvGrpSpPr/>
+        <p:nvPr/>
+      </p:nvGrpSpPr>
+      <p:grpSpPr>
+        <a:xfrm>
+          <a:off x="0" y="0"/>
+          <a:ext cx="0" cy="0"/>
+          <a:chOff x="0" y="0"/>
+          <a:chExt cx="0" cy="0"/>
+        </a:xfrm>
+      </p:grpSpPr>
+      <p:sp>
+        <p:nvSpPr>
+          <p:cNvPr id="2" name="제목 1">
+            <a:extLst>
+              <a:ext uri="{FF2B5EF4-FFF2-40B4-BE49-F238E27FC236}">
+                <a16:creationId xmlns:a16="http://schemas.microsoft.com/office/drawing/2014/main" id="{95CB7AEF-6056-404F-8222-D7A0008FE999}"/>
+              </a:ext>
+            </a:extLst>
+          </p:cNvPr>
+          <p:cNvSpPr>
+            <a:spLocks noGrp="1"/>
+          </p:cNvSpPr>
+          <p:nvPr>
+            <p:ph type="title"/>
+          </p:nvPr>
+        </p:nvSpPr>
+        <p:spPr/>
+        <p:txBody>
+          <a:bodyPr>
+            <a:normAutofit/>
+          </a:bodyPr>
+          <a:lstStyle/>
+          <a:p>
+            <a:r>
+              <a:rPr lang="en-US" altLang="ko-KR" sz="3600" b="1" dirty="0">
+                <a:solidFill>
+                  <a:schemeClr val="tx1">
+                    <a:lumMod val="85000"/>
+                    <a:lumOff val="15000"/>
+                  </a:schemeClr>
+                </a:solidFill>
+                <a:latin typeface="나눔스퀘어 ExtraBold"/>
+                <a:cs typeface="Arial" panose="020B0604020202020204" pitchFamily="34" charset="0"/>
+              </a:rPr>
+              <a:t>Fast </a:t>
+            </a:r>
+            <a:r>
+              <a:rPr lang="en-US" altLang="ko-KR" sz="3600" b="1" dirty="0">
+                <a:solidFill>
+                  <a:schemeClr val="tx1">
+                    <a:lumMod val="85000"/>
+                    <a:lumOff val="15000"/>
+                  </a:schemeClr>
+                </a:solidFill>
+                <a:latin typeface="나눔스퀘어 ExtraBold" panose="020B0600000101010101" pitchFamily="50" charset="-127"/>
+                <a:ea typeface="나눔스퀘어 ExtraBold" panose="020B0600000101010101" pitchFamily="50" charset="-127"/>
+                <a:cs typeface="Arial" panose="020B0604020202020204" pitchFamily="34" charset="0"/>
+              </a:rPr>
+              <a:t>approximate convolutions on graphs</a:t>
+            </a:r>
+            <a:br>
+              <a:rPr lang="en-US" altLang="ko-KR" sz="3600" b="1" dirty="0">
+                <a:solidFill>
+                  <a:schemeClr val="tx1">
+                    <a:lumMod val="85000"/>
+                    <a:lumOff val="15000"/>
+                  </a:schemeClr>
+                </a:solidFill>
+                <a:latin typeface="나눔스퀘어 ExtraBold" panose="020B0600000101010101" pitchFamily="50" charset="-127"/>
+                <a:ea typeface="나눔스퀘어 ExtraBold" panose="020B0600000101010101" pitchFamily="50" charset="-127"/>
+                <a:cs typeface="Arial" panose="020B0604020202020204" pitchFamily="34" charset="0"/>
+              </a:rPr>
+            </a:br>
+            <a:endParaRPr lang="ko-KR" altLang="en-US" sz="3600" b="1" dirty="0">
+              <a:solidFill>
+                <a:schemeClr val="tx1">
+                  <a:lumMod val="85000"/>
+                  <a:lumOff val="15000"/>
+                </a:schemeClr>
+              </a:solidFill>
+              <a:latin typeface="나눔스퀘어 ExtraBold"/>
+              <a:cs typeface="Arial" panose="020B0604020202020204" pitchFamily="34" charset="0"/>
+            </a:endParaRPr>
+          </a:p>
+        </p:txBody>
+      </p:sp>
+      <p:sp>
+        <p:nvSpPr>
+          <p:cNvPr id="3" name="내용 개체 틀 2">
+            <a:extLst>
+              <a:ext uri="{FF2B5EF4-FFF2-40B4-BE49-F238E27FC236}">
+                <a16:creationId xmlns:a16="http://schemas.microsoft.com/office/drawing/2014/main" id="{6F3C4966-F49A-47DB-93D9-018CD3BE693E}"/>
+              </a:ext>
+            </a:extLst>
+          </p:cNvPr>
+          <p:cNvSpPr>
+            <a:spLocks noGrp="1"/>
+          </p:cNvSpPr>
+          <p:nvPr>
+            <p:ph idx="1"/>
+          </p:nvPr>
+        </p:nvSpPr>
+        <p:spPr>
+          <a:xfrm>
+            <a:off x="990600" y="1690688"/>
+            <a:ext cx="10210800" cy="1072129"/>
+          </a:xfrm>
+        </p:spPr>
+        <p:txBody>
+          <a:bodyPr>
+            <a:normAutofit/>
+          </a:bodyPr>
+          <a:lstStyle/>
+          <a:p>
+            <a:pPr>
+              <a:lnSpc>
+                <a:spcPct val="100000"/>
+              </a:lnSpc>
+              <a:buClr>
+                <a:srgbClr val="004F9E"/>
+              </a:buClr>
+              <a:buFont typeface="Wingdings" panose="05000000000000000000" pitchFamily="2" charset="2"/>
+              <a:buChar char="§"/>
+            </a:pPr>
+            <a:r>
+              <a:rPr lang="en-US" altLang="ko-KR" sz="2400" dirty="0">
+                <a:solidFill>
+                  <a:schemeClr val="tx1">
+                    <a:lumMod val="85000"/>
+                    <a:lumOff val="15000"/>
+                  </a:schemeClr>
+                </a:solidFill>
+                <a:latin typeface="나눔스퀘어 ExtraBold" panose="020B0600000101010101" pitchFamily="50" charset="-127"/>
+                <a:ea typeface="나눔스퀘어 ExtraBold" panose="020B0600000101010101" pitchFamily="50" charset="-127"/>
+                <a:cs typeface="Arial" panose="020B0604020202020204" pitchFamily="34" charset="0"/>
+              </a:rPr>
+              <a:t>2.1 Spectral Graph Convolutions</a:t>
+            </a:r>
+          </a:p>
+          <a:p>
+            <a:pPr lvl="1">
+              <a:lnSpc>
+                <a:spcPct val="100000"/>
+              </a:lnSpc>
+              <a:buClr>
+                <a:srgbClr val="004F9E"/>
+              </a:buClr>
+              <a:buFont typeface="Wingdings" panose="05000000000000000000" pitchFamily="2" charset="2"/>
+              <a:buChar char="§"/>
+            </a:pPr>
+            <a:r>
+              <a:rPr lang="en-US" altLang="ko-KR" sz="2000" b="1" dirty="0">
+                <a:solidFill>
+                  <a:schemeClr val="tx1">
+                    <a:lumMod val="85000"/>
+                    <a:lumOff val="15000"/>
+                  </a:schemeClr>
+                </a:solidFill>
+                <a:latin typeface="나눔스퀘어 ExtraBold" panose="020B0600000101010101" pitchFamily="50" charset="-127"/>
+                <a:ea typeface="나눔스퀘어 ExtraBold" panose="020B0600000101010101" pitchFamily="50" charset="-127"/>
+                <a:cs typeface="Arial" panose="020B0604020202020204" pitchFamily="34" charset="0"/>
+              </a:rPr>
+              <a:t>Laplacian </a:t>
+            </a:r>
+            <a:r>
+              <a:rPr lang="en-US" altLang="ko-KR" sz="2000" b="1" dirty="0">
+                <a:solidFill>
+                  <a:srgbClr val="FF0000"/>
+                </a:solidFill>
+                <a:latin typeface="나눔스퀘어 ExtraBold" panose="020B0600000101010101" pitchFamily="50" charset="-127"/>
+                <a:ea typeface="나눔스퀘어 ExtraBold" panose="020B0600000101010101" pitchFamily="50" charset="-127"/>
+                <a:cs typeface="Arial" panose="020B0604020202020204" pitchFamily="34" charset="0"/>
+              </a:rPr>
+              <a:t>quadratic</a:t>
+            </a:r>
+            <a:endParaRPr lang="en-US" altLang="ko-KR" sz="2000" b="1" dirty="0">
+              <a:solidFill>
+                <a:schemeClr val="tx1">
+                  <a:lumMod val="85000"/>
+                  <a:lumOff val="15000"/>
+                </a:schemeClr>
+              </a:solidFill>
+              <a:latin typeface="나눔스퀘어 ExtraBold" panose="020B0600000101010101" pitchFamily="50" charset="-127"/>
+              <a:ea typeface="나눔스퀘어 ExtraBold" panose="020B0600000101010101" pitchFamily="50" charset="-127"/>
+              <a:cs typeface="Arial" panose="020B0604020202020204" pitchFamily="34" charset="0"/>
+            </a:endParaRPr>
+          </a:p>
+        </p:txBody>
+      </p:sp>
+      <p:sp>
+        <p:nvSpPr>
+          <p:cNvPr id="4" name="슬라이드 번호 개체 틀 3">
+            <a:extLst>
+              <a:ext uri="{FF2B5EF4-FFF2-40B4-BE49-F238E27FC236}">
+                <a16:creationId xmlns:a16="http://schemas.microsoft.com/office/drawing/2014/main" id="{4705CCFD-CA4E-4794-89D0-C3DF4603C893}"/>
+              </a:ext>
+            </a:extLst>
+          </p:cNvPr>
+          <p:cNvSpPr>
+            <a:spLocks noGrp="1"/>
+          </p:cNvSpPr>
+          <p:nvPr>
+            <p:ph type="sldNum" sz="quarter" idx="12"/>
+          </p:nvPr>
+        </p:nvSpPr>
+        <p:spPr/>
+        <p:txBody>
+          <a:bodyPr/>
+          <a:lstStyle/>
+          <a:p>
+            <a:fld id="{16A93642-25BD-4471-A422-0159119E9512}" type="slidenum">
+              <a:rPr lang="ko-KR" altLang="en-US" smtClean="0"/>
+              <a:pPr/>
+              <a:t>15</a:t>
+            </a:fld>
+            <a:endParaRPr lang="ko-KR" altLang="en-US" dirty="0"/>
+          </a:p>
+        </p:txBody>
+      </p:sp>
+      <mc:AlternateContent xmlns:mc="http://schemas.openxmlformats.org/markup-compatibility/2006">
+        <mc:Choice xmlns:a14="http://schemas.microsoft.com/office/drawing/2010/main" Requires="a14">
+          <p:sp>
+            <p:nvSpPr>
+              <p:cNvPr id="5" name="TextBox 4">
+                <a:extLst>
+                  <a:ext uri="{FF2B5EF4-FFF2-40B4-BE49-F238E27FC236}">
+                    <a16:creationId xmlns:a16="http://schemas.microsoft.com/office/drawing/2014/main" id="{5303A2D6-6B92-86BD-8A5C-21F48EB27BDD}"/>
+                  </a:ext>
+                </a:extLst>
+              </p:cNvPr>
+              <p:cNvSpPr txBox="1"/>
+              <p:nvPr/>
+            </p:nvSpPr>
+            <p:spPr>
+              <a:xfrm>
+                <a:off x="3615364" y="2826912"/>
+                <a:ext cx="6818443" cy="1204176"/>
+              </a:xfrm>
+              <a:prstGeom prst="rect">
+                <a:avLst/>
+              </a:prstGeom>
+              <a:noFill/>
+            </p:spPr>
+            <p:txBody>
+              <a:bodyPr wrap="square" lIns="0" tIns="0" rIns="0" bIns="0" rtlCol="0">
+                <a:spAutoFit/>
+              </a:bodyPr>
+              <a:lstStyle/>
+              <a:p>
+                <a:pPr/>
+                <a14:m>
+                  <m:oMathPara xmlns:m="http://schemas.openxmlformats.org/officeDocument/2006/math">
+                    <m:oMathParaPr>
+                      <m:jc m:val="left"/>
+                    </m:oMathParaPr>
+                    <m:oMath xmlns:m="http://schemas.openxmlformats.org/officeDocument/2006/math">
+                      <m:r>
+                        <a:rPr lang="en-US" altLang="ko-KR" sz="2400" b="0" i="1" smtClean="0">
+                          <a:latin typeface="Cambria Math" panose="02040503050406030204" pitchFamily="18" charset="0"/>
+                        </a:rPr>
+                        <m:t>h</m:t>
+                      </m:r>
+                      <m:r>
+                        <a:rPr lang="en-US" altLang="ko-KR" sz="2400" b="0" i="1" smtClean="0">
+                          <a:latin typeface="Cambria Math" panose="02040503050406030204" pitchFamily="18" charset="0"/>
+                        </a:rPr>
+                        <m:t>=</m:t>
+                      </m:r>
+                      <m:sSup>
+                        <m:sSupPr>
+                          <m:ctrlPr>
+                            <a:rPr lang="en-US" altLang="ko-KR" sz="2400" b="0" i="1" smtClean="0">
+                              <a:latin typeface="Cambria Math" panose="02040503050406030204" pitchFamily="18" charset="0"/>
+                            </a:rPr>
+                          </m:ctrlPr>
+                        </m:sSupPr>
+                        <m:e>
+                          <m:r>
+                            <a:rPr lang="en-US" altLang="ko-KR" sz="2400" b="0" i="1" smtClean="0">
+                              <a:latin typeface="Cambria Math" panose="02040503050406030204" pitchFamily="18" charset="0"/>
+                            </a:rPr>
+                            <m:t>𝑥</m:t>
+                          </m:r>
+                        </m:e>
+                        <m:sup>
+                          <m:r>
+                            <a:rPr lang="en-US" altLang="ko-KR" sz="2400" b="0" i="1" smtClean="0">
+                              <a:latin typeface="Cambria Math" panose="02040503050406030204" pitchFamily="18" charset="0"/>
+                            </a:rPr>
+                            <m:t>𝑇</m:t>
+                          </m:r>
+                        </m:sup>
+                      </m:sSup>
+                      <m:r>
+                        <a:rPr lang="en-US" altLang="ko-KR" sz="2400" b="0" i="1" smtClean="0">
+                          <a:latin typeface="Cambria Math" panose="02040503050406030204" pitchFamily="18" charset="0"/>
+                        </a:rPr>
+                        <m:t>𝐿𝑥</m:t>
+                      </m:r>
+                      <m:r>
+                        <a:rPr lang="en-US" altLang="ko-KR" sz="2400" b="0" i="1" smtClean="0">
+                          <a:latin typeface="Cambria Math" panose="02040503050406030204" pitchFamily="18" charset="0"/>
+                        </a:rPr>
+                        <m:t>=</m:t>
+                      </m:r>
+                      <m:nary>
+                        <m:naryPr>
+                          <m:chr m:val="∑"/>
+                          <m:limLoc m:val="subSup"/>
+                          <m:supHide m:val="on"/>
+                          <m:ctrlPr>
+                            <a:rPr lang="en-US" altLang="ko-KR" sz="2400" b="0" i="1" smtClean="0">
+                              <a:latin typeface="Cambria Math" panose="02040503050406030204" pitchFamily="18" charset="0"/>
+                            </a:rPr>
+                          </m:ctrlPr>
+                        </m:naryPr>
+                        <m:sub>
+                          <m:r>
+                            <m:rPr>
+                              <m:brk m:alnAt="9"/>
+                            </m:rPr>
+                            <a:rPr lang="en-US" altLang="ko-KR" sz="2400" b="0" i="1" smtClean="0">
+                              <a:latin typeface="Cambria Math" panose="02040503050406030204" pitchFamily="18" charset="0"/>
+                            </a:rPr>
+                            <m:t>𝑢</m:t>
+                          </m:r>
+                        </m:sub>
+                        <m:sup/>
+                        <m:e>
+                          <m:nary>
+                            <m:naryPr>
+                              <m:chr m:val="∑"/>
+                              <m:limLoc m:val="subSup"/>
+                              <m:supHide m:val="on"/>
+                              <m:ctrlPr>
+                                <a:rPr lang="en-US" altLang="ko-KR" sz="2400" i="1">
+                                  <a:latin typeface="Cambria Math" panose="02040503050406030204" pitchFamily="18" charset="0"/>
+                                </a:rPr>
+                              </m:ctrlPr>
+                            </m:naryPr>
+                            <m:sub>
+                              <m:r>
+                                <m:rPr>
+                                  <m:brk m:alnAt="9"/>
+                                </m:rPr>
+                                <a:rPr lang="en-US" altLang="ko-KR" sz="2400" i="1">
+                                  <a:latin typeface="Cambria Math" panose="02040503050406030204" pitchFamily="18" charset="0"/>
+                                </a:rPr>
+                                <m:t>𝑣</m:t>
+                              </m:r>
+                            </m:sub>
+                            <m:sup/>
+                            <m:e>
+                              <m:sSub>
+                                <m:sSubPr>
+                                  <m:ctrlPr>
+                                    <a:rPr lang="en-US" altLang="ko-KR" sz="2400" i="1">
+                                      <a:latin typeface="Cambria Math" panose="02040503050406030204" pitchFamily="18" charset="0"/>
+                                    </a:rPr>
+                                  </m:ctrlPr>
+                                </m:sSubPr>
+                                <m:e>
+                                  <m:r>
+                                    <a:rPr lang="en-US" altLang="ko-KR" sz="2400" i="1">
+                                      <a:latin typeface="Cambria Math" panose="02040503050406030204" pitchFamily="18" charset="0"/>
+                                    </a:rPr>
+                                    <m:t>𝑥</m:t>
+                                  </m:r>
+                                </m:e>
+                                <m:sub>
+                                  <m:r>
+                                    <a:rPr lang="en-US" altLang="ko-KR" sz="2400" i="1">
+                                      <a:latin typeface="Cambria Math" panose="02040503050406030204" pitchFamily="18" charset="0"/>
+                                    </a:rPr>
+                                    <m:t>𝑢</m:t>
+                                  </m:r>
+                                </m:sub>
+                              </m:sSub>
+                              <m:r>
+                                <a:rPr lang="en-US" altLang="ko-KR" sz="2400" i="1">
+                                  <a:latin typeface="Cambria Math" panose="02040503050406030204" pitchFamily="18" charset="0"/>
+                                </a:rPr>
+                                <m:t>(</m:t>
+                              </m:r>
+                              <m:sSub>
+                                <m:sSubPr>
+                                  <m:ctrlPr>
+                                    <a:rPr lang="en-US" altLang="ko-KR" sz="2400" i="1">
+                                      <a:latin typeface="Cambria Math" panose="02040503050406030204" pitchFamily="18" charset="0"/>
+                                    </a:rPr>
+                                  </m:ctrlPr>
+                                </m:sSubPr>
+                                <m:e>
+                                  <m:r>
+                                    <a:rPr lang="en-US" altLang="ko-KR" sz="2400" i="1">
+                                      <a:latin typeface="Cambria Math" panose="02040503050406030204" pitchFamily="18" charset="0"/>
+                                    </a:rPr>
+                                    <m:t>𝑥</m:t>
+                                  </m:r>
+                                </m:e>
+                                <m:sub>
+                                  <m:r>
+                                    <a:rPr lang="en-US" altLang="ko-KR" sz="2400" i="1">
+                                      <a:latin typeface="Cambria Math" panose="02040503050406030204" pitchFamily="18" charset="0"/>
+                                    </a:rPr>
+                                    <m:t>𝑢</m:t>
+                                  </m:r>
+                                </m:sub>
+                              </m:sSub>
+                              <m:r>
+                                <a:rPr lang="en-US" altLang="ko-KR" sz="2400" i="1">
+                                  <a:latin typeface="Cambria Math" panose="02040503050406030204" pitchFamily="18" charset="0"/>
+                                </a:rPr>
+                                <m:t>−</m:t>
+                              </m:r>
+                              <m:sSub>
+                                <m:sSubPr>
+                                  <m:ctrlPr>
+                                    <a:rPr lang="en-US" altLang="ko-KR" sz="2400" i="1">
+                                      <a:latin typeface="Cambria Math" panose="02040503050406030204" pitchFamily="18" charset="0"/>
+                                    </a:rPr>
+                                  </m:ctrlPr>
+                                </m:sSubPr>
+                                <m:e>
+                                  <m:r>
+                                    <a:rPr lang="en-US" altLang="ko-KR" sz="2400" i="1">
+                                      <a:latin typeface="Cambria Math" panose="02040503050406030204" pitchFamily="18" charset="0"/>
+                                    </a:rPr>
+                                    <m:t>𝑥</m:t>
+                                  </m:r>
+                                </m:e>
+                                <m:sub>
+                                  <m:r>
+                                    <a:rPr lang="en-US" altLang="ko-KR" sz="2400" i="1">
+                                      <a:latin typeface="Cambria Math" panose="02040503050406030204" pitchFamily="18" charset="0"/>
+                                    </a:rPr>
+                                    <m:t>𝑣</m:t>
+                                  </m:r>
+                                </m:sub>
+                              </m:sSub>
+                              <m:r>
+                                <a:rPr lang="en-US" altLang="ko-KR" sz="2400" i="1">
+                                  <a:latin typeface="Cambria Math" panose="02040503050406030204" pitchFamily="18" charset="0"/>
+                                </a:rPr>
+                                <m:t>)</m:t>
+                              </m:r>
+                            </m:e>
+                          </m:nary>
+                        </m:e>
+                      </m:nary>
+                    </m:oMath>
+                  </m:oMathPara>
+                </a14:m>
+                <a:br>
+                  <a:rPr lang="en-US" altLang="ko-KR" sz="2400" b="0" i="1" dirty="0">
+                    <a:latin typeface="Cambria Math" panose="02040503050406030204" pitchFamily="18" charset="0"/>
+                  </a:rPr>
+                </a:br>
+                <a14:m>
+                  <m:oMath xmlns:m="http://schemas.openxmlformats.org/officeDocument/2006/math">
+                    <m:r>
+                      <a:rPr lang="en-US" altLang="ko-KR" sz="2400" b="0" i="1" smtClean="0">
+                        <a:latin typeface="Cambria Math" panose="02040503050406030204" pitchFamily="18" charset="0"/>
+                      </a:rPr>
+                      <m:t>= </m:t>
+                    </m:r>
+                    <m:f>
+                      <m:fPr>
+                        <m:ctrlPr>
+                          <a:rPr lang="en-US" altLang="ko-KR" sz="2400" b="0" i="1" smtClean="0">
+                            <a:latin typeface="Cambria Math" panose="02040503050406030204" pitchFamily="18" charset="0"/>
+                          </a:rPr>
+                        </m:ctrlPr>
+                      </m:fPr>
+                      <m:num>
+                        <m:r>
+                          <a:rPr lang="en-US" altLang="ko-KR" sz="2400" b="0" i="1" smtClean="0">
+                            <a:latin typeface="Cambria Math" panose="02040503050406030204" pitchFamily="18" charset="0"/>
+                          </a:rPr>
+                          <m:t>1</m:t>
+                        </m:r>
+                      </m:num>
+                      <m:den>
+                        <m:r>
+                          <a:rPr lang="en-US" altLang="ko-KR" sz="2400" b="0" i="1" smtClean="0">
+                            <a:latin typeface="Cambria Math" panose="02040503050406030204" pitchFamily="18" charset="0"/>
+                          </a:rPr>
+                          <m:t>2</m:t>
+                        </m:r>
+                      </m:den>
+                    </m:f>
+                  </m:oMath>
+                </a14:m>
+                <a:r>
+                  <a:rPr lang="en-US" altLang="ko-KR" sz="2400" dirty="0"/>
+                  <a:t> </a:t>
+                </a:r>
+                <a14:m>
+                  <m:oMath xmlns:m="http://schemas.openxmlformats.org/officeDocument/2006/math">
+                    <m:nary>
+                      <m:naryPr>
+                        <m:chr m:val="∑"/>
+                        <m:limLoc m:val="subSup"/>
+                        <m:supHide m:val="on"/>
+                        <m:ctrlPr>
+                          <a:rPr lang="en-US" altLang="ko-KR" sz="2400" i="1">
+                            <a:latin typeface="Cambria Math" panose="02040503050406030204" pitchFamily="18" charset="0"/>
+                          </a:rPr>
+                        </m:ctrlPr>
+                      </m:naryPr>
+                      <m:sub>
+                        <m:r>
+                          <m:rPr>
+                            <m:brk m:alnAt="9"/>
+                          </m:rPr>
+                          <a:rPr lang="en-US" altLang="ko-KR" sz="2400" i="1">
+                            <a:latin typeface="Cambria Math" panose="02040503050406030204" pitchFamily="18" charset="0"/>
+                          </a:rPr>
+                          <m:t>𝑣</m:t>
+                        </m:r>
+                      </m:sub>
+                      <m:sup/>
+                      <m:e>
+                        <m:r>
+                          <a:rPr lang="en-US" altLang="ko-KR" sz="2400" b="0" i="1" smtClean="0">
+                            <a:latin typeface="Cambria Math" panose="02040503050406030204" pitchFamily="18" charset="0"/>
+                          </a:rPr>
+                          <m:t>𝐴</m:t>
+                        </m:r>
+                        <m:r>
+                          <a:rPr lang="en-US" altLang="ko-KR" sz="2400" b="0" i="1" smtClean="0">
+                            <a:latin typeface="Cambria Math" panose="02040503050406030204" pitchFamily="18" charset="0"/>
+                          </a:rPr>
+                          <m:t>(</m:t>
+                        </m:r>
+                        <m:r>
+                          <a:rPr lang="en-US" altLang="ko-KR" sz="2400" b="0" i="1" smtClean="0">
+                            <a:latin typeface="Cambria Math" panose="02040503050406030204" pitchFamily="18" charset="0"/>
+                          </a:rPr>
+                          <m:t>𝑢</m:t>
+                        </m:r>
+                        <m:r>
+                          <a:rPr lang="en-US" altLang="ko-KR" sz="2400" b="0" i="1" smtClean="0">
+                            <a:latin typeface="Cambria Math" panose="02040503050406030204" pitchFamily="18" charset="0"/>
+                          </a:rPr>
+                          <m:t>,</m:t>
+                        </m:r>
+                        <m:r>
+                          <a:rPr lang="en-US" altLang="ko-KR" sz="2400" b="0" i="1" smtClean="0">
+                            <a:latin typeface="Cambria Math" panose="02040503050406030204" pitchFamily="18" charset="0"/>
+                          </a:rPr>
+                          <m:t>𝑣</m:t>
+                        </m:r>
+                        <m:r>
+                          <a:rPr lang="en-US" altLang="ko-KR" sz="2400" b="0" i="1" smtClean="0">
+                            <a:latin typeface="Cambria Math" panose="02040503050406030204" pitchFamily="18" charset="0"/>
+                          </a:rPr>
+                          <m:t>)</m:t>
+                        </m:r>
+                        <m:sSup>
+                          <m:sSupPr>
+                            <m:ctrlPr>
+                              <a:rPr lang="en-US" altLang="ko-KR" sz="2400" b="0" i="1" smtClean="0">
+                                <a:latin typeface="Cambria Math" panose="02040503050406030204" pitchFamily="18" charset="0"/>
+                              </a:rPr>
+                            </m:ctrlPr>
+                          </m:sSupPr>
+                          <m:e>
+                            <m:r>
+                              <a:rPr lang="en-US" altLang="ko-KR" sz="2400" b="0" i="1" smtClean="0">
+                                <a:latin typeface="Cambria Math" panose="02040503050406030204" pitchFamily="18" charset="0"/>
+                              </a:rPr>
+                              <m:t>(</m:t>
+                            </m:r>
+                            <m:sSub>
+                              <m:sSubPr>
+                                <m:ctrlPr>
+                                  <a:rPr lang="en-US" altLang="ko-KR" sz="2400" i="1">
+                                    <a:latin typeface="Cambria Math" panose="02040503050406030204" pitchFamily="18" charset="0"/>
+                                  </a:rPr>
+                                </m:ctrlPr>
+                              </m:sSubPr>
+                              <m:e>
+                                <m:r>
+                                  <a:rPr lang="en-US" altLang="ko-KR" sz="2400" i="1">
+                                    <a:latin typeface="Cambria Math" panose="02040503050406030204" pitchFamily="18" charset="0"/>
+                                  </a:rPr>
+                                  <m:t>𝑥</m:t>
+                                </m:r>
+                              </m:e>
+                              <m:sub>
+                                <m:r>
+                                  <a:rPr lang="en-US" altLang="ko-KR" sz="2400" i="1">
+                                    <a:latin typeface="Cambria Math" panose="02040503050406030204" pitchFamily="18" charset="0"/>
+                                  </a:rPr>
+                                  <m:t>𝑢</m:t>
+                                </m:r>
+                              </m:sub>
+                            </m:sSub>
+                            <m:r>
+                              <a:rPr lang="en-US" altLang="ko-KR" sz="2400" i="1">
+                                <a:latin typeface="Cambria Math" panose="02040503050406030204" pitchFamily="18" charset="0"/>
+                              </a:rPr>
+                              <m:t>−</m:t>
+                            </m:r>
+                            <m:sSub>
+                              <m:sSubPr>
+                                <m:ctrlPr>
+                                  <a:rPr lang="en-US" altLang="ko-KR" sz="2400" i="1">
+                                    <a:latin typeface="Cambria Math" panose="02040503050406030204" pitchFamily="18" charset="0"/>
+                                  </a:rPr>
+                                </m:ctrlPr>
+                              </m:sSubPr>
+                              <m:e>
+                                <m:r>
+                                  <a:rPr lang="en-US" altLang="ko-KR" sz="2400" i="1">
+                                    <a:latin typeface="Cambria Math" panose="02040503050406030204" pitchFamily="18" charset="0"/>
+                                  </a:rPr>
+                                  <m:t>𝑥</m:t>
+                                </m:r>
+                              </m:e>
+                              <m:sub>
+                                <m:r>
+                                  <a:rPr lang="en-US" altLang="ko-KR" sz="2400" i="1">
+                                    <a:latin typeface="Cambria Math" panose="02040503050406030204" pitchFamily="18" charset="0"/>
+                                  </a:rPr>
+                                  <m:t>𝑣</m:t>
+                                </m:r>
+                              </m:sub>
+                            </m:sSub>
+                            <m:r>
+                              <a:rPr lang="en-US" altLang="ko-KR" sz="2400" b="0" i="1" smtClean="0">
+                                <a:latin typeface="Cambria Math" panose="02040503050406030204" pitchFamily="18" charset="0"/>
+                              </a:rPr>
+                              <m:t>)</m:t>
+                            </m:r>
+                          </m:e>
+                          <m:sup>
+                            <m:r>
+                              <a:rPr lang="en-US" altLang="ko-KR" sz="2400" b="0" i="1" smtClean="0">
+                                <a:latin typeface="Cambria Math" panose="02040503050406030204" pitchFamily="18" charset="0"/>
+                              </a:rPr>
+                              <m:t>2</m:t>
+                            </m:r>
+                          </m:sup>
+                        </m:sSup>
+                        <m:r>
+                          <a:rPr lang="en-US" altLang="ko-KR" sz="2400" i="1" smtClean="0">
+                            <a:latin typeface="Cambria Math" panose="02040503050406030204" pitchFamily="18" charset="0"/>
+                          </a:rPr>
+                          <m:t> </m:t>
+                        </m:r>
+                      </m:e>
+                    </m:nary>
+                  </m:oMath>
+                </a14:m>
+                <a:endParaRPr lang="en-US" altLang="ko-KR" sz="2400" b="0" dirty="0"/>
+              </a:p>
+            </p:txBody>
+          </p:sp>
+        </mc:Choice>
+        <mc:Fallback>
+          <p:sp>
+            <p:nvSpPr>
+              <p:cNvPr id="5" name="TextBox 4">
+                <a:extLst>
+                  <a:ext uri="{FF2B5EF4-FFF2-40B4-BE49-F238E27FC236}">
+                    <a16:creationId xmlns:a16="http://schemas.microsoft.com/office/drawing/2014/main" id="{5303A2D6-6B92-86BD-8A5C-21F48EB27BDD}"/>
+                  </a:ext>
+                </a:extLst>
+              </p:cNvPr>
+              <p:cNvSpPr txBox="1">
+                <a:spLocks noRot="1" noChangeAspect="1" noMove="1" noResize="1" noEditPoints="1" noAdjustHandles="1" noChangeArrowheads="1" noChangeShapeType="1" noTextEdit="1"/>
+              </p:cNvSpPr>
+              <p:nvPr/>
+            </p:nvSpPr>
+            <p:spPr>
+              <a:xfrm>
+                <a:off x="3615364" y="2826912"/>
+                <a:ext cx="6818443" cy="1204176"/>
+              </a:xfrm>
+              <a:prstGeom prst="rect">
+                <a:avLst/>
+              </a:prstGeom>
+              <a:blipFill>
+                <a:blip r:embed="rId3"/>
+                <a:stretch>
+                  <a:fillRect/>
+                </a:stretch>
+              </a:blipFill>
+            </p:spPr>
+            <p:txBody>
+              <a:bodyPr/>
+              <a:lstStyle/>
+              <a:p>
+                <a:r>
+                  <a:rPr lang="ko-KR" altLang="en-US">
+                    <a:noFill/>
+                  </a:rPr>
+                  <a:t> </a:t>
+                </a:r>
+              </a:p>
+            </p:txBody>
+          </p:sp>
+        </mc:Fallback>
+      </mc:AlternateContent>
+    </p:spTree>
+    <p:extLst>
+      <p:ext uri="{BB962C8B-B14F-4D97-AF65-F5344CB8AC3E}">
+        <p14:creationId xmlns:p14="http://schemas.microsoft.com/office/powerpoint/2010/main" val="2105422653"/>
       </p:ext>
     </p:extLst>
   </p:cSld>

--- a/papers/review/GCN Review.pptx
+++ b/papers/review/GCN Review.pptx
@@ -3548,11 +3548,41 @@
               <a:t> 학습의 노드 분류 문제로 돌아와서</a:t>
             </a:r>
             <a:r>
+              <a:rPr lang="en-US" altLang="ko-KR" dirty="0"/>
+              <a:t>..</a:t>
+            </a:r>
+          </a:p>
+          <a:p>
+            <a:r>
+              <a:rPr lang="en-US" altLang="ko-KR" dirty="0"/>
+              <a:t>Z</a:t>
+            </a:r>
+            <a:r>
+              <a:rPr lang="ko-KR" altLang="en-US" dirty="0"/>
+              <a:t>를 일반화 하여 표현하고</a:t>
+            </a:r>
+            <a:r>
+              <a:rPr lang="en-US" altLang="ko-KR" dirty="0"/>
+              <a:t>,</a:t>
+            </a:r>
+          </a:p>
+          <a:p>
+            <a:r>
+              <a:rPr lang="ko-KR" altLang="en-US" dirty="0"/>
+              <a:t>이 모델을 훈련시킬 </a:t>
+            </a:r>
+            <a:r>
+              <a:rPr lang="ko-KR" altLang="en-US" dirty="0" err="1"/>
+              <a:t>크로스엔트로피</a:t>
+            </a:r>
+            <a:r>
+              <a:rPr lang="ko-KR" altLang="en-US" dirty="0"/>
+              <a:t> 기반 손실함수를 정의한다</a:t>
+            </a:r>
+            <a:r>
               <a:rPr lang="en-US" altLang="ko-KR"/>
               <a:t>..</a:t>
             </a:r>
-          </a:p>
-          <a:p>
             <a:endParaRPr lang="en-US" altLang="ko-KR" dirty="0"/>
           </a:p>
         </p:txBody>
@@ -24946,8 +24976,8 @@
           </a:p>
         </p:txBody>
       </p:sp>
-      <mc:AlternateContent xmlns:mc="http://schemas.openxmlformats.org/markup-compatibility/2006">
-        <mc:Choice xmlns:a14="http://schemas.microsoft.com/office/drawing/2010/main" Requires="a14">
+      <mc:AlternateContent xmlns:mc="http://schemas.openxmlformats.org/markup-compatibility/2006" xmlns:a14="http://schemas.microsoft.com/office/drawing/2010/main">
+        <mc:Choice Requires="a14">
           <p:sp>
             <p:nvSpPr>
               <p:cNvPr id="3" name="내용 개체 틀 2">
@@ -25653,7 +25683,7 @@
             </p:txBody>
           </p:sp>
         </mc:Choice>
-        <mc:Fallback>
+        <mc:Fallback xmlns="">
           <p:sp>
             <p:nvSpPr>
               <p:cNvPr id="3" name="내용 개체 틀 2">
@@ -25945,8 +25975,8 @@
           </a:p>
         </p:txBody>
       </p:sp>
-      <mc:AlternateContent xmlns:mc="http://schemas.openxmlformats.org/markup-compatibility/2006">
-        <mc:Choice xmlns:a14="http://schemas.microsoft.com/office/drawing/2010/main" Requires="a14">
+      <mc:AlternateContent xmlns:mc="http://schemas.openxmlformats.org/markup-compatibility/2006" xmlns:a14="http://schemas.microsoft.com/office/drawing/2010/main">
+        <mc:Choice Requires="a14">
           <p:sp>
             <p:nvSpPr>
               <p:cNvPr id="3" name="내용 개체 틀 2">
@@ -26219,7 +26249,7 @@
             </p:txBody>
           </p:sp>
         </mc:Choice>
-        <mc:Fallback>
+        <mc:Fallback xmlns="">
           <p:sp>
             <p:nvSpPr>
               <p:cNvPr id="3" name="내용 개체 틀 2">
@@ -26511,8 +26541,8 @@
           </a:p>
         </p:txBody>
       </p:sp>
-      <mc:AlternateContent xmlns:mc="http://schemas.openxmlformats.org/markup-compatibility/2006">
-        <mc:Choice xmlns:a14="http://schemas.microsoft.com/office/drawing/2010/main" Requires="a14">
+      <mc:AlternateContent xmlns:mc="http://schemas.openxmlformats.org/markup-compatibility/2006" xmlns:a14="http://schemas.microsoft.com/office/drawing/2010/main">
+        <mc:Choice Requires="a14">
           <p:sp>
             <p:nvSpPr>
               <p:cNvPr id="3" name="내용 개체 틀 2">
@@ -27121,7 +27151,7 @@
             </p:txBody>
           </p:sp>
         </mc:Choice>
-        <mc:Fallback>
+        <mc:Fallback xmlns="">
           <p:sp>
             <p:nvSpPr>
               <p:cNvPr id="3" name="내용 개체 틀 2">

--- a/papers/review/GCN Review.pptx
+++ b/papers/review/GCN Review.pptx
@@ -233,7 +233,7 @@
           <a:p>
             <a:fld id="{B4BAEF34-DDA1-41A6-94BB-1D7567B3088F}" type="datetimeFigureOut">
               <a:rPr lang="ko-KR" altLang="en-US" smtClean="0"/>
-              <a:t>2023-01-24</a:t>
+              <a:t>2023-01-26</a:t>
             </a:fld>
             <a:endParaRPr lang="ko-KR" altLang="en-US"/>
           </a:p>
@@ -3559,31 +3559,83 @@
             </a:r>
             <a:r>
               <a:rPr lang="ko-KR" altLang="en-US" dirty="0"/>
-              <a:t>를 일반화 하여 표현하고</a:t>
-            </a:r>
-            <a:r>
-              <a:rPr lang="en-US" altLang="ko-KR" dirty="0"/>
-              <a:t>,</a:t>
-            </a:r>
+              <a:t>를 일반화 하여 표현하자면</a:t>
+            </a:r>
+            <a:endParaRPr lang="en-US" altLang="ko-KR" dirty="0"/>
           </a:p>
           <a:p>
             <a:r>
+              <a:rPr lang="en-US" altLang="ko-KR" dirty="0"/>
+              <a:t>A</a:t>
+            </a:r>
+            <a:r>
+              <a:rPr lang="ko-KR" altLang="en-US" dirty="0" err="1"/>
+              <a:t>햇은</a:t>
+            </a:r>
+            <a:r>
               <a:rPr lang="ko-KR" altLang="en-US" dirty="0"/>
-              <a:t>이 모델을 훈련시킬 </a:t>
+              <a:t> 앞서 정의된 </a:t>
             </a:r>
             <a:r>
               <a:rPr lang="ko-KR" altLang="en-US" dirty="0" err="1"/>
-              <a:t>크로스엔트로피</a:t>
+              <a:t>스펙트럴</a:t>
             </a:r>
             <a:r>
               <a:rPr lang="ko-KR" altLang="en-US" dirty="0"/>
-              <a:t> 기반 손실함수를 정의한다</a:t>
-            </a:r>
-            <a:r>
-              <a:rPr lang="en-US" altLang="ko-KR"/>
-              <a:t>..</a:t>
-            </a:r>
-            <a:endParaRPr lang="en-US" altLang="ko-KR" dirty="0"/>
+              <a:t> </a:t>
+            </a:r>
+            <a:r>
+              <a:rPr lang="en-US" altLang="ko-KR" dirty="0"/>
+              <a:t>aggregate </a:t>
+            </a:r>
+            <a:r>
+              <a:rPr lang="ko-KR" altLang="en-US" dirty="0"/>
+              <a:t>식이다</a:t>
+            </a:r>
+            <a:r>
+              <a:rPr lang="en-US" altLang="ko-KR" dirty="0"/>
+              <a:t>.</a:t>
+            </a:r>
+          </a:p>
+          <a:p>
+            <a:r>
+              <a:rPr lang="ko-KR" altLang="en-US" dirty="0"/>
+              <a:t>총 </a:t>
+            </a:r>
+            <a:r>
+              <a:rPr lang="en-US" altLang="ko-KR" dirty="0"/>
+              <a:t>2</a:t>
+            </a:r>
+            <a:r>
+              <a:rPr lang="ko-KR" altLang="en-US" dirty="0"/>
+              <a:t>개의 </a:t>
+            </a:r>
+            <a:r>
+              <a:rPr lang="ko-KR" altLang="en-US" dirty="0" err="1"/>
+              <a:t>히든레이어를</a:t>
+            </a:r>
+            <a:r>
+              <a:rPr lang="ko-KR" altLang="en-US" dirty="0"/>
+              <a:t> 쌓아서 최종 </a:t>
+            </a:r>
+            <a:r>
+              <a:rPr lang="en-US" altLang="ko-KR" dirty="0"/>
+              <a:t>GCN </a:t>
+            </a:r>
+            <a:r>
+              <a:rPr lang="ko-KR" altLang="en-US" dirty="0"/>
+              <a:t>을 정의한다</a:t>
+            </a:r>
+            <a:r>
+              <a:rPr lang="en-US" altLang="ko-KR" dirty="0"/>
+              <a:t>.</a:t>
+            </a:r>
+          </a:p>
+          <a:p>
+            <a:r>
+              <a:rPr lang="en-US" altLang="ko-KR" dirty="0"/>
+              <a:t>X</a:t>
+            </a:r>
           </a:p>
         </p:txBody>
       </p:sp>
@@ -27430,58 +27482,855 @@
           </a:p>
         </p:txBody>
       </p:sp>
-      <p:sp>
-        <p:nvSpPr>
-          <p:cNvPr id="3" name="내용 개체 틀 2">
-            <a:extLst>
-              <a:ext uri="{FF2B5EF4-FFF2-40B4-BE49-F238E27FC236}">
-                <a16:creationId xmlns:a16="http://schemas.microsoft.com/office/drawing/2014/main" id="{6F3C4966-F49A-47DB-93D9-018CD3BE693E}"/>
-              </a:ext>
-            </a:extLst>
-          </p:cNvPr>
-          <p:cNvSpPr>
-            <a:spLocks noGrp="1"/>
-          </p:cNvSpPr>
-          <p:nvPr>
-            <p:ph idx="1"/>
-          </p:nvPr>
-        </p:nvSpPr>
-        <p:spPr>
-          <a:xfrm>
-            <a:off x="990600" y="1690688"/>
-            <a:ext cx="10210800" cy="3882798"/>
-          </a:xfrm>
-        </p:spPr>
-        <p:txBody>
-          <a:bodyPr>
-            <a:normAutofit/>
-          </a:bodyPr>
-          <a:lstStyle/>
-          <a:p>
-            <a:pPr>
-              <a:lnSpc>
-                <a:spcPct val="100000"/>
-              </a:lnSpc>
-              <a:buClr>
-                <a:srgbClr val="004F9E"/>
-              </a:buClr>
-              <a:buFont typeface="Wingdings" panose="05000000000000000000" pitchFamily="2" charset="2"/>
-              <a:buChar char="§"/>
-            </a:pPr>
-            <a:endParaRPr lang="en-US" altLang="ko-KR" sz="2400" dirty="0">
-              <a:solidFill>
-                <a:schemeClr val="tx1">
-                  <a:lumMod val="85000"/>
-                  <a:lumOff val="15000"/>
-                </a:schemeClr>
-              </a:solidFill>
-              <a:latin typeface="나눔스퀘어 ExtraBold" panose="020B0600000101010101" pitchFamily="50" charset="-127"/>
-              <a:ea typeface="나눔스퀘어 ExtraBold" panose="020B0600000101010101" pitchFamily="50" charset="-127"/>
-              <a:cs typeface="Arial" panose="020B0604020202020204" pitchFamily="34" charset="0"/>
-            </a:endParaRPr>
-          </a:p>
-        </p:txBody>
-      </p:sp>
+      <mc:AlternateContent xmlns:mc="http://schemas.openxmlformats.org/markup-compatibility/2006">
+        <mc:Choice xmlns:a14="http://schemas.microsoft.com/office/drawing/2010/main" Requires="a14">
+          <p:sp>
+            <p:nvSpPr>
+              <p:cNvPr id="3" name="내용 개체 틀 2">
+                <a:extLst>
+                  <a:ext uri="{FF2B5EF4-FFF2-40B4-BE49-F238E27FC236}">
+                    <a16:creationId xmlns:a16="http://schemas.microsoft.com/office/drawing/2014/main" id="{6F3C4966-F49A-47DB-93D9-018CD3BE693E}"/>
+                  </a:ext>
+                </a:extLst>
+              </p:cNvPr>
+              <p:cNvSpPr>
+                <a:spLocks noGrp="1"/>
+              </p:cNvSpPr>
+              <p:nvPr>
+                <p:ph idx="1"/>
+              </p:nvPr>
+            </p:nvSpPr>
+            <p:spPr>
+              <a:xfrm>
+                <a:off x="1143000" y="1309688"/>
+                <a:ext cx="10210800" cy="3882798"/>
+              </a:xfrm>
+            </p:spPr>
+            <p:txBody>
+              <a:bodyPr>
+                <a:normAutofit/>
+              </a:bodyPr>
+              <a:lstStyle/>
+              <a:p>
+                <a:pPr marL="0" indent="0" algn="ctr">
+                  <a:lnSpc>
+                    <a:spcPct val="150000"/>
+                  </a:lnSpc>
+                  <a:buClr>
+                    <a:srgbClr val="004F9E"/>
+                  </a:buClr>
+                  <a:buNone/>
+                </a:pPr>
+                <a14:m>
+                  <m:oMathPara xmlns:m="http://schemas.openxmlformats.org/officeDocument/2006/math">
+                    <m:oMathParaPr>
+                      <m:jc m:val="centerGroup"/>
+                    </m:oMathParaPr>
+                    <m:oMath xmlns:m="http://schemas.openxmlformats.org/officeDocument/2006/math">
+                      <m:r>
+                        <a:rPr lang="en-US" altLang="ko-KR" sz="2400" b="0" i="1" smtClean="0">
+                          <a:solidFill>
+                            <a:schemeClr val="tx1">
+                              <a:lumMod val="85000"/>
+                              <a:lumOff val="15000"/>
+                            </a:schemeClr>
+                          </a:solidFill>
+                          <a:latin typeface="Cambria Math" panose="02040503050406030204" pitchFamily="18" charset="0"/>
+                          <a:ea typeface="나눔스퀘어 ExtraBold" panose="020B0600000101010101" pitchFamily="50" charset="-127"/>
+                          <a:cs typeface="Arial" panose="020B0604020202020204" pitchFamily="34" charset="0"/>
+                        </a:rPr>
+                        <m:t>𝑍</m:t>
+                      </m:r>
+                      <m:r>
+                        <a:rPr lang="en-US" altLang="ko-KR" sz="2400" b="0" i="1" smtClean="0">
+                          <a:solidFill>
+                            <a:schemeClr val="tx1">
+                              <a:lumMod val="85000"/>
+                              <a:lumOff val="15000"/>
+                            </a:schemeClr>
+                          </a:solidFill>
+                          <a:latin typeface="Cambria Math" panose="02040503050406030204" pitchFamily="18" charset="0"/>
+                          <a:ea typeface="나눔스퀘어 ExtraBold" panose="020B0600000101010101" pitchFamily="50" charset="-127"/>
+                          <a:cs typeface="Arial" panose="020B0604020202020204" pitchFamily="34" charset="0"/>
+                        </a:rPr>
+                        <m:t>=</m:t>
+                      </m:r>
+                      <m:r>
+                        <a:rPr lang="en-US" altLang="ko-KR" sz="2400" b="0" i="1" smtClean="0">
+                          <a:solidFill>
+                            <a:schemeClr val="tx1">
+                              <a:lumMod val="85000"/>
+                              <a:lumOff val="15000"/>
+                            </a:schemeClr>
+                          </a:solidFill>
+                          <a:latin typeface="Cambria Math" panose="02040503050406030204" pitchFamily="18" charset="0"/>
+                          <a:ea typeface="나눔스퀘어 ExtraBold" panose="020B0600000101010101" pitchFamily="50" charset="-127"/>
+                          <a:cs typeface="Arial" panose="020B0604020202020204" pitchFamily="34" charset="0"/>
+                        </a:rPr>
+                        <m:t>𝑓</m:t>
+                      </m:r>
+                      <m:d>
+                        <m:dPr>
+                          <m:ctrlPr>
+                            <a:rPr lang="en-US" altLang="ko-KR" sz="2400" b="0" i="1" smtClean="0">
+                              <a:solidFill>
+                                <a:schemeClr val="tx1">
+                                  <a:lumMod val="85000"/>
+                                  <a:lumOff val="15000"/>
+                                </a:schemeClr>
+                              </a:solidFill>
+                              <a:latin typeface="Cambria Math" panose="02040503050406030204" pitchFamily="18" charset="0"/>
+                              <a:ea typeface="나눔스퀘어 ExtraBold" panose="020B0600000101010101" pitchFamily="50" charset="-127"/>
+                              <a:cs typeface="Arial" panose="020B0604020202020204" pitchFamily="34" charset="0"/>
+                            </a:rPr>
+                          </m:ctrlPr>
+                        </m:dPr>
+                        <m:e>
+                          <m:r>
+                            <a:rPr lang="en-US" altLang="ko-KR" sz="2400" b="0" i="1" smtClean="0">
+                              <a:solidFill>
+                                <a:schemeClr val="tx1">
+                                  <a:lumMod val="85000"/>
+                                  <a:lumOff val="15000"/>
+                                </a:schemeClr>
+                              </a:solidFill>
+                              <a:latin typeface="Cambria Math" panose="02040503050406030204" pitchFamily="18" charset="0"/>
+                              <a:ea typeface="나눔스퀘어 ExtraBold" panose="020B0600000101010101" pitchFamily="50" charset="-127"/>
+                              <a:cs typeface="Arial" panose="020B0604020202020204" pitchFamily="34" charset="0"/>
+                            </a:rPr>
+                            <m:t>𝑋</m:t>
+                          </m:r>
+                          <m:r>
+                            <a:rPr lang="en-US" altLang="ko-KR" sz="2400" b="0" i="1" smtClean="0">
+                              <a:solidFill>
+                                <a:schemeClr val="tx1">
+                                  <a:lumMod val="85000"/>
+                                  <a:lumOff val="15000"/>
+                                </a:schemeClr>
+                              </a:solidFill>
+                              <a:latin typeface="Cambria Math" panose="02040503050406030204" pitchFamily="18" charset="0"/>
+                              <a:ea typeface="나눔스퀘어 ExtraBold" panose="020B0600000101010101" pitchFamily="50" charset="-127"/>
+                              <a:cs typeface="Arial" panose="020B0604020202020204" pitchFamily="34" charset="0"/>
+                            </a:rPr>
+                            <m:t>,</m:t>
+                          </m:r>
+                          <m:r>
+                            <a:rPr lang="en-US" altLang="ko-KR" sz="2400" b="0" i="1" smtClean="0">
+                              <a:solidFill>
+                                <a:schemeClr val="tx1">
+                                  <a:lumMod val="85000"/>
+                                  <a:lumOff val="15000"/>
+                                </a:schemeClr>
+                              </a:solidFill>
+                              <a:latin typeface="Cambria Math" panose="02040503050406030204" pitchFamily="18" charset="0"/>
+                              <a:ea typeface="나눔스퀘어 ExtraBold" panose="020B0600000101010101" pitchFamily="50" charset="-127"/>
+                              <a:cs typeface="Arial" panose="020B0604020202020204" pitchFamily="34" charset="0"/>
+                            </a:rPr>
+                            <m:t>𝐴</m:t>
+                          </m:r>
+                        </m:e>
+                      </m:d>
+                      <m:r>
+                        <a:rPr lang="en-US" altLang="ko-KR" sz="2400" b="0" i="1" smtClean="0">
+                          <a:solidFill>
+                            <a:schemeClr val="tx1">
+                              <a:lumMod val="85000"/>
+                              <a:lumOff val="15000"/>
+                            </a:schemeClr>
+                          </a:solidFill>
+                          <a:latin typeface="Cambria Math" panose="02040503050406030204" pitchFamily="18" charset="0"/>
+                          <a:ea typeface="나눔스퀘어 ExtraBold" panose="020B0600000101010101" pitchFamily="50" charset="-127"/>
+                          <a:cs typeface="Arial" panose="020B0604020202020204" pitchFamily="34" charset="0"/>
+                        </a:rPr>
+                        <m:t>=</m:t>
+                      </m:r>
+                      <m:r>
+                        <a:rPr lang="en-US" altLang="ko-KR" sz="2400" b="0" i="1" smtClean="0">
+                          <a:solidFill>
+                            <a:schemeClr val="tx1">
+                              <a:lumMod val="85000"/>
+                              <a:lumOff val="15000"/>
+                            </a:schemeClr>
+                          </a:solidFill>
+                          <a:latin typeface="Cambria Math" panose="02040503050406030204" pitchFamily="18" charset="0"/>
+                          <a:ea typeface="나눔스퀘어 ExtraBold" panose="020B0600000101010101" pitchFamily="50" charset="-127"/>
+                          <a:cs typeface="Arial" panose="020B0604020202020204" pitchFamily="34" charset="0"/>
+                        </a:rPr>
+                        <m:t>𝑠𝑜𝑓𝑡𝑚𝑎𝑥</m:t>
+                      </m:r>
+                      <m:r>
+                        <a:rPr lang="en-US" altLang="ko-KR" sz="2400" b="0" i="1" smtClean="0">
+                          <a:solidFill>
+                            <a:schemeClr val="tx1">
+                              <a:lumMod val="85000"/>
+                              <a:lumOff val="15000"/>
+                            </a:schemeClr>
+                          </a:solidFill>
+                          <a:latin typeface="Cambria Math" panose="02040503050406030204" pitchFamily="18" charset="0"/>
+                          <a:ea typeface="나눔스퀘어 ExtraBold" panose="020B0600000101010101" pitchFamily="50" charset="-127"/>
+                          <a:cs typeface="Arial" panose="020B0604020202020204" pitchFamily="34" charset="0"/>
+                        </a:rPr>
+                        <m:t>(</m:t>
+                      </m:r>
+                      <m:acc>
+                        <m:accPr>
+                          <m:chr m:val="̂"/>
+                          <m:ctrlPr>
+                            <a:rPr lang="en-US" altLang="ko-KR" sz="2400" b="0" i="1" smtClean="0">
+                              <a:solidFill>
+                                <a:schemeClr val="tx1">
+                                  <a:lumMod val="85000"/>
+                                  <a:lumOff val="15000"/>
+                                </a:schemeClr>
+                              </a:solidFill>
+                              <a:latin typeface="Cambria Math" panose="02040503050406030204" pitchFamily="18" charset="0"/>
+                              <a:ea typeface="나눔스퀘어 ExtraBold" panose="020B0600000101010101" pitchFamily="50" charset="-127"/>
+                              <a:cs typeface="Arial" panose="020B0604020202020204" pitchFamily="34" charset="0"/>
+                            </a:rPr>
+                          </m:ctrlPr>
+                        </m:accPr>
+                        <m:e>
+                          <m:r>
+                            <a:rPr lang="en-US" altLang="ko-KR" sz="2400" b="0" i="1" smtClean="0">
+                              <a:solidFill>
+                                <a:schemeClr val="tx1">
+                                  <a:lumMod val="85000"/>
+                                  <a:lumOff val="15000"/>
+                                </a:schemeClr>
+                              </a:solidFill>
+                              <a:latin typeface="Cambria Math" panose="02040503050406030204" pitchFamily="18" charset="0"/>
+                              <a:ea typeface="나눔스퀘어 ExtraBold" panose="020B0600000101010101" pitchFamily="50" charset="-127"/>
+                              <a:cs typeface="Arial" panose="020B0604020202020204" pitchFamily="34" charset="0"/>
+                            </a:rPr>
+                            <m:t>𝐴</m:t>
+                          </m:r>
+                          <m:r>
+                            <a:rPr lang="en-US" altLang="ko-KR" sz="2400" b="0" i="1" smtClean="0">
+                              <a:solidFill>
+                                <a:schemeClr val="tx1">
+                                  <a:lumMod val="85000"/>
+                                  <a:lumOff val="15000"/>
+                                </a:schemeClr>
+                              </a:solidFill>
+                              <a:latin typeface="Cambria Math" panose="02040503050406030204" pitchFamily="18" charset="0"/>
+                              <a:ea typeface="나눔스퀘어 ExtraBold" panose="020B0600000101010101" pitchFamily="50" charset="-127"/>
+                              <a:cs typeface="Arial" panose="020B0604020202020204" pitchFamily="34" charset="0"/>
+                            </a:rPr>
+                            <m:t> </m:t>
+                          </m:r>
+                        </m:e>
+                      </m:acc>
+                      <m:r>
+                        <a:rPr lang="en-US" altLang="ko-KR" sz="2400" b="0" i="1" smtClean="0">
+                          <a:solidFill>
+                            <a:schemeClr val="tx1">
+                              <a:lumMod val="85000"/>
+                              <a:lumOff val="15000"/>
+                            </a:schemeClr>
+                          </a:solidFill>
+                          <a:latin typeface="Cambria Math" panose="02040503050406030204" pitchFamily="18" charset="0"/>
+                          <a:ea typeface="나눔스퀘어 ExtraBold" panose="020B0600000101010101" pitchFamily="50" charset="-127"/>
+                          <a:cs typeface="Arial" panose="020B0604020202020204" pitchFamily="34" charset="0"/>
+                        </a:rPr>
+                        <m:t>𝑅𝑒𝐿𝑢</m:t>
+                      </m:r>
+                      <m:r>
+                        <a:rPr lang="en-US" altLang="ko-KR" sz="2400" b="0" i="1" smtClean="0">
+                          <a:solidFill>
+                            <a:schemeClr val="tx1">
+                              <a:lumMod val="85000"/>
+                              <a:lumOff val="15000"/>
+                            </a:schemeClr>
+                          </a:solidFill>
+                          <a:latin typeface="Cambria Math" panose="02040503050406030204" pitchFamily="18" charset="0"/>
+                          <a:ea typeface="나눔스퀘어 ExtraBold" panose="020B0600000101010101" pitchFamily="50" charset="-127"/>
+                          <a:cs typeface="Arial" panose="020B0604020202020204" pitchFamily="34" charset="0"/>
+                        </a:rPr>
+                        <m:t> (</m:t>
+                      </m:r>
+                      <m:acc>
+                        <m:accPr>
+                          <m:chr m:val="̂"/>
+                          <m:ctrlPr>
+                            <a:rPr lang="en-US" altLang="ko-KR" sz="2400" b="0" i="1" smtClean="0">
+                              <a:solidFill>
+                                <a:schemeClr val="tx1">
+                                  <a:lumMod val="85000"/>
+                                  <a:lumOff val="15000"/>
+                                </a:schemeClr>
+                              </a:solidFill>
+                              <a:latin typeface="Cambria Math" panose="02040503050406030204" pitchFamily="18" charset="0"/>
+                              <a:ea typeface="나눔스퀘어 ExtraBold" panose="020B0600000101010101" pitchFamily="50" charset="-127"/>
+                              <a:cs typeface="Arial" panose="020B0604020202020204" pitchFamily="34" charset="0"/>
+                            </a:rPr>
+                          </m:ctrlPr>
+                        </m:accPr>
+                        <m:e>
+                          <m:r>
+                            <a:rPr lang="en-US" altLang="ko-KR" sz="2400" b="0" i="1" smtClean="0">
+                              <a:solidFill>
+                                <a:schemeClr val="tx1">
+                                  <a:lumMod val="85000"/>
+                                  <a:lumOff val="15000"/>
+                                </a:schemeClr>
+                              </a:solidFill>
+                              <a:latin typeface="Cambria Math" panose="02040503050406030204" pitchFamily="18" charset="0"/>
+                              <a:ea typeface="나눔스퀘어 ExtraBold" panose="020B0600000101010101" pitchFamily="50" charset="-127"/>
+                              <a:cs typeface="Arial" panose="020B0604020202020204" pitchFamily="34" charset="0"/>
+                            </a:rPr>
+                            <m:t>𝐴</m:t>
+                          </m:r>
+                        </m:e>
+                      </m:acc>
+                      <m:r>
+                        <a:rPr lang="en-US" altLang="ko-KR" sz="2400" b="0" i="1" smtClean="0">
+                          <a:solidFill>
+                            <a:schemeClr val="tx1">
+                              <a:lumMod val="85000"/>
+                              <a:lumOff val="15000"/>
+                            </a:schemeClr>
+                          </a:solidFill>
+                          <a:latin typeface="Cambria Math" panose="02040503050406030204" pitchFamily="18" charset="0"/>
+                          <a:ea typeface="나눔스퀘어 ExtraBold" panose="020B0600000101010101" pitchFamily="50" charset="-127"/>
+                          <a:cs typeface="Arial" panose="020B0604020202020204" pitchFamily="34" charset="0"/>
+                        </a:rPr>
+                        <m:t>𝑋</m:t>
+                      </m:r>
+                      <m:sSup>
+                        <m:sSupPr>
+                          <m:ctrlPr>
+                            <a:rPr lang="en-US" altLang="ko-KR" sz="2400" b="0" i="1" smtClean="0">
+                              <a:solidFill>
+                                <a:schemeClr val="tx1">
+                                  <a:lumMod val="85000"/>
+                                  <a:lumOff val="15000"/>
+                                </a:schemeClr>
+                              </a:solidFill>
+                              <a:latin typeface="Cambria Math" panose="02040503050406030204" pitchFamily="18" charset="0"/>
+                              <a:ea typeface="나눔스퀘어 ExtraBold" panose="020B0600000101010101" pitchFamily="50" charset="-127"/>
+                              <a:cs typeface="Arial" panose="020B0604020202020204" pitchFamily="34" charset="0"/>
+                            </a:rPr>
+                          </m:ctrlPr>
+                        </m:sSupPr>
+                        <m:e>
+                          <m:r>
+                            <a:rPr lang="en-US" altLang="ko-KR" sz="2400" b="0" i="1" smtClean="0">
+                              <a:solidFill>
+                                <a:schemeClr val="tx1">
+                                  <a:lumMod val="85000"/>
+                                  <a:lumOff val="15000"/>
+                                </a:schemeClr>
+                              </a:solidFill>
+                              <a:latin typeface="Cambria Math" panose="02040503050406030204" pitchFamily="18" charset="0"/>
+                              <a:ea typeface="나눔스퀘어 ExtraBold" panose="020B0600000101010101" pitchFamily="50" charset="-127"/>
+                              <a:cs typeface="Arial" panose="020B0604020202020204" pitchFamily="34" charset="0"/>
+                            </a:rPr>
+                            <m:t>𝑊</m:t>
+                          </m:r>
+                        </m:e>
+                        <m:sup>
+                          <m:r>
+                            <a:rPr lang="en-US" altLang="ko-KR" sz="2400" b="0" i="1" smtClean="0">
+                              <a:solidFill>
+                                <a:schemeClr val="tx1">
+                                  <a:lumMod val="85000"/>
+                                  <a:lumOff val="15000"/>
+                                </a:schemeClr>
+                              </a:solidFill>
+                              <a:latin typeface="Cambria Math" panose="02040503050406030204" pitchFamily="18" charset="0"/>
+                              <a:ea typeface="나눔스퀘어 ExtraBold" panose="020B0600000101010101" pitchFamily="50" charset="-127"/>
+                              <a:cs typeface="Arial" panose="020B0604020202020204" pitchFamily="34" charset="0"/>
+                            </a:rPr>
+                            <m:t>0</m:t>
+                          </m:r>
+                        </m:sup>
+                      </m:sSup>
+                      <m:r>
+                        <a:rPr lang="en-US" altLang="ko-KR" sz="2400" b="0" i="1" smtClean="0">
+                          <a:solidFill>
+                            <a:schemeClr val="tx1">
+                              <a:lumMod val="85000"/>
+                              <a:lumOff val="15000"/>
+                            </a:schemeClr>
+                          </a:solidFill>
+                          <a:latin typeface="Cambria Math" panose="02040503050406030204" pitchFamily="18" charset="0"/>
+                          <a:ea typeface="나눔스퀘어 ExtraBold" panose="020B0600000101010101" pitchFamily="50" charset="-127"/>
+                          <a:cs typeface="Arial" panose="020B0604020202020204" pitchFamily="34" charset="0"/>
+                        </a:rPr>
+                        <m:t>)</m:t>
+                      </m:r>
+                      <m:sSup>
+                        <m:sSupPr>
+                          <m:ctrlPr>
+                            <a:rPr lang="en-US" altLang="ko-KR" sz="2400" b="0" i="1" smtClean="0">
+                              <a:solidFill>
+                                <a:schemeClr val="tx1">
+                                  <a:lumMod val="85000"/>
+                                  <a:lumOff val="15000"/>
+                                </a:schemeClr>
+                              </a:solidFill>
+                              <a:latin typeface="Cambria Math" panose="02040503050406030204" pitchFamily="18" charset="0"/>
+                              <a:ea typeface="나눔스퀘어 ExtraBold" panose="020B0600000101010101" pitchFamily="50" charset="-127"/>
+                              <a:cs typeface="Arial" panose="020B0604020202020204" pitchFamily="34" charset="0"/>
+                            </a:rPr>
+                          </m:ctrlPr>
+                        </m:sSupPr>
+                        <m:e>
+                          <m:r>
+                            <a:rPr lang="en-US" altLang="ko-KR" sz="2400" b="0" i="1" smtClean="0">
+                              <a:solidFill>
+                                <a:schemeClr val="tx1">
+                                  <a:lumMod val="85000"/>
+                                  <a:lumOff val="15000"/>
+                                </a:schemeClr>
+                              </a:solidFill>
+                              <a:latin typeface="Cambria Math" panose="02040503050406030204" pitchFamily="18" charset="0"/>
+                              <a:ea typeface="나눔스퀘어 ExtraBold" panose="020B0600000101010101" pitchFamily="50" charset="-127"/>
+                              <a:cs typeface="Arial" panose="020B0604020202020204" pitchFamily="34" charset="0"/>
+                            </a:rPr>
+                            <m:t>𝑊</m:t>
+                          </m:r>
+                        </m:e>
+                        <m:sup>
+                          <m:r>
+                            <a:rPr lang="en-US" altLang="ko-KR" sz="2400" b="0" i="1" smtClean="0">
+                              <a:solidFill>
+                                <a:schemeClr val="tx1">
+                                  <a:lumMod val="85000"/>
+                                  <a:lumOff val="15000"/>
+                                </a:schemeClr>
+                              </a:solidFill>
+                              <a:latin typeface="Cambria Math" panose="02040503050406030204" pitchFamily="18" charset="0"/>
+                              <a:ea typeface="나눔스퀘어 ExtraBold" panose="020B0600000101010101" pitchFamily="50" charset="-127"/>
+                              <a:cs typeface="Arial" panose="020B0604020202020204" pitchFamily="34" charset="0"/>
+                            </a:rPr>
+                            <m:t>1</m:t>
+                          </m:r>
+                        </m:sup>
+                      </m:sSup>
+                    </m:oMath>
+                  </m:oMathPara>
+                </a14:m>
+                <a:endParaRPr lang="en-US" altLang="ko-KR" sz="2400" b="0" i="1" dirty="0">
+                  <a:solidFill>
+                    <a:schemeClr val="tx1">
+                      <a:lumMod val="85000"/>
+                      <a:lumOff val="15000"/>
+                    </a:schemeClr>
+                  </a:solidFill>
+                  <a:latin typeface="Cambria Math" panose="02040503050406030204" pitchFamily="18" charset="0"/>
+                  <a:ea typeface="나눔스퀘어 ExtraBold" panose="020B0600000101010101" pitchFamily="50" charset="-127"/>
+                  <a:cs typeface="Arial" panose="020B0604020202020204" pitchFamily="34" charset="0"/>
+                </a:endParaRPr>
+              </a:p>
+              <a:p>
+                <a:pPr marL="0" indent="0" algn="ctr">
+                  <a:lnSpc>
+                    <a:spcPct val="150000"/>
+                  </a:lnSpc>
+                  <a:buClr>
+                    <a:srgbClr val="004F9E"/>
+                  </a:buClr>
+                  <a:buNone/>
+                </a:pPr>
+                <a14:m>
+                  <m:oMath xmlns:m="http://schemas.openxmlformats.org/officeDocument/2006/math">
+                    <m:acc>
+                      <m:accPr>
+                        <m:chr m:val="̂"/>
+                        <m:ctrlPr>
+                          <a:rPr lang="en-US" altLang="ko-KR" sz="2400" b="0" i="1" smtClean="0">
+                            <a:solidFill>
+                              <a:schemeClr val="tx1">
+                                <a:lumMod val="85000"/>
+                                <a:lumOff val="15000"/>
+                              </a:schemeClr>
+                            </a:solidFill>
+                            <a:latin typeface="Cambria Math" panose="02040503050406030204" pitchFamily="18" charset="0"/>
+                            <a:ea typeface="나눔스퀘어 ExtraBold" panose="020B0600000101010101" pitchFamily="50" charset="-127"/>
+                            <a:cs typeface="Arial" panose="020B0604020202020204" pitchFamily="34" charset="0"/>
+                          </a:rPr>
+                        </m:ctrlPr>
+                      </m:accPr>
+                      <m:e>
+                        <m:r>
+                          <a:rPr lang="en-US" altLang="ko-KR" sz="2400" b="0" i="1" smtClean="0">
+                            <a:solidFill>
+                              <a:schemeClr val="tx1">
+                                <a:lumMod val="85000"/>
+                                <a:lumOff val="15000"/>
+                              </a:schemeClr>
+                            </a:solidFill>
+                            <a:latin typeface="Cambria Math" panose="02040503050406030204" pitchFamily="18" charset="0"/>
+                            <a:ea typeface="나눔스퀘어 ExtraBold" panose="020B0600000101010101" pitchFamily="50" charset="-127"/>
+                            <a:cs typeface="Arial" panose="020B0604020202020204" pitchFamily="34" charset="0"/>
+                          </a:rPr>
+                          <m:t>𝐴</m:t>
+                        </m:r>
+                      </m:e>
+                    </m:acc>
+                    <m:r>
+                      <a:rPr lang="en-US" altLang="ko-KR" sz="2400" b="0" i="1" smtClean="0">
+                        <a:solidFill>
+                          <a:schemeClr val="tx1">
+                            <a:lumMod val="85000"/>
+                            <a:lumOff val="15000"/>
+                          </a:schemeClr>
+                        </a:solidFill>
+                        <a:latin typeface="Cambria Math" panose="02040503050406030204" pitchFamily="18" charset="0"/>
+                        <a:ea typeface="나눔스퀘어 ExtraBold" panose="020B0600000101010101" pitchFamily="50" charset="-127"/>
+                        <a:cs typeface="Arial" panose="020B0604020202020204" pitchFamily="34" charset="0"/>
+                      </a:rPr>
+                      <m:t>=</m:t>
+                    </m:r>
+                    <m:sSup>
+                      <m:sSupPr>
+                        <m:ctrlPr>
+                          <a:rPr lang="en-US" altLang="ko-KR" sz="2400" b="0" i="1" smtClean="0">
+                            <a:solidFill>
+                              <a:schemeClr val="tx1">
+                                <a:lumMod val="85000"/>
+                                <a:lumOff val="15000"/>
+                              </a:schemeClr>
+                            </a:solidFill>
+                            <a:latin typeface="Cambria Math" panose="02040503050406030204" pitchFamily="18" charset="0"/>
+                            <a:ea typeface="나눔스퀘어 ExtraBold" panose="020B0600000101010101" pitchFamily="50" charset="-127"/>
+                            <a:cs typeface="Arial" panose="020B0604020202020204" pitchFamily="34" charset="0"/>
+                          </a:rPr>
+                        </m:ctrlPr>
+                      </m:sSupPr>
+                      <m:e>
+                        <m:acc>
+                          <m:accPr>
+                            <m:chr m:val="̃"/>
+                            <m:ctrlPr>
+                              <a:rPr lang="en-US" altLang="ko-KR" sz="2400" b="0" i="1" smtClean="0">
+                                <a:solidFill>
+                                  <a:schemeClr val="tx1">
+                                    <a:lumMod val="85000"/>
+                                    <a:lumOff val="15000"/>
+                                  </a:schemeClr>
+                                </a:solidFill>
+                                <a:latin typeface="Cambria Math" panose="02040503050406030204" pitchFamily="18" charset="0"/>
+                                <a:ea typeface="나눔스퀘어 ExtraBold" panose="020B0600000101010101" pitchFamily="50" charset="-127"/>
+                                <a:cs typeface="Arial" panose="020B0604020202020204" pitchFamily="34" charset="0"/>
+                              </a:rPr>
+                            </m:ctrlPr>
+                          </m:accPr>
+                          <m:e>
+                            <m:r>
+                              <a:rPr lang="en-US" altLang="ko-KR" sz="2400" b="0" i="1" smtClean="0">
+                                <a:solidFill>
+                                  <a:schemeClr val="tx1">
+                                    <a:lumMod val="85000"/>
+                                    <a:lumOff val="15000"/>
+                                  </a:schemeClr>
+                                </a:solidFill>
+                                <a:latin typeface="Cambria Math" panose="02040503050406030204" pitchFamily="18" charset="0"/>
+                                <a:ea typeface="나눔스퀘어 ExtraBold" panose="020B0600000101010101" pitchFamily="50" charset="-127"/>
+                                <a:cs typeface="Arial" panose="020B0604020202020204" pitchFamily="34" charset="0"/>
+                              </a:rPr>
+                              <m:t>𝐷</m:t>
+                            </m:r>
+                          </m:e>
+                        </m:acc>
+                      </m:e>
+                      <m:sup>
+                        <m:r>
+                          <a:rPr lang="en-US" altLang="ko-KR" sz="2400" b="0" i="1" smtClean="0">
+                            <a:solidFill>
+                              <a:schemeClr val="tx1">
+                                <a:lumMod val="85000"/>
+                                <a:lumOff val="15000"/>
+                              </a:schemeClr>
+                            </a:solidFill>
+                            <a:latin typeface="Cambria Math" panose="02040503050406030204" pitchFamily="18" charset="0"/>
+                            <a:ea typeface="나눔스퀘어 ExtraBold" panose="020B0600000101010101" pitchFamily="50" charset="-127"/>
+                            <a:cs typeface="Arial" panose="020B0604020202020204" pitchFamily="34" charset="0"/>
+                          </a:rPr>
+                          <m:t>−</m:t>
+                        </m:r>
+                        <m:f>
+                          <m:fPr>
+                            <m:ctrlPr>
+                              <a:rPr lang="en-US" altLang="ko-KR" sz="2400" b="0" i="1" smtClean="0">
+                                <a:solidFill>
+                                  <a:schemeClr val="tx1">
+                                    <a:lumMod val="85000"/>
+                                    <a:lumOff val="15000"/>
+                                  </a:schemeClr>
+                                </a:solidFill>
+                                <a:latin typeface="Cambria Math" panose="02040503050406030204" pitchFamily="18" charset="0"/>
+                                <a:ea typeface="나눔스퀘어 ExtraBold" panose="020B0600000101010101" pitchFamily="50" charset="-127"/>
+                                <a:cs typeface="Arial" panose="020B0604020202020204" pitchFamily="34" charset="0"/>
+                              </a:rPr>
+                            </m:ctrlPr>
+                          </m:fPr>
+                          <m:num>
+                            <m:r>
+                              <a:rPr lang="en-US" altLang="ko-KR" sz="2400" b="0" i="1" smtClean="0">
+                                <a:solidFill>
+                                  <a:schemeClr val="tx1">
+                                    <a:lumMod val="85000"/>
+                                    <a:lumOff val="15000"/>
+                                  </a:schemeClr>
+                                </a:solidFill>
+                                <a:latin typeface="Cambria Math" panose="02040503050406030204" pitchFamily="18" charset="0"/>
+                                <a:ea typeface="나눔스퀘어 ExtraBold" panose="020B0600000101010101" pitchFamily="50" charset="-127"/>
+                                <a:cs typeface="Arial" panose="020B0604020202020204" pitchFamily="34" charset="0"/>
+                              </a:rPr>
+                              <m:t>1</m:t>
+                            </m:r>
+                          </m:num>
+                          <m:den>
+                            <m:r>
+                              <a:rPr lang="en-US" altLang="ko-KR" sz="2400" b="0" i="1" smtClean="0">
+                                <a:solidFill>
+                                  <a:schemeClr val="tx1">
+                                    <a:lumMod val="85000"/>
+                                    <a:lumOff val="15000"/>
+                                  </a:schemeClr>
+                                </a:solidFill>
+                                <a:latin typeface="Cambria Math" panose="02040503050406030204" pitchFamily="18" charset="0"/>
+                                <a:ea typeface="나눔스퀘어 ExtraBold" panose="020B0600000101010101" pitchFamily="50" charset="-127"/>
+                                <a:cs typeface="Arial" panose="020B0604020202020204" pitchFamily="34" charset="0"/>
+                              </a:rPr>
+                              <m:t>2</m:t>
+                            </m:r>
+                          </m:den>
+                        </m:f>
+                      </m:sup>
+                    </m:sSup>
+                    <m:acc>
+                      <m:accPr>
+                        <m:chr m:val="̃"/>
+                        <m:ctrlPr>
+                          <a:rPr lang="en-US" altLang="ko-KR" sz="2400" b="0" i="1" smtClean="0">
+                            <a:solidFill>
+                              <a:schemeClr val="tx1">
+                                <a:lumMod val="85000"/>
+                                <a:lumOff val="15000"/>
+                              </a:schemeClr>
+                            </a:solidFill>
+                            <a:latin typeface="Cambria Math" panose="02040503050406030204" pitchFamily="18" charset="0"/>
+                            <a:ea typeface="나눔스퀘어 ExtraBold" panose="020B0600000101010101" pitchFamily="50" charset="-127"/>
+                            <a:cs typeface="Arial" panose="020B0604020202020204" pitchFamily="34" charset="0"/>
+                          </a:rPr>
+                        </m:ctrlPr>
+                      </m:accPr>
+                      <m:e>
+                        <m:r>
+                          <a:rPr lang="en-US" altLang="ko-KR" sz="2400" b="0" i="1" smtClean="0">
+                            <a:solidFill>
+                              <a:schemeClr val="tx1">
+                                <a:lumMod val="85000"/>
+                                <a:lumOff val="15000"/>
+                              </a:schemeClr>
+                            </a:solidFill>
+                            <a:latin typeface="Cambria Math" panose="02040503050406030204" pitchFamily="18" charset="0"/>
+                            <a:ea typeface="나눔스퀘어 ExtraBold" panose="020B0600000101010101" pitchFamily="50" charset="-127"/>
+                            <a:cs typeface="Arial" panose="020B0604020202020204" pitchFamily="34" charset="0"/>
+                          </a:rPr>
+                          <m:t>𝐴</m:t>
+                        </m:r>
+                      </m:e>
+                    </m:acc>
+                  </m:oMath>
+                </a14:m>
+                <a:r>
+                  <a:rPr lang="en-US" altLang="ko-KR" sz="2400" dirty="0">
+                    <a:solidFill>
+                      <a:schemeClr val="tx1">
+                        <a:lumMod val="85000"/>
+                        <a:lumOff val="15000"/>
+                      </a:schemeClr>
+                    </a:solidFill>
+                    <a:ea typeface="나눔스퀘어 ExtraBold" panose="020B0600000101010101" pitchFamily="50" charset="-127"/>
+                    <a:cs typeface="Arial" panose="020B0604020202020204" pitchFamily="34" charset="0"/>
+                  </a:rPr>
+                  <a:t> </a:t>
+                </a:r>
+                <a14:m>
+                  <m:oMath xmlns:m="http://schemas.openxmlformats.org/officeDocument/2006/math">
+                    <m:sSup>
+                      <m:sSupPr>
+                        <m:ctrlPr>
+                          <a:rPr lang="en-US" altLang="ko-KR" sz="2400" i="1">
+                            <a:solidFill>
+                              <a:schemeClr val="tx1">
+                                <a:lumMod val="85000"/>
+                                <a:lumOff val="15000"/>
+                              </a:schemeClr>
+                            </a:solidFill>
+                            <a:latin typeface="Cambria Math" panose="02040503050406030204" pitchFamily="18" charset="0"/>
+                            <a:ea typeface="나눔스퀘어 ExtraBold" panose="020B0600000101010101" pitchFamily="50" charset="-127"/>
+                            <a:cs typeface="Arial" panose="020B0604020202020204" pitchFamily="34" charset="0"/>
+                          </a:rPr>
+                        </m:ctrlPr>
+                      </m:sSupPr>
+                      <m:e>
+                        <m:acc>
+                          <m:accPr>
+                            <m:chr m:val="̃"/>
+                            <m:ctrlPr>
+                              <a:rPr lang="en-US" altLang="ko-KR" sz="2400" i="1">
+                                <a:solidFill>
+                                  <a:schemeClr val="tx1">
+                                    <a:lumMod val="85000"/>
+                                    <a:lumOff val="15000"/>
+                                  </a:schemeClr>
+                                </a:solidFill>
+                                <a:latin typeface="Cambria Math" panose="02040503050406030204" pitchFamily="18" charset="0"/>
+                                <a:ea typeface="나눔스퀘어 ExtraBold" panose="020B0600000101010101" pitchFamily="50" charset="-127"/>
+                                <a:cs typeface="Arial" panose="020B0604020202020204" pitchFamily="34" charset="0"/>
+                              </a:rPr>
+                            </m:ctrlPr>
+                          </m:accPr>
+                          <m:e>
+                            <m:r>
+                              <a:rPr lang="en-US" altLang="ko-KR" sz="2400" i="1">
+                                <a:solidFill>
+                                  <a:schemeClr val="tx1">
+                                    <a:lumMod val="85000"/>
+                                    <a:lumOff val="15000"/>
+                                  </a:schemeClr>
+                                </a:solidFill>
+                                <a:latin typeface="Cambria Math" panose="02040503050406030204" pitchFamily="18" charset="0"/>
+                                <a:ea typeface="나눔스퀘어 ExtraBold" panose="020B0600000101010101" pitchFamily="50" charset="-127"/>
+                                <a:cs typeface="Arial" panose="020B0604020202020204" pitchFamily="34" charset="0"/>
+                              </a:rPr>
+                              <m:t>𝐷</m:t>
+                            </m:r>
+                          </m:e>
+                        </m:acc>
+                      </m:e>
+                      <m:sup>
+                        <m:r>
+                          <a:rPr lang="en-US" altLang="ko-KR" sz="2400" i="1">
+                            <a:solidFill>
+                              <a:schemeClr val="tx1">
+                                <a:lumMod val="85000"/>
+                                <a:lumOff val="15000"/>
+                              </a:schemeClr>
+                            </a:solidFill>
+                            <a:latin typeface="Cambria Math" panose="02040503050406030204" pitchFamily="18" charset="0"/>
+                            <a:ea typeface="나눔스퀘어 ExtraBold" panose="020B0600000101010101" pitchFamily="50" charset="-127"/>
+                            <a:cs typeface="Arial" panose="020B0604020202020204" pitchFamily="34" charset="0"/>
+                          </a:rPr>
+                          <m:t>−</m:t>
+                        </m:r>
+                        <m:f>
+                          <m:fPr>
+                            <m:ctrlPr>
+                              <a:rPr lang="en-US" altLang="ko-KR" sz="2400" i="1">
+                                <a:solidFill>
+                                  <a:schemeClr val="tx1">
+                                    <a:lumMod val="85000"/>
+                                    <a:lumOff val="15000"/>
+                                  </a:schemeClr>
+                                </a:solidFill>
+                                <a:latin typeface="Cambria Math" panose="02040503050406030204" pitchFamily="18" charset="0"/>
+                                <a:ea typeface="나눔스퀘어 ExtraBold" panose="020B0600000101010101" pitchFamily="50" charset="-127"/>
+                                <a:cs typeface="Arial" panose="020B0604020202020204" pitchFamily="34" charset="0"/>
+                              </a:rPr>
+                            </m:ctrlPr>
+                          </m:fPr>
+                          <m:num>
+                            <m:r>
+                              <a:rPr lang="en-US" altLang="ko-KR" sz="2400" i="1">
+                                <a:solidFill>
+                                  <a:schemeClr val="tx1">
+                                    <a:lumMod val="85000"/>
+                                    <a:lumOff val="15000"/>
+                                  </a:schemeClr>
+                                </a:solidFill>
+                                <a:latin typeface="Cambria Math" panose="02040503050406030204" pitchFamily="18" charset="0"/>
+                                <a:ea typeface="나눔스퀘어 ExtraBold" panose="020B0600000101010101" pitchFamily="50" charset="-127"/>
+                                <a:cs typeface="Arial" panose="020B0604020202020204" pitchFamily="34" charset="0"/>
+                              </a:rPr>
+                              <m:t>1</m:t>
+                            </m:r>
+                          </m:num>
+                          <m:den>
+                            <m:r>
+                              <a:rPr lang="en-US" altLang="ko-KR" sz="2400" i="1">
+                                <a:solidFill>
+                                  <a:schemeClr val="tx1">
+                                    <a:lumMod val="85000"/>
+                                    <a:lumOff val="15000"/>
+                                  </a:schemeClr>
+                                </a:solidFill>
+                                <a:latin typeface="Cambria Math" panose="02040503050406030204" pitchFamily="18" charset="0"/>
+                                <a:ea typeface="나눔스퀘어 ExtraBold" panose="020B0600000101010101" pitchFamily="50" charset="-127"/>
+                                <a:cs typeface="Arial" panose="020B0604020202020204" pitchFamily="34" charset="0"/>
+                              </a:rPr>
+                              <m:t>2</m:t>
+                            </m:r>
+                          </m:den>
+                        </m:f>
+                      </m:sup>
+                    </m:sSup>
+                  </m:oMath>
+                </a14:m>
+                <a:endParaRPr lang="en-US" altLang="ko-KR" sz="2400" dirty="0">
+                  <a:solidFill>
+                    <a:schemeClr val="tx1">
+                      <a:lumMod val="85000"/>
+                      <a:lumOff val="15000"/>
+                    </a:schemeClr>
+                  </a:solidFill>
+                  <a:latin typeface="나눔스퀘어 ExtraBold" panose="020B0600000101010101" pitchFamily="50" charset="-127"/>
+                  <a:ea typeface="나눔스퀘어 ExtraBold" panose="020B0600000101010101" pitchFamily="50" charset="-127"/>
+                  <a:cs typeface="Arial" panose="020B0604020202020204" pitchFamily="34" charset="0"/>
+                </a:endParaRPr>
+              </a:p>
+            </p:txBody>
+          </p:sp>
+        </mc:Choice>
+        <mc:Fallback>
+          <p:sp>
+            <p:nvSpPr>
+              <p:cNvPr id="3" name="내용 개체 틀 2">
+                <a:extLst>
+                  <a:ext uri="{FF2B5EF4-FFF2-40B4-BE49-F238E27FC236}">
+                    <a16:creationId xmlns:a16="http://schemas.microsoft.com/office/drawing/2014/main" id="{6F3C4966-F49A-47DB-93D9-018CD3BE693E}"/>
+                  </a:ext>
+                </a:extLst>
+              </p:cNvPr>
+              <p:cNvSpPr>
+                <a:spLocks noGrp="1" noRot="1" noChangeAspect="1" noMove="1" noResize="1" noEditPoints="1" noAdjustHandles="1" noChangeArrowheads="1" noChangeShapeType="1" noTextEdit="1"/>
+              </p:cNvSpPr>
+              <p:nvPr>
+                <p:ph idx="1"/>
+              </p:nvPr>
+            </p:nvSpPr>
+            <p:spPr>
+              <a:xfrm>
+                <a:off x="1143000" y="1309688"/>
+                <a:ext cx="10210800" cy="3882798"/>
+              </a:xfrm>
+              <a:blipFill>
+                <a:blip r:embed="rId3"/>
+                <a:stretch>
+                  <a:fillRect/>
+                </a:stretch>
+              </a:blipFill>
+            </p:spPr>
+            <p:txBody>
+              <a:bodyPr/>
+              <a:lstStyle/>
+              <a:p>
+                <a:r>
+                  <a:rPr lang="ko-KR" altLang="en-US">
+                    <a:noFill/>
+                  </a:rPr>
+                  <a:t> </a:t>
+                </a:r>
+              </a:p>
+            </p:txBody>
+          </p:sp>
+        </mc:Fallback>
+      </mc:AlternateContent>
       <p:sp>
         <p:nvSpPr>
           <p:cNvPr id="4" name="슬라이드 번호 개체 틀 3">
@@ -27512,6 +28361,36 @@
           </a:p>
         </p:txBody>
       </p:sp>
+      <p:pic>
+        <p:nvPicPr>
+          <p:cNvPr id="8" name="그림 7">
+            <a:extLst>
+              <a:ext uri="{FF2B5EF4-FFF2-40B4-BE49-F238E27FC236}">
+                <a16:creationId xmlns:a16="http://schemas.microsoft.com/office/drawing/2014/main" id="{BBA84617-8186-8E12-63DC-DEDEDDDFB430}"/>
+              </a:ext>
+            </a:extLst>
+          </p:cNvPr>
+          <p:cNvPicPr>
+            <a:picLocks noChangeAspect="1"/>
+          </p:cNvPicPr>
+          <p:nvPr/>
+        </p:nvPicPr>
+        <p:blipFill>
+          <a:blip r:embed="rId4"/>
+          <a:stretch>
+            <a:fillRect/>
+          </a:stretch>
+        </p:blipFill>
+        <p:spPr>
+          <a:xfrm>
+            <a:off x="2149962" y="2859917"/>
+            <a:ext cx="8196875" cy="3114991"/>
+          </a:xfrm>
+          <a:prstGeom prst="rect">
+            <a:avLst/>
+          </a:prstGeom>
+        </p:spPr>
+      </p:pic>
     </p:spTree>
     <p:extLst>
       <p:ext uri="{BB962C8B-B14F-4D97-AF65-F5344CB8AC3E}">
